--- a/TalkatFI2019.pptx
+++ b/TalkatFI2019.pptx
@@ -6,12 +6,13 @@
   </p:sldMasterIdLst>
   <p:sldIdLst>
     <p:sldId id="262" r:id="rId2"/>
-    <p:sldId id="271" r:id="rId3"/>
-    <p:sldId id="272" r:id="rId4"/>
-    <p:sldId id="275" r:id="rId5"/>
-    <p:sldId id="273" r:id="rId6"/>
-    <p:sldId id="270" r:id="rId7"/>
-    <p:sldId id="274" r:id="rId8"/>
+    <p:sldId id="276" r:id="rId3"/>
+    <p:sldId id="271" r:id="rId4"/>
+    <p:sldId id="272" r:id="rId5"/>
+    <p:sldId id="275" r:id="rId6"/>
+    <p:sldId id="273" r:id="rId7"/>
+    <p:sldId id="270" r:id="rId8"/>
+    <p:sldId id="274" r:id="rId9"/>
   </p:sldIdLst>
   <p:sldSz cx="9144000" cy="6858000" type="screen4x3"/>
   <p:notesSz cx="6858000" cy="9144000"/>
@@ -3411,6 +3412,357 @@
         </p:nvGrpSpPr>
         <p:grpSpPr>
           <a:xfrm>
+            <a:off x="0" y="454047"/>
+            <a:ext cx="8876764" cy="453980"/>
+            <a:chOff x="-115910" y="386367"/>
+            <a:chExt cx="11835685" cy="605307"/>
+          </a:xfrm>
+          <a:solidFill>
+            <a:srgbClr val="0C2738"/>
+          </a:solidFill>
+        </p:grpSpPr>
+        <p:sp>
+          <p:nvSpPr>
+            <p:cNvPr id="3" name="Round Single Corner Rectangle 2"/>
+            <p:cNvSpPr/>
+            <p:nvPr/>
+          </p:nvSpPr>
+          <p:spPr>
+            <a:xfrm>
+              <a:off x="-115910" y="386367"/>
+              <a:ext cx="11835685" cy="605307"/>
+            </a:xfrm>
+            <a:prstGeom prst="round1Rect">
+              <a:avLst/>
+            </a:prstGeom>
+            <a:grpFill/>
+            <a:ln>
+              <a:noFill/>
+            </a:ln>
+          </p:spPr>
+          <p:style>
+            <a:lnRef idx="2">
+              <a:schemeClr val="accent1">
+                <a:shade val="50000"/>
+              </a:schemeClr>
+            </a:lnRef>
+            <a:fillRef idx="1">
+              <a:schemeClr val="accent1"/>
+            </a:fillRef>
+            <a:effectRef idx="0">
+              <a:schemeClr val="accent1"/>
+            </a:effectRef>
+            <a:fontRef idx="minor">
+              <a:schemeClr val="lt1"/>
+            </a:fontRef>
+          </p:style>
+          <p:txBody>
+            <a:bodyPr rtlCol="0" anchor="ctr"/>
+            <a:lstStyle/>
+            <a:p>
+              <a:pPr algn="ctr"/>
+              <a:endParaRPr lang="en-GB" sz="1350"/>
+            </a:p>
+          </p:txBody>
+        </p:sp>
+        <p:pic>
+          <p:nvPicPr>
+            <p:cNvPr id="4" name="Picture 3"/>
+            <p:cNvPicPr>
+              <a:picLocks noChangeAspect="1"/>
+            </p:cNvPicPr>
+            <p:nvPr/>
+          </p:nvPicPr>
+          <p:blipFill>
+            <a:blip r:embed="rId2" cstate="print">
+              <a:extLst>
+                <a:ext uri="{28A0092B-C50C-407E-A947-70E740481C1C}">
+                  <a14:useLocalDpi xmlns:a14="http://schemas.microsoft.com/office/drawing/2010/main" val="0"/>
+                </a:ext>
+              </a:extLst>
+            </a:blip>
+            <a:stretch>
+              <a:fillRect/>
+            </a:stretch>
+          </p:blipFill>
+          <p:spPr>
+            <a:xfrm>
+              <a:off x="9710730" y="425004"/>
+              <a:ext cx="1918893" cy="496430"/>
+            </a:xfrm>
+            <a:prstGeom prst="rect">
+              <a:avLst/>
+            </a:prstGeom>
+            <a:grpFill/>
+          </p:spPr>
+        </p:pic>
+      </p:grpSp>
+      <p:sp>
+        <p:nvSpPr>
+          <p:cNvPr id="5" name="Title 4">
+            <a:extLst>
+              <a:ext uri="{FF2B5EF4-FFF2-40B4-BE49-F238E27FC236}">
+                <a16:creationId xmlns:a16="http://schemas.microsoft.com/office/drawing/2014/main" id="{AF50D3C7-0A82-4F71-850A-F713A06EFDE7}"/>
+              </a:ext>
+            </a:extLst>
+          </p:cNvPr>
+          <p:cNvSpPr>
+            <a:spLocks noGrp="1"/>
+          </p:cNvSpPr>
+          <p:nvPr>
+            <p:ph type="title"/>
+          </p:nvPr>
+        </p:nvSpPr>
+        <p:spPr>
+          <a:xfrm>
+            <a:off x="628650" y="365126"/>
+            <a:ext cx="7886700" cy="692149"/>
+          </a:xfrm>
+        </p:spPr>
+        <p:txBody>
+          <a:bodyPr>
+            <a:normAutofit fontScale="90000"/>
+          </a:bodyPr>
+          <a:lstStyle/>
+          <a:p>
+            <a:r>
+              <a:rPr lang="en-GB" dirty="0">
+                <a:solidFill>
+                  <a:schemeClr val="bg1"/>
+                </a:solidFill>
+              </a:rPr>
+              <a:t>Who are we?</a:t>
+            </a:r>
+          </a:p>
+        </p:txBody>
+      </p:sp>
+      <p:sp>
+        <p:nvSpPr>
+          <p:cNvPr id="6" name="Content Placeholder 5">
+            <a:extLst>
+              <a:ext uri="{FF2B5EF4-FFF2-40B4-BE49-F238E27FC236}">
+                <a16:creationId xmlns:a16="http://schemas.microsoft.com/office/drawing/2014/main" id="{64DB21E0-6C3B-4F1C-BD25-D7DEBB4E9DAA}"/>
+              </a:ext>
+            </a:extLst>
+          </p:cNvPr>
+          <p:cNvSpPr>
+            <a:spLocks noGrp="1"/>
+          </p:cNvSpPr>
+          <p:nvPr>
+            <p:ph idx="1"/>
+          </p:nvPr>
+        </p:nvSpPr>
+        <p:spPr/>
+        <p:txBody>
+          <a:bodyPr/>
+          <a:lstStyle/>
+          <a:p>
+            <a:r>
+              <a:rPr lang="en-GB" dirty="0"/>
+              <a:t>British Computer Society: the Chartered Institute for IT.  Mission “Make IT good for society”. See https://www.bcs.org/</a:t>
+            </a:r>
+          </a:p>
+          <a:p>
+            <a:r>
+              <a:rPr lang="en-GB" dirty="0"/>
+              <a:t>A learned and professional society, that also does accreditation: think ACM+ABET.</a:t>
+            </a:r>
+          </a:p>
+          <a:p>
+            <a:r>
+              <a:rPr lang="en-GB" dirty="0"/>
+              <a:t>The Institute of Coding: a joint Government and industry initiative to improve digital skills at university level (</a:t>
+            </a:r>
+            <a:r>
+              <a:rPr lang="en-GB" i="1" dirty="0"/>
+              <a:t>not </a:t>
+            </a:r>
+            <a:r>
+              <a:rPr lang="en-GB" dirty="0"/>
+              <a:t>necessarily in universities) in England: funded 2018-2020, led from Bath. See https://instituteofcoding.org/</a:t>
+            </a:r>
+          </a:p>
+        </p:txBody>
+      </p:sp>
+    </p:spTree>
+    <p:extLst>
+      <p:ext uri="{BB962C8B-B14F-4D97-AF65-F5344CB8AC3E}">
+        <p14:creationId xmlns:p14="http://schemas.microsoft.com/office/powerpoint/2010/main" val="1390661068"/>
+      </p:ext>
+    </p:extLst>
+  </p:cSld>
+  <p:clrMapOvr>
+    <a:masterClrMapping/>
+  </p:clrMapOvr>
+  <p:timing>
+    <p:tnLst>
+      <p:par>
+        <p:cTn id="1" dur="indefinite" restart="never" nodeType="tmRoot">
+          <p:childTnLst>
+            <p:seq concurrent="1" nextAc="seek">
+              <p:cTn id="2" dur="indefinite" nodeType="mainSeq">
+                <p:childTnLst>
+                  <p:par>
+                    <p:cTn id="3" fill="hold">
+                      <p:stCondLst>
+                        <p:cond delay="indefinite"/>
+                      </p:stCondLst>
+                      <p:childTnLst>
+                        <p:par>
+                          <p:cTn id="4" fill="hold">
+                            <p:stCondLst>
+                              <p:cond delay="0"/>
+                            </p:stCondLst>
+                            <p:childTnLst>
+                              <p:par>
+                                <p:cTn id="5" presetID="1" presetClass="entr" presetSubtype="0" fill="hold" nodeType="clickEffect">
+                                  <p:stCondLst>
+                                    <p:cond delay="0"/>
+                                  </p:stCondLst>
+                                  <p:childTnLst>
+                                    <p:set>
+                                      <p:cBhvr>
+                                        <p:cTn id="6" dur="1" fill="hold">
+                                          <p:stCondLst>
+                                            <p:cond delay="0"/>
+                                          </p:stCondLst>
+                                        </p:cTn>
+                                        <p:tgtEl>
+                                          <p:spTgt spid="6">
+                                            <p:txEl>
+                                              <p:pRg st="0" end="0"/>
+                                            </p:txEl>
+                                          </p:spTgt>
+                                        </p:tgtEl>
+                                        <p:attrNameLst>
+                                          <p:attrName>style.visibility</p:attrName>
+                                        </p:attrNameLst>
+                                      </p:cBhvr>
+                                      <p:to>
+                                        <p:strVal val="visible"/>
+                                      </p:to>
+                                    </p:set>
+                                  </p:childTnLst>
+                                </p:cTn>
+                              </p:par>
+                              <p:par>
+                                <p:cTn id="7" presetID="1" presetClass="entr" presetSubtype="0" fill="hold" nodeType="withEffect">
+                                  <p:stCondLst>
+                                    <p:cond delay="0"/>
+                                  </p:stCondLst>
+                                  <p:childTnLst>
+                                    <p:set>
+                                      <p:cBhvr>
+                                        <p:cTn id="8" dur="1" fill="hold">
+                                          <p:stCondLst>
+                                            <p:cond delay="0"/>
+                                          </p:stCondLst>
+                                        </p:cTn>
+                                        <p:tgtEl>
+                                          <p:spTgt spid="6">
+                                            <p:txEl>
+                                              <p:pRg st="1" end="1"/>
+                                            </p:txEl>
+                                          </p:spTgt>
+                                        </p:tgtEl>
+                                        <p:attrNameLst>
+                                          <p:attrName>style.visibility</p:attrName>
+                                        </p:attrNameLst>
+                                      </p:cBhvr>
+                                      <p:to>
+                                        <p:strVal val="visible"/>
+                                      </p:to>
+                                    </p:set>
+                                  </p:childTnLst>
+                                </p:cTn>
+                              </p:par>
+                              <p:par>
+                                <p:cTn id="9" presetID="1" presetClass="entr" presetSubtype="0" fill="hold" nodeType="withEffect">
+                                  <p:stCondLst>
+                                    <p:cond delay="0"/>
+                                  </p:stCondLst>
+                                  <p:childTnLst>
+                                    <p:set>
+                                      <p:cBhvr>
+                                        <p:cTn id="10" dur="1" fill="hold">
+                                          <p:stCondLst>
+                                            <p:cond delay="0"/>
+                                          </p:stCondLst>
+                                        </p:cTn>
+                                        <p:tgtEl>
+                                          <p:spTgt spid="6">
+                                            <p:txEl>
+                                              <p:pRg st="2" end="2"/>
+                                            </p:txEl>
+                                          </p:spTgt>
+                                        </p:tgtEl>
+                                        <p:attrNameLst>
+                                          <p:attrName>style.visibility</p:attrName>
+                                        </p:attrNameLst>
+                                      </p:cBhvr>
+                                      <p:to>
+                                        <p:strVal val="visible"/>
+                                      </p:to>
+                                    </p:set>
+                                  </p:childTnLst>
+                                </p:cTn>
+                              </p:par>
+                            </p:childTnLst>
+                          </p:cTn>
+                        </p:par>
+                      </p:childTnLst>
+                    </p:cTn>
+                  </p:par>
+                </p:childTnLst>
+              </p:cTn>
+              <p:prevCondLst>
+                <p:cond evt="onPrev" delay="0">
+                  <p:tgtEl>
+                    <p:sldTgt/>
+                  </p:tgtEl>
+                </p:cond>
+              </p:prevCondLst>
+              <p:nextCondLst>
+                <p:cond evt="onNext" delay="0">
+                  <p:tgtEl>
+                    <p:sldTgt/>
+                  </p:tgtEl>
+                </p:cond>
+              </p:nextCondLst>
+            </p:seq>
+          </p:childTnLst>
+        </p:cTn>
+      </p:par>
+    </p:tnLst>
+  </p:timing>
+</p:sld>
+</file>
+
+<file path=ppt/slides/slide3.xml><?xml version="1.0" encoding="utf-8"?>
+<p:sld xmlns:a="http://schemas.openxmlformats.org/drawingml/2006/main" xmlns:r="http://schemas.openxmlformats.org/officeDocument/2006/relationships" xmlns:p="http://schemas.openxmlformats.org/presentationml/2006/main">
+  <p:cSld>
+    <p:spTree>
+      <p:nvGrpSpPr>
+        <p:cNvPr id="1" name=""/>
+        <p:cNvGrpSpPr/>
+        <p:nvPr/>
+      </p:nvGrpSpPr>
+      <p:grpSpPr>
+        <a:xfrm>
+          <a:off x="0" y="0"/>
+          <a:ext cx="0" cy="0"/>
+          <a:chOff x="0" y="0"/>
+          <a:chExt cx="0" cy="0"/>
+        </a:xfrm>
+      </p:grpSpPr>
+      <p:grpSp>
+        <p:nvGrpSpPr>
+          <p:cNvPr id="2" name="Group 1"/>
+          <p:cNvGrpSpPr/>
+          <p:nvPr/>
+        </p:nvGrpSpPr>
+        <p:grpSpPr>
+          <a:xfrm>
             <a:off x="60385" y="448286"/>
             <a:ext cx="8876764" cy="453980"/>
             <a:chOff x="-115910" y="386367"/>
@@ -3920,356 +4272,6 @@
 </p:sld>
 </file>
 
-<file path=ppt/slides/slide3.xml><?xml version="1.0" encoding="utf-8"?>
-<p:sld xmlns:a="http://schemas.openxmlformats.org/drawingml/2006/main" xmlns:r="http://schemas.openxmlformats.org/officeDocument/2006/relationships" xmlns:p="http://schemas.openxmlformats.org/presentationml/2006/main">
-  <p:cSld>
-    <p:spTree>
-      <p:nvGrpSpPr>
-        <p:cNvPr id="1" name=""/>
-        <p:cNvGrpSpPr/>
-        <p:nvPr/>
-      </p:nvGrpSpPr>
-      <p:grpSpPr>
-        <a:xfrm>
-          <a:off x="0" y="0"/>
-          <a:ext cx="0" cy="0"/>
-          <a:chOff x="0" y="0"/>
-          <a:chExt cx="0" cy="0"/>
-        </a:xfrm>
-      </p:grpSpPr>
-      <p:grpSp>
-        <p:nvGrpSpPr>
-          <p:cNvPr id="2" name="Group 1"/>
-          <p:cNvGrpSpPr/>
-          <p:nvPr/>
-        </p:nvGrpSpPr>
-        <p:grpSpPr>
-          <a:xfrm>
-            <a:off x="60385" y="448286"/>
-            <a:ext cx="8876764" cy="453980"/>
-            <a:chOff x="-115910" y="386367"/>
-            <a:chExt cx="11835685" cy="605307"/>
-          </a:xfrm>
-          <a:solidFill>
-            <a:srgbClr val="0C2738"/>
-          </a:solidFill>
-        </p:grpSpPr>
-        <p:sp>
-          <p:nvSpPr>
-            <p:cNvPr id="3" name="Round Single Corner Rectangle 2"/>
-            <p:cNvSpPr/>
-            <p:nvPr/>
-          </p:nvSpPr>
-          <p:spPr>
-            <a:xfrm>
-              <a:off x="-115910" y="386367"/>
-              <a:ext cx="11835685" cy="605307"/>
-            </a:xfrm>
-            <a:prstGeom prst="round1Rect">
-              <a:avLst/>
-            </a:prstGeom>
-            <a:grpFill/>
-            <a:ln>
-              <a:noFill/>
-            </a:ln>
-          </p:spPr>
-          <p:style>
-            <a:lnRef idx="2">
-              <a:schemeClr val="accent1">
-                <a:shade val="50000"/>
-              </a:schemeClr>
-            </a:lnRef>
-            <a:fillRef idx="1">
-              <a:schemeClr val="accent1"/>
-            </a:fillRef>
-            <a:effectRef idx="0">
-              <a:schemeClr val="accent1"/>
-            </a:effectRef>
-            <a:fontRef idx="minor">
-              <a:schemeClr val="lt1"/>
-            </a:fontRef>
-          </p:style>
-          <p:txBody>
-            <a:bodyPr rtlCol="0" anchor="ctr"/>
-            <a:lstStyle/>
-            <a:p>
-              <a:pPr algn="ctr"/>
-              <a:endParaRPr lang="en-GB" sz="1350"/>
-            </a:p>
-          </p:txBody>
-        </p:sp>
-        <p:pic>
-          <p:nvPicPr>
-            <p:cNvPr id="4" name="Picture 3"/>
-            <p:cNvPicPr>
-              <a:picLocks noChangeAspect="1"/>
-            </p:cNvPicPr>
-            <p:nvPr/>
-          </p:nvPicPr>
-          <p:blipFill>
-            <a:blip r:embed="rId2" cstate="print">
-              <a:extLst>
-                <a:ext uri="{28A0092B-C50C-407E-A947-70E740481C1C}">
-                  <a14:useLocalDpi xmlns:a14="http://schemas.microsoft.com/office/drawing/2010/main" val="0"/>
-                </a:ext>
-              </a:extLst>
-            </a:blip>
-            <a:stretch>
-              <a:fillRect/>
-            </a:stretch>
-          </p:blipFill>
-          <p:spPr>
-            <a:xfrm>
-              <a:off x="9710730" y="425004"/>
-              <a:ext cx="1918893" cy="496430"/>
-            </a:xfrm>
-            <a:prstGeom prst="rect">
-              <a:avLst/>
-            </a:prstGeom>
-            <a:grpFill/>
-          </p:spPr>
-        </p:pic>
-      </p:grpSp>
-      <p:sp>
-        <p:nvSpPr>
-          <p:cNvPr id="5" name="Title 4">
-            <a:extLst>
-              <a:ext uri="{FF2B5EF4-FFF2-40B4-BE49-F238E27FC236}">
-                <a16:creationId xmlns:a16="http://schemas.microsoft.com/office/drawing/2014/main" id="{86643057-827F-457F-A227-84025EB79F30}"/>
-              </a:ext>
-            </a:extLst>
-          </p:cNvPr>
-          <p:cNvSpPr>
-            <a:spLocks noGrp="1"/>
-          </p:cNvSpPr>
-          <p:nvPr>
-            <p:ph type="title"/>
-          </p:nvPr>
-        </p:nvSpPr>
-        <p:spPr>
-          <a:xfrm>
-            <a:off x="628650" y="365126"/>
-            <a:ext cx="7886700" cy="711199"/>
-          </a:xfrm>
-        </p:spPr>
-        <p:txBody>
-          <a:bodyPr/>
-          <a:lstStyle/>
-          <a:p>
-            <a:r>
-              <a:rPr lang="en-GB" dirty="0">
-                <a:solidFill>
-                  <a:schemeClr val="bg1"/>
-                </a:solidFill>
-              </a:rPr>
-              <a:t>Educational Resources</a:t>
-            </a:r>
-          </a:p>
-        </p:txBody>
-      </p:sp>
-      <p:sp>
-        <p:nvSpPr>
-          <p:cNvPr id="6" name="Content Placeholder 5">
-            <a:extLst>
-              <a:ext uri="{FF2B5EF4-FFF2-40B4-BE49-F238E27FC236}">
-                <a16:creationId xmlns:a16="http://schemas.microsoft.com/office/drawing/2014/main" id="{6985DED2-45BD-493D-A4DA-7348129C6C43}"/>
-              </a:ext>
-            </a:extLst>
-          </p:cNvPr>
-          <p:cNvSpPr>
-            <a:spLocks noGrp="1"/>
-          </p:cNvSpPr>
-          <p:nvPr>
-            <p:ph idx="1"/>
-          </p:nvPr>
-        </p:nvSpPr>
-        <p:spPr/>
-        <p:txBody>
-          <a:bodyPr/>
-          <a:lstStyle/>
-          <a:p>
-            <a:pPr marL="0" indent="0">
-              <a:buNone/>
-            </a:pPr>
-            <a:r>
-              <a:rPr lang="en-GB" dirty="0"/>
-              <a:t>Case Study: SQL Injection</a:t>
-            </a:r>
-          </a:p>
-          <a:p>
-            <a:r>
-              <a:rPr lang="en-GB" dirty="0"/>
-              <a:t>A study of the 7 database textbooks used by 44 of the top 50 US departments.</a:t>
-            </a:r>
-          </a:p>
-          <a:p>
-            <a:r>
-              <a:rPr lang="en-GB" dirty="0"/>
-              <a:t>5 had no mention of the SQL Injection, which is #1 in the OWASP “Top 10” list of weaknesses, and the cause of many current breaches</a:t>
-            </a:r>
-          </a:p>
-          <a:p>
-            <a:r>
-              <a:rPr lang="en-GB" dirty="0"/>
-              <a:t>Of the two that did, the discussion in the more popular one was seriously flawed</a:t>
-            </a:r>
-          </a:p>
-        </p:txBody>
-      </p:sp>
-    </p:spTree>
-    <p:extLst>
-      <p:ext uri="{BB962C8B-B14F-4D97-AF65-F5344CB8AC3E}">
-        <p14:creationId xmlns:p14="http://schemas.microsoft.com/office/powerpoint/2010/main" val="2688835129"/>
-      </p:ext>
-    </p:extLst>
-  </p:cSld>
-  <p:clrMapOvr>
-    <a:masterClrMapping/>
-  </p:clrMapOvr>
-  <p:timing>
-    <p:tnLst>
-      <p:par>
-        <p:cTn id="1" dur="indefinite" restart="never" nodeType="tmRoot">
-          <p:childTnLst>
-            <p:seq concurrent="1" nextAc="seek">
-              <p:cTn id="2" dur="indefinite" nodeType="mainSeq">
-                <p:childTnLst>
-                  <p:par>
-                    <p:cTn id="3" fill="hold">
-                      <p:stCondLst>
-                        <p:cond delay="indefinite"/>
-                      </p:stCondLst>
-                      <p:childTnLst>
-                        <p:par>
-                          <p:cTn id="4" fill="hold">
-                            <p:stCondLst>
-                              <p:cond delay="0"/>
-                            </p:stCondLst>
-                            <p:childTnLst>
-                              <p:par>
-                                <p:cTn id="5" presetID="1" presetClass="entr" presetSubtype="0" fill="hold" nodeType="clickEffect">
-                                  <p:stCondLst>
-                                    <p:cond delay="0"/>
-                                  </p:stCondLst>
-                                  <p:childTnLst>
-                                    <p:set>
-                                      <p:cBhvr>
-                                        <p:cTn id="6" dur="1" fill="hold">
-                                          <p:stCondLst>
-                                            <p:cond delay="0"/>
-                                          </p:stCondLst>
-                                        </p:cTn>
-                                        <p:tgtEl>
-                                          <p:spTgt spid="6">
-                                            <p:txEl>
-                                              <p:pRg st="1" end="1"/>
-                                            </p:txEl>
-                                          </p:spTgt>
-                                        </p:tgtEl>
-                                        <p:attrNameLst>
-                                          <p:attrName>style.visibility</p:attrName>
-                                        </p:attrNameLst>
-                                      </p:cBhvr>
-                                      <p:to>
-                                        <p:strVal val="visible"/>
-                                      </p:to>
-                                    </p:set>
-                                  </p:childTnLst>
-                                </p:cTn>
-                              </p:par>
-                              <p:par>
-                                <p:cTn id="7" presetID="1" presetClass="entr" presetSubtype="0" fill="hold" nodeType="withEffect">
-                                  <p:stCondLst>
-                                    <p:cond delay="0"/>
-                                  </p:stCondLst>
-                                  <p:childTnLst>
-                                    <p:set>
-                                      <p:cBhvr>
-                                        <p:cTn id="8" dur="1" fill="hold">
-                                          <p:stCondLst>
-                                            <p:cond delay="0"/>
-                                          </p:stCondLst>
-                                        </p:cTn>
-                                        <p:tgtEl>
-                                          <p:spTgt spid="6">
-                                            <p:txEl>
-                                              <p:pRg st="2" end="2"/>
-                                            </p:txEl>
-                                          </p:spTgt>
-                                        </p:tgtEl>
-                                        <p:attrNameLst>
-                                          <p:attrName>style.visibility</p:attrName>
-                                        </p:attrNameLst>
-                                      </p:cBhvr>
-                                      <p:to>
-                                        <p:strVal val="visible"/>
-                                      </p:to>
-                                    </p:set>
-                                  </p:childTnLst>
-                                </p:cTn>
-                              </p:par>
-                              <p:par>
-                                <p:cTn id="9" presetID="1" presetClass="entr" presetSubtype="0" fill="hold" nodeType="withEffect">
-                                  <p:stCondLst>
-                                    <p:cond delay="0"/>
-                                  </p:stCondLst>
-                                  <p:childTnLst>
-                                    <p:set>
-                                      <p:cBhvr>
-                                        <p:cTn id="10" dur="1" fill="hold">
-                                          <p:stCondLst>
-                                            <p:cond delay="0"/>
-                                          </p:stCondLst>
-                                        </p:cTn>
-                                        <p:tgtEl>
-                                          <p:spTgt spid="6">
-                                            <p:txEl>
-                                              <p:pRg st="3" end="3"/>
-                                            </p:txEl>
-                                          </p:spTgt>
-                                        </p:tgtEl>
-                                        <p:attrNameLst>
-                                          <p:attrName>style.visibility</p:attrName>
-                                        </p:attrNameLst>
-                                      </p:cBhvr>
-                                      <p:to>
-                                        <p:strVal val="visible"/>
-                                      </p:to>
-                                    </p:set>
-                                  </p:childTnLst>
-                                </p:cTn>
-                              </p:par>
-                            </p:childTnLst>
-                          </p:cTn>
-                        </p:par>
-                      </p:childTnLst>
-                    </p:cTn>
-                  </p:par>
-                </p:childTnLst>
-              </p:cTn>
-              <p:prevCondLst>
-                <p:cond evt="onPrev" delay="0">
-                  <p:tgtEl>
-                    <p:sldTgt/>
-                  </p:tgtEl>
-                </p:cond>
-              </p:prevCondLst>
-              <p:nextCondLst>
-                <p:cond evt="onNext" delay="0">
-                  <p:tgtEl>
-                    <p:sldTgt/>
-                  </p:tgtEl>
-                </p:cond>
-              </p:nextCondLst>
-            </p:seq>
-          </p:childTnLst>
-        </p:cTn>
-      </p:par>
-    </p:tnLst>
-  </p:timing>
-</p:sld>
-</file>
-
 <file path=ppt/slides/slide4.xml><?xml version="1.0" encoding="utf-8"?>
 <p:sld xmlns:a="http://schemas.openxmlformats.org/drawingml/2006/main" xmlns:r="http://schemas.openxmlformats.org/officeDocument/2006/relationships" xmlns:p="http://schemas.openxmlformats.org/presentationml/2006/main">
   <p:cSld>
@@ -4443,33 +4445,25 @@
             </a:pPr>
             <a:r>
               <a:rPr lang="en-GB" dirty="0"/>
-              <a:t>Case Study: Java</a:t>
+              <a:t>Case Study: SQL Injection</a:t>
             </a:r>
           </a:p>
           <a:p>
             <a:r>
               <a:rPr lang="en-GB" dirty="0"/>
-              <a:t>Many Java textbooks go nowhere near security applications (credit card processing, username/ password handling etc.) despite their ubiquity</a:t>
+              <a:t>A study of the 7 database textbooks used by 44 of the top 50 US departments.</a:t>
             </a:r>
           </a:p>
           <a:p>
             <a:r>
               <a:rPr lang="en-GB" dirty="0"/>
-              <a:t>The documentation of the APIs for the various packages tend to assume that the reader knows the basics, and wants to use </a:t>
-            </a:r>
-            <a:r>
-              <a:rPr lang="en-GB" i="1" dirty="0"/>
-              <a:t>this</a:t>
-            </a:r>
+              <a:t>5 had no mention of the SQL Injection, which is #1 in the OWASP “Top 10” list of weaknesses, and the cause of many current breaches</a:t>
+            </a:r>
+          </a:p>
+          <a:p>
             <a:r>
               <a:rPr lang="en-GB" dirty="0"/>
-              <a:t> API.</a:t>
-            </a:r>
-          </a:p>
-          <a:p>
-            <a:r>
-              <a:rPr lang="en-GB" dirty="0"/>
-              <a:t>Hence the novice programmer is driven back to informal resources.</a:t>
+              <a:t>Of the two that did, the discussion in the more popular one was seriously flawed</a:t>
             </a:r>
           </a:p>
         </p:txBody>
@@ -4477,7 +4471,7 @@
     </p:spTree>
     <p:extLst>
       <p:ext uri="{BB962C8B-B14F-4D97-AF65-F5344CB8AC3E}">
-        <p14:creationId xmlns:p14="http://schemas.microsoft.com/office/powerpoint/2010/main" val="627488028"/>
+        <p14:creationId xmlns:p14="http://schemas.microsoft.com/office/powerpoint/2010/main" val="2688835129"/>
       </p:ext>
     </p:extLst>
   </p:cSld>
@@ -4496,9 +4490,6 @@
                     <p:cTn id="3" fill="hold">
                       <p:stCondLst>
                         <p:cond delay="indefinite"/>
-                        <p:cond evt="onBegin" delay="0">
-                          <p:tn val="2"/>
-                        </p:cond>
                       </p:stCondLst>
                       <p:childTnLst>
                         <p:par>
@@ -4508,7 +4499,7 @@
                             </p:stCondLst>
                             <p:childTnLst>
                               <p:par>
-                                <p:cTn id="5" presetID="1" presetClass="entr" presetSubtype="0" fill="hold" nodeType="withEffect">
+                                <p:cTn id="5" presetID="1" presetClass="entr" presetSubtype="0" fill="hold" nodeType="clickEffect">
                                   <p:stCondLst>
                                     <p:cond delay="0"/>
                                   </p:stCondLst>
@@ -4741,6 +4732,367 @@
           </p:spPr>
         </p:pic>
       </p:grpSp>
+      <p:sp>
+        <p:nvSpPr>
+          <p:cNvPr id="5" name="Title 4">
+            <a:extLst>
+              <a:ext uri="{FF2B5EF4-FFF2-40B4-BE49-F238E27FC236}">
+                <a16:creationId xmlns:a16="http://schemas.microsoft.com/office/drawing/2014/main" id="{86643057-827F-457F-A227-84025EB79F30}"/>
+              </a:ext>
+            </a:extLst>
+          </p:cNvPr>
+          <p:cNvSpPr>
+            <a:spLocks noGrp="1"/>
+          </p:cNvSpPr>
+          <p:nvPr>
+            <p:ph type="title"/>
+          </p:nvPr>
+        </p:nvSpPr>
+        <p:spPr>
+          <a:xfrm>
+            <a:off x="628650" y="365126"/>
+            <a:ext cx="7886700" cy="711199"/>
+          </a:xfrm>
+        </p:spPr>
+        <p:txBody>
+          <a:bodyPr/>
+          <a:lstStyle/>
+          <a:p>
+            <a:r>
+              <a:rPr lang="en-GB" dirty="0">
+                <a:solidFill>
+                  <a:schemeClr val="bg1"/>
+                </a:solidFill>
+              </a:rPr>
+              <a:t>Educational Resources</a:t>
+            </a:r>
+          </a:p>
+        </p:txBody>
+      </p:sp>
+      <p:sp>
+        <p:nvSpPr>
+          <p:cNvPr id="6" name="Content Placeholder 5">
+            <a:extLst>
+              <a:ext uri="{FF2B5EF4-FFF2-40B4-BE49-F238E27FC236}">
+                <a16:creationId xmlns:a16="http://schemas.microsoft.com/office/drawing/2014/main" id="{6985DED2-45BD-493D-A4DA-7348129C6C43}"/>
+              </a:ext>
+            </a:extLst>
+          </p:cNvPr>
+          <p:cNvSpPr>
+            <a:spLocks noGrp="1"/>
+          </p:cNvSpPr>
+          <p:nvPr>
+            <p:ph idx="1"/>
+          </p:nvPr>
+        </p:nvSpPr>
+        <p:spPr/>
+        <p:txBody>
+          <a:bodyPr/>
+          <a:lstStyle/>
+          <a:p>
+            <a:pPr marL="0" indent="0">
+              <a:buNone/>
+            </a:pPr>
+            <a:r>
+              <a:rPr lang="en-GB" dirty="0"/>
+              <a:t>Case Study: Java</a:t>
+            </a:r>
+          </a:p>
+          <a:p>
+            <a:r>
+              <a:rPr lang="en-GB" dirty="0"/>
+              <a:t>Many Java textbooks go nowhere near security applications (credit card processing, username/ password handling etc.) despite their ubiquity</a:t>
+            </a:r>
+          </a:p>
+          <a:p>
+            <a:r>
+              <a:rPr lang="en-GB" dirty="0"/>
+              <a:t>The documentation of the APIs for the various packages tend to assume that the reader knows the basics, and wants to use </a:t>
+            </a:r>
+            <a:r>
+              <a:rPr lang="en-GB" i="1" dirty="0"/>
+              <a:t>this</a:t>
+            </a:r>
+            <a:r>
+              <a:rPr lang="en-GB" dirty="0"/>
+              <a:t> API.</a:t>
+            </a:r>
+          </a:p>
+          <a:p>
+            <a:r>
+              <a:rPr lang="en-GB" dirty="0"/>
+              <a:t>Hence the novice programmer is driven back to informal resources.</a:t>
+            </a:r>
+          </a:p>
+        </p:txBody>
+      </p:sp>
+    </p:spTree>
+    <p:extLst>
+      <p:ext uri="{BB962C8B-B14F-4D97-AF65-F5344CB8AC3E}">
+        <p14:creationId xmlns:p14="http://schemas.microsoft.com/office/powerpoint/2010/main" val="627488028"/>
+      </p:ext>
+    </p:extLst>
+  </p:cSld>
+  <p:clrMapOvr>
+    <a:masterClrMapping/>
+  </p:clrMapOvr>
+  <p:timing>
+    <p:tnLst>
+      <p:par>
+        <p:cTn id="1" dur="indefinite" restart="never" nodeType="tmRoot">
+          <p:childTnLst>
+            <p:seq concurrent="1" nextAc="seek">
+              <p:cTn id="2" dur="indefinite" nodeType="mainSeq">
+                <p:childTnLst>
+                  <p:par>
+                    <p:cTn id="3" fill="hold">
+                      <p:stCondLst>
+                        <p:cond delay="indefinite"/>
+                        <p:cond evt="onBegin" delay="0">
+                          <p:tn val="2"/>
+                        </p:cond>
+                      </p:stCondLst>
+                      <p:childTnLst>
+                        <p:par>
+                          <p:cTn id="4" fill="hold">
+                            <p:stCondLst>
+                              <p:cond delay="0"/>
+                            </p:stCondLst>
+                            <p:childTnLst>
+                              <p:par>
+                                <p:cTn id="5" presetID="1" presetClass="entr" presetSubtype="0" fill="hold" nodeType="withEffect">
+                                  <p:stCondLst>
+                                    <p:cond delay="0"/>
+                                  </p:stCondLst>
+                                  <p:childTnLst>
+                                    <p:set>
+                                      <p:cBhvr>
+                                        <p:cTn id="6" dur="1" fill="hold">
+                                          <p:stCondLst>
+                                            <p:cond delay="0"/>
+                                          </p:stCondLst>
+                                        </p:cTn>
+                                        <p:tgtEl>
+                                          <p:spTgt spid="6">
+                                            <p:txEl>
+                                              <p:pRg st="1" end="1"/>
+                                            </p:txEl>
+                                          </p:spTgt>
+                                        </p:tgtEl>
+                                        <p:attrNameLst>
+                                          <p:attrName>style.visibility</p:attrName>
+                                        </p:attrNameLst>
+                                      </p:cBhvr>
+                                      <p:to>
+                                        <p:strVal val="visible"/>
+                                      </p:to>
+                                    </p:set>
+                                  </p:childTnLst>
+                                </p:cTn>
+                              </p:par>
+                              <p:par>
+                                <p:cTn id="7" presetID="1" presetClass="entr" presetSubtype="0" fill="hold" nodeType="withEffect">
+                                  <p:stCondLst>
+                                    <p:cond delay="0"/>
+                                  </p:stCondLst>
+                                  <p:childTnLst>
+                                    <p:set>
+                                      <p:cBhvr>
+                                        <p:cTn id="8" dur="1" fill="hold">
+                                          <p:stCondLst>
+                                            <p:cond delay="0"/>
+                                          </p:stCondLst>
+                                        </p:cTn>
+                                        <p:tgtEl>
+                                          <p:spTgt spid="6">
+                                            <p:txEl>
+                                              <p:pRg st="2" end="2"/>
+                                            </p:txEl>
+                                          </p:spTgt>
+                                        </p:tgtEl>
+                                        <p:attrNameLst>
+                                          <p:attrName>style.visibility</p:attrName>
+                                        </p:attrNameLst>
+                                      </p:cBhvr>
+                                      <p:to>
+                                        <p:strVal val="visible"/>
+                                      </p:to>
+                                    </p:set>
+                                  </p:childTnLst>
+                                </p:cTn>
+                              </p:par>
+                              <p:par>
+                                <p:cTn id="9" presetID="1" presetClass="entr" presetSubtype="0" fill="hold" nodeType="withEffect">
+                                  <p:stCondLst>
+                                    <p:cond delay="0"/>
+                                  </p:stCondLst>
+                                  <p:childTnLst>
+                                    <p:set>
+                                      <p:cBhvr>
+                                        <p:cTn id="10" dur="1" fill="hold">
+                                          <p:stCondLst>
+                                            <p:cond delay="0"/>
+                                          </p:stCondLst>
+                                        </p:cTn>
+                                        <p:tgtEl>
+                                          <p:spTgt spid="6">
+                                            <p:txEl>
+                                              <p:pRg st="3" end="3"/>
+                                            </p:txEl>
+                                          </p:spTgt>
+                                        </p:tgtEl>
+                                        <p:attrNameLst>
+                                          <p:attrName>style.visibility</p:attrName>
+                                        </p:attrNameLst>
+                                      </p:cBhvr>
+                                      <p:to>
+                                        <p:strVal val="visible"/>
+                                      </p:to>
+                                    </p:set>
+                                  </p:childTnLst>
+                                </p:cTn>
+                              </p:par>
+                            </p:childTnLst>
+                          </p:cTn>
+                        </p:par>
+                      </p:childTnLst>
+                    </p:cTn>
+                  </p:par>
+                </p:childTnLst>
+              </p:cTn>
+              <p:prevCondLst>
+                <p:cond evt="onPrev" delay="0">
+                  <p:tgtEl>
+                    <p:sldTgt/>
+                  </p:tgtEl>
+                </p:cond>
+              </p:prevCondLst>
+              <p:nextCondLst>
+                <p:cond evt="onNext" delay="0">
+                  <p:tgtEl>
+                    <p:sldTgt/>
+                  </p:tgtEl>
+                </p:cond>
+              </p:nextCondLst>
+            </p:seq>
+          </p:childTnLst>
+        </p:cTn>
+      </p:par>
+    </p:tnLst>
+  </p:timing>
+</p:sld>
+</file>
+
+<file path=ppt/slides/slide6.xml><?xml version="1.0" encoding="utf-8"?>
+<p:sld xmlns:a="http://schemas.openxmlformats.org/drawingml/2006/main" xmlns:r="http://schemas.openxmlformats.org/officeDocument/2006/relationships" xmlns:p="http://schemas.openxmlformats.org/presentationml/2006/main">
+  <p:cSld>
+    <p:spTree>
+      <p:nvGrpSpPr>
+        <p:cNvPr id="1" name=""/>
+        <p:cNvGrpSpPr/>
+        <p:nvPr/>
+      </p:nvGrpSpPr>
+      <p:grpSpPr>
+        <a:xfrm>
+          <a:off x="0" y="0"/>
+          <a:ext cx="0" cy="0"/>
+          <a:chOff x="0" y="0"/>
+          <a:chExt cx="0" cy="0"/>
+        </a:xfrm>
+      </p:grpSpPr>
+      <p:grpSp>
+        <p:nvGrpSpPr>
+          <p:cNvPr id="2" name="Group 1"/>
+          <p:cNvGrpSpPr/>
+          <p:nvPr/>
+        </p:nvGrpSpPr>
+        <p:grpSpPr>
+          <a:xfrm>
+            <a:off x="60385" y="448286"/>
+            <a:ext cx="8876764" cy="453980"/>
+            <a:chOff x="-115910" y="386367"/>
+            <a:chExt cx="11835685" cy="605307"/>
+          </a:xfrm>
+          <a:solidFill>
+            <a:srgbClr val="0C2738"/>
+          </a:solidFill>
+        </p:grpSpPr>
+        <p:sp>
+          <p:nvSpPr>
+            <p:cNvPr id="3" name="Round Single Corner Rectangle 2"/>
+            <p:cNvSpPr/>
+            <p:nvPr/>
+          </p:nvSpPr>
+          <p:spPr>
+            <a:xfrm>
+              <a:off x="-115910" y="386367"/>
+              <a:ext cx="11835685" cy="605307"/>
+            </a:xfrm>
+            <a:prstGeom prst="round1Rect">
+              <a:avLst/>
+            </a:prstGeom>
+            <a:grpFill/>
+            <a:ln>
+              <a:noFill/>
+            </a:ln>
+          </p:spPr>
+          <p:style>
+            <a:lnRef idx="2">
+              <a:schemeClr val="accent1">
+                <a:shade val="50000"/>
+              </a:schemeClr>
+            </a:lnRef>
+            <a:fillRef idx="1">
+              <a:schemeClr val="accent1"/>
+            </a:fillRef>
+            <a:effectRef idx="0">
+              <a:schemeClr val="accent1"/>
+            </a:effectRef>
+            <a:fontRef idx="minor">
+              <a:schemeClr val="lt1"/>
+            </a:fontRef>
+          </p:style>
+          <p:txBody>
+            <a:bodyPr rtlCol="0" anchor="ctr"/>
+            <a:lstStyle/>
+            <a:p>
+              <a:pPr algn="ctr"/>
+              <a:endParaRPr lang="en-GB" sz="1350"/>
+            </a:p>
+          </p:txBody>
+        </p:sp>
+        <p:pic>
+          <p:nvPicPr>
+            <p:cNvPr id="4" name="Picture 3"/>
+            <p:cNvPicPr>
+              <a:picLocks noChangeAspect="1"/>
+            </p:cNvPicPr>
+            <p:nvPr/>
+          </p:nvPicPr>
+          <p:blipFill>
+            <a:blip r:embed="rId2" cstate="print">
+              <a:extLst>
+                <a:ext uri="{28A0092B-C50C-407E-A947-70E740481C1C}">
+                  <a14:useLocalDpi xmlns:a14="http://schemas.microsoft.com/office/drawing/2010/main" val="0"/>
+                </a:ext>
+              </a:extLst>
+            </a:blip>
+            <a:stretch>
+              <a:fillRect/>
+            </a:stretch>
+          </p:blipFill>
+          <p:spPr>
+            <a:xfrm>
+              <a:off x="9710730" y="425004"/>
+              <a:ext cx="1918893" cy="496430"/>
+            </a:xfrm>
+            <a:prstGeom prst="rect">
+              <a:avLst/>
+            </a:prstGeom>
+            <a:grpFill/>
+          </p:spPr>
+        </p:pic>
+      </p:grpSp>
     </p:spTree>
     <p:extLst>
       <p:ext uri="{BB962C8B-B14F-4D97-AF65-F5344CB8AC3E}">
@@ -4754,7 +5106,7 @@
 </p:sld>
 </file>
 
-<file path=ppt/slides/slide6.xml><?xml version="1.0" encoding="utf-8"?>
+<file path=ppt/slides/slide7.xml><?xml version="1.0" encoding="utf-8"?>
 <p:sld xmlns:a="http://schemas.openxmlformats.org/drawingml/2006/main" xmlns:r="http://schemas.openxmlformats.org/officeDocument/2006/relationships" xmlns:p="http://schemas.openxmlformats.org/presentationml/2006/main">
   <p:cSld>
     <p:spTree>
@@ -4971,7 +5323,7 @@
 </p:sld>
 </file>
 
-<file path=ppt/slides/slide7.xml><?xml version="1.0" encoding="utf-8"?>
+<file path=ppt/slides/slide8.xml><?xml version="1.0" encoding="utf-8"?>
 <p:sld xmlns:a="http://schemas.openxmlformats.org/drawingml/2006/main" xmlns:r="http://schemas.openxmlformats.org/officeDocument/2006/relationships" xmlns:p="http://schemas.openxmlformats.org/presentationml/2006/main">
   <p:cSld>
     <p:spTree>

--- a/TalkatFI2019.pptx
+++ b/TalkatFI2019.pptx
@@ -11,8 +11,12 @@
     <p:sldId id="272" r:id="rId5"/>
     <p:sldId id="275" r:id="rId6"/>
     <p:sldId id="273" r:id="rId7"/>
-    <p:sldId id="270" r:id="rId8"/>
-    <p:sldId id="274" r:id="rId9"/>
+    <p:sldId id="278" r:id="rId8"/>
+    <p:sldId id="279" r:id="rId9"/>
+    <p:sldId id="280" r:id="rId10"/>
+    <p:sldId id="270" r:id="rId11"/>
+    <p:sldId id="274" r:id="rId12"/>
+    <p:sldId id="277" r:id="rId13"/>
   </p:sldIdLst>
   <p:sldSz cx="9144000" cy="6858000" type="screen4x3"/>
   <p:notesSz cx="6858000" cy="9144000"/>
@@ -3387,6 +3391,682 @@
 </p:sld>
 </file>
 
+<file path=ppt/slides/slide10.xml><?xml version="1.0" encoding="utf-8"?>
+<p:sld xmlns:a="http://schemas.openxmlformats.org/drawingml/2006/main" xmlns:r="http://schemas.openxmlformats.org/officeDocument/2006/relationships" xmlns:p="http://schemas.openxmlformats.org/presentationml/2006/main">
+  <p:cSld>
+    <p:spTree>
+      <p:nvGrpSpPr>
+        <p:cNvPr id="1" name=""/>
+        <p:cNvGrpSpPr/>
+        <p:nvPr/>
+      </p:nvGrpSpPr>
+      <p:grpSpPr>
+        <a:xfrm>
+          <a:off x="0" y="0"/>
+          <a:ext cx="0" cy="0"/>
+          <a:chOff x="0" y="0"/>
+          <a:chExt cx="0" cy="0"/>
+        </a:xfrm>
+      </p:grpSpPr>
+      <p:grpSp>
+        <p:nvGrpSpPr>
+          <p:cNvPr id="2" name="Group 1"/>
+          <p:cNvGrpSpPr/>
+          <p:nvPr/>
+        </p:nvGrpSpPr>
+        <p:grpSpPr>
+          <a:xfrm>
+            <a:off x="0" y="456913"/>
+            <a:ext cx="8876764" cy="453980"/>
+            <a:chOff x="-115910" y="386367"/>
+            <a:chExt cx="11835685" cy="605307"/>
+          </a:xfrm>
+          <a:solidFill>
+            <a:srgbClr val="0C2738"/>
+          </a:solidFill>
+        </p:grpSpPr>
+        <p:sp>
+          <p:nvSpPr>
+            <p:cNvPr id="3" name="Round Single Corner Rectangle 2"/>
+            <p:cNvSpPr/>
+            <p:nvPr/>
+          </p:nvSpPr>
+          <p:spPr>
+            <a:xfrm>
+              <a:off x="-115910" y="386367"/>
+              <a:ext cx="11835685" cy="605307"/>
+            </a:xfrm>
+            <a:prstGeom prst="round1Rect">
+              <a:avLst/>
+            </a:prstGeom>
+            <a:grpFill/>
+            <a:ln>
+              <a:noFill/>
+            </a:ln>
+          </p:spPr>
+          <p:style>
+            <a:lnRef idx="2">
+              <a:schemeClr val="accent1">
+                <a:shade val="50000"/>
+              </a:schemeClr>
+            </a:lnRef>
+            <a:fillRef idx="1">
+              <a:schemeClr val="accent1"/>
+            </a:fillRef>
+            <a:effectRef idx="0">
+              <a:schemeClr val="accent1"/>
+            </a:effectRef>
+            <a:fontRef idx="minor">
+              <a:schemeClr val="lt1"/>
+            </a:fontRef>
+          </p:style>
+          <p:txBody>
+            <a:bodyPr rtlCol="0" anchor="ctr"/>
+            <a:lstStyle/>
+            <a:p>
+              <a:pPr algn="ctr"/>
+              <a:endParaRPr lang="en-GB" sz="1350"/>
+            </a:p>
+          </p:txBody>
+        </p:sp>
+        <p:pic>
+          <p:nvPicPr>
+            <p:cNvPr id="4" name="Picture 3"/>
+            <p:cNvPicPr>
+              <a:picLocks noChangeAspect="1"/>
+            </p:cNvPicPr>
+            <p:nvPr/>
+          </p:nvPicPr>
+          <p:blipFill>
+            <a:blip r:embed="rId2" cstate="print">
+              <a:extLst>
+                <a:ext uri="{28A0092B-C50C-407E-A947-70E740481C1C}">
+                  <a14:useLocalDpi xmlns:a14="http://schemas.microsoft.com/office/drawing/2010/main" val="0"/>
+                </a:ext>
+              </a:extLst>
+            </a:blip>
+            <a:stretch>
+              <a:fillRect/>
+            </a:stretch>
+          </p:blipFill>
+          <p:spPr>
+            <a:xfrm>
+              <a:off x="9710730" y="425004"/>
+              <a:ext cx="1918893" cy="496430"/>
+            </a:xfrm>
+            <a:prstGeom prst="rect">
+              <a:avLst/>
+            </a:prstGeom>
+            <a:grpFill/>
+          </p:spPr>
+        </p:pic>
+      </p:grpSp>
+      <p:sp>
+        <p:nvSpPr>
+          <p:cNvPr id="5" name="Rectangle 4"/>
+          <p:cNvSpPr/>
+          <p:nvPr/>
+        </p:nvSpPr>
+        <p:spPr>
+          <a:xfrm>
+            <a:off x="3141343" y="2676798"/>
+            <a:ext cx="2917786" cy="553998"/>
+          </a:xfrm>
+          <a:prstGeom prst="rect">
+            <a:avLst/>
+          </a:prstGeom>
+        </p:spPr>
+        <p:txBody>
+          <a:bodyPr wrap="none">
+            <a:spAutoFit/>
+          </a:bodyPr>
+          <a:lstStyle/>
+          <a:p>
+            <a:r>
+              <a:rPr lang="en-GB" sz="3000" dirty="0">
+                <a:solidFill>
+                  <a:srgbClr val="000000"/>
+                </a:solidFill>
+                <a:latin typeface="Arial" panose="020B0604020202020204" pitchFamily="34" charset="0"/>
+                <a:ea typeface="Calibri" panose="020F0502020204030204" pitchFamily="34" charset="0"/>
+                <a:cs typeface="Arial" panose="020B0604020202020204" pitchFamily="34" charset="0"/>
+              </a:rPr>
+              <a:t>Any questions? </a:t>
+            </a:r>
+            <a:endParaRPr lang="en-GB" sz="3000" dirty="0">
+              <a:latin typeface="Arial" panose="020B0604020202020204" pitchFamily="34" charset="0"/>
+              <a:ea typeface="Calibri" panose="020F0502020204030204" pitchFamily="34" charset="0"/>
+              <a:cs typeface="Arial" panose="020B0604020202020204" pitchFamily="34" charset="0"/>
+            </a:endParaRPr>
+          </a:p>
+        </p:txBody>
+      </p:sp>
+      <p:pic>
+        <p:nvPicPr>
+          <p:cNvPr id="6" name="Picture 5"/>
+          <p:cNvPicPr>
+            <a:picLocks noChangeAspect="1"/>
+          </p:cNvPicPr>
+          <p:nvPr/>
+        </p:nvPicPr>
+        <p:blipFill>
+          <a:blip r:embed="rId3">
+            <a:extLst>
+              <a:ext uri="{28A0092B-C50C-407E-A947-70E740481C1C}">
+                <a14:useLocalDpi xmlns:a14="http://schemas.microsoft.com/office/drawing/2010/main" val="0"/>
+              </a:ext>
+            </a:extLst>
+          </a:blip>
+          <a:stretch>
+            <a:fillRect/>
+          </a:stretch>
+        </p:blipFill>
+        <p:spPr>
+          <a:xfrm>
+            <a:off x="528576" y="5560005"/>
+            <a:ext cx="2197372" cy="843742"/>
+          </a:xfrm>
+          <a:prstGeom prst="rect">
+            <a:avLst/>
+          </a:prstGeom>
+        </p:spPr>
+      </p:pic>
+      <p:pic>
+        <p:nvPicPr>
+          <p:cNvPr id="7" name="Picture 6"/>
+          <p:cNvPicPr>
+            <a:picLocks noChangeAspect="1"/>
+          </p:cNvPicPr>
+          <p:nvPr/>
+        </p:nvPicPr>
+        <p:blipFill>
+          <a:blip r:embed="rId4"/>
+          <a:stretch>
+            <a:fillRect/>
+          </a:stretch>
+        </p:blipFill>
+        <p:spPr>
+          <a:xfrm>
+            <a:off x="5830206" y="5606682"/>
+            <a:ext cx="2615054" cy="871684"/>
+          </a:xfrm>
+          <a:prstGeom prst="rect">
+            <a:avLst/>
+          </a:prstGeom>
+        </p:spPr>
+      </p:pic>
+    </p:spTree>
+    <p:extLst>
+      <p:ext uri="{BB962C8B-B14F-4D97-AF65-F5344CB8AC3E}">
+        <p14:creationId xmlns:p14="http://schemas.microsoft.com/office/powerpoint/2010/main" val="1884598785"/>
+      </p:ext>
+    </p:extLst>
+  </p:cSld>
+  <p:clrMapOvr>
+    <a:masterClrMapping/>
+  </p:clrMapOvr>
+</p:sld>
+</file>
+
+<file path=ppt/slides/slide11.xml><?xml version="1.0" encoding="utf-8"?>
+<p:sld xmlns:a="http://schemas.openxmlformats.org/drawingml/2006/main" xmlns:r="http://schemas.openxmlformats.org/officeDocument/2006/relationships" xmlns:p="http://schemas.openxmlformats.org/presentationml/2006/main">
+  <p:cSld>
+    <p:spTree>
+      <p:nvGrpSpPr>
+        <p:cNvPr id="1" name=""/>
+        <p:cNvGrpSpPr/>
+        <p:nvPr/>
+      </p:nvGrpSpPr>
+      <p:grpSpPr>
+        <a:xfrm>
+          <a:off x="0" y="0"/>
+          <a:ext cx="0" cy="0"/>
+          <a:chOff x="0" y="0"/>
+          <a:chExt cx="0" cy="0"/>
+        </a:xfrm>
+      </p:grpSpPr>
+      <p:grpSp>
+        <p:nvGrpSpPr>
+          <p:cNvPr id="2" name="Group 1"/>
+          <p:cNvGrpSpPr/>
+          <p:nvPr/>
+        </p:nvGrpSpPr>
+        <p:grpSpPr>
+          <a:xfrm>
+            <a:off x="60385" y="448286"/>
+            <a:ext cx="8876764" cy="453980"/>
+            <a:chOff x="-115910" y="386367"/>
+            <a:chExt cx="11835685" cy="605307"/>
+          </a:xfrm>
+          <a:solidFill>
+            <a:srgbClr val="0C2738"/>
+          </a:solidFill>
+        </p:grpSpPr>
+        <p:sp>
+          <p:nvSpPr>
+            <p:cNvPr id="3" name="Round Single Corner Rectangle 2"/>
+            <p:cNvSpPr/>
+            <p:nvPr/>
+          </p:nvSpPr>
+          <p:spPr>
+            <a:xfrm>
+              <a:off x="-115910" y="386367"/>
+              <a:ext cx="11835685" cy="605307"/>
+            </a:xfrm>
+            <a:prstGeom prst="round1Rect">
+              <a:avLst/>
+            </a:prstGeom>
+            <a:grpFill/>
+            <a:ln>
+              <a:noFill/>
+            </a:ln>
+          </p:spPr>
+          <p:style>
+            <a:lnRef idx="2">
+              <a:schemeClr val="accent1">
+                <a:shade val="50000"/>
+              </a:schemeClr>
+            </a:lnRef>
+            <a:fillRef idx="1">
+              <a:schemeClr val="accent1"/>
+            </a:fillRef>
+            <a:effectRef idx="0">
+              <a:schemeClr val="accent1"/>
+            </a:effectRef>
+            <a:fontRef idx="minor">
+              <a:schemeClr val="lt1"/>
+            </a:fontRef>
+          </p:style>
+          <p:txBody>
+            <a:bodyPr rtlCol="0" anchor="ctr"/>
+            <a:lstStyle/>
+            <a:p>
+              <a:pPr algn="ctr"/>
+              <a:endParaRPr lang="en-GB" sz="1350"/>
+            </a:p>
+          </p:txBody>
+        </p:sp>
+        <p:pic>
+          <p:nvPicPr>
+            <p:cNvPr id="4" name="Picture 3"/>
+            <p:cNvPicPr>
+              <a:picLocks noChangeAspect="1"/>
+            </p:cNvPicPr>
+            <p:nvPr/>
+          </p:nvPicPr>
+          <p:blipFill>
+            <a:blip r:embed="rId2" cstate="print">
+              <a:extLst>
+                <a:ext uri="{28A0092B-C50C-407E-A947-70E740481C1C}">
+                  <a14:useLocalDpi xmlns:a14="http://schemas.microsoft.com/office/drawing/2010/main" val="0"/>
+                </a:ext>
+              </a:extLst>
+            </a:blip>
+            <a:stretch>
+              <a:fillRect/>
+            </a:stretch>
+          </p:blipFill>
+          <p:spPr>
+            <a:xfrm>
+              <a:off x="9710730" y="425004"/>
+              <a:ext cx="1918893" cy="496430"/>
+            </a:xfrm>
+            <a:prstGeom prst="rect">
+              <a:avLst/>
+            </a:prstGeom>
+            <a:grpFill/>
+          </p:spPr>
+        </p:pic>
+      </p:grpSp>
+      <p:sp>
+        <p:nvSpPr>
+          <p:cNvPr id="5" name="Title 4">
+            <a:extLst>
+              <a:ext uri="{FF2B5EF4-FFF2-40B4-BE49-F238E27FC236}">
+                <a16:creationId xmlns:a16="http://schemas.microsoft.com/office/drawing/2014/main" id="{08C64A66-0920-4768-9C91-A9A7C4A806F1}"/>
+              </a:ext>
+            </a:extLst>
+          </p:cNvPr>
+          <p:cNvSpPr>
+            <a:spLocks noGrp="1"/>
+          </p:cNvSpPr>
+          <p:nvPr>
+            <p:ph type="title"/>
+          </p:nvPr>
+        </p:nvSpPr>
+        <p:spPr>
+          <a:xfrm>
+            <a:off x="628650" y="365126"/>
+            <a:ext cx="7886700" cy="692150"/>
+          </a:xfrm>
+        </p:spPr>
+        <p:txBody>
+          <a:bodyPr>
+            <a:normAutofit fontScale="90000"/>
+          </a:bodyPr>
+          <a:lstStyle/>
+          <a:p>
+            <a:r>
+              <a:rPr lang="en-GB" dirty="0">
+                <a:solidFill>
+                  <a:schemeClr val="bg1"/>
+                </a:solidFill>
+              </a:rPr>
+              <a:t>References</a:t>
+            </a:r>
+          </a:p>
+        </p:txBody>
+      </p:sp>
+      <p:sp>
+        <p:nvSpPr>
+          <p:cNvPr id="6" name="Content Placeholder 5">
+            <a:extLst>
+              <a:ext uri="{FF2B5EF4-FFF2-40B4-BE49-F238E27FC236}">
+                <a16:creationId xmlns:a16="http://schemas.microsoft.com/office/drawing/2014/main" id="{B6D5D2CF-4CAE-4C0A-851A-3F7AD59C7EF2}"/>
+              </a:ext>
+            </a:extLst>
+          </p:cNvPr>
+          <p:cNvSpPr>
+            <a:spLocks noGrp="1"/>
+          </p:cNvSpPr>
+          <p:nvPr>
+            <p:ph idx="1"/>
+          </p:nvPr>
+        </p:nvSpPr>
+        <p:spPr>
+          <a:xfrm>
+            <a:off x="628650" y="985426"/>
+            <a:ext cx="7886700" cy="5191537"/>
+          </a:xfrm>
+        </p:spPr>
+        <p:txBody>
+          <a:bodyPr>
+            <a:noAutofit/>
+          </a:bodyPr>
+          <a:lstStyle/>
+          <a:p>
+            <a:pPr marL="0" indent="0">
+              <a:buNone/>
+            </a:pPr>
+            <a:r>
+              <a:rPr lang="en-GB" sz="2000" dirty="0"/>
+              <a:t>[1] Cynthia Taylor and </a:t>
+            </a:r>
+            <a:r>
+              <a:rPr lang="en-GB" sz="2000" dirty="0" err="1"/>
+              <a:t>Saheel</a:t>
+            </a:r>
+            <a:r>
+              <a:rPr lang="en-GB" sz="2000" dirty="0"/>
+              <a:t> </a:t>
+            </a:r>
+            <a:r>
+              <a:rPr lang="en-GB" sz="2000" dirty="0" err="1"/>
+              <a:t>Sakharkar</a:t>
+            </a:r>
+            <a:r>
+              <a:rPr lang="en-GB" sz="2000" dirty="0"/>
+              <a:t>. ';DROP TABLE textbooks; ― An Argument for SQL Injection Coverage in Database Textbooks. In Proc. of SIGCSE 2019, pages 191-197, 2019.</a:t>
+            </a:r>
+          </a:p>
+          <a:p>
+            <a:pPr marL="0" indent="0">
+              <a:buNone/>
+            </a:pPr>
+            <a:r>
+              <a:rPr lang="en-GB" sz="2000" dirty="0"/>
+              <a:t>[2] N. Meng, S. Nagy, D. Yao, W. Zhuang, and G. Arango </a:t>
+            </a:r>
+            <a:r>
+              <a:rPr lang="en-GB" sz="2000" dirty="0" err="1"/>
+              <a:t>Argoty</a:t>
+            </a:r>
+            <a:r>
+              <a:rPr lang="en-GB" sz="2000" dirty="0"/>
+              <a:t>. Secure coding practices in Java: Challenges and vulnerabilities. In IEEE/ACM 40th Int. Conf. on Software Engineering, pages 372-383, 2018.</a:t>
+            </a:r>
+          </a:p>
+          <a:p>
+            <a:pPr marL="0" indent="0">
+              <a:buNone/>
+            </a:pPr>
+            <a:r>
+              <a:rPr lang="en-GB" sz="2000" dirty="0"/>
+              <a:t>[3] F. Fischer, K. </a:t>
+            </a:r>
+            <a:r>
+              <a:rPr lang="en-GB" sz="2000" dirty="0" err="1"/>
+              <a:t>Böttinger</a:t>
+            </a:r>
+            <a:r>
+              <a:rPr lang="en-GB" sz="2000" dirty="0"/>
+              <a:t>, H. Xiao, C. </a:t>
+            </a:r>
+            <a:r>
+              <a:rPr lang="en-GB" sz="2000" dirty="0" err="1"/>
+              <a:t>Stransky</a:t>
+            </a:r>
+            <a:r>
+              <a:rPr lang="en-GB" sz="2000" dirty="0"/>
+              <a:t>, Y. </a:t>
+            </a:r>
+            <a:r>
+              <a:rPr lang="en-GB" sz="2000" dirty="0" err="1"/>
+              <a:t>Acar</a:t>
+            </a:r>
+            <a:r>
+              <a:rPr lang="en-GB" sz="2000" dirty="0"/>
+              <a:t>, M. Backes, and S. </a:t>
+            </a:r>
+            <a:r>
+              <a:rPr lang="en-GB" sz="2000" dirty="0" err="1"/>
+              <a:t>Fahl</a:t>
+            </a:r>
+            <a:r>
+              <a:rPr lang="en-GB" sz="2000" dirty="0"/>
+              <a:t>. Stack Overflow Considered Harmful? The Impact of </a:t>
+            </a:r>
+            <a:r>
+              <a:rPr lang="en-GB" sz="2000" dirty="0" err="1"/>
+              <a:t>Copy&amp;Paste</a:t>
+            </a:r>
+            <a:r>
+              <a:rPr lang="en-GB" sz="2000" dirty="0"/>
+              <a:t> on Android Application Security. In 38th IEEE Symposium on Security and Privacy, pages 121-136, 2017.</a:t>
+            </a:r>
+          </a:p>
+          <a:p>
+            <a:pPr marL="0" indent="0">
+              <a:buNone/>
+            </a:pPr>
+            <a:r>
+              <a:rPr lang="en-GB" sz="2000" dirty="0"/>
+              <a:t>[4] T. Unruh, B. </a:t>
+            </a:r>
+            <a:r>
+              <a:rPr lang="en-GB" sz="2000" dirty="0" err="1"/>
+              <a:t>Shastry</a:t>
+            </a:r>
+            <a:r>
+              <a:rPr lang="en-GB" sz="2000" dirty="0"/>
+              <a:t>, M. </a:t>
+            </a:r>
+            <a:r>
+              <a:rPr lang="en-GB" sz="2000" dirty="0" err="1"/>
+              <a:t>Skoruppa</a:t>
+            </a:r>
+            <a:r>
+              <a:rPr lang="en-GB" sz="2000" dirty="0"/>
+              <a:t>, F. Maggi, K. </a:t>
+            </a:r>
+            <a:r>
+              <a:rPr lang="en-GB" sz="2000" dirty="0" err="1"/>
+              <a:t>Rieck</a:t>
+            </a:r>
+            <a:r>
+              <a:rPr lang="en-GB" sz="2000" dirty="0"/>
+              <a:t>, J.-P. Seifert, and F. Yamaguchi. Leveraging Flawed Tutorials for Seeding Large-Scale Web Vulnerability Discovery. In Proc. of 11th USENIX Workshop on Offensive Technologies (WOOT 2017), 2017.</a:t>
+            </a:r>
+          </a:p>
+          <a:p>
+            <a:pPr marL="0" indent="0">
+              <a:buNone/>
+            </a:pPr>
+            <a:r>
+              <a:rPr lang="en-GB" sz="2000" dirty="0"/>
+              <a:t>[5] Alastair Irons, Nick Savage, Carsten Maple, Adrian Davies, and Lyndsay Turley. Cybersecurity in CS Degrees</a:t>
+            </a:r>
+            <a:r>
+              <a:rPr lang="en-GB" sz="2000" i="1" dirty="0"/>
+              <a:t>. </a:t>
+            </a:r>
+            <a:r>
+              <a:rPr lang="en-GB" sz="2000" i="1" dirty="0" err="1"/>
+              <a:t>ITNow</a:t>
+            </a:r>
+            <a:r>
+              <a:rPr lang="en-GB" sz="2000" dirty="0"/>
+              <a:t>, 58:56-57, 2016.</a:t>
+            </a:r>
+          </a:p>
+        </p:txBody>
+      </p:sp>
+    </p:spTree>
+    <p:extLst>
+      <p:ext uri="{BB962C8B-B14F-4D97-AF65-F5344CB8AC3E}">
+        <p14:creationId xmlns:p14="http://schemas.microsoft.com/office/powerpoint/2010/main" val="118011086"/>
+      </p:ext>
+    </p:extLst>
+  </p:cSld>
+  <p:clrMapOvr>
+    <a:masterClrMapping/>
+  </p:clrMapOvr>
+</p:sld>
+</file>
+
+<file path=ppt/slides/slide12.xml><?xml version="1.0" encoding="utf-8"?>
+<p:sld xmlns:a="http://schemas.openxmlformats.org/drawingml/2006/main" xmlns:r="http://schemas.openxmlformats.org/officeDocument/2006/relationships" xmlns:p="http://schemas.openxmlformats.org/presentationml/2006/main">
+  <p:cSld>
+    <p:spTree>
+      <p:nvGrpSpPr>
+        <p:cNvPr id="1" name=""/>
+        <p:cNvGrpSpPr/>
+        <p:nvPr/>
+      </p:nvGrpSpPr>
+      <p:grpSpPr>
+        <a:xfrm>
+          <a:off x="0" y="0"/>
+          <a:ext cx="0" cy="0"/>
+          <a:chOff x="0" y="0"/>
+          <a:chExt cx="0" cy="0"/>
+        </a:xfrm>
+      </p:grpSpPr>
+      <p:grpSp>
+        <p:nvGrpSpPr>
+          <p:cNvPr id="2" name="Group 1"/>
+          <p:cNvGrpSpPr/>
+          <p:nvPr/>
+        </p:nvGrpSpPr>
+        <p:grpSpPr>
+          <a:xfrm>
+            <a:off x="60385" y="448286"/>
+            <a:ext cx="8876764" cy="453980"/>
+            <a:chOff x="-115910" y="386367"/>
+            <a:chExt cx="11835685" cy="605307"/>
+          </a:xfrm>
+          <a:solidFill>
+            <a:srgbClr val="0C2738"/>
+          </a:solidFill>
+        </p:grpSpPr>
+        <p:sp>
+          <p:nvSpPr>
+            <p:cNvPr id="3" name="Round Single Corner Rectangle 2"/>
+            <p:cNvSpPr/>
+            <p:nvPr/>
+          </p:nvSpPr>
+          <p:spPr>
+            <a:xfrm>
+              <a:off x="-115910" y="386367"/>
+              <a:ext cx="11835685" cy="605307"/>
+            </a:xfrm>
+            <a:prstGeom prst="round1Rect">
+              <a:avLst/>
+            </a:prstGeom>
+            <a:grpFill/>
+            <a:ln>
+              <a:noFill/>
+            </a:ln>
+          </p:spPr>
+          <p:style>
+            <a:lnRef idx="2">
+              <a:schemeClr val="accent1">
+                <a:shade val="50000"/>
+              </a:schemeClr>
+            </a:lnRef>
+            <a:fillRef idx="1">
+              <a:schemeClr val="accent1"/>
+            </a:fillRef>
+            <a:effectRef idx="0">
+              <a:schemeClr val="accent1"/>
+            </a:effectRef>
+            <a:fontRef idx="minor">
+              <a:schemeClr val="lt1"/>
+            </a:fontRef>
+          </p:style>
+          <p:txBody>
+            <a:bodyPr rtlCol="0" anchor="ctr"/>
+            <a:lstStyle/>
+            <a:p>
+              <a:pPr algn="ctr"/>
+              <a:endParaRPr lang="en-GB" sz="1350"/>
+            </a:p>
+          </p:txBody>
+        </p:sp>
+        <p:pic>
+          <p:nvPicPr>
+            <p:cNvPr id="4" name="Picture 3"/>
+            <p:cNvPicPr>
+              <a:picLocks noChangeAspect="1"/>
+            </p:cNvPicPr>
+            <p:nvPr/>
+          </p:nvPicPr>
+          <p:blipFill>
+            <a:blip r:embed="rId2" cstate="print">
+              <a:extLst>
+                <a:ext uri="{28A0092B-C50C-407E-A947-70E740481C1C}">
+                  <a14:useLocalDpi xmlns:a14="http://schemas.microsoft.com/office/drawing/2010/main" val="0"/>
+                </a:ext>
+              </a:extLst>
+            </a:blip>
+            <a:stretch>
+              <a:fillRect/>
+            </a:stretch>
+          </p:blipFill>
+          <p:spPr>
+            <a:xfrm>
+              <a:off x="9710730" y="425004"/>
+              <a:ext cx="1918893" cy="496430"/>
+            </a:xfrm>
+            <a:prstGeom prst="rect">
+              <a:avLst/>
+            </a:prstGeom>
+            <a:grpFill/>
+          </p:spPr>
+        </p:pic>
+      </p:grpSp>
+    </p:spTree>
+    <p:extLst>
+      <p:ext uri="{BB962C8B-B14F-4D97-AF65-F5344CB8AC3E}">
+        <p14:creationId xmlns:p14="http://schemas.microsoft.com/office/powerpoint/2010/main" val="3027297693"/>
+      </p:ext>
+    </p:extLst>
+  </p:cSld>
+  <p:clrMapOvr>
+    <a:masterClrMapping/>
+  </p:clrMapOvr>
+</p:sld>
+</file>
+
 <file path=ppt/slides/slide2.xml><?xml version="1.0" encoding="utf-8"?>
 <p:sld xmlns:a="http://schemas.openxmlformats.org/drawingml/2006/main" xmlns:r="http://schemas.openxmlformats.org/officeDocument/2006/relationships" xmlns:p="http://schemas.openxmlformats.org/presentationml/2006/main">
   <p:cSld>
@@ -3763,7 +4443,7 @@
         </p:nvGrpSpPr>
         <p:grpSpPr>
           <a:xfrm>
-            <a:off x="60385" y="448286"/>
+            <a:off x="60385" y="410186"/>
             <a:ext cx="8876764" cy="453980"/>
             <a:chOff x="-115910" y="386367"/>
             <a:chExt cx="11835685" cy="605307"/>
@@ -3914,7 +4594,7 @@
         <p:spPr/>
         <p:txBody>
           <a:bodyPr>
-            <a:normAutofit fontScale="92500"/>
+            <a:normAutofit fontScale="92500" lnSpcReduction="10000"/>
           </a:bodyPr>
           <a:lstStyle/>
           <a:p>
@@ -3973,7 +4653,7 @@
                 <a:ea typeface="Calibri" panose="020F0502020204030204" pitchFamily="34" charset="0"/>
                 <a:cs typeface="Arial" panose="020B0604020202020204" pitchFamily="34" charset="0"/>
               </a:rPr>
-              <a:t>X  fix bad design decisions (no framework to check for CSRF; unencrypted passwords etc.)</a:t>
+              <a:t>X  fix bad design decisions (no framework to check for CSRF; unencrypted passwords, logging in the wrong place [Facebook!] etc.)</a:t>
             </a:r>
           </a:p>
           <a:p>
@@ -4860,7 +5540,7 @@
                             </p:stCondLst>
                             <p:childTnLst>
                               <p:par>
-                                <p:cTn id="5" presetID="1" presetClass="entr" presetSubtype="0" fill="hold" nodeType="withEffect">
+                                <p:cTn id="5" presetID="1" presetClass="entr" presetSubtype="0" fill="hold" nodeType="afterEffect">
                                   <p:stCondLst>
                                     <p:cond delay="0"/>
                                   </p:stCondLst>
@@ -4890,15 +5570,24 @@
                                   </p:childTnLst>
                                 </p:cTn>
                               </p:par>
+                            </p:childTnLst>
+                          </p:cTn>
+                        </p:par>
+                        <p:par>
+                          <p:cTn id="7" fill="hold">
+                            <p:stCondLst>
+                              <p:cond delay="0"/>
+                            </p:stCondLst>
+                            <p:childTnLst>
                               <p:par>
-                                <p:cTn id="7" presetID="1" presetClass="entr" presetSubtype="0" fill="hold" nodeType="withEffect">
+                                <p:cTn id="8" presetID="1" presetClass="entr" presetSubtype="0" fill="hold" nodeType="afterEffect">
                                   <p:stCondLst>
                                     <p:cond delay="0"/>
                                   </p:stCondLst>
                                   <p:childTnLst>
                                     <p:set>
                                       <p:cBhvr>
-                                        <p:cTn id="8" dur="1" fill="hold">
+                                        <p:cTn id="9" dur="1" fill="hold">
                                           <p:stCondLst>
                                             <p:cond delay="0"/>
                                           </p:stCondLst>
@@ -4922,14 +5611,14 @@
                                 </p:cTn>
                               </p:par>
                               <p:par>
-                                <p:cTn id="9" presetID="1" presetClass="entr" presetSubtype="0" fill="hold" nodeType="withEffect">
+                                <p:cTn id="10" presetID="1" presetClass="entr" presetSubtype="0" fill="hold" nodeType="withEffect">
                                   <p:stCondLst>
                                     <p:cond delay="0"/>
                                   </p:stCondLst>
                                   <p:childTnLst>
                                     <p:set>
                                       <p:cBhvr>
-                                        <p:cTn id="10" dur="1" fill="hold">
+                                        <p:cTn id="11" dur="1" fill="hold">
                                           <p:stCondLst>
                                             <p:cond delay="0"/>
                                           </p:stCondLst>
@@ -5093,6 +5782,143 @@
           </p:spPr>
         </p:pic>
       </p:grpSp>
+      <p:sp>
+        <p:nvSpPr>
+          <p:cNvPr id="5" name="Title 4">
+            <a:extLst>
+              <a:ext uri="{FF2B5EF4-FFF2-40B4-BE49-F238E27FC236}">
+                <a16:creationId xmlns:a16="http://schemas.microsoft.com/office/drawing/2014/main" id="{BEF9321B-B6A0-4B3A-A7FB-4E079B1F9F0F}"/>
+              </a:ext>
+            </a:extLst>
+          </p:cNvPr>
+          <p:cNvSpPr>
+            <a:spLocks noGrp="1"/>
+          </p:cNvSpPr>
+          <p:nvPr>
+            <p:ph type="title"/>
+          </p:nvPr>
+        </p:nvSpPr>
+        <p:spPr>
+          <a:xfrm>
+            <a:off x="628650" y="365126"/>
+            <a:ext cx="7886700" cy="1196973"/>
+          </a:xfrm>
+        </p:spPr>
+        <p:txBody>
+          <a:bodyPr>
+            <a:normAutofit fontScale="90000"/>
+          </a:bodyPr>
+          <a:lstStyle/>
+          <a:p>
+            <a:r>
+              <a:rPr lang="en-GB" dirty="0">
+                <a:solidFill>
+                  <a:schemeClr val="bg1"/>
+                </a:solidFill>
+              </a:rPr>
+              <a:t>Informal Resources</a:t>
+            </a:r>
+            <a:br>
+              <a:rPr lang="en-GB" dirty="0">
+                <a:solidFill>
+                  <a:schemeClr val="bg1"/>
+                </a:solidFill>
+              </a:rPr>
+            </a:br>
+            <a:r>
+              <a:rPr lang="en-GB" dirty="0"/>
+              <a:t>such as </a:t>
+            </a:r>
+            <a:r>
+              <a:rPr lang="en-GB" dirty="0" err="1"/>
+              <a:t>StackOverflow</a:t>
+            </a:r>
+            <a:endParaRPr lang="en-GB" dirty="0">
+              <a:solidFill>
+                <a:schemeClr val="bg1"/>
+              </a:solidFill>
+            </a:endParaRPr>
+          </a:p>
+        </p:txBody>
+      </p:sp>
+      <p:sp>
+        <p:nvSpPr>
+          <p:cNvPr id="6" name="Content Placeholder 5">
+            <a:extLst>
+              <a:ext uri="{FF2B5EF4-FFF2-40B4-BE49-F238E27FC236}">
+                <a16:creationId xmlns:a16="http://schemas.microsoft.com/office/drawing/2014/main" id="{326F654D-8D44-4ABC-93C2-D6D3C223E1F1}"/>
+              </a:ext>
+            </a:extLst>
+          </p:cNvPr>
+          <p:cNvSpPr>
+            <a:spLocks noGrp="1"/>
+          </p:cNvSpPr>
+          <p:nvPr>
+            <p:ph idx="1"/>
+          </p:nvPr>
+        </p:nvSpPr>
+        <p:spPr/>
+        <p:txBody>
+          <a:bodyPr>
+            <a:normAutofit fontScale="92500" lnSpcReduction="10000"/>
+          </a:bodyPr>
+          <a:lstStyle/>
+          <a:p>
+            <a:r>
+              <a:rPr lang="en-GB" dirty="0"/>
+              <a:t>Focused on functionality and “getting it working”</a:t>
+            </a:r>
+          </a:p>
+          <a:p>
+            <a:r>
+              <a:rPr lang="en-GB" dirty="0"/>
+              <a:t>Consider Cross-Site Request Forgery (CSRF)</a:t>
+            </a:r>
+          </a:p>
+          <a:p>
+            <a:r>
+              <a:rPr lang="en-GB" dirty="0"/>
+              <a:t>By default, Spring protects against this</a:t>
+            </a:r>
+          </a:p>
+          <a:p>
+            <a:r>
+              <a:rPr lang="en-US" dirty="0"/>
+              <a:t>All the accepted answers to CSRF-related failures simply suggested disabling the check, with no comments on the downsides</a:t>
+            </a:r>
+          </a:p>
+          <a:p>
+            <a:r>
+              <a:rPr lang="en-US" dirty="0"/>
+              <a:t>[4] took top 30 tutorials (via Google)</a:t>
+            </a:r>
+          </a:p>
+          <a:p>
+            <a:r>
+              <a:rPr lang="en-US" dirty="0"/>
+              <a:t>6 had SQL Injection weaknesses, 3 CSRF</a:t>
+            </a:r>
+          </a:p>
+          <a:p>
+            <a:r>
+              <a:rPr lang="en-US" dirty="0"/>
+              <a:t>820 instances of these fragments on </a:t>
+            </a:r>
+            <a:r>
+              <a:rPr lang="en-US" dirty="0" err="1"/>
+              <a:t>Github</a:t>
+            </a:r>
+            <a:r>
+              <a:rPr lang="en-US" dirty="0"/>
+              <a:t>, of which 117 were verified manually </a:t>
+            </a:r>
+            <a:r>
+              <a:rPr lang="en-GB" dirty="0"/>
+              <a:t>to be vulnerable</a:t>
+            </a:r>
+          </a:p>
+        </p:txBody>
+      </p:sp>
     </p:spTree>
     <p:extLst>
       <p:ext uri="{BB962C8B-B14F-4D97-AF65-F5344CB8AC3E}">
@@ -5131,7 +5957,7 @@
         </p:nvGrpSpPr>
         <p:grpSpPr>
           <a:xfrm>
-            <a:off x="0" y="456913"/>
+            <a:off x="60385" y="448286"/>
             <a:ext cx="8876764" cy="453980"/>
             <a:chOff x="-115910" y="386367"/>
             <a:chExt cx="11835685" cy="605307"/>
@@ -5218,92 +6044,80 @@
       </p:grpSp>
       <p:sp>
         <p:nvSpPr>
-          <p:cNvPr id="5" name="Rectangle 4"/>
-          <p:cNvSpPr/>
-          <p:nvPr/>
+          <p:cNvPr id="5" name="Title 4">
+            <a:extLst>
+              <a:ext uri="{FF2B5EF4-FFF2-40B4-BE49-F238E27FC236}">
+                <a16:creationId xmlns:a16="http://schemas.microsoft.com/office/drawing/2014/main" id="{13F23E4A-B55C-434F-BE4F-14FF1202AFAE}"/>
+              </a:ext>
+            </a:extLst>
+          </p:cNvPr>
+          <p:cNvSpPr>
+            <a:spLocks noGrp="1"/>
+          </p:cNvSpPr>
+          <p:nvPr>
+            <p:ph type="title"/>
+          </p:nvPr>
         </p:nvSpPr>
         <p:spPr>
           <a:xfrm>
-            <a:off x="3141343" y="2676798"/>
-            <a:ext cx="2917786" cy="553998"/>
+            <a:off x="628650" y="365127"/>
+            <a:ext cx="7886700" cy="701674"/>
           </a:xfrm>
-          <a:prstGeom prst="rect">
-            <a:avLst/>
-          </a:prstGeom>
         </p:spPr>
         <p:txBody>
-          <a:bodyPr wrap="none">
-            <a:spAutoFit/>
-          </a:bodyPr>
+          <a:bodyPr/>
           <a:lstStyle/>
           <a:p>
             <a:r>
-              <a:rPr lang="en-GB" sz="3000" dirty="0">
+              <a:rPr lang="en-GB" dirty="0">
                 <a:solidFill>
-                  <a:srgbClr val="000000"/>
+                  <a:schemeClr val="bg1"/>
                 </a:solidFill>
-                <a:latin typeface="Arial" panose="020B0604020202020204" pitchFamily="34" charset="0"/>
-                <a:ea typeface="Calibri" panose="020F0502020204030204" pitchFamily="34" charset="0"/>
-                <a:cs typeface="Arial" panose="020B0604020202020204" pitchFamily="34" charset="0"/>
               </a:rPr>
-              <a:t>Any questions? </a:t>
-            </a:r>
-            <a:endParaRPr lang="en-GB" sz="3000" dirty="0">
-              <a:latin typeface="Arial" panose="020B0604020202020204" pitchFamily="34" charset="0"/>
-              <a:ea typeface="Calibri" panose="020F0502020204030204" pitchFamily="34" charset="0"/>
-              <a:cs typeface="Arial" panose="020B0604020202020204" pitchFamily="34" charset="0"/>
+              <a:t>UK Timeline for </a:t>
+            </a:r>
+            <a:r>
+              <a:rPr lang="en-GB" dirty="0" err="1">
+                <a:solidFill>
+                  <a:schemeClr val="bg1"/>
+                </a:solidFill>
+              </a:rPr>
+              <a:t>CyberSec</a:t>
+            </a:r>
+            <a:endParaRPr lang="en-GB" dirty="0">
+              <a:solidFill>
+                <a:schemeClr val="bg1"/>
+              </a:solidFill>
             </a:endParaRPr>
           </a:p>
         </p:txBody>
       </p:sp>
       <p:pic>
         <p:nvPicPr>
-          <p:cNvPr id="6" name="Picture 5"/>
+          <p:cNvPr id="7" name="table">
+            <a:extLst>
+              <a:ext uri="{FF2B5EF4-FFF2-40B4-BE49-F238E27FC236}">
+                <a16:creationId xmlns:a16="http://schemas.microsoft.com/office/drawing/2014/main" id="{1E49FBF7-5195-40DF-B6D4-E75A8A2922A9}"/>
+              </a:ext>
+            </a:extLst>
+          </p:cNvPr>
           <p:cNvPicPr>
-            <a:picLocks noChangeAspect="1"/>
+            <a:picLocks noGrp="1" noChangeAspect="1"/>
           </p:cNvPicPr>
-          <p:nvPr/>
+          <p:nvPr>
+            <p:ph idx="1"/>
+          </p:nvPr>
         </p:nvPicPr>
         <p:blipFill>
-          <a:blip r:embed="rId3">
-            <a:extLst>
-              <a:ext uri="{28A0092B-C50C-407E-A947-70E740481C1C}">
-                <a14:useLocalDpi xmlns:a14="http://schemas.microsoft.com/office/drawing/2010/main" val="0"/>
-              </a:ext>
-            </a:extLst>
-          </a:blip>
+          <a:blip r:embed="rId3"/>
           <a:stretch>
             <a:fillRect/>
           </a:stretch>
         </p:blipFill>
         <p:spPr>
           <a:xfrm>
-            <a:off x="528576" y="5560005"/>
-            <a:ext cx="2197372" cy="843742"/>
-          </a:xfrm>
-          <a:prstGeom prst="rect">
-            <a:avLst/>
-          </a:prstGeom>
-        </p:spPr>
-      </p:pic>
-      <p:pic>
-        <p:nvPicPr>
-          <p:cNvPr id="7" name="Picture 6"/>
-          <p:cNvPicPr>
-            <a:picLocks noChangeAspect="1"/>
-          </p:cNvPicPr>
-          <p:nvPr/>
-        </p:nvPicPr>
-        <p:blipFill>
-          <a:blip r:embed="rId4"/>
-          <a:stretch>
-            <a:fillRect/>
-          </a:stretch>
-        </p:blipFill>
-        <p:spPr>
-          <a:xfrm>
-            <a:off x="5830206" y="5606682"/>
-            <a:ext cx="2615054" cy="871684"/>
+            <a:off x="29603" y="1247775"/>
+            <a:ext cx="9034340" cy="5400676"/>
           </a:xfrm>
           <a:prstGeom prst="rect">
             <a:avLst/>
@@ -5313,7 +6127,7 @@
     </p:spTree>
     <p:extLst>
       <p:ext uri="{BB962C8B-B14F-4D97-AF65-F5344CB8AC3E}">
-        <p14:creationId xmlns:p14="http://schemas.microsoft.com/office/powerpoint/2010/main" val="1884598785"/>
+        <p14:creationId xmlns:p14="http://schemas.microsoft.com/office/powerpoint/2010/main" val="4131052727"/>
       </p:ext>
     </p:extLst>
   </p:cSld>
@@ -5438,7 +6252,7 @@
           <p:cNvPr id="5" name="Title 4">
             <a:extLst>
               <a:ext uri="{FF2B5EF4-FFF2-40B4-BE49-F238E27FC236}">
-                <a16:creationId xmlns:a16="http://schemas.microsoft.com/office/drawing/2014/main" id="{08C64A66-0920-4768-9C91-A9A7C4A806F1}"/>
+                <a16:creationId xmlns:a16="http://schemas.microsoft.com/office/drawing/2014/main" id="{6CC60C85-5362-4985-85B9-7DE1290B9B0A}"/>
               </a:ext>
             </a:extLst>
           </p:cNvPr>
@@ -5451,14 +6265,12 @@
         </p:nvSpPr>
         <p:spPr>
           <a:xfrm>
-            <a:off x="628650" y="365126"/>
-            <a:ext cx="7886700" cy="692150"/>
+            <a:off x="628650" y="365127"/>
+            <a:ext cx="7886700" cy="739774"/>
           </a:xfrm>
         </p:spPr>
         <p:txBody>
-          <a:bodyPr>
-            <a:normAutofit fontScale="90000"/>
-          </a:bodyPr>
+          <a:bodyPr/>
           <a:lstStyle/>
           <a:p>
             <a:r>
@@ -5467,7 +6279,7 @@
                   <a:schemeClr val="bg1"/>
                 </a:solidFill>
               </a:rPr>
-              <a:t>References</a:t>
+              <a:t>Curricula guidelines (2015)</a:t>
             </a:r>
           </a:p>
         </p:txBody>
@@ -5477,7 +6289,7 @@
           <p:cNvPr id="6" name="Content Placeholder 5">
             <a:extLst>
               <a:ext uri="{FF2B5EF4-FFF2-40B4-BE49-F238E27FC236}">
-                <a16:creationId xmlns:a16="http://schemas.microsoft.com/office/drawing/2014/main" id="{B6D5D2CF-4CAE-4C0A-851A-3F7AD59C7EF2}"/>
+                <a16:creationId xmlns:a16="http://schemas.microsoft.com/office/drawing/2014/main" id="{8967C89F-4F31-4FCB-9894-353538A06252}"/>
               </a:ext>
             </a:extLst>
           </p:cNvPr>
@@ -5488,168 +6300,353 @@
             <p:ph idx="1"/>
           </p:nvPr>
         </p:nvSpPr>
-        <p:spPr>
-          <a:xfrm>
-            <a:off x="628650" y="985426"/>
-            <a:ext cx="7886700" cy="5191537"/>
-          </a:xfrm>
-        </p:spPr>
-        <p:txBody>
-          <a:bodyPr>
-            <a:noAutofit/>
-          </a:bodyPr>
+        <p:spPr/>
+        <p:txBody>
+          <a:bodyPr/>
           <a:lstStyle/>
           <a:p>
             <a:pPr marL="0" indent="0">
-              <a:buNone/>
+              <a:buFont typeface="Times" panose="02020603050405020304" pitchFamily="18" charset="0"/>
+              <a:buNone/>
+              <a:defRPr/>
             </a:pPr>
             <a:r>
-              <a:rPr lang="en-GB" sz="2000" dirty="0"/>
-              <a:t>[1] Cynthia Taylor and </a:t>
-            </a:r>
-            <a:r>
-              <a:rPr lang="en-GB" sz="2000" dirty="0" err="1"/>
-              <a:t>Saheel</a:t>
-            </a:r>
-            <a:r>
-              <a:rPr lang="en-GB" sz="2000" dirty="0"/>
-              <a:t> </a:t>
-            </a:r>
-            <a:r>
-              <a:rPr lang="en-GB" sz="2000" dirty="0" err="1"/>
-              <a:t>Sakharkar</a:t>
-            </a:r>
-            <a:r>
-              <a:rPr lang="en-GB" sz="2000" dirty="0"/>
-              <a:t>. ';DROP TABLE textbooks; ― An Argument for SQL Injection Coverage in Database Textbooks. In Proc. of SIGCSE 2019, pages 191-197, 2019.</a:t>
+              <a:rPr lang="en-GB" sz="3200" dirty="0"/>
+              <a:t>Coverage is mandated of:</a:t>
+            </a:r>
+          </a:p>
+          <a:p>
+            <a:pPr>
+              <a:defRPr/>
+            </a:pPr>
+            <a:r>
+              <a:rPr lang="en-GB" dirty="0"/>
+              <a:t>Information and risk</a:t>
+            </a:r>
+          </a:p>
+          <a:p>
+            <a:pPr>
+              <a:defRPr/>
+            </a:pPr>
+            <a:r>
+              <a:rPr lang="en-GB" dirty="0"/>
+              <a:t>Threats and attacks</a:t>
+            </a:r>
+          </a:p>
+          <a:p>
+            <a:pPr>
+              <a:defRPr/>
+            </a:pPr>
+            <a:r>
+              <a:rPr lang="en-GB" dirty="0"/>
+              <a:t>Cybersecurity architecture and operations</a:t>
+            </a:r>
+          </a:p>
+          <a:p>
+            <a:pPr>
+              <a:defRPr/>
+            </a:pPr>
+            <a:r>
+              <a:rPr lang="en-GB" dirty="0"/>
+              <a:t>Secure systems and products</a:t>
+            </a:r>
+          </a:p>
+          <a:p>
+            <a:pPr>
+              <a:defRPr/>
+            </a:pPr>
+            <a:r>
+              <a:rPr lang="en-GB" dirty="0"/>
+              <a:t>Cybersecurity management.</a:t>
             </a:r>
           </a:p>
           <a:p>
             <a:pPr marL="0" indent="0">
               <a:buNone/>
+              <a:defRPr/>
             </a:pPr>
             <a:r>
-              <a:rPr lang="en-GB" sz="2000" dirty="0"/>
-              <a:t>[2] N. Meng, S. Nagy, D. Yao, W. Zhuang, and G. Arango </a:t>
-            </a:r>
-            <a:r>
-              <a:rPr lang="en-GB" sz="2000" dirty="0" err="1"/>
-              <a:t>Argoty</a:t>
-            </a:r>
-            <a:r>
-              <a:rPr lang="en-GB" sz="2000" dirty="0"/>
-              <a:t>. Secure coding practices in Java: Challenges and vulnerabilities. In IEEE/ACM 40th Int. Conf. on Software Engineering, pages 372-383, 2018.</a:t>
+              <a:rPr lang="en-GB" dirty="0"/>
+              <a:t>In the light of our findings, where should this go?</a:t>
             </a:r>
           </a:p>
           <a:p>
             <a:pPr marL="0" indent="0">
               <a:buNone/>
             </a:pPr>
-            <a:r>
-              <a:rPr lang="en-GB" sz="2000" dirty="0"/>
-              <a:t>[3] F. Fischer, K. </a:t>
-            </a:r>
-            <a:r>
-              <a:rPr lang="en-GB" sz="2000" dirty="0" err="1"/>
-              <a:t>Böttinger</a:t>
-            </a:r>
-            <a:r>
-              <a:rPr lang="en-GB" sz="2000" dirty="0"/>
-              <a:t>, H. Xiao, C. </a:t>
-            </a:r>
-            <a:r>
-              <a:rPr lang="en-GB" sz="2000" dirty="0" err="1"/>
-              <a:t>Stransky</a:t>
-            </a:r>
-            <a:r>
-              <a:rPr lang="en-GB" sz="2000" dirty="0"/>
-              <a:t>, Y. </a:t>
-            </a:r>
-            <a:r>
-              <a:rPr lang="en-GB" sz="2000" dirty="0" err="1"/>
-              <a:t>Acar</a:t>
-            </a:r>
-            <a:r>
-              <a:rPr lang="en-GB" sz="2000" dirty="0"/>
-              <a:t>, M. Backes, and S. </a:t>
-            </a:r>
-            <a:r>
-              <a:rPr lang="en-GB" sz="2000" dirty="0" err="1"/>
-              <a:t>Fahl</a:t>
-            </a:r>
-            <a:r>
-              <a:rPr lang="en-GB" sz="2000" dirty="0"/>
-              <a:t>. Stack Overflow Considered Harmful? The Impact of </a:t>
-            </a:r>
-            <a:r>
-              <a:rPr lang="en-GB" sz="2000" dirty="0" err="1"/>
-              <a:t>Copy&amp;Paste</a:t>
-            </a:r>
-            <a:r>
-              <a:rPr lang="en-GB" sz="2000" dirty="0"/>
-              <a:t> on Android Application Security. In 38th IEEE Symposium on Security and Privacy, pages 121-136, 2017.</a:t>
-            </a:r>
-          </a:p>
-          <a:p>
-            <a:pPr marL="0" indent="0">
-              <a:buNone/>
-            </a:pPr>
-            <a:r>
-              <a:rPr lang="en-GB" sz="2000" dirty="0"/>
-              <a:t>[4] T. Unruh, B. </a:t>
-            </a:r>
-            <a:r>
-              <a:rPr lang="en-GB" sz="2000" dirty="0" err="1"/>
-              <a:t>Shastry</a:t>
-            </a:r>
-            <a:r>
-              <a:rPr lang="en-GB" sz="2000" dirty="0"/>
-              <a:t>, M. </a:t>
-            </a:r>
-            <a:r>
-              <a:rPr lang="en-GB" sz="2000" dirty="0" err="1"/>
-              <a:t>Skoruppa</a:t>
-            </a:r>
-            <a:r>
-              <a:rPr lang="en-GB" sz="2000" dirty="0"/>
-              <a:t>, F. Maggi, K. </a:t>
-            </a:r>
-            <a:r>
-              <a:rPr lang="en-GB" sz="2000" dirty="0" err="1"/>
-              <a:t>Rieck</a:t>
-            </a:r>
-            <a:r>
-              <a:rPr lang="en-GB" sz="2000" dirty="0"/>
-              <a:t>, J.-P. Seifert, and F. Yamaguchi. Leveraging Flawed Tutorials for Seeding Large-Scale Web Vulnerability Discovery. In Proc. of 11th USENIX Workshop on Offensive Technologies (WOOT 2017), 2017.</a:t>
-            </a:r>
-          </a:p>
-          <a:p>
-            <a:pPr marL="0" indent="0">
-              <a:buNone/>
-            </a:pPr>
-            <a:r>
-              <a:rPr lang="en-GB" sz="2000" dirty="0"/>
-              <a:t>[5] Alastair Irons, Nick Savage, Carsten Maple, Adrian Davies, and Lyndsay Turley. Cybersecurity in CS Degrees</a:t>
-            </a:r>
-            <a:r>
-              <a:rPr lang="en-GB" sz="2000" i="1" dirty="0"/>
-              <a:t>. </a:t>
-            </a:r>
-            <a:r>
-              <a:rPr lang="en-GB" sz="2000" i="1" dirty="0" err="1"/>
-              <a:t>ITNow</a:t>
-            </a:r>
-            <a:r>
-              <a:rPr lang="en-GB" sz="2000" dirty="0"/>
-              <a:t>, 58:56-57, 2016.</a:t>
-            </a:r>
+            <a:endParaRPr lang="en-GB" dirty="0"/>
           </a:p>
         </p:txBody>
       </p:sp>
     </p:spTree>
     <p:extLst>
       <p:ext uri="{BB962C8B-B14F-4D97-AF65-F5344CB8AC3E}">
-        <p14:creationId xmlns:p14="http://schemas.microsoft.com/office/powerpoint/2010/main" val="118011086"/>
+        <p14:creationId xmlns:p14="http://schemas.microsoft.com/office/powerpoint/2010/main" val="370231595"/>
+      </p:ext>
+    </p:extLst>
+  </p:cSld>
+  <p:clrMapOvr>
+    <a:masterClrMapping/>
+  </p:clrMapOvr>
+</p:sld>
+</file>
+
+<file path=ppt/slides/slide9.xml><?xml version="1.0" encoding="utf-8"?>
+<p:sld xmlns:a="http://schemas.openxmlformats.org/drawingml/2006/main" xmlns:r="http://schemas.openxmlformats.org/officeDocument/2006/relationships" xmlns:p="http://schemas.openxmlformats.org/presentationml/2006/main">
+  <p:cSld>
+    <p:spTree>
+      <p:nvGrpSpPr>
+        <p:cNvPr id="1" name=""/>
+        <p:cNvGrpSpPr/>
+        <p:nvPr/>
+      </p:nvGrpSpPr>
+      <p:grpSpPr>
+        <a:xfrm>
+          <a:off x="0" y="0"/>
+          <a:ext cx="0" cy="0"/>
+          <a:chOff x="0" y="0"/>
+          <a:chExt cx="0" cy="0"/>
+        </a:xfrm>
+      </p:grpSpPr>
+      <p:grpSp>
+        <p:nvGrpSpPr>
+          <p:cNvPr id="2" name="Group 1"/>
+          <p:cNvGrpSpPr/>
+          <p:nvPr/>
+        </p:nvGrpSpPr>
+        <p:grpSpPr>
+          <a:xfrm>
+            <a:off x="60385" y="448286"/>
+            <a:ext cx="8876764" cy="453980"/>
+            <a:chOff x="-115910" y="386367"/>
+            <a:chExt cx="11835685" cy="605307"/>
+          </a:xfrm>
+          <a:solidFill>
+            <a:srgbClr val="0C2738"/>
+          </a:solidFill>
+        </p:grpSpPr>
+        <p:sp>
+          <p:nvSpPr>
+            <p:cNvPr id="3" name="Round Single Corner Rectangle 2"/>
+            <p:cNvSpPr/>
+            <p:nvPr/>
+          </p:nvSpPr>
+          <p:spPr>
+            <a:xfrm>
+              <a:off x="-115910" y="386367"/>
+              <a:ext cx="11835685" cy="605307"/>
+            </a:xfrm>
+            <a:prstGeom prst="round1Rect">
+              <a:avLst/>
+            </a:prstGeom>
+            <a:grpFill/>
+            <a:ln>
+              <a:noFill/>
+            </a:ln>
+          </p:spPr>
+          <p:style>
+            <a:lnRef idx="2">
+              <a:schemeClr val="accent1">
+                <a:shade val="50000"/>
+              </a:schemeClr>
+            </a:lnRef>
+            <a:fillRef idx="1">
+              <a:schemeClr val="accent1"/>
+            </a:fillRef>
+            <a:effectRef idx="0">
+              <a:schemeClr val="accent1"/>
+            </a:effectRef>
+            <a:fontRef idx="minor">
+              <a:schemeClr val="lt1"/>
+            </a:fontRef>
+          </p:style>
+          <p:txBody>
+            <a:bodyPr rtlCol="0" anchor="ctr"/>
+            <a:lstStyle/>
+            <a:p>
+              <a:pPr algn="ctr"/>
+              <a:endParaRPr lang="en-GB" sz="1350"/>
+            </a:p>
+          </p:txBody>
+        </p:sp>
+        <p:pic>
+          <p:nvPicPr>
+            <p:cNvPr id="4" name="Picture 3"/>
+            <p:cNvPicPr>
+              <a:picLocks noChangeAspect="1"/>
+            </p:cNvPicPr>
+            <p:nvPr/>
+          </p:nvPicPr>
+          <p:blipFill>
+            <a:blip r:embed="rId2" cstate="print">
+              <a:extLst>
+                <a:ext uri="{28A0092B-C50C-407E-A947-70E740481C1C}">
+                  <a14:useLocalDpi xmlns:a14="http://schemas.microsoft.com/office/drawing/2010/main" val="0"/>
+                </a:ext>
+              </a:extLst>
+            </a:blip>
+            <a:stretch>
+              <a:fillRect/>
+            </a:stretch>
+          </p:blipFill>
+          <p:spPr>
+            <a:xfrm>
+              <a:off x="9710730" y="425004"/>
+              <a:ext cx="1918893" cy="496430"/>
+            </a:xfrm>
+            <a:prstGeom prst="rect">
+              <a:avLst/>
+            </a:prstGeom>
+            <a:grpFill/>
+          </p:spPr>
+        </p:pic>
+      </p:grpSp>
+      <p:sp>
+        <p:nvSpPr>
+          <p:cNvPr id="5" name="Title 4">
+            <a:extLst>
+              <a:ext uri="{FF2B5EF4-FFF2-40B4-BE49-F238E27FC236}">
+                <a16:creationId xmlns:a16="http://schemas.microsoft.com/office/drawing/2014/main" id="{CDDD41CC-14FD-432A-81C4-1AB9ECBD036C}"/>
+              </a:ext>
+            </a:extLst>
+          </p:cNvPr>
+          <p:cNvSpPr>
+            <a:spLocks noGrp="1"/>
+          </p:cNvSpPr>
+          <p:nvPr>
+            <p:ph type="title"/>
+          </p:nvPr>
+        </p:nvSpPr>
+        <p:spPr>
+          <a:xfrm>
+            <a:off x="628650" y="365127"/>
+            <a:ext cx="7886700" cy="625473"/>
+          </a:xfrm>
+        </p:spPr>
+        <p:txBody>
+          <a:bodyPr>
+            <a:normAutofit fontScale="90000"/>
+          </a:bodyPr>
+          <a:lstStyle/>
+          <a:p>
+            <a:r>
+              <a:rPr lang="en-GB" dirty="0">
+                <a:solidFill>
+                  <a:schemeClr val="bg1"/>
+                </a:solidFill>
+              </a:rPr>
+              <a:t>Timeline for implementation </a:t>
+            </a:r>
+          </a:p>
+        </p:txBody>
+      </p:sp>
+      <p:sp>
+        <p:nvSpPr>
+          <p:cNvPr id="6" name="Content Placeholder 5">
+            <a:extLst>
+              <a:ext uri="{FF2B5EF4-FFF2-40B4-BE49-F238E27FC236}">
+                <a16:creationId xmlns:a16="http://schemas.microsoft.com/office/drawing/2014/main" id="{FE82F654-90CD-4BD2-ABED-055A46ACA720}"/>
+              </a:ext>
+            </a:extLst>
+          </p:cNvPr>
+          <p:cNvSpPr>
+            <a:spLocks noGrp="1"/>
+          </p:cNvSpPr>
+          <p:nvPr>
+            <p:ph idx="1"/>
+          </p:nvPr>
+        </p:nvSpPr>
+        <p:spPr/>
+        <p:txBody>
+          <a:bodyPr>
+            <a:normAutofit fontScale="92500" lnSpcReduction="10000"/>
+          </a:bodyPr>
+          <a:lstStyle/>
+          <a:p>
+            <a:pPr marL="0" indent="0">
+              <a:buNone/>
+            </a:pPr>
+            <a:r>
+              <a:rPr lang="en-US" dirty="0">
+                <a:solidFill>
+                  <a:schemeClr val="dk1"/>
+                </a:solidFill>
+              </a:rPr>
+              <a:t>Cybersecurity Principles Roadshow: March-April 2016</a:t>
+            </a:r>
+            <a:endParaRPr lang="en-GB" dirty="0">
+              <a:solidFill>
+                <a:schemeClr val="dk1"/>
+              </a:solidFill>
+            </a:endParaRPr>
+          </a:p>
+          <a:p>
+            <a:pPr marL="0" indent="0">
+              <a:buNone/>
+            </a:pPr>
+            <a:r>
+              <a:rPr lang="en-GB" dirty="0"/>
+              <a:t>All institutions expected to be fully compliant: Sept 2020</a:t>
+            </a:r>
+          </a:p>
+          <a:p>
+            <a:pPr marL="0" indent="0">
+              <a:buNone/>
+            </a:pPr>
+            <a:endParaRPr lang="en-GB" dirty="0"/>
+          </a:p>
+          <a:p>
+            <a:pPr marL="0" indent="0">
+              <a:buNone/>
+            </a:pPr>
+            <a:r>
+              <a:rPr lang="en-GB" dirty="0"/>
+              <a:t>Status (autumn 2018)</a:t>
+            </a:r>
+          </a:p>
+          <a:p>
+            <a:r>
+              <a:rPr lang="en-US" altLang="en-US" dirty="0"/>
+              <a:t>70 Higher Education Institutes visited under this regime</a:t>
+            </a:r>
+          </a:p>
+          <a:p>
+            <a:r>
+              <a:rPr lang="en-US" altLang="en-US" dirty="0"/>
+              <a:t>54 Higher Education Institutes compliant</a:t>
+            </a:r>
+          </a:p>
+          <a:p>
+            <a:r>
+              <a:rPr lang="en-US" altLang="en-US" dirty="0"/>
+              <a:t>12 Higher Education Institutes requiring long actions (for next visit)</a:t>
+            </a:r>
+          </a:p>
+          <a:p>
+            <a:r>
+              <a:rPr lang="en-US" altLang="en-US" dirty="0"/>
+              <a:t>4 Higher Education Institutes requiring short term actions</a:t>
+            </a:r>
+            <a:endParaRPr lang="en-GB" altLang="en-US" dirty="0"/>
+          </a:p>
+          <a:p>
+            <a:pPr marL="0" indent="0">
+              <a:buNone/>
+            </a:pPr>
+            <a:endParaRPr lang="en-GB" dirty="0"/>
+          </a:p>
+          <a:p>
+            <a:pPr marL="0" indent="0">
+              <a:buNone/>
+            </a:pPr>
+            <a:endParaRPr lang="en-GB" dirty="0"/>
+          </a:p>
+        </p:txBody>
+      </p:sp>
+    </p:spTree>
+    <p:extLst>
+      <p:ext uri="{BB962C8B-B14F-4D97-AF65-F5344CB8AC3E}">
+        <p14:creationId xmlns:p14="http://schemas.microsoft.com/office/powerpoint/2010/main" val="3131741793"/>
       </p:ext>
     </p:extLst>
   </p:cSld>

--- a/TalkatFI2019.pptx
+++ b/TalkatFI2019.pptx
@@ -12,11 +12,12 @@
     <p:sldId id="275" r:id="rId6"/>
     <p:sldId id="273" r:id="rId7"/>
     <p:sldId id="278" r:id="rId8"/>
-    <p:sldId id="279" r:id="rId9"/>
-    <p:sldId id="280" r:id="rId10"/>
-    <p:sldId id="270" r:id="rId11"/>
-    <p:sldId id="274" r:id="rId12"/>
-    <p:sldId id="277" r:id="rId13"/>
+    <p:sldId id="280" r:id="rId9"/>
+    <p:sldId id="279" r:id="rId10"/>
+    <p:sldId id="281" r:id="rId11"/>
+    <p:sldId id="270" r:id="rId12"/>
+    <p:sldId id="274" r:id="rId13"/>
+    <p:sldId id="277" r:id="rId14"/>
   </p:sldIdLst>
   <p:sldSz cx="9144000" cy="6858000" type="screen4x3"/>
   <p:notesSz cx="6858000" cy="9144000"/>
@@ -3416,6 +3417,211 @@
         </p:nvGrpSpPr>
         <p:grpSpPr>
           <a:xfrm>
+            <a:off x="60385" y="448286"/>
+            <a:ext cx="8876764" cy="453980"/>
+            <a:chOff x="-115910" y="386367"/>
+            <a:chExt cx="11835685" cy="605307"/>
+          </a:xfrm>
+          <a:solidFill>
+            <a:srgbClr val="0C2738"/>
+          </a:solidFill>
+        </p:grpSpPr>
+        <p:sp>
+          <p:nvSpPr>
+            <p:cNvPr id="3" name="Round Single Corner Rectangle 2"/>
+            <p:cNvSpPr/>
+            <p:nvPr/>
+          </p:nvSpPr>
+          <p:spPr>
+            <a:xfrm>
+              <a:off x="-115910" y="386367"/>
+              <a:ext cx="11835685" cy="605307"/>
+            </a:xfrm>
+            <a:prstGeom prst="round1Rect">
+              <a:avLst/>
+            </a:prstGeom>
+            <a:grpFill/>
+            <a:ln>
+              <a:noFill/>
+            </a:ln>
+          </p:spPr>
+          <p:style>
+            <a:lnRef idx="2">
+              <a:schemeClr val="accent1">
+                <a:shade val="50000"/>
+              </a:schemeClr>
+            </a:lnRef>
+            <a:fillRef idx="1">
+              <a:schemeClr val="accent1"/>
+            </a:fillRef>
+            <a:effectRef idx="0">
+              <a:schemeClr val="accent1"/>
+            </a:effectRef>
+            <a:fontRef idx="minor">
+              <a:schemeClr val="lt1"/>
+            </a:fontRef>
+          </p:style>
+          <p:txBody>
+            <a:bodyPr rtlCol="0" anchor="ctr"/>
+            <a:lstStyle/>
+            <a:p>
+              <a:pPr algn="ctr"/>
+              <a:endParaRPr lang="en-GB" sz="1350"/>
+            </a:p>
+          </p:txBody>
+        </p:sp>
+        <p:pic>
+          <p:nvPicPr>
+            <p:cNvPr id="4" name="Picture 3"/>
+            <p:cNvPicPr>
+              <a:picLocks noChangeAspect="1"/>
+            </p:cNvPicPr>
+            <p:nvPr/>
+          </p:nvPicPr>
+          <p:blipFill>
+            <a:blip r:embed="rId2" cstate="print">
+              <a:extLst>
+                <a:ext uri="{28A0092B-C50C-407E-A947-70E740481C1C}">
+                  <a14:useLocalDpi xmlns:a14="http://schemas.microsoft.com/office/drawing/2010/main" val="0"/>
+                </a:ext>
+              </a:extLst>
+            </a:blip>
+            <a:stretch>
+              <a:fillRect/>
+            </a:stretch>
+          </p:blipFill>
+          <p:spPr>
+            <a:xfrm>
+              <a:off x="9710730" y="425004"/>
+              <a:ext cx="1918893" cy="496430"/>
+            </a:xfrm>
+            <a:prstGeom prst="rect">
+              <a:avLst/>
+            </a:prstGeom>
+            <a:grpFill/>
+          </p:spPr>
+        </p:pic>
+      </p:grpSp>
+      <p:sp>
+        <p:nvSpPr>
+          <p:cNvPr id="5" name="Title 4">
+            <a:extLst>
+              <a:ext uri="{FF2B5EF4-FFF2-40B4-BE49-F238E27FC236}">
+                <a16:creationId xmlns:a16="http://schemas.microsoft.com/office/drawing/2014/main" id="{61C67553-05D5-472A-8307-F87B7DABD847}"/>
+              </a:ext>
+            </a:extLst>
+          </p:cNvPr>
+          <p:cNvSpPr>
+            <a:spLocks noGrp="1"/>
+          </p:cNvSpPr>
+          <p:nvPr>
+            <p:ph type="title"/>
+          </p:nvPr>
+        </p:nvSpPr>
+        <p:spPr>
+          <a:xfrm>
+            <a:off x="628650" y="365127"/>
+            <a:ext cx="7886700" cy="701674"/>
+          </a:xfrm>
+        </p:spPr>
+        <p:txBody>
+          <a:bodyPr/>
+          <a:lstStyle/>
+          <a:p>
+            <a:r>
+              <a:rPr lang="en-GB" dirty="0">
+                <a:solidFill>
+                  <a:schemeClr val="bg1"/>
+                </a:solidFill>
+              </a:rPr>
+              <a:t>What next for accreditation??</a:t>
+            </a:r>
+          </a:p>
+        </p:txBody>
+      </p:sp>
+      <p:sp>
+        <p:nvSpPr>
+          <p:cNvPr id="6" name="Content Placeholder 5">
+            <a:extLst>
+              <a:ext uri="{FF2B5EF4-FFF2-40B4-BE49-F238E27FC236}">
+                <a16:creationId xmlns:a16="http://schemas.microsoft.com/office/drawing/2014/main" id="{642D44DF-6F60-43B6-A6AB-9C15DB26E412}"/>
+              </a:ext>
+            </a:extLst>
+          </p:cNvPr>
+          <p:cNvSpPr>
+            <a:spLocks noGrp="1"/>
+          </p:cNvSpPr>
+          <p:nvPr>
+            <p:ph idx="1"/>
+          </p:nvPr>
+        </p:nvSpPr>
+        <p:spPr/>
+        <p:txBody>
+          <a:bodyPr/>
+          <a:lstStyle/>
+          <a:p>
+            <a:r>
+              <a:rPr lang="en-GB" dirty="0"/>
+              <a:t>Check appropriateness of books (or how deficiencies are handled). Shouldn’t be necessary, but see SQL and [1]</a:t>
+            </a:r>
+          </a:p>
+          <a:p>
+            <a:r>
+              <a:rPr lang="en-GB" dirty="0"/>
+              <a:t>Check students’ attitudes to informal resources</a:t>
+            </a:r>
+          </a:p>
+          <a:p>
+            <a:r>
+              <a:rPr lang="en-GB" dirty="0"/>
+              <a:t>?? Insist that there’s some practical Cybersecurity work, e.g. implementing a </a:t>
+            </a:r>
+            <a:r>
+              <a:rPr lang="en-GB"/>
+              <a:t>password system ??</a:t>
+            </a:r>
+            <a:endParaRPr lang="en-GB" dirty="0"/>
+          </a:p>
+        </p:txBody>
+      </p:sp>
+    </p:spTree>
+    <p:extLst>
+      <p:ext uri="{BB962C8B-B14F-4D97-AF65-F5344CB8AC3E}">
+        <p14:creationId xmlns:p14="http://schemas.microsoft.com/office/powerpoint/2010/main" val="2080764520"/>
+      </p:ext>
+    </p:extLst>
+  </p:cSld>
+  <p:clrMapOvr>
+    <a:masterClrMapping/>
+  </p:clrMapOvr>
+</p:sld>
+</file>
+
+<file path=ppt/slides/slide11.xml><?xml version="1.0" encoding="utf-8"?>
+<p:sld xmlns:a="http://schemas.openxmlformats.org/drawingml/2006/main" xmlns:r="http://schemas.openxmlformats.org/officeDocument/2006/relationships" xmlns:p="http://schemas.openxmlformats.org/presentationml/2006/main">
+  <p:cSld>
+    <p:spTree>
+      <p:nvGrpSpPr>
+        <p:cNvPr id="1" name=""/>
+        <p:cNvGrpSpPr/>
+        <p:nvPr/>
+      </p:nvGrpSpPr>
+      <p:grpSpPr>
+        <a:xfrm>
+          <a:off x="0" y="0"/>
+          <a:ext cx="0" cy="0"/>
+          <a:chOff x="0" y="0"/>
+          <a:chExt cx="0" cy="0"/>
+        </a:xfrm>
+      </p:grpSpPr>
+      <p:grpSp>
+        <p:nvGrpSpPr>
+          <p:cNvPr id="2" name="Group 1"/>
+          <p:cNvGrpSpPr/>
+          <p:nvPr/>
+        </p:nvGrpSpPr>
+        <p:grpSpPr>
+          <a:xfrm>
             <a:off x="0" y="456913"/>
             <a:ext cx="8876764" cy="453980"/>
             <a:chOff x="-115910" y="386367"/>
@@ -3608,7 +3814,7 @@
 </p:sld>
 </file>
 
-<file path=ppt/slides/slide11.xml><?xml version="1.0" encoding="utf-8"?>
+<file path=ppt/slides/slide12.xml><?xml version="1.0" encoding="utf-8"?>
 <p:sld xmlns:a="http://schemas.openxmlformats.org/drawingml/2006/main" xmlns:r="http://schemas.openxmlformats.org/officeDocument/2006/relationships" xmlns:p="http://schemas.openxmlformats.org/presentationml/2006/main">
   <p:cSld>
     <p:spTree>
@@ -3944,7 +4150,7 @@
 </p:sld>
 </file>
 
-<file path=ppt/slides/slide12.xml><?xml version="1.0" encoding="utf-8"?>
+<file path=ppt/slides/slide13.xml><?xml version="1.0" encoding="utf-8"?>
 <p:sld xmlns:a="http://schemas.openxmlformats.org/drawingml/2006/main" xmlns:r="http://schemas.openxmlformats.org/officeDocument/2006/relationships" xmlns:p="http://schemas.openxmlformats.org/presentationml/2006/main">
   <p:cSld>
     <p:spTree>
@@ -6252,7 +6458,7 @@
           <p:cNvPr id="5" name="Title 4">
             <a:extLst>
               <a:ext uri="{FF2B5EF4-FFF2-40B4-BE49-F238E27FC236}">
-                <a16:creationId xmlns:a16="http://schemas.microsoft.com/office/drawing/2014/main" id="{6CC60C85-5362-4985-85B9-7DE1290B9B0A}"/>
+                <a16:creationId xmlns:a16="http://schemas.microsoft.com/office/drawing/2014/main" id="{CDDD41CC-14FD-432A-81C4-1AB9ECBD036C}"/>
               </a:ext>
             </a:extLst>
           </p:cNvPr>
@@ -6266,11 +6472,13 @@
         <p:spPr>
           <a:xfrm>
             <a:off x="628650" y="365127"/>
-            <a:ext cx="7886700" cy="739774"/>
+            <a:ext cx="7886700" cy="625473"/>
           </a:xfrm>
         </p:spPr>
         <p:txBody>
-          <a:bodyPr/>
+          <a:bodyPr>
+            <a:normAutofit fontScale="90000"/>
+          </a:bodyPr>
           <a:lstStyle/>
           <a:p>
             <a:r>
@@ -6279,7 +6487,7 @@
                   <a:schemeClr val="bg1"/>
                 </a:solidFill>
               </a:rPr>
-              <a:t>Curricula guidelines (2015)</a:t>
+              <a:t>Timeline for implementation </a:t>
             </a:r>
           </a:p>
         </p:txBody>
@@ -6289,7 +6497,7 @@
           <p:cNvPr id="6" name="Content Placeholder 5">
             <a:extLst>
               <a:ext uri="{FF2B5EF4-FFF2-40B4-BE49-F238E27FC236}">
-                <a16:creationId xmlns:a16="http://schemas.microsoft.com/office/drawing/2014/main" id="{8967C89F-4F31-4FCB-9894-353538A06252}"/>
+                <a16:creationId xmlns:a16="http://schemas.microsoft.com/office/drawing/2014/main" id="{FE82F654-90CD-4BD2-ABED-055A46ACA720}"/>
               </a:ext>
             </a:extLst>
           </p:cNvPr>
@@ -6302,73 +6510,82 @@
         </p:nvSpPr>
         <p:spPr/>
         <p:txBody>
-          <a:bodyPr/>
+          <a:bodyPr>
+            <a:normAutofit fontScale="92500" lnSpcReduction="10000"/>
+          </a:bodyPr>
           <a:lstStyle/>
           <a:p>
             <a:pPr marL="0" indent="0">
-              <a:buFont typeface="Times" panose="02020603050405020304" pitchFamily="18" charset="0"/>
-              <a:buNone/>
-              <a:defRPr/>
+              <a:buNone/>
             </a:pPr>
             <a:r>
-              <a:rPr lang="en-GB" sz="3200" dirty="0"/>
-              <a:t>Coverage is mandated of:</a:t>
-            </a:r>
-          </a:p>
-          <a:p>
-            <a:pPr>
-              <a:defRPr/>
+              <a:rPr lang="en-US" dirty="0">
+                <a:solidFill>
+                  <a:schemeClr val="dk1"/>
+                </a:solidFill>
+              </a:rPr>
+              <a:t>Cybersecurity Principles Roadshow: March-April 2016</a:t>
+            </a:r>
+            <a:endParaRPr lang="en-GB" dirty="0">
+              <a:solidFill>
+                <a:schemeClr val="dk1"/>
+              </a:solidFill>
+            </a:endParaRPr>
+          </a:p>
+          <a:p>
+            <a:pPr marL="0" indent="0">
+              <a:buNone/>
             </a:pPr>
             <a:r>
               <a:rPr lang="en-GB" dirty="0"/>
-              <a:t>Information and risk</a:t>
-            </a:r>
-          </a:p>
-          <a:p>
-            <a:pPr>
-              <a:defRPr/>
+              <a:t>All institutions expected to be fully compliant: Sept 2020</a:t>
+            </a:r>
+          </a:p>
+          <a:p>
+            <a:pPr marL="0" indent="0">
+              <a:buNone/>
             </a:pPr>
+            <a:endParaRPr lang="en-GB" dirty="0"/>
+          </a:p>
+          <a:p>
+            <a:pPr marL="0" indent="0">
+              <a:buNone/>
+            </a:pPr>
             <a:r>
               <a:rPr lang="en-GB" dirty="0"/>
-              <a:t>Threats and attacks</a:t>
-            </a:r>
-          </a:p>
-          <a:p>
-            <a:pPr>
-              <a:defRPr/>
+              <a:t>Status (autumn 2018)</a:t>
+            </a:r>
+          </a:p>
+          <a:p>
+            <a:r>
+              <a:rPr lang="en-US" altLang="en-US" dirty="0"/>
+              <a:t>70 Higher Education Institutes visited under this regime</a:t>
+            </a:r>
+          </a:p>
+          <a:p>
+            <a:r>
+              <a:rPr lang="en-US" altLang="en-US" dirty="0"/>
+              <a:t>54 Higher Education Institutes compliant</a:t>
+            </a:r>
+          </a:p>
+          <a:p>
+            <a:r>
+              <a:rPr lang="en-US" altLang="en-US" dirty="0"/>
+              <a:t>12 Higher Education Institutes requiring long actions (for next visit)</a:t>
+            </a:r>
+          </a:p>
+          <a:p>
+            <a:r>
+              <a:rPr lang="en-US" altLang="en-US" dirty="0"/>
+              <a:t>4 Higher Education Institutes requiring short term actions</a:t>
+            </a:r>
+            <a:endParaRPr lang="en-GB" altLang="en-US" dirty="0"/>
+          </a:p>
+          <a:p>
+            <a:pPr marL="0" indent="0">
+              <a:buNone/>
             </a:pPr>
-            <a:r>
-              <a:rPr lang="en-GB" dirty="0"/>
-              <a:t>Cybersecurity architecture and operations</a:t>
-            </a:r>
-          </a:p>
-          <a:p>
-            <a:pPr>
-              <a:defRPr/>
-            </a:pPr>
-            <a:r>
-              <a:rPr lang="en-GB" dirty="0"/>
-              <a:t>Secure systems and products</a:t>
-            </a:r>
-          </a:p>
-          <a:p>
-            <a:pPr>
-              <a:defRPr/>
-            </a:pPr>
-            <a:r>
-              <a:rPr lang="en-GB" dirty="0"/>
-              <a:t>Cybersecurity management.</a:t>
-            </a:r>
-          </a:p>
-          <a:p>
-            <a:pPr marL="0" indent="0">
-              <a:buNone/>
-              <a:defRPr/>
-            </a:pPr>
-            <a:r>
-              <a:rPr lang="en-GB" dirty="0"/>
-              <a:t>In the light of our findings, where should this go?</a:t>
-            </a:r>
+            <a:endParaRPr lang="en-GB" dirty="0"/>
           </a:p>
           <a:p>
             <a:pPr marL="0" indent="0">
@@ -6381,7 +6598,7 @@
     </p:spTree>
     <p:extLst>
       <p:ext uri="{BB962C8B-B14F-4D97-AF65-F5344CB8AC3E}">
-        <p14:creationId xmlns:p14="http://schemas.microsoft.com/office/powerpoint/2010/main" val="370231595"/>
+        <p14:creationId xmlns:p14="http://schemas.microsoft.com/office/powerpoint/2010/main" val="3131741793"/>
       </p:ext>
     </p:extLst>
   </p:cSld>
@@ -6506,7 +6723,7 @@
           <p:cNvPr id="5" name="Title 4">
             <a:extLst>
               <a:ext uri="{FF2B5EF4-FFF2-40B4-BE49-F238E27FC236}">
-                <a16:creationId xmlns:a16="http://schemas.microsoft.com/office/drawing/2014/main" id="{CDDD41CC-14FD-432A-81C4-1AB9ECBD036C}"/>
+                <a16:creationId xmlns:a16="http://schemas.microsoft.com/office/drawing/2014/main" id="{6CC60C85-5362-4985-85B9-7DE1290B9B0A}"/>
               </a:ext>
             </a:extLst>
           </p:cNvPr>
@@ -6520,13 +6737,11 @@
         <p:spPr>
           <a:xfrm>
             <a:off x="628650" y="365127"/>
-            <a:ext cx="7886700" cy="625473"/>
+            <a:ext cx="7886700" cy="739774"/>
           </a:xfrm>
         </p:spPr>
         <p:txBody>
-          <a:bodyPr>
-            <a:normAutofit fontScale="90000"/>
-          </a:bodyPr>
+          <a:bodyPr/>
           <a:lstStyle/>
           <a:p>
             <a:r>
@@ -6535,7 +6750,7 @@
                   <a:schemeClr val="bg1"/>
                 </a:solidFill>
               </a:rPr>
-              <a:t>Timeline for implementation </a:t>
+              <a:t>Curricula guidelines (2015)</a:t>
             </a:r>
           </a:p>
         </p:txBody>
@@ -6545,7 +6760,7 @@
           <p:cNvPr id="6" name="Content Placeholder 5">
             <a:extLst>
               <a:ext uri="{FF2B5EF4-FFF2-40B4-BE49-F238E27FC236}">
-                <a16:creationId xmlns:a16="http://schemas.microsoft.com/office/drawing/2014/main" id="{FE82F654-90CD-4BD2-ABED-055A46ACA720}"/>
+                <a16:creationId xmlns:a16="http://schemas.microsoft.com/office/drawing/2014/main" id="{8967C89F-4F31-4FCB-9894-353538A06252}"/>
               </a:ext>
             </a:extLst>
           </p:cNvPr>
@@ -6558,82 +6773,73 @@
         </p:nvSpPr>
         <p:spPr/>
         <p:txBody>
-          <a:bodyPr>
-            <a:normAutofit fontScale="92500" lnSpcReduction="10000"/>
-          </a:bodyPr>
+          <a:bodyPr/>
           <a:lstStyle/>
           <a:p>
             <a:pPr marL="0" indent="0">
-              <a:buNone/>
+              <a:buFont typeface="Times" panose="02020603050405020304" pitchFamily="18" charset="0"/>
+              <a:buNone/>
+              <a:defRPr/>
             </a:pPr>
             <a:r>
-              <a:rPr lang="en-US" dirty="0">
-                <a:solidFill>
-                  <a:schemeClr val="dk1"/>
-                </a:solidFill>
-              </a:rPr>
-              <a:t>Cybersecurity Principles Roadshow: March-April 2016</a:t>
-            </a:r>
-            <a:endParaRPr lang="en-GB" dirty="0">
-              <a:solidFill>
-                <a:schemeClr val="dk1"/>
-              </a:solidFill>
-            </a:endParaRPr>
+              <a:rPr lang="en-GB" sz="3200" dirty="0"/>
+              <a:t>Coverage is mandated of:</a:t>
+            </a:r>
+          </a:p>
+          <a:p>
+            <a:pPr>
+              <a:defRPr/>
+            </a:pPr>
+            <a:r>
+              <a:rPr lang="en-GB" dirty="0"/>
+              <a:t>Information and risk</a:t>
+            </a:r>
+          </a:p>
+          <a:p>
+            <a:pPr>
+              <a:defRPr/>
+            </a:pPr>
+            <a:r>
+              <a:rPr lang="en-GB" dirty="0"/>
+              <a:t>Threats and attacks</a:t>
+            </a:r>
+          </a:p>
+          <a:p>
+            <a:pPr>
+              <a:defRPr/>
+            </a:pPr>
+            <a:r>
+              <a:rPr lang="en-GB" dirty="0"/>
+              <a:t>Cybersecurity architecture and operations</a:t>
+            </a:r>
+          </a:p>
+          <a:p>
+            <a:pPr>
+              <a:defRPr/>
+            </a:pPr>
+            <a:r>
+              <a:rPr lang="en-GB" dirty="0"/>
+              <a:t>Secure systems and products</a:t>
+            </a:r>
+          </a:p>
+          <a:p>
+            <a:pPr>
+              <a:defRPr/>
+            </a:pPr>
+            <a:r>
+              <a:rPr lang="en-GB" dirty="0"/>
+              <a:t>Cybersecurity management.</a:t>
+            </a:r>
           </a:p>
           <a:p>
             <a:pPr marL="0" indent="0">
               <a:buNone/>
+              <a:defRPr/>
             </a:pPr>
             <a:r>
               <a:rPr lang="en-GB" dirty="0"/>
-              <a:t>All institutions expected to be fully compliant: Sept 2020</a:t>
-            </a:r>
-          </a:p>
-          <a:p>
-            <a:pPr marL="0" indent="0">
-              <a:buNone/>
-            </a:pPr>
-            <a:endParaRPr lang="en-GB" dirty="0"/>
-          </a:p>
-          <a:p>
-            <a:pPr marL="0" indent="0">
-              <a:buNone/>
-            </a:pPr>
-            <a:r>
-              <a:rPr lang="en-GB" dirty="0"/>
-              <a:t>Status (autumn 2018)</a:t>
-            </a:r>
-          </a:p>
-          <a:p>
-            <a:r>
-              <a:rPr lang="en-US" altLang="en-US" dirty="0"/>
-              <a:t>70 Higher Education Institutes visited under this regime</a:t>
-            </a:r>
-          </a:p>
-          <a:p>
-            <a:r>
-              <a:rPr lang="en-US" altLang="en-US" dirty="0"/>
-              <a:t>54 Higher Education Institutes compliant</a:t>
-            </a:r>
-          </a:p>
-          <a:p>
-            <a:r>
-              <a:rPr lang="en-US" altLang="en-US" dirty="0"/>
-              <a:t>12 Higher Education Institutes requiring long actions (for next visit)</a:t>
-            </a:r>
-          </a:p>
-          <a:p>
-            <a:r>
-              <a:rPr lang="en-US" altLang="en-US" dirty="0"/>
-              <a:t>4 Higher Education Institutes requiring short term actions</a:t>
-            </a:r>
-            <a:endParaRPr lang="en-GB" altLang="en-US" dirty="0"/>
-          </a:p>
-          <a:p>
-            <a:pPr marL="0" indent="0">
-              <a:buNone/>
-            </a:pPr>
-            <a:endParaRPr lang="en-GB" dirty="0"/>
+              <a:t>In the light of our findings, where should this go?</a:t>
+            </a:r>
           </a:p>
           <a:p>
             <a:pPr marL="0" indent="0">
@@ -6646,7 +6852,7 @@
     </p:spTree>
     <p:extLst>
       <p:ext uri="{BB962C8B-B14F-4D97-AF65-F5344CB8AC3E}">
-        <p14:creationId xmlns:p14="http://schemas.microsoft.com/office/powerpoint/2010/main" val="3131741793"/>
+        <p14:creationId xmlns:p14="http://schemas.microsoft.com/office/powerpoint/2010/main" val="370231595"/>
       </p:ext>
     </p:extLst>
   </p:cSld>

--- a/TalkatFI2019.pptx
+++ b/TalkatFI2019.pptx
@@ -5,7 +5,7 @@
     <p:sldMasterId id="2147483684" r:id="rId1"/>
   </p:sldMasterIdLst>
   <p:sldIdLst>
-    <p:sldId id="262" r:id="rId2"/>
+    <p:sldId id="281" r:id="rId2"/>
     <p:sldId id="276" r:id="rId3"/>
     <p:sldId id="271" r:id="rId4"/>
     <p:sldId id="272" r:id="rId5"/>
@@ -14,7 +14,7 @@
     <p:sldId id="278" r:id="rId8"/>
     <p:sldId id="280" r:id="rId9"/>
     <p:sldId id="279" r:id="rId10"/>
-    <p:sldId id="281" r:id="rId11"/>
+    <p:sldId id="282" r:id="rId11"/>
     <p:sldId id="270" r:id="rId12"/>
     <p:sldId id="274" r:id="rId13"/>
     <p:sldId id="277" r:id="rId14"/>
@@ -136,8 +136,16 @@
 </file>
 
 <file path=ppt/slideLayouts/slideLayout1.xml><?xml version="1.0" encoding="utf-8"?>
-<p:sldLayout xmlns:a="http://schemas.openxmlformats.org/drawingml/2006/main" xmlns:r="http://schemas.openxmlformats.org/officeDocument/2006/relationships" xmlns:p="http://schemas.openxmlformats.org/presentationml/2006/main" type="title" preserve="1">
+<p:sldLayout xmlns:a="http://schemas.openxmlformats.org/drawingml/2006/main" xmlns:r="http://schemas.openxmlformats.org/officeDocument/2006/relationships" xmlns:p="http://schemas.openxmlformats.org/presentationml/2006/main" preserve="1" userDrawn="1">
   <p:cSld name="Title Slide">
+    <p:bg>
+      <p:bgPr>
+        <a:solidFill>
+          <a:srgbClr val="0C2738"/>
+        </a:solidFill>
+        <a:effectLst/>
+      </p:bgPr>
+    </p:bg>
     <p:spTree>
       <p:nvGrpSpPr>
         <p:cNvPr id="1" name=""/>
@@ -154,38 +162,6 @@
       </p:grpSpPr>
       <p:sp>
         <p:nvSpPr>
-          <p:cNvPr id="2" name="Title 1"/>
-          <p:cNvSpPr>
-            <a:spLocks noGrp="1"/>
-          </p:cNvSpPr>
-          <p:nvPr>
-            <p:ph type="ctrTitle"/>
-          </p:nvPr>
-        </p:nvSpPr>
-        <p:spPr>
-          <a:xfrm>
-            <a:off x="685800" y="1122363"/>
-            <a:ext cx="7772400" cy="2387600"/>
-          </a:xfrm>
-        </p:spPr>
-        <p:txBody>
-          <a:bodyPr anchor="b"/>
-          <a:lstStyle>
-            <a:lvl1pPr algn="ctr">
-              <a:defRPr sz="6000"/>
-            </a:lvl1pPr>
-          </a:lstStyle>
-          <a:p>
-            <a:r>
-              <a:rPr lang="en-US"/>
-              <a:t>Click to edit Master title style</a:t>
-            </a:r>
-            <a:endParaRPr lang="en-US" dirty="0"/>
-          </a:p>
-        </p:txBody>
-      </p:sp>
-      <p:sp>
-        <p:nvSpPr>
           <p:cNvPr id="3" name="Subtitle 2"/>
           <p:cNvSpPr>
             <a:spLocks noGrp="1"/>
@@ -205,7 +181,11 @@
           <a:lstStyle>
             <a:lvl1pPr marL="0" indent="0" algn="ctr">
               <a:buNone/>
-              <a:defRPr sz="2400"/>
+              <a:defRPr sz="2400">
+                <a:solidFill>
+                  <a:schemeClr val="bg1"/>
+                </a:solidFill>
+              </a:defRPr>
             </a:lvl1pPr>
             <a:lvl2pPr marL="457200" indent="0" algn="ctr">
               <a:buNone/>
@@ -266,7 +246,7 @@
           <a:p>
             <a:fld id="{F1E7EA7A-D48D-48FE-84E3-4861B9CD7550}" type="datetimeFigureOut">
               <a:rPr lang="en-GB" smtClean="0"/>
-              <a:t>15/10/2019</a:t>
+              <a:t>16/10/2019</a:t>
             </a:fld>
             <a:endParaRPr lang="en-GB"/>
           </a:p>
@@ -314,6 +294,59 @@
           </a:p>
         </p:txBody>
       </p:sp>
+      <p:pic>
+        <p:nvPicPr>
+          <p:cNvPr id="7" name="Picture 6"/>
+          <p:cNvPicPr>
+            <a:picLocks noChangeAspect="1"/>
+          </p:cNvPicPr>
+          <p:nvPr userDrawn="1"/>
+        </p:nvPicPr>
+        <p:blipFill rotWithShape="1">
+          <a:blip r:embed="rId2" cstate="print">
+            <a:extLst>
+              <a:ext uri="{28A0092B-C50C-407E-A947-70E740481C1C}">
+                <a14:useLocalDpi xmlns:a14="http://schemas.microsoft.com/office/drawing/2010/main" val="0"/>
+              </a:ext>
+            </a:extLst>
+          </a:blip>
+          <a:srcRect t="21997" b="29273"/>
+          <a:stretch/>
+        </p:blipFill>
+        <p:spPr>
+          <a:xfrm>
+            <a:off x="741605" y="1800218"/>
+            <a:ext cx="4574690" cy="1581375"/>
+          </a:xfrm>
+          <a:prstGeom prst="rect">
+            <a:avLst/>
+          </a:prstGeom>
+        </p:spPr>
+      </p:pic>
+      <p:pic>
+        <p:nvPicPr>
+          <p:cNvPr id="8" name="Picture 7"/>
+          <p:cNvPicPr>
+            <a:picLocks noChangeAspect="1"/>
+          </p:cNvPicPr>
+          <p:nvPr userDrawn="1"/>
+        </p:nvPicPr>
+        <p:blipFill>
+          <a:blip r:embed="rId3"/>
+          <a:stretch>
+            <a:fillRect/>
+          </a:stretch>
+        </p:blipFill>
+        <p:spPr>
+          <a:xfrm>
+            <a:off x="5077074" y="2101165"/>
+            <a:ext cx="3247074" cy="996262"/>
+          </a:xfrm>
+          <a:prstGeom prst="rect">
+            <a:avLst/>
+          </a:prstGeom>
+        </p:spPr>
+      </p:pic>
     </p:spTree>
     <p:extLst>
       <p:ext uri="{BB962C8B-B14F-4D97-AF65-F5344CB8AC3E}">
@@ -324,6 +357,13 @@
   <p:clrMapOvr>
     <a:masterClrMapping/>
   </p:clrMapOvr>
+  <p:timing>
+    <p:tnLst>
+      <p:par>
+        <p:cTn id="1" dur="indefinite" restart="never" nodeType="tmRoot"/>
+      </p:par>
+    </p:tnLst>
+  </p:timing>
 </p:sldLayout>
 </file>
 
@@ -436,7 +476,7 @@
           <a:p>
             <a:fld id="{F1E7EA7A-D48D-48FE-84E3-4861B9CD7550}" type="datetimeFigureOut">
               <a:rPr lang="en-GB" smtClean="0"/>
-              <a:t>15/10/2019</a:t>
+              <a:t>16/10/2019</a:t>
             </a:fld>
             <a:endParaRPr lang="en-GB"/>
           </a:p>
@@ -616,7 +656,7 @@
           <a:p>
             <a:fld id="{F1E7EA7A-D48D-48FE-84E3-4861B9CD7550}" type="datetimeFigureOut">
               <a:rPr lang="en-GB" smtClean="0"/>
-              <a:t>15/10/2019</a:t>
+              <a:t>16/10/2019</a:t>
             </a:fld>
             <a:endParaRPr lang="en-GB"/>
           </a:p>
@@ -678,7 +718,7 @@
 </file>
 
 <file path=ppt/slideLayouts/slideLayout2.xml><?xml version="1.0" encoding="utf-8"?>
-<p:sldLayout xmlns:a="http://schemas.openxmlformats.org/drawingml/2006/main" xmlns:r="http://schemas.openxmlformats.org/officeDocument/2006/relationships" xmlns:p="http://schemas.openxmlformats.org/presentationml/2006/main" type="obj" preserve="1">
+<p:sldLayout xmlns:a="http://schemas.openxmlformats.org/drawingml/2006/main" xmlns:r="http://schemas.openxmlformats.org/officeDocument/2006/relationships" xmlns:p="http://schemas.openxmlformats.org/presentationml/2006/main" preserve="1" userDrawn="1">
   <p:cSld name="Title and Content">
     <p:spTree>
       <p:nvGrpSpPr>
@@ -696,12 +736,12 @@
       </p:grpSpPr>
       <p:sp>
         <p:nvSpPr>
-          <p:cNvPr id="2" name="Title 1"/>
-          <p:cNvSpPr>
-            <a:spLocks noGrp="1"/>
-          </p:cNvSpPr>
-          <p:nvPr>
-            <p:ph type="title"/>
+          <p:cNvPr id="3" name="Content Placeholder 2"/>
+          <p:cNvSpPr>
+            <a:spLocks noGrp="1"/>
+          </p:cNvSpPr>
+          <p:nvPr>
+            <p:ph idx="1"/>
           </p:nvPr>
         </p:nvSpPr>
         <p:spPr/>
@@ -709,22 +749,19 @@
           <a:bodyPr/>
           <a:lstStyle/>
           <a:p>
-            <a:r>
-              <a:rPr lang="en-US"/>
-              <a:t>Click to edit Master title style</a:t>
-            </a:r>
+            <a:pPr lvl="0"/>
             <a:endParaRPr lang="en-US" dirty="0"/>
           </a:p>
         </p:txBody>
       </p:sp>
       <p:sp>
         <p:nvSpPr>
-          <p:cNvPr id="3" name="Content Placeholder 2"/>
-          <p:cNvSpPr>
-            <a:spLocks noGrp="1"/>
-          </p:cNvSpPr>
-          <p:nvPr>
-            <p:ph idx="1"/>
+          <p:cNvPr id="4" name="Date Placeholder 3"/>
+          <p:cNvSpPr>
+            <a:spLocks noGrp="1"/>
+          </p:cNvSpPr>
+          <p:nvPr>
+            <p:ph type="dt" sz="half" idx="10"/>
           </p:nvPr>
         </p:nvSpPr>
         <p:spPr/>
@@ -732,61 +769,9 @@
           <a:bodyPr/>
           <a:lstStyle/>
           <a:p>
-            <a:pPr lvl="0"/>
-            <a:r>
-              <a:rPr lang="en-US"/>
-              <a:t>Edit Master text styles</a:t>
-            </a:r>
-          </a:p>
-          <a:p>
-            <a:pPr lvl="1"/>
-            <a:r>
-              <a:rPr lang="en-US"/>
-              <a:t>Second level</a:t>
-            </a:r>
-          </a:p>
-          <a:p>
-            <a:pPr lvl="2"/>
-            <a:r>
-              <a:rPr lang="en-US"/>
-              <a:t>Third level</a:t>
-            </a:r>
-          </a:p>
-          <a:p>
-            <a:pPr lvl="3"/>
-            <a:r>
-              <a:rPr lang="en-US"/>
-              <a:t>Fourth level</a:t>
-            </a:r>
-          </a:p>
-          <a:p>
-            <a:pPr lvl="4"/>
-            <a:r>
-              <a:rPr lang="en-US"/>
-              <a:t>Fifth level</a:t>
-            </a:r>
-            <a:endParaRPr lang="en-US" dirty="0"/>
-          </a:p>
-        </p:txBody>
-      </p:sp>
-      <p:sp>
-        <p:nvSpPr>
-          <p:cNvPr id="4" name="Date Placeholder 3"/>
-          <p:cNvSpPr>
-            <a:spLocks noGrp="1"/>
-          </p:cNvSpPr>
-          <p:nvPr>
-            <p:ph type="dt" sz="half" idx="10"/>
-          </p:nvPr>
-        </p:nvSpPr>
-        <p:spPr/>
-        <p:txBody>
-          <a:bodyPr/>
-          <a:lstStyle/>
-          <a:p>
             <a:fld id="{F1E7EA7A-D48D-48FE-84E3-4861B9CD7550}" type="datetimeFigureOut">
               <a:rPr lang="en-GB" smtClean="0"/>
-              <a:t>15/10/2019</a:t>
+              <a:t>16/10/2019</a:t>
             </a:fld>
             <a:endParaRPr lang="en-GB"/>
           </a:p>
@@ -831,6 +816,161 @@
               <a:t>‹#›</a:t>
             </a:fld>
             <a:endParaRPr lang="en-GB"/>
+          </a:p>
+        </p:txBody>
+      </p:sp>
+      <p:grpSp>
+        <p:nvGrpSpPr>
+          <p:cNvPr id="7" name="Group 6"/>
+          <p:cNvGrpSpPr/>
+          <p:nvPr userDrawn="1"/>
+        </p:nvGrpSpPr>
+        <p:grpSpPr>
+          <a:xfrm>
+            <a:off x="0" y="454047"/>
+            <a:ext cx="7603524" cy="453980"/>
+            <a:chOff x="-115910" y="386367"/>
+            <a:chExt cx="11835685" cy="605307"/>
+          </a:xfrm>
+          <a:solidFill>
+            <a:srgbClr val="0C2738"/>
+          </a:solidFill>
+        </p:grpSpPr>
+        <p:sp>
+          <p:nvSpPr>
+            <p:cNvPr id="8" name="Round Single Corner Rectangle 7"/>
+            <p:cNvSpPr/>
+            <p:nvPr/>
+          </p:nvSpPr>
+          <p:spPr>
+            <a:xfrm>
+              <a:off x="-115910" y="386367"/>
+              <a:ext cx="11835685" cy="605307"/>
+            </a:xfrm>
+            <a:prstGeom prst="round1Rect">
+              <a:avLst/>
+            </a:prstGeom>
+            <a:grpFill/>
+            <a:ln>
+              <a:noFill/>
+            </a:ln>
+          </p:spPr>
+          <p:style>
+            <a:lnRef idx="2">
+              <a:schemeClr val="accent1">
+                <a:shade val="50000"/>
+              </a:schemeClr>
+            </a:lnRef>
+            <a:fillRef idx="1">
+              <a:schemeClr val="accent1"/>
+            </a:fillRef>
+            <a:effectRef idx="0">
+              <a:schemeClr val="accent1"/>
+            </a:effectRef>
+            <a:fontRef idx="minor">
+              <a:schemeClr val="lt1"/>
+            </a:fontRef>
+          </p:style>
+          <p:txBody>
+            <a:bodyPr rtlCol="0" anchor="ctr"/>
+            <a:lstStyle/>
+            <a:p>
+              <a:pPr algn="ctr"/>
+              <a:endParaRPr lang="en-GB" sz="1350" dirty="0"/>
+            </a:p>
+          </p:txBody>
+        </p:sp>
+        <p:pic>
+          <p:nvPicPr>
+            <p:cNvPr id="9" name="Picture 8"/>
+            <p:cNvPicPr>
+              <a:picLocks noChangeAspect="1"/>
+            </p:cNvPicPr>
+            <p:nvPr/>
+          </p:nvPicPr>
+          <p:blipFill>
+            <a:blip r:embed="rId2" cstate="print">
+              <a:extLst>
+                <a:ext uri="{28A0092B-C50C-407E-A947-70E740481C1C}">
+                  <a14:useLocalDpi xmlns:a14="http://schemas.microsoft.com/office/drawing/2010/main" val="0"/>
+                </a:ext>
+              </a:extLst>
+            </a:blip>
+            <a:stretch>
+              <a:fillRect/>
+            </a:stretch>
+          </p:blipFill>
+          <p:spPr>
+            <a:xfrm>
+              <a:off x="9710730" y="425004"/>
+              <a:ext cx="1918893" cy="496430"/>
+            </a:xfrm>
+            <a:prstGeom prst="rect">
+              <a:avLst/>
+            </a:prstGeom>
+            <a:grpFill/>
+          </p:spPr>
+        </p:pic>
+      </p:grpSp>
+      <p:pic>
+        <p:nvPicPr>
+          <p:cNvPr id="10" name="Picture 9"/>
+          <p:cNvPicPr>
+            <a:picLocks noChangeAspect="1"/>
+          </p:cNvPicPr>
+          <p:nvPr userDrawn="1"/>
+        </p:nvPicPr>
+        <p:blipFill>
+          <a:blip r:embed="rId3"/>
+          <a:stretch>
+            <a:fillRect/>
+          </a:stretch>
+        </p:blipFill>
+        <p:spPr>
+          <a:xfrm>
+            <a:off x="7611760" y="454047"/>
+            <a:ext cx="1484488" cy="453980"/>
+          </a:xfrm>
+          <a:prstGeom prst="rect">
+            <a:avLst/>
+          </a:prstGeom>
+        </p:spPr>
+      </p:pic>
+      <p:sp>
+        <p:nvSpPr>
+          <p:cNvPr id="14" name="Content Placeholder 13"/>
+          <p:cNvSpPr>
+            <a:spLocks noGrp="1"/>
+          </p:cNvSpPr>
+          <p:nvPr>
+            <p:ph sz="quarter" idx="13" hasCustomPrompt="1"/>
+          </p:nvPr>
+        </p:nvSpPr>
+        <p:spPr>
+          <a:xfrm>
+            <a:off x="605037" y="490486"/>
+            <a:ext cx="5649913" cy="373063"/>
+          </a:xfrm>
+        </p:spPr>
+        <p:txBody>
+          <a:bodyPr/>
+          <a:lstStyle>
+            <a:lvl1pPr marL="0" indent="0">
+              <a:buNone/>
+              <a:defRPr sz="4000">
+                <a:solidFill>
+                  <a:schemeClr val="bg1"/>
+                </a:solidFill>
+              </a:defRPr>
+            </a:lvl1pPr>
+          </a:lstStyle>
+          <a:p>
+            <a:pPr lvl="0"/>
+            <a:r>
+              <a:rPr lang="en-US" dirty="0" smtClean="0"/>
+              <a:t>Text</a:t>
+            </a:r>
+            <a:endParaRPr lang="en-GB" dirty="0"/>
           </a:p>
         </p:txBody>
       </p:sp>
@@ -1030,7 +1170,7 @@
           <a:p>
             <a:fld id="{F1E7EA7A-D48D-48FE-84E3-4861B9CD7550}" type="datetimeFigureOut">
               <a:rPr lang="en-GB" smtClean="0"/>
-              <a:t>15/10/2019</a:t>
+              <a:t>16/10/2019</a:t>
             </a:fld>
             <a:endParaRPr lang="en-GB"/>
           </a:p>
@@ -1262,7 +1402,7 @@
           <a:p>
             <a:fld id="{F1E7EA7A-D48D-48FE-84E3-4861B9CD7550}" type="datetimeFigureOut">
               <a:rPr lang="en-GB" smtClean="0"/>
-              <a:t>15/10/2019</a:t>
+              <a:t>16/10/2019</a:t>
             </a:fld>
             <a:endParaRPr lang="en-GB"/>
           </a:p>
@@ -1629,7 +1769,7 @@
           <a:p>
             <a:fld id="{F1E7EA7A-D48D-48FE-84E3-4861B9CD7550}" type="datetimeFigureOut">
               <a:rPr lang="en-GB" smtClean="0"/>
-              <a:t>15/10/2019</a:t>
+              <a:t>16/10/2019</a:t>
             </a:fld>
             <a:endParaRPr lang="en-GB"/>
           </a:p>
@@ -1747,7 +1887,7 @@
           <a:p>
             <a:fld id="{F1E7EA7A-D48D-48FE-84E3-4861B9CD7550}" type="datetimeFigureOut">
               <a:rPr lang="en-GB" smtClean="0"/>
-              <a:t>15/10/2019</a:t>
+              <a:t>16/10/2019</a:t>
             </a:fld>
             <a:endParaRPr lang="en-GB"/>
           </a:p>
@@ -1842,7 +1982,7 @@
           <a:p>
             <a:fld id="{F1E7EA7A-D48D-48FE-84E3-4861B9CD7550}" type="datetimeFigureOut">
               <a:rPr lang="en-GB" smtClean="0"/>
-              <a:t>15/10/2019</a:t>
+              <a:t>16/10/2019</a:t>
             </a:fld>
             <a:endParaRPr lang="en-GB"/>
           </a:p>
@@ -2119,7 +2259,7 @@
           <a:p>
             <a:fld id="{F1E7EA7A-D48D-48FE-84E3-4861B9CD7550}" type="datetimeFigureOut">
               <a:rPr lang="en-GB" smtClean="0"/>
-              <a:t>15/10/2019</a:t>
+              <a:t>16/10/2019</a:t>
             </a:fld>
             <a:endParaRPr lang="en-GB"/>
           </a:p>
@@ -2376,7 +2516,7 @@
           <a:p>
             <a:fld id="{F1E7EA7A-D48D-48FE-84E3-4861B9CD7550}" type="datetimeFigureOut">
               <a:rPr lang="en-GB" smtClean="0"/>
-              <a:t>15/10/2019</a:t>
+              <a:t>16/10/2019</a:t>
             </a:fld>
             <a:endParaRPr lang="en-GB"/>
           </a:p>
@@ -2589,7 +2729,7 @@
           <a:p>
             <a:fld id="{F1E7EA7A-D48D-48FE-84E3-4861B9CD7550}" type="datetimeFigureOut">
               <a:rPr lang="en-GB" smtClean="0"/>
-              <a:t>15/10/2019</a:t>
+              <a:t>16/10/2019</a:t>
             </a:fld>
             <a:endParaRPr lang="en-GB"/>
           </a:p>
@@ -2980,14 +3120,6 @@
 <file path=ppt/slides/slide1.xml><?xml version="1.0" encoding="utf-8"?>
 <p:sld xmlns:a="http://schemas.openxmlformats.org/drawingml/2006/main" xmlns:r="http://schemas.openxmlformats.org/officeDocument/2006/relationships" xmlns:p="http://schemas.openxmlformats.org/presentationml/2006/main">
   <p:cSld>
-    <p:bg>
-      <p:bgPr>
-        <a:solidFill>
-          <a:srgbClr val="0C2738"/>
-        </a:solidFill>
-        <a:effectLst/>
-      </p:bgPr>
-    </p:bg>
     <p:spTree>
       <p:nvGrpSpPr>
         <p:cNvPr id="1" name=""/>
@@ -3004,391 +3136,102 @@
       </p:grpSpPr>
       <p:sp>
         <p:nvSpPr>
-          <p:cNvPr id="2" name="AutoShape 2" descr="IoC_Logo_OnBlue_AW.jpg"/>
-          <p:cNvSpPr>
-            <a:spLocks noChangeAspect="1" noChangeArrowheads="1"/>
-          </p:cNvSpPr>
-          <p:nvPr/>
-        </p:nvSpPr>
-        <p:spPr bwMode="auto">
-          <a:xfrm>
-            <a:off x="26194" y="748905"/>
-            <a:ext cx="228600" cy="228601"/>
-          </a:xfrm>
-          <a:prstGeom prst="rect">
-            <a:avLst/>
-          </a:prstGeom>
-          <a:noFill/>
-          <a:extLst>
-            <a:ext uri="{909E8E84-426E-40DD-AFC4-6F175D3DCCD1}">
-              <a14:hiddenFill xmlns:a14="http://schemas.microsoft.com/office/drawing/2010/main">
-                <a:solidFill>
-                  <a:srgbClr val="FFFFFF"/>
-                </a:solidFill>
-              </a14:hiddenFill>
-            </a:ext>
-          </a:extLst>
-        </p:spPr>
-        <p:txBody>
-          <a:bodyPr vert="horz" wrap="square" lIns="68580" tIns="34290" rIns="68580" bIns="34290" numCol="1" anchor="t" anchorCtr="0" compatLnSpc="1">
-            <a:prstTxWarp prst="textNoShape">
-              <a:avLst/>
-            </a:prstTxWarp>
+          <p:cNvPr id="3" name="Subtitle 2"/>
+          <p:cNvSpPr>
+            <a:spLocks noGrp="1"/>
+          </p:cNvSpPr>
+          <p:nvPr>
+            <p:ph type="subTitle" idx="1"/>
+          </p:nvPr>
+        </p:nvSpPr>
+        <p:spPr/>
+        <p:txBody>
+          <a:bodyPr>
+            <a:normAutofit fontScale="92500" lnSpcReduction="10000"/>
           </a:bodyPr>
           <a:lstStyle/>
           <a:p>
-            <a:endParaRPr lang="en-GB" sz="1350"/>
-          </a:p>
-        </p:txBody>
-      </p:sp>
-      <p:pic>
-        <p:nvPicPr>
-          <p:cNvPr id="4" name="Picture 3"/>
-          <p:cNvPicPr>
-            <a:picLocks noChangeAspect="1"/>
-          </p:cNvPicPr>
-          <p:nvPr/>
-        </p:nvPicPr>
-        <p:blipFill rotWithShape="1">
-          <a:blip r:embed="rId2" cstate="print">
-            <a:extLst>
-              <a:ext uri="{28A0092B-C50C-407E-A947-70E740481C1C}">
-                <a14:useLocalDpi xmlns:a14="http://schemas.microsoft.com/office/drawing/2010/main" val="0"/>
-              </a:ext>
-            </a:extLst>
-          </a:blip>
-          <a:srcRect t="21997" b="29273"/>
-          <a:stretch/>
-        </p:blipFill>
-        <p:spPr>
-          <a:xfrm>
-            <a:off x="2363993" y="1849645"/>
-            <a:ext cx="4574690" cy="1581375"/>
-          </a:xfrm>
-          <a:prstGeom prst="rect">
-            <a:avLst/>
-          </a:prstGeom>
-        </p:spPr>
-      </p:pic>
-      <p:sp>
-        <p:nvSpPr>
-          <p:cNvPr id="5" name="Title 1"/>
-          <p:cNvSpPr txBox="1">
-            <a:spLocks/>
-          </p:cNvSpPr>
-          <p:nvPr/>
-        </p:nvSpPr>
-        <p:spPr>
-          <a:xfrm>
-            <a:off x="1088831" y="3638895"/>
-            <a:ext cx="6858000" cy="1790700"/>
-          </a:xfrm>
-          <a:prstGeom prst="rect">
-            <a:avLst/>
-          </a:prstGeom>
-          <a:solidFill>
-            <a:srgbClr val="0C2738"/>
-          </a:solidFill>
-        </p:spPr>
-        <p:txBody>
-          <a:bodyPr/>
-          <a:lstStyle>
-            <a:lvl1pPr algn="l" defTabSz="914400" rtl="0" eaLnBrk="1" latinLnBrk="0" hangingPunct="1">
-              <a:lnSpc>
-                <a:spcPct val="90000"/>
-              </a:lnSpc>
-              <a:spcBef>
-                <a:spcPct val="0"/>
-              </a:spcBef>
-              <a:buNone/>
-              <a:defRPr sz="4400" kern="1200">
-                <a:solidFill>
-                  <a:schemeClr val="tx1"/>
-                </a:solidFill>
-                <a:latin typeface="+mj-lt"/>
-                <a:ea typeface="+mj-ea"/>
-                <a:cs typeface="+mj-cs"/>
-              </a:defRPr>
-            </a:lvl1pPr>
-          </a:lstStyle>
-          <a:p>
-            <a:pPr algn="ctr"/>
-            <a:r>
-              <a:rPr lang="en-GB" sz="3300" dirty="0" err="1">
-                <a:solidFill>
-                  <a:schemeClr val="bg1"/>
-                </a:solidFill>
+            <a:r>
+              <a:rPr lang="en-GB" sz="3600" dirty="0" err="1">
                 <a:latin typeface="Arial" panose="020B0604020202020204" pitchFamily="34" charset="0"/>
                 <a:cs typeface="Arial" panose="020B0604020202020204" pitchFamily="34" charset="0"/>
               </a:rPr>
               <a:t>CyberSecurity</a:t>
             </a:r>
             <a:r>
-              <a:rPr lang="en-GB" sz="3300" dirty="0">
-                <a:solidFill>
-                  <a:schemeClr val="bg1"/>
-                </a:solidFill>
+              <a:rPr lang="en-GB" sz="3600" dirty="0">
                 <a:latin typeface="Arial" panose="020B0604020202020204" pitchFamily="34" charset="0"/>
                 <a:cs typeface="Arial" panose="020B0604020202020204" pitchFamily="34" charset="0"/>
               </a:rPr>
               <a:t> in UK Higher ed.</a:t>
             </a:r>
             <a:br>
-              <a:rPr lang="en-GB" sz="3300" dirty="0">
-                <a:solidFill>
-                  <a:schemeClr val="bg1"/>
-                </a:solidFill>
+              <a:rPr lang="en-GB" sz="3600" dirty="0">
                 <a:latin typeface="Arial" panose="020B0604020202020204" pitchFamily="34" charset="0"/>
                 <a:cs typeface="Arial" panose="020B0604020202020204" pitchFamily="34" charset="0"/>
               </a:rPr>
             </a:br>
             <a:r>
-              <a:rPr lang="en-GB" sz="3300" dirty="0">
-                <a:solidFill>
-                  <a:schemeClr val="bg1"/>
-                </a:solidFill>
+              <a:rPr lang="en-GB" sz="3600" dirty="0">
                 <a:latin typeface="Arial" panose="020B0604020202020204" pitchFamily="34" charset="0"/>
                 <a:cs typeface="Arial" panose="020B0604020202020204" pitchFamily="34" charset="0"/>
               </a:rPr>
-              <a:t>James H. Davenport </a:t>
-            </a:r>
-          </a:p>
-        </p:txBody>
-      </p:sp>
-      <p:sp>
-        <p:nvSpPr>
-          <p:cNvPr id="6" name="Subtitle 2"/>
-          <p:cNvSpPr txBox="1">
-            <a:spLocks/>
-          </p:cNvSpPr>
-          <p:nvPr/>
-        </p:nvSpPr>
-        <p:spPr>
-          <a:xfrm>
-            <a:off x="1313285" y="4627176"/>
-            <a:ext cx="6858000" cy="1241822"/>
-          </a:xfrm>
-          <a:prstGeom prst="rect">
-            <a:avLst/>
-          </a:prstGeom>
-        </p:spPr>
-        <p:txBody>
-          <a:bodyPr/>
-          <a:lstStyle>
-            <a:lvl1pPr marL="228600" indent="-228600" algn="l" defTabSz="914400" rtl="0" eaLnBrk="1" latinLnBrk="0" hangingPunct="1">
-              <a:lnSpc>
-                <a:spcPct val="90000"/>
-              </a:lnSpc>
-              <a:spcBef>
-                <a:spcPts val="1000"/>
-              </a:spcBef>
-              <a:buFont typeface="Arial" panose="020B0604020202020204" pitchFamily="34" charset="0"/>
-              <a:buChar char="•"/>
-              <a:defRPr sz="2800" kern="1200">
-                <a:solidFill>
-                  <a:schemeClr val="tx1"/>
-                </a:solidFill>
-                <a:latin typeface="+mn-lt"/>
-                <a:ea typeface="+mn-ea"/>
-                <a:cs typeface="+mn-cs"/>
-              </a:defRPr>
-            </a:lvl1pPr>
-            <a:lvl2pPr marL="685800" indent="-228600" algn="l" defTabSz="914400" rtl="0" eaLnBrk="1" latinLnBrk="0" hangingPunct="1">
-              <a:lnSpc>
-                <a:spcPct val="90000"/>
-              </a:lnSpc>
-              <a:spcBef>
-                <a:spcPts val="500"/>
-              </a:spcBef>
-              <a:buFont typeface="Arial" panose="020B0604020202020204" pitchFamily="34" charset="0"/>
-              <a:buChar char="•"/>
-              <a:defRPr sz="2400" kern="1200">
-                <a:solidFill>
-                  <a:schemeClr val="tx1"/>
-                </a:solidFill>
-                <a:latin typeface="+mn-lt"/>
-                <a:ea typeface="+mn-ea"/>
-                <a:cs typeface="+mn-cs"/>
-              </a:defRPr>
-            </a:lvl2pPr>
-            <a:lvl3pPr marL="1143000" indent="-228600" algn="l" defTabSz="914400" rtl="0" eaLnBrk="1" latinLnBrk="0" hangingPunct="1">
-              <a:lnSpc>
-                <a:spcPct val="90000"/>
-              </a:lnSpc>
-              <a:spcBef>
-                <a:spcPts val="500"/>
-              </a:spcBef>
-              <a:buFont typeface="Arial" panose="020B0604020202020204" pitchFamily="34" charset="0"/>
-              <a:buChar char="•"/>
-              <a:defRPr sz="2000" kern="1200">
-                <a:solidFill>
-                  <a:schemeClr val="tx1"/>
-                </a:solidFill>
-                <a:latin typeface="+mn-lt"/>
-                <a:ea typeface="+mn-ea"/>
-                <a:cs typeface="+mn-cs"/>
-              </a:defRPr>
-            </a:lvl3pPr>
-            <a:lvl4pPr marL="1600200" indent="-228600" algn="l" defTabSz="914400" rtl="0" eaLnBrk="1" latinLnBrk="0" hangingPunct="1">
-              <a:lnSpc>
-                <a:spcPct val="90000"/>
-              </a:lnSpc>
-              <a:spcBef>
-                <a:spcPts val="500"/>
-              </a:spcBef>
-              <a:buFont typeface="Arial" panose="020B0604020202020204" pitchFamily="34" charset="0"/>
-              <a:buChar char="•"/>
-              <a:defRPr sz="1800" kern="1200">
-                <a:solidFill>
-                  <a:schemeClr val="tx1"/>
-                </a:solidFill>
-                <a:latin typeface="+mn-lt"/>
-                <a:ea typeface="+mn-ea"/>
-                <a:cs typeface="+mn-cs"/>
-              </a:defRPr>
-            </a:lvl4pPr>
-            <a:lvl5pPr marL="2057400" indent="-228600" algn="l" defTabSz="914400" rtl="0" eaLnBrk="1" latinLnBrk="0" hangingPunct="1">
-              <a:lnSpc>
-                <a:spcPct val="90000"/>
-              </a:lnSpc>
-              <a:spcBef>
-                <a:spcPts val="500"/>
-              </a:spcBef>
-              <a:buFont typeface="Arial" panose="020B0604020202020204" pitchFamily="34" charset="0"/>
-              <a:buChar char="•"/>
-              <a:defRPr sz="1800" kern="1200">
-                <a:solidFill>
-                  <a:schemeClr val="tx1"/>
-                </a:solidFill>
-                <a:latin typeface="+mn-lt"/>
-                <a:ea typeface="+mn-ea"/>
-                <a:cs typeface="+mn-cs"/>
-              </a:defRPr>
-            </a:lvl5pPr>
-            <a:lvl6pPr marL="2514600" indent="-228600" algn="l" defTabSz="914400" rtl="0" eaLnBrk="1" latinLnBrk="0" hangingPunct="1">
-              <a:lnSpc>
-                <a:spcPct val="90000"/>
-              </a:lnSpc>
-              <a:spcBef>
-                <a:spcPts val="500"/>
-              </a:spcBef>
-              <a:buFont typeface="Arial" panose="020B0604020202020204" pitchFamily="34" charset="0"/>
-              <a:buChar char="•"/>
-              <a:defRPr sz="1800" kern="1200">
-                <a:solidFill>
-                  <a:schemeClr val="tx1"/>
-                </a:solidFill>
-                <a:latin typeface="+mn-lt"/>
-                <a:ea typeface="+mn-ea"/>
-                <a:cs typeface="+mn-cs"/>
-              </a:defRPr>
-            </a:lvl6pPr>
-            <a:lvl7pPr marL="2971800" indent="-228600" algn="l" defTabSz="914400" rtl="0" eaLnBrk="1" latinLnBrk="0" hangingPunct="1">
-              <a:lnSpc>
-                <a:spcPct val="90000"/>
-              </a:lnSpc>
-              <a:spcBef>
-                <a:spcPts val="500"/>
-              </a:spcBef>
-              <a:buFont typeface="Arial" panose="020B0604020202020204" pitchFamily="34" charset="0"/>
-              <a:buChar char="•"/>
-              <a:defRPr sz="1800" kern="1200">
-                <a:solidFill>
-                  <a:schemeClr val="tx1"/>
-                </a:solidFill>
-                <a:latin typeface="+mn-lt"/>
-                <a:ea typeface="+mn-ea"/>
-                <a:cs typeface="+mn-cs"/>
-              </a:defRPr>
-            </a:lvl7pPr>
-            <a:lvl8pPr marL="3429000" indent="-228600" algn="l" defTabSz="914400" rtl="0" eaLnBrk="1" latinLnBrk="0" hangingPunct="1">
-              <a:lnSpc>
-                <a:spcPct val="90000"/>
-              </a:lnSpc>
-              <a:spcBef>
-                <a:spcPts val="500"/>
-              </a:spcBef>
-              <a:buFont typeface="Arial" panose="020B0604020202020204" pitchFamily="34" charset="0"/>
-              <a:buChar char="•"/>
-              <a:defRPr sz="1800" kern="1200">
-                <a:solidFill>
-                  <a:schemeClr val="tx1"/>
-                </a:solidFill>
-                <a:latin typeface="+mn-lt"/>
-                <a:ea typeface="+mn-ea"/>
-                <a:cs typeface="+mn-cs"/>
-              </a:defRPr>
-            </a:lvl8pPr>
-            <a:lvl9pPr marL="3886200" indent="-228600" algn="l" defTabSz="914400" rtl="0" eaLnBrk="1" latinLnBrk="0" hangingPunct="1">
-              <a:lnSpc>
-                <a:spcPct val="90000"/>
-              </a:lnSpc>
-              <a:spcBef>
-                <a:spcPts val="500"/>
-              </a:spcBef>
-              <a:buFont typeface="Arial" panose="020B0604020202020204" pitchFamily="34" charset="0"/>
-              <a:buChar char="•"/>
-              <a:defRPr sz="1800" kern="1200">
-                <a:solidFill>
-                  <a:schemeClr val="tx1"/>
-                </a:solidFill>
-                <a:latin typeface="+mn-lt"/>
-                <a:ea typeface="+mn-ea"/>
-                <a:cs typeface="+mn-cs"/>
-              </a:defRPr>
-            </a:lvl9pPr>
-          </a:lstStyle>
-          <a:p>
-            <a:pPr marL="0" indent="0" algn="ctr">
-              <a:buNone/>
-            </a:pPr>
-            <a:r>
-              <a:rPr lang="en-GB" sz="2100" dirty="0">
-                <a:solidFill>
-                  <a:schemeClr val="bg1"/>
-                </a:solidFill>
+              <a:t>James H. </a:t>
+            </a:r>
+            <a:r>
+              <a:rPr lang="en-GB" sz="3600" dirty="0" smtClean="0">
+                <a:latin typeface="Arial" panose="020B0604020202020204" pitchFamily="34" charset="0"/>
+                <a:cs typeface="Arial" panose="020B0604020202020204" pitchFamily="34" charset="0"/>
               </a:rPr>
+              <a:t>Davenport</a:t>
+            </a:r>
+          </a:p>
+          <a:p>
+            <a:r>
+              <a:rPr lang="en-GB" sz="2200" dirty="0"/>
               <a:t>18 October 2019</a:t>
             </a:r>
           </a:p>
           <a:p>
-            <a:pPr marL="0" indent="0" algn="ctr">
-              <a:buNone/>
-            </a:pPr>
-            <a:r>
-              <a:rPr lang="en-GB" sz="2100" dirty="0">
-                <a:solidFill>
-                  <a:schemeClr val="bg1"/>
-                </a:solidFill>
-              </a:rPr>
-              <a:t>(With Tom Crick, Alastair Irons, Tom Prickett; </a:t>
-            </a:r>
-          </a:p>
-          <a:p>
-            <a:pPr marL="0" indent="0" algn="ctr">
-              <a:buNone/>
-            </a:pPr>
-            <a:r>
-              <a:rPr lang="en-GB" sz="2100" dirty="0">
-                <a:solidFill>
-                  <a:schemeClr val="bg1"/>
-                </a:solidFill>
-              </a:rPr>
-              <a:t>all four are British Computer Society )</a:t>
-            </a:r>
+            <a:r>
+              <a:rPr lang="en-GB" sz="2200" dirty="0" smtClean="0"/>
+              <a:t>With </a:t>
+            </a:r>
+            <a:r>
+              <a:rPr lang="en-GB" sz="2200" dirty="0"/>
+              <a:t>Tom Crick, Alastair Irons, Tom </a:t>
+            </a:r>
+            <a:r>
+              <a:rPr lang="en-GB" sz="2200" dirty="0" smtClean="0"/>
+              <a:t>Prickett</a:t>
+            </a:r>
+            <a:endParaRPr lang="en-GB" sz="2200" dirty="0">
+              <a:latin typeface="Arial" panose="020B0604020202020204" pitchFamily="34" charset="0"/>
+              <a:cs typeface="Arial" panose="020B0604020202020204" pitchFamily="34" charset="0"/>
+            </a:endParaRPr>
+          </a:p>
+          <a:p>
+            <a:endParaRPr lang="en-GB" dirty="0"/>
           </a:p>
         </p:txBody>
       </p:sp>
     </p:spTree>
     <p:extLst>
       <p:ext uri="{BB962C8B-B14F-4D97-AF65-F5344CB8AC3E}">
-        <p14:creationId xmlns:p14="http://schemas.microsoft.com/office/powerpoint/2010/main" val="1707903826"/>
+        <p14:creationId xmlns:p14="http://schemas.microsoft.com/office/powerpoint/2010/main" val="2148439440"/>
       </p:ext>
     </p:extLst>
   </p:cSld>
   <p:clrMapOvr>
     <a:masterClrMapping/>
   </p:clrMapOvr>
+  <p:timing>
+    <p:tnLst>
+      <p:par>
+        <p:cTn id="1" dur="indefinite" restart="never" nodeType="tmRoot"/>
+      </p:par>
+    </p:tnLst>
+  </p:timing>
 </p:sld>
 </file>
 
@@ -3409,191 +3252,479 @@
           <a:chExt cx="0" cy="0"/>
         </a:xfrm>
       </p:grpSpPr>
-      <p:grpSp>
-        <p:nvGrpSpPr>
-          <p:cNvPr id="2" name="Group 1"/>
-          <p:cNvGrpSpPr/>
-          <p:nvPr/>
-        </p:nvGrpSpPr>
-        <p:grpSpPr>
-          <a:xfrm>
-            <a:off x="60385" y="448286"/>
-            <a:ext cx="8876764" cy="453980"/>
-            <a:chOff x="-115910" y="386367"/>
-            <a:chExt cx="11835685" cy="605307"/>
-          </a:xfrm>
-          <a:solidFill>
-            <a:srgbClr val="0C2738"/>
-          </a:solidFill>
-        </p:grpSpPr>
-        <p:sp>
-          <p:nvSpPr>
-            <p:cNvPr id="3" name="Round Single Corner Rectangle 2"/>
-            <p:cNvSpPr/>
-            <p:nvPr/>
-          </p:nvSpPr>
-          <p:spPr>
-            <a:xfrm>
-              <a:off x="-115910" y="386367"/>
-              <a:ext cx="11835685" cy="605307"/>
-            </a:xfrm>
-            <a:prstGeom prst="round1Rect">
-              <a:avLst/>
-            </a:prstGeom>
-            <a:grpFill/>
-            <a:ln>
-              <a:noFill/>
-            </a:ln>
-          </p:spPr>
-          <p:style>
-            <a:lnRef idx="2">
-              <a:schemeClr val="accent1">
-                <a:shade val="50000"/>
-              </a:schemeClr>
-            </a:lnRef>
-            <a:fillRef idx="1">
-              <a:schemeClr val="accent1"/>
-            </a:fillRef>
-            <a:effectRef idx="0">
-              <a:schemeClr val="accent1"/>
-            </a:effectRef>
-            <a:fontRef idx="minor">
-              <a:schemeClr val="lt1"/>
-            </a:fontRef>
-          </p:style>
-          <p:txBody>
-            <a:bodyPr rtlCol="0" anchor="ctr"/>
-            <a:lstStyle/>
-            <a:p>
-              <a:pPr algn="ctr"/>
-              <a:endParaRPr lang="en-GB" sz="1350"/>
-            </a:p>
-          </p:txBody>
-        </p:sp>
-        <p:pic>
-          <p:nvPicPr>
-            <p:cNvPr id="4" name="Picture 3"/>
-            <p:cNvPicPr>
-              <a:picLocks noChangeAspect="1"/>
-            </p:cNvPicPr>
-            <p:nvPr/>
-          </p:nvPicPr>
-          <p:blipFill>
-            <a:blip r:embed="rId2" cstate="print">
-              <a:extLst>
-                <a:ext uri="{28A0092B-C50C-407E-A947-70E740481C1C}">
-                  <a14:useLocalDpi xmlns:a14="http://schemas.microsoft.com/office/drawing/2010/main" val="0"/>
-                </a:ext>
-              </a:extLst>
-            </a:blip>
-            <a:stretch>
-              <a:fillRect/>
-            </a:stretch>
-          </p:blipFill>
-          <p:spPr>
-            <a:xfrm>
-              <a:off x="9710730" y="425004"/>
-              <a:ext cx="1918893" cy="496430"/>
-            </a:xfrm>
-            <a:prstGeom prst="rect">
-              <a:avLst/>
-            </a:prstGeom>
-            <a:grpFill/>
-          </p:spPr>
-        </p:pic>
-      </p:grpSp>
-      <p:sp>
-        <p:nvSpPr>
-          <p:cNvPr id="5" name="Title 4">
-            <a:extLst>
-              <a:ext uri="{FF2B5EF4-FFF2-40B4-BE49-F238E27FC236}">
-                <a16:creationId xmlns:a16="http://schemas.microsoft.com/office/drawing/2014/main" id="{61C67553-05D5-472A-8307-F87B7DABD847}"/>
-              </a:ext>
-            </a:extLst>
-          </p:cNvPr>
-          <p:cNvSpPr>
-            <a:spLocks noGrp="1"/>
-          </p:cNvSpPr>
-          <p:nvPr>
-            <p:ph type="title"/>
+      <p:sp>
+        <p:nvSpPr>
+          <p:cNvPr id="2" name="Content Placeholder 1"/>
+          <p:cNvSpPr>
+            <a:spLocks noGrp="1"/>
+          </p:cNvSpPr>
+          <p:nvPr>
+            <p:ph idx="1"/>
+          </p:nvPr>
+        </p:nvSpPr>
+        <p:spPr/>
+        <p:txBody>
+          <a:bodyPr>
+            <a:normAutofit lnSpcReduction="10000"/>
+          </a:bodyPr>
+          <a:lstStyle/>
+          <a:p>
+            <a:r>
+              <a:rPr lang="en-GB" dirty="0"/>
+              <a:t>Check appropriateness of books (or how deficiencies are handled). Shouldn’t be necessary, but see SQL and [1]</a:t>
+            </a:r>
+          </a:p>
+          <a:p>
+            <a:r>
+              <a:rPr lang="en-GB" dirty="0"/>
+              <a:t>Check students’ attitudes to informal resources</a:t>
+            </a:r>
+          </a:p>
+          <a:p>
+            <a:r>
+              <a:rPr lang="en-GB" dirty="0"/>
+              <a:t>?? Insist that there’s some practical Cybersecurity </a:t>
+            </a:r>
+            <a:r>
+              <a:rPr lang="en-GB" dirty="0" smtClean="0"/>
+              <a:t>work ??</a:t>
+            </a:r>
+          </a:p>
+          <a:p>
+            <a:pPr lvl="1"/>
+            <a:r>
+              <a:rPr lang="en-GB" dirty="0" smtClean="0"/>
+              <a:t>implementing </a:t>
+            </a:r>
+            <a:r>
+              <a:rPr lang="en-GB" dirty="0"/>
+              <a:t>a password </a:t>
+            </a:r>
+            <a:r>
+              <a:rPr lang="en-GB" dirty="0" smtClean="0"/>
+              <a:t>system</a:t>
+            </a:r>
+          </a:p>
+          <a:p>
+            <a:pPr lvl="1"/>
+            <a:r>
+              <a:rPr lang="en-GB" dirty="0" smtClean="0"/>
+              <a:t>Hacker </a:t>
+            </a:r>
+            <a:r>
+              <a:rPr lang="en-GB" dirty="0" smtClean="0"/>
+              <a:t>curriculum</a:t>
+            </a:r>
+          </a:p>
+          <a:p>
+            <a:pPr lvl="1"/>
+            <a:r>
+              <a:rPr lang="en-GB" dirty="0" smtClean="0"/>
+              <a:t>Digital Forensic investigations</a:t>
+            </a:r>
+          </a:p>
+          <a:p>
+            <a:pPr lvl="1"/>
+            <a:r>
+              <a:rPr lang="en-GB" dirty="0" smtClean="0"/>
+              <a:t>Apply security standards to a practical task</a:t>
+            </a:r>
+          </a:p>
+          <a:p>
+            <a:pPr lvl="1"/>
+            <a:r>
+              <a:rPr lang="en-GB" dirty="0" err="1" smtClean="0"/>
+              <a:t>etc</a:t>
+            </a:r>
+            <a:endParaRPr lang="en-GB" dirty="0"/>
+          </a:p>
+          <a:p>
+            <a:pPr marL="0" indent="0">
+              <a:buNone/>
+            </a:pPr>
+            <a:endParaRPr lang="en-GB" dirty="0"/>
+          </a:p>
+        </p:txBody>
+      </p:sp>
+      <p:sp>
+        <p:nvSpPr>
+          <p:cNvPr id="3" name="Content Placeholder 2"/>
+          <p:cNvSpPr>
+            <a:spLocks noGrp="1"/>
+          </p:cNvSpPr>
+          <p:nvPr>
+            <p:ph sz="quarter" idx="13"/>
           </p:nvPr>
         </p:nvSpPr>
         <p:spPr>
           <a:xfrm>
-            <a:off x="628650" y="365127"/>
-            <a:ext cx="7886700" cy="701674"/>
+            <a:off x="224445" y="432295"/>
+            <a:ext cx="6030506" cy="373063"/>
           </a:xfrm>
         </p:spPr>
         <p:txBody>
-          <a:bodyPr/>
+          <a:bodyPr>
+            <a:noAutofit/>
+          </a:bodyPr>
           <a:lstStyle/>
           <a:p>
             <a:r>
-              <a:rPr lang="en-GB" dirty="0">
-                <a:solidFill>
-                  <a:schemeClr val="bg1"/>
-                </a:solidFill>
-              </a:rPr>
-              <a:t>What next for accreditation??</a:t>
-            </a:r>
-          </a:p>
-        </p:txBody>
-      </p:sp>
-      <p:sp>
-        <p:nvSpPr>
-          <p:cNvPr id="6" name="Content Placeholder 5">
-            <a:extLst>
-              <a:ext uri="{FF2B5EF4-FFF2-40B4-BE49-F238E27FC236}">
-                <a16:creationId xmlns:a16="http://schemas.microsoft.com/office/drawing/2014/main" id="{642D44DF-6F60-43B6-A6AB-9C15DB26E412}"/>
-              </a:ext>
-            </a:extLst>
-          </p:cNvPr>
-          <p:cNvSpPr>
-            <a:spLocks noGrp="1"/>
-          </p:cNvSpPr>
-          <p:nvPr>
-            <p:ph idx="1"/>
-          </p:nvPr>
-        </p:nvSpPr>
-        <p:spPr/>
-        <p:txBody>
-          <a:bodyPr/>
-          <a:lstStyle/>
-          <a:p>
-            <a:r>
-              <a:rPr lang="en-GB" dirty="0"/>
-              <a:t>Check appropriateness of books (or how deficiencies are handled). Shouldn’t be necessary, but see SQL and [1]</a:t>
-            </a:r>
-          </a:p>
-          <a:p>
-            <a:r>
-              <a:rPr lang="en-GB" dirty="0"/>
-              <a:t>Check students’ attitudes to informal resources</a:t>
-            </a:r>
-          </a:p>
-          <a:p>
-            <a:r>
-              <a:rPr lang="en-GB" dirty="0"/>
-              <a:t>?? Insist that there’s some practical Cybersecurity work, e.g. implementing a </a:t>
-            </a:r>
-            <a:r>
-              <a:rPr lang="en-GB"/>
-              <a:t>password system ??</a:t>
-            </a:r>
-            <a:endParaRPr lang="en-GB" dirty="0"/>
+              <a:rPr lang="en-GB" sz="3600" dirty="0"/>
+              <a:t>What next for </a:t>
+            </a:r>
+            <a:r>
+              <a:rPr lang="en-GB" sz="3600" dirty="0" smtClean="0"/>
+              <a:t>accreditation</a:t>
+            </a:r>
+            <a:r>
+              <a:rPr lang="en-GB" sz="3600" dirty="0"/>
+              <a:t>??</a:t>
+            </a:r>
           </a:p>
         </p:txBody>
       </p:sp>
     </p:spTree>
     <p:extLst>
       <p:ext uri="{BB962C8B-B14F-4D97-AF65-F5344CB8AC3E}">
-        <p14:creationId xmlns:p14="http://schemas.microsoft.com/office/powerpoint/2010/main" val="2080764520"/>
+        <p14:creationId xmlns:p14="http://schemas.microsoft.com/office/powerpoint/2010/main" val="742686016"/>
       </p:ext>
     </p:extLst>
   </p:cSld>
   <p:clrMapOvr>
     <a:masterClrMapping/>
   </p:clrMapOvr>
+  <p:timing>
+    <p:tnLst>
+      <p:par>
+        <p:cTn id="1" dur="indefinite" restart="never" nodeType="tmRoot">
+          <p:childTnLst>
+            <p:seq concurrent="1" nextAc="seek">
+              <p:cTn id="2" dur="indefinite" nodeType="mainSeq">
+                <p:childTnLst>
+                  <p:par>
+                    <p:cTn id="3" fill="hold">
+                      <p:stCondLst>
+                        <p:cond delay="indefinite"/>
+                      </p:stCondLst>
+                      <p:childTnLst>
+                        <p:par>
+                          <p:cTn id="4" fill="hold">
+                            <p:stCondLst>
+                              <p:cond delay="0"/>
+                            </p:stCondLst>
+                            <p:childTnLst>
+                              <p:par>
+                                <p:cTn id="5" presetID="1" presetClass="entr" presetSubtype="0" fill="hold" nodeType="clickEffect">
+                                  <p:stCondLst>
+                                    <p:cond delay="0"/>
+                                  </p:stCondLst>
+                                  <p:childTnLst>
+                                    <p:set>
+                                      <p:cBhvr>
+                                        <p:cTn id="6" dur="1" fill="hold">
+                                          <p:stCondLst>
+                                            <p:cond delay="0"/>
+                                          </p:stCondLst>
+                                        </p:cTn>
+                                        <p:tgtEl>
+                                          <p:spTgt spid="2">
+                                            <p:txEl>
+                                              <p:pRg st="0" end="0"/>
+                                            </p:txEl>
+                                          </p:spTgt>
+                                        </p:tgtEl>
+                                        <p:attrNameLst>
+                                          <p:attrName>style.visibility</p:attrName>
+                                        </p:attrNameLst>
+                                      </p:cBhvr>
+                                      <p:to>
+                                        <p:strVal val="visible"/>
+                                      </p:to>
+                                    </p:set>
+                                  </p:childTnLst>
+                                </p:cTn>
+                              </p:par>
+                            </p:childTnLst>
+                          </p:cTn>
+                        </p:par>
+                      </p:childTnLst>
+                    </p:cTn>
+                  </p:par>
+                  <p:par>
+                    <p:cTn id="7" fill="hold">
+                      <p:stCondLst>
+                        <p:cond delay="indefinite"/>
+                      </p:stCondLst>
+                      <p:childTnLst>
+                        <p:par>
+                          <p:cTn id="8" fill="hold">
+                            <p:stCondLst>
+                              <p:cond delay="0"/>
+                            </p:stCondLst>
+                            <p:childTnLst>
+                              <p:par>
+                                <p:cTn id="9" presetID="1" presetClass="entr" presetSubtype="0" fill="hold" nodeType="clickEffect">
+                                  <p:stCondLst>
+                                    <p:cond delay="0"/>
+                                  </p:stCondLst>
+                                  <p:childTnLst>
+                                    <p:set>
+                                      <p:cBhvr>
+                                        <p:cTn id="10" dur="1" fill="hold">
+                                          <p:stCondLst>
+                                            <p:cond delay="0"/>
+                                          </p:stCondLst>
+                                        </p:cTn>
+                                        <p:tgtEl>
+                                          <p:spTgt spid="2">
+                                            <p:txEl>
+                                              <p:pRg st="1" end="1"/>
+                                            </p:txEl>
+                                          </p:spTgt>
+                                        </p:tgtEl>
+                                        <p:attrNameLst>
+                                          <p:attrName>style.visibility</p:attrName>
+                                        </p:attrNameLst>
+                                      </p:cBhvr>
+                                      <p:to>
+                                        <p:strVal val="visible"/>
+                                      </p:to>
+                                    </p:set>
+                                  </p:childTnLst>
+                                </p:cTn>
+                              </p:par>
+                            </p:childTnLst>
+                          </p:cTn>
+                        </p:par>
+                      </p:childTnLst>
+                    </p:cTn>
+                  </p:par>
+                  <p:par>
+                    <p:cTn id="11" fill="hold">
+                      <p:stCondLst>
+                        <p:cond delay="indefinite"/>
+                      </p:stCondLst>
+                      <p:childTnLst>
+                        <p:par>
+                          <p:cTn id="12" fill="hold">
+                            <p:stCondLst>
+                              <p:cond delay="0"/>
+                            </p:stCondLst>
+                            <p:childTnLst>
+                              <p:par>
+                                <p:cTn id="13" presetID="1" presetClass="entr" presetSubtype="0" fill="hold" nodeType="clickEffect">
+                                  <p:stCondLst>
+                                    <p:cond delay="0"/>
+                                  </p:stCondLst>
+                                  <p:childTnLst>
+                                    <p:set>
+                                      <p:cBhvr>
+                                        <p:cTn id="14" dur="1" fill="hold">
+                                          <p:stCondLst>
+                                            <p:cond delay="0"/>
+                                          </p:stCondLst>
+                                        </p:cTn>
+                                        <p:tgtEl>
+                                          <p:spTgt spid="2">
+                                            <p:txEl>
+                                              <p:pRg st="2" end="2"/>
+                                            </p:txEl>
+                                          </p:spTgt>
+                                        </p:tgtEl>
+                                        <p:attrNameLst>
+                                          <p:attrName>style.visibility</p:attrName>
+                                        </p:attrNameLst>
+                                      </p:cBhvr>
+                                      <p:to>
+                                        <p:strVal val="visible"/>
+                                      </p:to>
+                                    </p:set>
+                                  </p:childTnLst>
+                                </p:cTn>
+                              </p:par>
+                              <p:par>
+                                <p:cTn id="15" presetID="1" presetClass="entr" presetSubtype="0" fill="hold" nodeType="withEffect">
+                                  <p:stCondLst>
+                                    <p:cond delay="0"/>
+                                  </p:stCondLst>
+                                  <p:childTnLst>
+                                    <p:set>
+                                      <p:cBhvr>
+                                        <p:cTn id="16" dur="1" fill="hold">
+                                          <p:stCondLst>
+                                            <p:cond delay="0"/>
+                                          </p:stCondLst>
+                                        </p:cTn>
+                                        <p:tgtEl>
+                                          <p:spTgt spid="2">
+                                            <p:txEl>
+                                              <p:pRg st="3" end="3"/>
+                                            </p:txEl>
+                                          </p:spTgt>
+                                        </p:tgtEl>
+                                        <p:attrNameLst>
+                                          <p:attrName>style.visibility</p:attrName>
+                                        </p:attrNameLst>
+                                      </p:cBhvr>
+                                      <p:to>
+                                        <p:strVal val="visible"/>
+                                      </p:to>
+                                    </p:set>
+                                  </p:childTnLst>
+                                </p:cTn>
+                              </p:par>
+                              <p:par>
+                                <p:cTn id="17" presetID="1" presetClass="entr" presetSubtype="0" fill="hold" nodeType="withEffect">
+                                  <p:stCondLst>
+                                    <p:cond delay="0"/>
+                                  </p:stCondLst>
+                                  <p:childTnLst>
+                                    <p:set>
+                                      <p:cBhvr>
+                                        <p:cTn id="18" dur="1" fill="hold">
+                                          <p:stCondLst>
+                                            <p:cond delay="0"/>
+                                          </p:stCondLst>
+                                        </p:cTn>
+                                        <p:tgtEl>
+                                          <p:spTgt spid="2">
+                                            <p:txEl>
+                                              <p:pRg st="4" end="4"/>
+                                            </p:txEl>
+                                          </p:spTgt>
+                                        </p:tgtEl>
+                                        <p:attrNameLst>
+                                          <p:attrName>style.visibility</p:attrName>
+                                        </p:attrNameLst>
+                                      </p:cBhvr>
+                                      <p:to>
+                                        <p:strVal val="visible"/>
+                                      </p:to>
+                                    </p:set>
+                                  </p:childTnLst>
+                                </p:cTn>
+                              </p:par>
+                              <p:par>
+                                <p:cTn id="19" presetID="1" presetClass="entr" presetSubtype="0" fill="hold" nodeType="withEffect">
+                                  <p:stCondLst>
+                                    <p:cond delay="0"/>
+                                  </p:stCondLst>
+                                  <p:childTnLst>
+                                    <p:set>
+                                      <p:cBhvr>
+                                        <p:cTn id="20" dur="1" fill="hold">
+                                          <p:stCondLst>
+                                            <p:cond delay="0"/>
+                                          </p:stCondLst>
+                                        </p:cTn>
+                                        <p:tgtEl>
+                                          <p:spTgt spid="2">
+                                            <p:txEl>
+                                              <p:pRg st="5" end="5"/>
+                                            </p:txEl>
+                                          </p:spTgt>
+                                        </p:tgtEl>
+                                        <p:attrNameLst>
+                                          <p:attrName>style.visibility</p:attrName>
+                                        </p:attrNameLst>
+                                      </p:cBhvr>
+                                      <p:to>
+                                        <p:strVal val="visible"/>
+                                      </p:to>
+                                    </p:set>
+                                  </p:childTnLst>
+                                </p:cTn>
+                              </p:par>
+                              <p:par>
+                                <p:cTn id="21" presetID="1" presetClass="entr" presetSubtype="0" fill="hold" nodeType="withEffect">
+                                  <p:stCondLst>
+                                    <p:cond delay="0"/>
+                                  </p:stCondLst>
+                                  <p:childTnLst>
+                                    <p:set>
+                                      <p:cBhvr>
+                                        <p:cTn id="22" dur="1" fill="hold">
+                                          <p:stCondLst>
+                                            <p:cond delay="0"/>
+                                          </p:stCondLst>
+                                        </p:cTn>
+                                        <p:tgtEl>
+                                          <p:spTgt spid="2">
+                                            <p:txEl>
+                                              <p:pRg st="6" end="6"/>
+                                            </p:txEl>
+                                          </p:spTgt>
+                                        </p:tgtEl>
+                                        <p:attrNameLst>
+                                          <p:attrName>style.visibility</p:attrName>
+                                        </p:attrNameLst>
+                                      </p:cBhvr>
+                                      <p:to>
+                                        <p:strVal val="visible"/>
+                                      </p:to>
+                                    </p:set>
+                                  </p:childTnLst>
+                                </p:cTn>
+                              </p:par>
+                              <p:par>
+                                <p:cTn id="23" presetID="1" presetClass="entr" presetSubtype="0" fill="hold" nodeType="withEffect">
+                                  <p:stCondLst>
+                                    <p:cond delay="0"/>
+                                  </p:stCondLst>
+                                  <p:childTnLst>
+                                    <p:set>
+                                      <p:cBhvr>
+                                        <p:cTn id="24" dur="1" fill="hold">
+                                          <p:stCondLst>
+                                            <p:cond delay="0"/>
+                                          </p:stCondLst>
+                                        </p:cTn>
+                                        <p:tgtEl>
+                                          <p:spTgt spid="2">
+                                            <p:txEl>
+                                              <p:pRg st="7" end="7"/>
+                                            </p:txEl>
+                                          </p:spTgt>
+                                        </p:tgtEl>
+                                        <p:attrNameLst>
+                                          <p:attrName>style.visibility</p:attrName>
+                                        </p:attrNameLst>
+                                      </p:cBhvr>
+                                      <p:to>
+                                        <p:strVal val="visible"/>
+                                      </p:to>
+                                    </p:set>
+                                  </p:childTnLst>
+                                </p:cTn>
+                              </p:par>
+                            </p:childTnLst>
+                          </p:cTn>
+                        </p:par>
+                      </p:childTnLst>
+                    </p:cTn>
+                  </p:par>
+                </p:childTnLst>
+              </p:cTn>
+              <p:prevCondLst>
+                <p:cond evt="onPrev" delay="0">
+                  <p:tgtEl>
+                    <p:sldTgt/>
+                  </p:tgtEl>
+                </p:cond>
+              </p:prevCondLst>
+              <p:nextCondLst>
+                <p:cond evt="onNext" delay="0">
+                  <p:tgtEl>
+                    <p:sldTgt/>
+                  </p:tgtEl>
+                </p:cond>
+              </p:nextCondLst>
+            </p:seq>
+          </p:childTnLst>
+        </p:cTn>
+      </p:par>
+    </p:tnLst>
+  </p:timing>
 </p:sld>
 </file>
 
@@ -3811,6 +3942,13 @@
   <p:clrMapOvr>
     <a:masterClrMapping/>
   </p:clrMapOvr>
+  <p:timing>
+    <p:tnLst>
+      <p:par>
+        <p:cTn id="1" dur="indefinite" restart="never" nodeType="tmRoot"/>
+      </p:par>
+    </p:tnLst>
+  </p:timing>
 </p:sld>
 </file>
 
@@ -3831,99 +3969,6 @@
           <a:chExt cx="0" cy="0"/>
         </a:xfrm>
       </p:grpSpPr>
-      <p:grpSp>
-        <p:nvGrpSpPr>
-          <p:cNvPr id="2" name="Group 1"/>
-          <p:cNvGrpSpPr/>
-          <p:nvPr/>
-        </p:nvGrpSpPr>
-        <p:grpSpPr>
-          <a:xfrm>
-            <a:off x="60385" y="448286"/>
-            <a:ext cx="8876764" cy="453980"/>
-            <a:chOff x="-115910" y="386367"/>
-            <a:chExt cx="11835685" cy="605307"/>
-          </a:xfrm>
-          <a:solidFill>
-            <a:srgbClr val="0C2738"/>
-          </a:solidFill>
-        </p:grpSpPr>
-        <p:sp>
-          <p:nvSpPr>
-            <p:cNvPr id="3" name="Round Single Corner Rectangle 2"/>
-            <p:cNvSpPr/>
-            <p:nvPr/>
-          </p:nvSpPr>
-          <p:spPr>
-            <a:xfrm>
-              <a:off x="-115910" y="386367"/>
-              <a:ext cx="11835685" cy="605307"/>
-            </a:xfrm>
-            <a:prstGeom prst="round1Rect">
-              <a:avLst/>
-            </a:prstGeom>
-            <a:grpFill/>
-            <a:ln>
-              <a:noFill/>
-            </a:ln>
-          </p:spPr>
-          <p:style>
-            <a:lnRef idx="2">
-              <a:schemeClr val="accent1">
-                <a:shade val="50000"/>
-              </a:schemeClr>
-            </a:lnRef>
-            <a:fillRef idx="1">
-              <a:schemeClr val="accent1"/>
-            </a:fillRef>
-            <a:effectRef idx="0">
-              <a:schemeClr val="accent1"/>
-            </a:effectRef>
-            <a:fontRef idx="minor">
-              <a:schemeClr val="lt1"/>
-            </a:fontRef>
-          </p:style>
-          <p:txBody>
-            <a:bodyPr rtlCol="0" anchor="ctr"/>
-            <a:lstStyle/>
-            <a:p>
-              <a:pPr algn="ctr"/>
-              <a:endParaRPr lang="en-GB" sz="1350"/>
-            </a:p>
-          </p:txBody>
-        </p:sp>
-        <p:pic>
-          <p:nvPicPr>
-            <p:cNvPr id="4" name="Picture 3"/>
-            <p:cNvPicPr>
-              <a:picLocks noChangeAspect="1"/>
-            </p:cNvPicPr>
-            <p:nvPr/>
-          </p:nvPicPr>
-          <p:blipFill>
-            <a:blip r:embed="rId2" cstate="print">
-              <a:extLst>
-                <a:ext uri="{28A0092B-C50C-407E-A947-70E740481C1C}">
-                  <a14:useLocalDpi xmlns:a14="http://schemas.microsoft.com/office/drawing/2010/main" val="0"/>
-                </a:ext>
-              </a:extLst>
-            </a:blip>
-            <a:stretch>
-              <a:fillRect/>
-            </a:stretch>
-          </p:blipFill>
-          <p:spPr>
-            <a:xfrm>
-              <a:off x="9710730" y="425004"/>
-              <a:ext cx="1918893" cy="496430"/>
-            </a:xfrm>
-            <a:prstGeom prst="rect">
-              <a:avLst/>
-            </a:prstGeom>
-            <a:grpFill/>
-          </p:spPr>
-        </p:pic>
-      </p:grpSp>
       <p:sp>
         <p:nvSpPr>
           <p:cNvPr id="5" name="Title 4">
@@ -3937,7 +3982,7 @@
             <a:spLocks noGrp="1"/>
           </p:cNvSpPr>
           <p:nvPr>
-            <p:ph type="title"/>
+            <p:ph type="title" idx="4294967295"/>
           </p:nvPr>
         </p:nvSpPr>
         <p:spPr>
@@ -4147,6 +4192,13 @@
   <p:clrMapOvr>
     <a:masterClrMapping/>
   </p:clrMapOvr>
+  <p:timing>
+    <p:tnLst>
+      <p:par>
+        <p:cTn id="1" dur="indefinite" restart="never" nodeType="tmRoot"/>
+      </p:par>
+    </p:tnLst>
+  </p:timing>
 </p:sld>
 </file>
 
@@ -4270,6 +4322,13 @@
   <p:clrMapOvr>
     <a:masterClrMapping/>
   </p:clrMapOvr>
+  <p:timing>
+    <p:tnLst>
+      <p:par>
+        <p:cTn id="1" dur="indefinite" restart="never" nodeType="tmRoot"/>
+      </p:par>
+    </p:tnLst>
+  </p:timing>
 </p:sld>
 </file>
 
@@ -4290,138 +4349,6 @@
           <a:chExt cx="0" cy="0"/>
         </a:xfrm>
       </p:grpSpPr>
-      <p:grpSp>
-        <p:nvGrpSpPr>
-          <p:cNvPr id="2" name="Group 1"/>
-          <p:cNvGrpSpPr/>
-          <p:nvPr/>
-        </p:nvGrpSpPr>
-        <p:grpSpPr>
-          <a:xfrm>
-            <a:off x="0" y="454047"/>
-            <a:ext cx="8876764" cy="453980"/>
-            <a:chOff x="-115910" y="386367"/>
-            <a:chExt cx="11835685" cy="605307"/>
-          </a:xfrm>
-          <a:solidFill>
-            <a:srgbClr val="0C2738"/>
-          </a:solidFill>
-        </p:grpSpPr>
-        <p:sp>
-          <p:nvSpPr>
-            <p:cNvPr id="3" name="Round Single Corner Rectangle 2"/>
-            <p:cNvSpPr/>
-            <p:nvPr/>
-          </p:nvSpPr>
-          <p:spPr>
-            <a:xfrm>
-              <a:off x="-115910" y="386367"/>
-              <a:ext cx="11835685" cy="605307"/>
-            </a:xfrm>
-            <a:prstGeom prst="round1Rect">
-              <a:avLst/>
-            </a:prstGeom>
-            <a:grpFill/>
-            <a:ln>
-              <a:noFill/>
-            </a:ln>
-          </p:spPr>
-          <p:style>
-            <a:lnRef idx="2">
-              <a:schemeClr val="accent1">
-                <a:shade val="50000"/>
-              </a:schemeClr>
-            </a:lnRef>
-            <a:fillRef idx="1">
-              <a:schemeClr val="accent1"/>
-            </a:fillRef>
-            <a:effectRef idx="0">
-              <a:schemeClr val="accent1"/>
-            </a:effectRef>
-            <a:fontRef idx="minor">
-              <a:schemeClr val="lt1"/>
-            </a:fontRef>
-          </p:style>
-          <p:txBody>
-            <a:bodyPr rtlCol="0" anchor="ctr"/>
-            <a:lstStyle/>
-            <a:p>
-              <a:pPr algn="ctr"/>
-              <a:endParaRPr lang="en-GB" sz="1350"/>
-            </a:p>
-          </p:txBody>
-        </p:sp>
-        <p:pic>
-          <p:nvPicPr>
-            <p:cNvPr id="4" name="Picture 3"/>
-            <p:cNvPicPr>
-              <a:picLocks noChangeAspect="1"/>
-            </p:cNvPicPr>
-            <p:nvPr/>
-          </p:nvPicPr>
-          <p:blipFill>
-            <a:blip r:embed="rId2" cstate="print">
-              <a:extLst>
-                <a:ext uri="{28A0092B-C50C-407E-A947-70E740481C1C}">
-                  <a14:useLocalDpi xmlns:a14="http://schemas.microsoft.com/office/drawing/2010/main" val="0"/>
-                </a:ext>
-              </a:extLst>
-            </a:blip>
-            <a:stretch>
-              <a:fillRect/>
-            </a:stretch>
-          </p:blipFill>
-          <p:spPr>
-            <a:xfrm>
-              <a:off x="9710730" y="425004"/>
-              <a:ext cx="1918893" cy="496430"/>
-            </a:xfrm>
-            <a:prstGeom prst="rect">
-              <a:avLst/>
-            </a:prstGeom>
-            <a:grpFill/>
-          </p:spPr>
-        </p:pic>
-      </p:grpSp>
-      <p:sp>
-        <p:nvSpPr>
-          <p:cNvPr id="5" name="Title 4">
-            <a:extLst>
-              <a:ext uri="{FF2B5EF4-FFF2-40B4-BE49-F238E27FC236}">
-                <a16:creationId xmlns:a16="http://schemas.microsoft.com/office/drawing/2014/main" id="{AF50D3C7-0A82-4F71-850A-F713A06EFDE7}"/>
-              </a:ext>
-            </a:extLst>
-          </p:cNvPr>
-          <p:cNvSpPr>
-            <a:spLocks noGrp="1"/>
-          </p:cNvSpPr>
-          <p:nvPr>
-            <p:ph type="title"/>
-          </p:nvPr>
-        </p:nvSpPr>
-        <p:spPr>
-          <a:xfrm>
-            <a:off x="628650" y="365126"/>
-            <a:ext cx="7886700" cy="692149"/>
-          </a:xfrm>
-        </p:spPr>
-        <p:txBody>
-          <a:bodyPr>
-            <a:normAutofit fontScale="90000"/>
-          </a:bodyPr>
-          <a:lstStyle/>
-          <a:p>
-            <a:r>
-              <a:rPr lang="en-GB" dirty="0">
-                <a:solidFill>
-                  <a:schemeClr val="bg1"/>
-                </a:solidFill>
-              </a:rPr>
-              <a:t>Who are we?</a:t>
-            </a:r>
-          </a:p>
-        </p:txBody>
-      </p:sp>
       <p:sp>
         <p:nvSpPr>
           <p:cNvPr id="6" name="Content Placeholder 5">
@@ -4470,10 +4397,1413 @@
           </a:p>
         </p:txBody>
       </p:sp>
+      <p:sp>
+        <p:nvSpPr>
+          <p:cNvPr id="9" name="Content Placeholder 8"/>
+          <p:cNvSpPr>
+            <a:spLocks noGrp="1"/>
+          </p:cNvSpPr>
+          <p:nvPr>
+            <p:ph sz="quarter" idx="13"/>
+          </p:nvPr>
+        </p:nvSpPr>
+        <p:spPr>
+          <a:xfrm>
+            <a:off x="605037" y="395074"/>
+            <a:ext cx="5649913" cy="373063"/>
+          </a:xfrm>
+        </p:spPr>
+        <p:txBody>
+          <a:bodyPr>
+            <a:noAutofit/>
+          </a:bodyPr>
+          <a:lstStyle/>
+          <a:p>
+            <a:r>
+              <a:rPr lang="en-GB" dirty="0"/>
+              <a:t>Who are we?</a:t>
+            </a:r>
+          </a:p>
+        </p:txBody>
+      </p:sp>
     </p:spTree>
     <p:extLst>
       <p:ext uri="{BB962C8B-B14F-4D97-AF65-F5344CB8AC3E}">
         <p14:creationId xmlns:p14="http://schemas.microsoft.com/office/powerpoint/2010/main" val="1390661068"/>
+      </p:ext>
+    </p:extLst>
+  </p:cSld>
+  <p:clrMapOvr>
+    <a:masterClrMapping/>
+  </p:clrMapOvr>
+  <p:timing>
+    <p:tnLst>
+      <p:par>
+        <p:cTn id="1" dur="indefinite" restart="never" nodeType="tmRoot">
+          <p:childTnLst>
+            <p:seq concurrent="1" nextAc="seek">
+              <p:cTn id="2" dur="indefinite" nodeType="mainSeq">
+                <p:childTnLst>
+                  <p:par>
+                    <p:cTn id="3" fill="hold">
+                      <p:stCondLst>
+                        <p:cond delay="indefinite"/>
+                      </p:stCondLst>
+                      <p:childTnLst>
+                        <p:par>
+                          <p:cTn id="4" fill="hold">
+                            <p:stCondLst>
+                              <p:cond delay="0"/>
+                            </p:stCondLst>
+                            <p:childTnLst>
+                              <p:par>
+                                <p:cTn id="5" presetID="1" presetClass="entr" presetSubtype="0" fill="hold" nodeType="clickEffect">
+                                  <p:stCondLst>
+                                    <p:cond delay="0"/>
+                                  </p:stCondLst>
+                                  <p:childTnLst>
+                                    <p:set>
+                                      <p:cBhvr>
+                                        <p:cTn id="6" dur="1" fill="hold">
+                                          <p:stCondLst>
+                                            <p:cond delay="0"/>
+                                          </p:stCondLst>
+                                        </p:cTn>
+                                        <p:tgtEl>
+                                          <p:spTgt spid="6">
+                                            <p:txEl>
+                                              <p:pRg st="0" end="0"/>
+                                            </p:txEl>
+                                          </p:spTgt>
+                                        </p:tgtEl>
+                                        <p:attrNameLst>
+                                          <p:attrName>style.visibility</p:attrName>
+                                        </p:attrNameLst>
+                                      </p:cBhvr>
+                                      <p:to>
+                                        <p:strVal val="visible"/>
+                                      </p:to>
+                                    </p:set>
+                                  </p:childTnLst>
+                                </p:cTn>
+                              </p:par>
+                            </p:childTnLst>
+                          </p:cTn>
+                        </p:par>
+                      </p:childTnLst>
+                    </p:cTn>
+                  </p:par>
+                  <p:par>
+                    <p:cTn id="7" fill="hold">
+                      <p:stCondLst>
+                        <p:cond delay="indefinite"/>
+                      </p:stCondLst>
+                      <p:childTnLst>
+                        <p:par>
+                          <p:cTn id="8" fill="hold">
+                            <p:stCondLst>
+                              <p:cond delay="0"/>
+                            </p:stCondLst>
+                            <p:childTnLst>
+                              <p:par>
+                                <p:cTn id="9" presetID="1" presetClass="entr" presetSubtype="0" fill="hold" nodeType="clickEffect">
+                                  <p:stCondLst>
+                                    <p:cond delay="0"/>
+                                  </p:stCondLst>
+                                  <p:childTnLst>
+                                    <p:set>
+                                      <p:cBhvr>
+                                        <p:cTn id="10" dur="1" fill="hold">
+                                          <p:stCondLst>
+                                            <p:cond delay="0"/>
+                                          </p:stCondLst>
+                                        </p:cTn>
+                                        <p:tgtEl>
+                                          <p:spTgt spid="6">
+                                            <p:txEl>
+                                              <p:pRg st="1" end="1"/>
+                                            </p:txEl>
+                                          </p:spTgt>
+                                        </p:tgtEl>
+                                        <p:attrNameLst>
+                                          <p:attrName>style.visibility</p:attrName>
+                                        </p:attrNameLst>
+                                      </p:cBhvr>
+                                      <p:to>
+                                        <p:strVal val="visible"/>
+                                      </p:to>
+                                    </p:set>
+                                  </p:childTnLst>
+                                </p:cTn>
+                              </p:par>
+                            </p:childTnLst>
+                          </p:cTn>
+                        </p:par>
+                      </p:childTnLst>
+                    </p:cTn>
+                  </p:par>
+                  <p:par>
+                    <p:cTn id="11" fill="hold">
+                      <p:stCondLst>
+                        <p:cond delay="indefinite"/>
+                      </p:stCondLst>
+                      <p:childTnLst>
+                        <p:par>
+                          <p:cTn id="12" fill="hold">
+                            <p:stCondLst>
+                              <p:cond delay="0"/>
+                            </p:stCondLst>
+                            <p:childTnLst>
+                              <p:par>
+                                <p:cTn id="13" presetID="1" presetClass="entr" presetSubtype="0" fill="hold" nodeType="clickEffect">
+                                  <p:stCondLst>
+                                    <p:cond delay="0"/>
+                                  </p:stCondLst>
+                                  <p:childTnLst>
+                                    <p:set>
+                                      <p:cBhvr>
+                                        <p:cTn id="14" dur="1" fill="hold">
+                                          <p:stCondLst>
+                                            <p:cond delay="0"/>
+                                          </p:stCondLst>
+                                        </p:cTn>
+                                        <p:tgtEl>
+                                          <p:spTgt spid="6">
+                                            <p:txEl>
+                                              <p:pRg st="2" end="2"/>
+                                            </p:txEl>
+                                          </p:spTgt>
+                                        </p:tgtEl>
+                                        <p:attrNameLst>
+                                          <p:attrName>style.visibility</p:attrName>
+                                        </p:attrNameLst>
+                                      </p:cBhvr>
+                                      <p:to>
+                                        <p:strVal val="visible"/>
+                                      </p:to>
+                                    </p:set>
+                                  </p:childTnLst>
+                                </p:cTn>
+                              </p:par>
+                            </p:childTnLst>
+                          </p:cTn>
+                        </p:par>
+                      </p:childTnLst>
+                    </p:cTn>
+                  </p:par>
+                </p:childTnLst>
+              </p:cTn>
+              <p:prevCondLst>
+                <p:cond evt="onPrev" delay="0">
+                  <p:tgtEl>
+                    <p:sldTgt/>
+                  </p:tgtEl>
+                </p:cond>
+              </p:prevCondLst>
+              <p:nextCondLst>
+                <p:cond evt="onNext" delay="0">
+                  <p:tgtEl>
+                    <p:sldTgt/>
+                  </p:tgtEl>
+                </p:cond>
+              </p:nextCondLst>
+            </p:seq>
+          </p:childTnLst>
+        </p:cTn>
+      </p:par>
+    </p:tnLst>
+  </p:timing>
+</p:sld>
+</file>
+
+<file path=ppt/slides/slide3.xml><?xml version="1.0" encoding="utf-8"?>
+<p:sld xmlns:a="http://schemas.openxmlformats.org/drawingml/2006/main" xmlns:r="http://schemas.openxmlformats.org/officeDocument/2006/relationships" xmlns:p="http://schemas.openxmlformats.org/presentationml/2006/main">
+  <p:cSld>
+    <p:spTree>
+      <p:nvGrpSpPr>
+        <p:cNvPr id="1" name=""/>
+        <p:cNvGrpSpPr/>
+        <p:nvPr/>
+      </p:nvGrpSpPr>
+      <p:grpSpPr>
+        <a:xfrm>
+          <a:off x="0" y="0"/>
+          <a:ext cx="0" cy="0"/>
+          <a:chOff x="0" y="0"/>
+          <a:chExt cx="0" cy="0"/>
+        </a:xfrm>
+      </p:grpSpPr>
+      <p:sp>
+        <p:nvSpPr>
+          <p:cNvPr id="5" name="Title 4">
+            <a:extLst>
+              <a:ext uri="{FF2B5EF4-FFF2-40B4-BE49-F238E27FC236}">
+                <a16:creationId xmlns:a16="http://schemas.microsoft.com/office/drawing/2014/main" id="{506ED288-F95E-4482-ACC3-2A668A17A2AC}"/>
+              </a:ext>
+            </a:extLst>
+          </p:cNvPr>
+          <p:cNvSpPr>
+            <a:spLocks noGrp="1"/>
+          </p:cNvSpPr>
+          <p:nvPr>
+            <p:ph type="title" idx="4294967295"/>
+          </p:nvPr>
+        </p:nvSpPr>
+        <p:spPr>
+          <a:xfrm>
+            <a:off x="628650" y="1123950"/>
+            <a:ext cx="7886700" cy="1181100"/>
+          </a:xfrm>
+        </p:spPr>
+        <p:txBody>
+          <a:bodyPr>
+            <a:normAutofit fontScale="90000"/>
+          </a:bodyPr>
+          <a:lstStyle/>
+          <a:p>
+            <a:r>
+              <a:rPr lang="en-GB" dirty="0">
+                <a:latin typeface="Arial" panose="020B0604020202020204" pitchFamily="34" charset="0"/>
+                <a:ea typeface="Calibri" panose="020F0502020204030204" pitchFamily="34" charset="0"/>
+                <a:cs typeface="Arial" panose="020B0604020202020204" pitchFamily="34" charset="0"/>
+              </a:rPr>
+              <a:t>There’s a dichotomy in demand</a:t>
+            </a:r>
+            <a:br>
+              <a:rPr lang="en-GB" dirty="0">
+                <a:latin typeface="Arial" panose="020B0604020202020204" pitchFamily="34" charset="0"/>
+                <a:ea typeface="Calibri" panose="020F0502020204030204" pitchFamily="34" charset="0"/>
+                <a:cs typeface="Arial" panose="020B0604020202020204" pitchFamily="34" charset="0"/>
+              </a:rPr>
+            </a:br>
+            <a:endParaRPr lang="en-GB" dirty="0"/>
+          </a:p>
+        </p:txBody>
+      </p:sp>
+      <p:sp>
+        <p:nvSpPr>
+          <p:cNvPr id="6" name="Content Placeholder 5">
+            <a:extLst>
+              <a:ext uri="{FF2B5EF4-FFF2-40B4-BE49-F238E27FC236}">
+                <a16:creationId xmlns:a16="http://schemas.microsoft.com/office/drawing/2014/main" id="{A7C9A981-921C-4A39-B055-8674D74F8734}"/>
+              </a:ext>
+            </a:extLst>
+          </p:cNvPr>
+          <p:cNvSpPr>
+            <a:spLocks noGrp="1"/>
+          </p:cNvSpPr>
+          <p:nvPr>
+            <p:ph idx="1"/>
+          </p:nvPr>
+        </p:nvSpPr>
+        <p:spPr/>
+        <p:txBody>
+          <a:bodyPr>
+            <a:normAutofit fontScale="92500" lnSpcReduction="20000"/>
+          </a:bodyPr>
+          <a:lstStyle/>
+          <a:p>
+            <a:pPr marL="457200" indent="-457200"/>
+            <a:r>
+              <a:rPr lang="en-GB" dirty="0">
+                <a:latin typeface="Arial" panose="020B0604020202020204" pitchFamily="34" charset="0"/>
+                <a:ea typeface="Calibri" panose="020F0502020204030204" pitchFamily="34" charset="0"/>
+                <a:cs typeface="Arial" panose="020B0604020202020204" pitchFamily="34" charset="0"/>
+              </a:rPr>
+              <a:t>Cybersecurity specialists: many estimates of the size of the shortage, but always huge</a:t>
+            </a:r>
+          </a:p>
+          <a:p>
+            <a:pPr marL="457200" indent="-457200"/>
+            <a:r>
+              <a:rPr lang="en-GB" dirty="0">
+                <a:latin typeface="Arial" panose="020B0604020202020204" pitchFamily="34" charset="0"/>
+                <a:ea typeface="Calibri" panose="020F0502020204030204" pitchFamily="34" charset="0"/>
+                <a:cs typeface="Arial" panose="020B0604020202020204" pitchFamily="34" charset="0"/>
+              </a:rPr>
+              <a:t>The “generalist” programmer, designer etc. needs to know “some Cybersecurity” (recognised in ACM 2013 and BCS </a:t>
+            </a:r>
+            <a:r>
+              <a:rPr lang="en-GB" dirty="0" smtClean="0">
+                <a:latin typeface="Arial" panose="020B0604020202020204" pitchFamily="34" charset="0"/>
+                <a:ea typeface="Calibri" panose="020F0502020204030204" pitchFamily="34" charset="0"/>
+                <a:cs typeface="Arial" panose="020B0604020202020204" pitchFamily="34" charset="0"/>
+              </a:rPr>
+              <a:t>equivalent)</a:t>
+            </a:r>
+          </a:p>
+          <a:p>
+            <a:pPr marL="457200" indent="-457200"/>
+            <a:r>
+              <a:rPr lang="en-GB" dirty="0" smtClean="0">
+                <a:latin typeface="Arial" panose="020B0604020202020204" pitchFamily="34" charset="0"/>
+                <a:ea typeface="Calibri" panose="020F0502020204030204" pitchFamily="34" charset="0"/>
+                <a:cs typeface="Arial" panose="020B0604020202020204" pitchFamily="34" charset="0"/>
+              </a:rPr>
+              <a:t>Note </a:t>
+            </a:r>
+            <a:r>
+              <a:rPr lang="en-GB" dirty="0">
+                <a:latin typeface="Arial" panose="020B0604020202020204" pitchFamily="34" charset="0"/>
+                <a:ea typeface="Calibri" panose="020F0502020204030204" pitchFamily="34" charset="0"/>
+                <a:cs typeface="Arial" panose="020B0604020202020204" pitchFamily="34" charset="0"/>
+              </a:rPr>
+              <a:t>that there’s a limit to the mess that a Cybersecurity expert can clean up retrospectively: </a:t>
+            </a:r>
+          </a:p>
+          <a:p>
+            <a:pPr marL="457200" indent="-457200">
+              <a:buFont typeface="Wingdings" panose="05000000000000000000" pitchFamily="2" charset="2"/>
+              <a:buChar char="ü"/>
+            </a:pPr>
+            <a:r>
+              <a:rPr lang="en-GB" dirty="0">
+                <a:latin typeface="Arial" panose="020B0604020202020204" pitchFamily="34" charset="0"/>
+                <a:ea typeface="Calibri" panose="020F0502020204030204" pitchFamily="34" charset="0"/>
+                <a:cs typeface="Arial" panose="020B0604020202020204" pitchFamily="34" charset="0"/>
+              </a:rPr>
+              <a:t>check for buffer overflows and certain leakages</a:t>
+            </a:r>
+          </a:p>
+          <a:p>
+            <a:pPr marL="0" indent="0">
+              <a:buNone/>
+            </a:pPr>
+            <a:r>
+              <a:rPr lang="en-GB" dirty="0">
+                <a:latin typeface="Arial" panose="020B0604020202020204" pitchFamily="34" charset="0"/>
+                <a:ea typeface="Calibri" panose="020F0502020204030204" pitchFamily="34" charset="0"/>
+                <a:cs typeface="Arial" panose="020B0604020202020204" pitchFamily="34" charset="0"/>
+              </a:rPr>
+              <a:t>X  fix bad design decisions (no framework to check for CSRF; unencrypted passwords, logging in the wrong place [Facebook!] etc.)</a:t>
+            </a:r>
+          </a:p>
+          <a:p>
+            <a:endParaRPr lang="en-GB" dirty="0"/>
+          </a:p>
+        </p:txBody>
+      </p:sp>
+    </p:spTree>
+    <p:extLst>
+      <p:ext uri="{BB962C8B-B14F-4D97-AF65-F5344CB8AC3E}">
+        <p14:creationId xmlns:p14="http://schemas.microsoft.com/office/powerpoint/2010/main" val="527306411"/>
+      </p:ext>
+    </p:extLst>
+  </p:cSld>
+  <p:clrMapOvr>
+    <a:masterClrMapping/>
+  </p:clrMapOvr>
+  <p:timing>
+    <p:tnLst>
+      <p:par>
+        <p:cTn id="1" dur="indefinite" restart="never" nodeType="tmRoot">
+          <p:childTnLst>
+            <p:seq concurrent="1" nextAc="seek">
+              <p:cTn id="2" dur="indefinite" nodeType="mainSeq">
+                <p:childTnLst>
+                  <p:par>
+                    <p:cTn id="3" fill="hold">
+                      <p:stCondLst>
+                        <p:cond delay="indefinite"/>
+                      </p:stCondLst>
+                      <p:childTnLst>
+                        <p:par>
+                          <p:cTn id="4" fill="hold">
+                            <p:stCondLst>
+                              <p:cond delay="0"/>
+                            </p:stCondLst>
+                            <p:childTnLst>
+                              <p:par>
+                                <p:cTn id="5" presetID="1" presetClass="entr" presetSubtype="0" fill="hold" nodeType="clickEffect">
+                                  <p:stCondLst>
+                                    <p:cond delay="0"/>
+                                  </p:stCondLst>
+                                  <p:childTnLst>
+                                    <p:set>
+                                      <p:cBhvr>
+                                        <p:cTn id="6" dur="1" fill="hold">
+                                          <p:stCondLst>
+                                            <p:cond delay="0"/>
+                                          </p:stCondLst>
+                                        </p:cTn>
+                                        <p:tgtEl>
+                                          <p:spTgt spid="6">
+                                            <p:txEl>
+                                              <p:pRg st="0" end="0"/>
+                                            </p:txEl>
+                                          </p:spTgt>
+                                        </p:tgtEl>
+                                        <p:attrNameLst>
+                                          <p:attrName>style.visibility</p:attrName>
+                                        </p:attrNameLst>
+                                      </p:cBhvr>
+                                      <p:to>
+                                        <p:strVal val="visible"/>
+                                      </p:to>
+                                    </p:set>
+                                  </p:childTnLst>
+                                </p:cTn>
+                              </p:par>
+                            </p:childTnLst>
+                          </p:cTn>
+                        </p:par>
+                      </p:childTnLst>
+                    </p:cTn>
+                  </p:par>
+                  <p:par>
+                    <p:cTn id="7" fill="hold">
+                      <p:stCondLst>
+                        <p:cond delay="indefinite"/>
+                      </p:stCondLst>
+                      <p:childTnLst>
+                        <p:par>
+                          <p:cTn id="8" fill="hold">
+                            <p:stCondLst>
+                              <p:cond delay="0"/>
+                            </p:stCondLst>
+                            <p:childTnLst>
+                              <p:par>
+                                <p:cTn id="9" presetID="1" presetClass="entr" presetSubtype="0" fill="hold" nodeType="clickEffect">
+                                  <p:stCondLst>
+                                    <p:cond delay="0"/>
+                                  </p:stCondLst>
+                                  <p:childTnLst>
+                                    <p:set>
+                                      <p:cBhvr>
+                                        <p:cTn id="10" dur="1" fill="hold">
+                                          <p:stCondLst>
+                                            <p:cond delay="0"/>
+                                          </p:stCondLst>
+                                        </p:cTn>
+                                        <p:tgtEl>
+                                          <p:spTgt spid="6">
+                                            <p:txEl>
+                                              <p:pRg st="1" end="1"/>
+                                            </p:txEl>
+                                          </p:spTgt>
+                                        </p:tgtEl>
+                                        <p:attrNameLst>
+                                          <p:attrName>style.visibility</p:attrName>
+                                        </p:attrNameLst>
+                                      </p:cBhvr>
+                                      <p:to>
+                                        <p:strVal val="visible"/>
+                                      </p:to>
+                                    </p:set>
+                                  </p:childTnLst>
+                                </p:cTn>
+                              </p:par>
+                            </p:childTnLst>
+                          </p:cTn>
+                        </p:par>
+                      </p:childTnLst>
+                    </p:cTn>
+                  </p:par>
+                  <p:par>
+                    <p:cTn id="11" fill="hold">
+                      <p:stCondLst>
+                        <p:cond delay="indefinite"/>
+                      </p:stCondLst>
+                      <p:childTnLst>
+                        <p:par>
+                          <p:cTn id="12" fill="hold">
+                            <p:stCondLst>
+                              <p:cond delay="0"/>
+                            </p:stCondLst>
+                            <p:childTnLst>
+                              <p:par>
+                                <p:cTn id="13" presetID="1" presetClass="entr" presetSubtype="0" fill="hold" nodeType="clickEffect">
+                                  <p:stCondLst>
+                                    <p:cond delay="0"/>
+                                  </p:stCondLst>
+                                  <p:childTnLst>
+                                    <p:set>
+                                      <p:cBhvr>
+                                        <p:cTn id="14" dur="1" fill="hold">
+                                          <p:stCondLst>
+                                            <p:cond delay="0"/>
+                                          </p:stCondLst>
+                                        </p:cTn>
+                                        <p:tgtEl>
+                                          <p:spTgt spid="6">
+                                            <p:txEl>
+                                              <p:pRg st="2" end="2"/>
+                                            </p:txEl>
+                                          </p:spTgt>
+                                        </p:tgtEl>
+                                        <p:attrNameLst>
+                                          <p:attrName>style.visibility</p:attrName>
+                                        </p:attrNameLst>
+                                      </p:cBhvr>
+                                      <p:to>
+                                        <p:strVal val="visible"/>
+                                      </p:to>
+                                    </p:set>
+                                  </p:childTnLst>
+                                </p:cTn>
+                              </p:par>
+                              <p:par>
+                                <p:cTn id="15" presetID="1" presetClass="entr" presetSubtype="0" fill="hold" nodeType="withEffect">
+                                  <p:stCondLst>
+                                    <p:cond delay="0"/>
+                                  </p:stCondLst>
+                                  <p:childTnLst>
+                                    <p:set>
+                                      <p:cBhvr>
+                                        <p:cTn id="16" dur="1" fill="hold">
+                                          <p:stCondLst>
+                                            <p:cond delay="0"/>
+                                          </p:stCondLst>
+                                        </p:cTn>
+                                        <p:tgtEl>
+                                          <p:spTgt spid="6">
+                                            <p:txEl>
+                                              <p:pRg st="3" end="3"/>
+                                            </p:txEl>
+                                          </p:spTgt>
+                                        </p:tgtEl>
+                                        <p:attrNameLst>
+                                          <p:attrName>style.visibility</p:attrName>
+                                        </p:attrNameLst>
+                                      </p:cBhvr>
+                                      <p:to>
+                                        <p:strVal val="visible"/>
+                                      </p:to>
+                                    </p:set>
+                                  </p:childTnLst>
+                                </p:cTn>
+                              </p:par>
+                              <p:par>
+                                <p:cTn id="17" presetID="1" presetClass="entr" presetSubtype="0" fill="hold" nodeType="withEffect">
+                                  <p:stCondLst>
+                                    <p:cond delay="0"/>
+                                  </p:stCondLst>
+                                  <p:childTnLst>
+                                    <p:set>
+                                      <p:cBhvr>
+                                        <p:cTn id="18" dur="1" fill="hold">
+                                          <p:stCondLst>
+                                            <p:cond delay="0"/>
+                                          </p:stCondLst>
+                                        </p:cTn>
+                                        <p:tgtEl>
+                                          <p:spTgt spid="6">
+                                            <p:txEl>
+                                              <p:pRg st="4" end="4"/>
+                                            </p:txEl>
+                                          </p:spTgt>
+                                        </p:tgtEl>
+                                        <p:attrNameLst>
+                                          <p:attrName>style.visibility</p:attrName>
+                                        </p:attrNameLst>
+                                      </p:cBhvr>
+                                      <p:to>
+                                        <p:strVal val="visible"/>
+                                      </p:to>
+                                    </p:set>
+                                  </p:childTnLst>
+                                </p:cTn>
+                              </p:par>
+                            </p:childTnLst>
+                          </p:cTn>
+                        </p:par>
+                      </p:childTnLst>
+                    </p:cTn>
+                  </p:par>
+                </p:childTnLst>
+              </p:cTn>
+              <p:prevCondLst>
+                <p:cond evt="onPrev" delay="0">
+                  <p:tgtEl>
+                    <p:sldTgt/>
+                  </p:tgtEl>
+                </p:cond>
+              </p:prevCondLst>
+              <p:nextCondLst>
+                <p:cond evt="onNext" delay="0">
+                  <p:tgtEl>
+                    <p:sldTgt/>
+                  </p:tgtEl>
+                </p:cond>
+              </p:nextCondLst>
+            </p:seq>
+          </p:childTnLst>
+        </p:cTn>
+      </p:par>
+    </p:tnLst>
+  </p:timing>
+</p:sld>
+</file>
+
+<file path=ppt/slides/slide4.xml><?xml version="1.0" encoding="utf-8"?>
+<p:sld xmlns:a="http://schemas.openxmlformats.org/drawingml/2006/main" xmlns:r="http://schemas.openxmlformats.org/officeDocument/2006/relationships" xmlns:p="http://schemas.openxmlformats.org/presentationml/2006/main">
+  <p:cSld>
+    <p:spTree>
+      <p:nvGrpSpPr>
+        <p:cNvPr id="1" name=""/>
+        <p:cNvGrpSpPr/>
+        <p:nvPr/>
+      </p:nvGrpSpPr>
+      <p:grpSpPr>
+        <a:xfrm>
+          <a:off x="0" y="0"/>
+          <a:ext cx="0" cy="0"/>
+          <a:chOff x="0" y="0"/>
+          <a:chExt cx="0" cy="0"/>
+        </a:xfrm>
+      </p:grpSpPr>
+      <p:sp>
+        <p:nvSpPr>
+          <p:cNvPr id="5" name="Title 4">
+            <a:extLst>
+              <a:ext uri="{FF2B5EF4-FFF2-40B4-BE49-F238E27FC236}">
+                <a16:creationId xmlns:a16="http://schemas.microsoft.com/office/drawing/2014/main" id="{86643057-827F-457F-A227-84025EB79F30}"/>
+              </a:ext>
+            </a:extLst>
+          </p:cNvPr>
+          <p:cNvSpPr>
+            <a:spLocks noGrp="1"/>
+          </p:cNvSpPr>
+          <p:nvPr>
+            <p:ph type="title" idx="4294967295"/>
+          </p:nvPr>
+        </p:nvSpPr>
+        <p:spPr>
+          <a:xfrm>
+            <a:off x="199505" y="365126"/>
+            <a:ext cx="8315845" cy="711199"/>
+          </a:xfrm>
+        </p:spPr>
+        <p:txBody>
+          <a:bodyPr/>
+          <a:lstStyle/>
+          <a:p>
+            <a:r>
+              <a:rPr lang="en-GB" dirty="0">
+                <a:solidFill>
+                  <a:schemeClr val="bg1"/>
+                </a:solidFill>
+              </a:rPr>
+              <a:t>Educational Resources</a:t>
+            </a:r>
+          </a:p>
+        </p:txBody>
+      </p:sp>
+      <p:sp>
+        <p:nvSpPr>
+          <p:cNvPr id="6" name="Content Placeholder 5">
+            <a:extLst>
+              <a:ext uri="{FF2B5EF4-FFF2-40B4-BE49-F238E27FC236}">
+                <a16:creationId xmlns:a16="http://schemas.microsoft.com/office/drawing/2014/main" id="{6985DED2-45BD-493D-A4DA-7348129C6C43}"/>
+              </a:ext>
+            </a:extLst>
+          </p:cNvPr>
+          <p:cNvSpPr>
+            <a:spLocks noGrp="1"/>
+          </p:cNvSpPr>
+          <p:nvPr>
+            <p:ph idx="1"/>
+          </p:nvPr>
+        </p:nvSpPr>
+        <p:spPr/>
+        <p:txBody>
+          <a:bodyPr/>
+          <a:lstStyle/>
+          <a:p>
+            <a:pPr marL="0" indent="0">
+              <a:buNone/>
+            </a:pPr>
+            <a:r>
+              <a:rPr lang="en-GB" dirty="0"/>
+              <a:t>Case Study: SQL </a:t>
+            </a:r>
+            <a:r>
+              <a:rPr lang="en-GB" dirty="0" smtClean="0"/>
+              <a:t>Injection[1]</a:t>
+            </a:r>
+            <a:endParaRPr lang="en-GB" dirty="0"/>
+          </a:p>
+          <a:p>
+            <a:r>
+              <a:rPr lang="en-GB" dirty="0"/>
+              <a:t>A study of the 7 database textbooks used by 44 of the top 50 US departments.</a:t>
+            </a:r>
+          </a:p>
+          <a:p>
+            <a:r>
+              <a:rPr lang="en-GB" dirty="0"/>
+              <a:t>5 had no mention of the SQL Injection, which is #1 in the OWASP “Top 10” list of weaknesses, and the cause of many current breaches</a:t>
+            </a:r>
+          </a:p>
+          <a:p>
+            <a:r>
+              <a:rPr lang="en-GB" dirty="0"/>
+              <a:t>Of the two that did, the discussion in the more popular one was seriously flawed</a:t>
+            </a:r>
+          </a:p>
+        </p:txBody>
+      </p:sp>
+    </p:spTree>
+    <p:extLst>
+      <p:ext uri="{BB962C8B-B14F-4D97-AF65-F5344CB8AC3E}">
+        <p14:creationId xmlns:p14="http://schemas.microsoft.com/office/powerpoint/2010/main" val="2688835129"/>
+      </p:ext>
+    </p:extLst>
+  </p:cSld>
+  <p:clrMapOvr>
+    <a:masterClrMapping/>
+  </p:clrMapOvr>
+  <p:timing>
+    <p:tnLst>
+      <p:par>
+        <p:cTn id="1" dur="indefinite" restart="never" nodeType="tmRoot">
+          <p:childTnLst>
+            <p:seq concurrent="1" nextAc="seek">
+              <p:cTn id="2" dur="indefinite" nodeType="mainSeq">
+                <p:childTnLst>
+                  <p:par>
+                    <p:cTn id="3" fill="hold">
+                      <p:stCondLst>
+                        <p:cond delay="indefinite"/>
+                      </p:stCondLst>
+                      <p:childTnLst>
+                        <p:par>
+                          <p:cTn id="4" fill="hold">
+                            <p:stCondLst>
+                              <p:cond delay="0"/>
+                            </p:stCondLst>
+                            <p:childTnLst>
+                              <p:par>
+                                <p:cTn id="5" presetID="1" presetClass="entr" presetSubtype="0" fill="hold" nodeType="clickEffect">
+                                  <p:stCondLst>
+                                    <p:cond delay="0"/>
+                                  </p:stCondLst>
+                                  <p:childTnLst>
+                                    <p:set>
+                                      <p:cBhvr>
+                                        <p:cTn id="6" dur="1" fill="hold">
+                                          <p:stCondLst>
+                                            <p:cond delay="0"/>
+                                          </p:stCondLst>
+                                        </p:cTn>
+                                        <p:tgtEl>
+                                          <p:spTgt spid="6">
+                                            <p:txEl>
+                                              <p:pRg st="1" end="1"/>
+                                            </p:txEl>
+                                          </p:spTgt>
+                                        </p:tgtEl>
+                                        <p:attrNameLst>
+                                          <p:attrName>style.visibility</p:attrName>
+                                        </p:attrNameLst>
+                                      </p:cBhvr>
+                                      <p:to>
+                                        <p:strVal val="visible"/>
+                                      </p:to>
+                                    </p:set>
+                                  </p:childTnLst>
+                                </p:cTn>
+                              </p:par>
+                            </p:childTnLst>
+                          </p:cTn>
+                        </p:par>
+                      </p:childTnLst>
+                    </p:cTn>
+                  </p:par>
+                  <p:par>
+                    <p:cTn id="7" fill="hold">
+                      <p:stCondLst>
+                        <p:cond delay="indefinite"/>
+                      </p:stCondLst>
+                      <p:childTnLst>
+                        <p:par>
+                          <p:cTn id="8" fill="hold">
+                            <p:stCondLst>
+                              <p:cond delay="0"/>
+                            </p:stCondLst>
+                            <p:childTnLst>
+                              <p:par>
+                                <p:cTn id="9" presetID="1" presetClass="entr" presetSubtype="0" fill="hold" nodeType="clickEffect">
+                                  <p:stCondLst>
+                                    <p:cond delay="0"/>
+                                  </p:stCondLst>
+                                  <p:childTnLst>
+                                    <p:set>
+                                      <p:cBhvr>
+                                        <p:cTn id="10" dur="1" fill="hold">
+                                          <p:stCondLst>
+                                            <p:cond delay="0"/>
+                                          </p:stCondLst>
+                                        </p:cTn>
+                                        <p:tgtEl>
+                                          <p:spTgt spid="6">
+                                            <p:txEl>
+                                              <p:pRg st="2" end="2"/>
+                                            </p:txEl>
+                                          </p:spTgt>
+                                        </p:tgtEl>
+                                        <p:attrNameLst>
+                                          <p:attrName>style.visibility</p:attrName>
+                                        </p:attrNameLst>
+                                      </p:cBhvr>
+                                      <p:to>
+                                        <p:strVal val="visible"/>
+                                      </p:to>
+                                    </p:set>
+                                  </p:childTnLst>
+                                </p:cTn>
+                              </p:par>
+                            </p:childTnLst>
+                          </p:cTn>
+                        </p:par>
+                      </p:childTnLst>
+                    </p:cTn>
+                  </p:par>
+                  <p:par>
+                    <p:cTn id="11" fill="hold">
+                      <p:stCondLst>
+                        <p:cond delay="indefinite"/>
+                      </p:stCondLst>
+                      <p:childTnLst>
+                        <p:par>
+                          <p:cTn id="12" fill="hold">
+                            <p:stCondLst>
+                              <p:cond delay="0"/>
+                            </p:stCondLst>
+                            <p:childTnLst>
+                              <p:par>
+                                <p:cTn id="13" presetID="1" presetClass="entr" presetSubtype="0" fill="hold" nodeType="clickEffect">
+                                  <p:stCondLst>
+                                    <p:cond delay="0"/>
+                                  </p:stCondLst>
+                                  <p:childTnLst>
+                                    <p:set>
+                                      <p:cBhvr>
+                                        <p:cTn id="14" dur="1" fill="hold">
+                                          <p:stCondLst>
+                                            <p:cond delay="0"/>
+                                          </p:stCondLst>
+                                        </p:cTn>
+                                        <p:tgtEl>
+                                          <p:spTgt spid="6">
+                                            <p:txEl>
+                                              <p:pRg st="3" end="3"/>
+                                            </p:txEl>
+                                          </p:spTgt>
+                                        </p:tgtEl>
+                                        <p:attrNameLst>
+                                          <p:attrName>style.visibility</p:attrName>
+                                        </p:attrNameLst>
+                                      </p:cBhvr>
+                                      <p:to>
+                                        <p:strVal val="visible"/>
+                                      </p:to>
+                                    </p:set>
+                                  </p:childTnLst>
+                                </p:cTn>
+                              </p:par>
+                            </p:childTnLst>
+                          </p:cTn>
+                        </p:par>
+                      </p:childTnLst>
+                    </p:cTn>
+                  </p:par>
+                </p:childTnLst>
+              </p:cTn>
+              <p:prevCondLst>
+                <p:cond evt="onPrev" delay="0">
+                  <p:tgtEl>
+                    <p:sldTgt/>
+                  </p:tgtEl>
+                </p:cond>
+              </p:prevCondLst>
+              <p:nextCondLst>
+                <p:cond evt="onNext" delay="0">
+                  <p:tgtEl>
+                    <p:sldTgt/>
+                  </p:tgtEl>
+                </p:cond>
+              </p:nextCondLst>
+            </p:seq>
+          </p:childTnLst>
+        </p:cTn>
+      </p:par>
+    </p:tnLst>
+  </p:timing>
+</p:sld>
+</file>
+
+<file path=ppt/slides/slide5.xml><?xml version="1.0" encoding="utf-8"?>
+<p:sld xmlns:a="http://schemas.openxmlformats.org/drawingml/2006/main" xmlns:r="http://schemas.openxmlformats.org/officeDocument/2006/relationships" xmlns:p="http://schemas.openxmlformats.org/presentationml/2006/main">
+  <p:cSld>
+    <p:spTree>
+      <p:nvGrpSpPr>
+        <p:cNvPr id="1" name=""/>
+        <p:cNvGrpSpPr/>
+        <p:nvPr/>
+      </p:nvGrpSpPr>
+      <p:grpSpPr>
+        <a:xfrm>
+          <a:off x="0" y="0"/>
+          <a:ext cx="0" cy="0"/>
+          <a:chOff x="0" y="0"/>
+          <a:chExt cx="0" cy="0"/>
+        </a:xfrm>
+      </p:grpSpPr>
+      <p:sp>
+        <p:nvSpPr>
+          <p:cNvPr id="5" name="Title 4">
+            <a:extLst>
+              <a:ext uri="{FF2B5EF4-FFF2-40B4-BE49-F238E27FC236}">
+                <a16:creationId xmlns:a16="http://schemas.microsoft.com/office/drawing/2014/main" id="{86643057-827F-457F-A227-84025EB79F30}"/>
+              </a:ext>
+            </a:extLst>
+          </p:cNvPr>
+          <p:cNvSpPr>
+            <a:spLocks noGrp="1"/>
+          </p:cNvSpPr>
+          <p:nvPr>
+            <p:ph type="title" idx="4294967295"/>
+          </p:nvPr>
+        </p:nvSpPr>
+        <p:spPr>
+          <a:xfrm>
+            <a:off x="628650" y="365126"/>
+            <a:ext cx="7886700" cy="711199"/>
+          </a:xfrm>
+        </p:spPr>
+        <p:txBody>
+          <a:bodyPr/>
+          <a:lstStyle/>
+          <a:p>
+            <a:r>
+              <a:rPr lang="en-GB" dirty="0">
+                <a:solidFill>
+                  <a:schemeClr val="bg1"/>
+                </a:solidFill>
+              </a:rPr>
+              <a:t>Educational Resources</a:t>
+            </a:r>
+          </a:p>
+        </p:txBody>
+      </p:sp>
+      <p:sp>
+        <p:nvSpPr>
+          <p:cNvPr id="6" name="Content Placeholder 5">
+            <a:extLst>
+              <a:ext uri="{FF2B5EF4-FFF2-40B4-BE49-F238E27FC236}">
+                <a16:creationId xmlns:a16="http://schemas.microsoft.com/office/drawing/2014/main" id="{6985DED2-45BD-493D-A4DA-7348129C6C43}"/>
+              </a:ext>
+            </a:extLst>
+          </p:cNvPr>
+          <p:cNvSpPr>
+            <a:spLocks noGrp="1"/>
+          </p:cNvSpPr>
+          <p:nvPr>
+            <p:ph idx="1"/>
+          </p:nvPr>
+        </p:nvSpPr>
+        <p:spPr/>
+        <p:txBody>
+          <a:bodyPr/>
+          <a:lstStyle/>
+          <a:p>
+            <a:pPr marL="0" indent="0">
+              <a:buNone/>
+            </a:pPr>
+            <a:r>
+              <a:rPr lang="en-GB" dirty="0"/>
+              <a:t>Case Study: </a:t>
+            </a:r>
+            <a:r>
+              <a:rPr lang="en-GB" dirty="0" smtClean="0"/>
+              <a:t>Java[2]</a:t>
+            </a:r>
+            <a:endParaRPr lang="en-GB" dirty="0"/>
+          </a:p>
+          <a:p>
+            <a:r>
+              <a:rPr lang="en-GB" dirty="0"/>
+              <a:t>Many Java textbooks go nowhere near security applications (credit card processing, username/ password handling etc.) despite their ubiquity</a:t>
+            </a:r>
+          </a:p>
+          <a:p>
+            <a:r>
+              <a:rPr lang="en-GB" dirty="0"/>
+              <a:t>The documentation of the APIs for the various packages tend to assume that the reader knows the basics, and wants to use </a:t>
+            </a:r>
+            <a:r>
+              <a:rPr lang="en-GB" i="1" dirty="0"/>
+              <a:t>this</a:t>
+            </a:r>
+            <a:r>
+              <a:rPr lang="en-GB" dirty="0"/>
+              <a:t> API.</a:t>
+            </a:r>
+          </a:p>
+          <a:p>
+            <a:r>
+              <a:rPr lang="en-GB" dirty="0"/>
+              <a:t>Hence the novice programmer is driven back to informal resources.</a:t>
+            </a:r>
+          </a:p>
+        </p:txBody>
+      </p:sp>
+    </p:spTree>
+    <p:extLst>
+      <p:ext uri="{BB962C8B-B14F-4D97-AF65-F5344CB8AC3E}">
+        <p14:creationId xmlns:p14="http://schemas.microsoft.com/office/powerpoint/2010/main" val="627488028"/>
+      </p:ext>
+    </p:extLst>
+  </p:cSld>
+  <p:clrMapOvr>
+    <a:masterClrMapping/>
+  </p:clrMapOvr>
+  <p:timing>
+    <p:tnLst>
+      <p:par>
+        <p:cTn id="1" dur="indefinite" restart="never" nodeType="tmRoot">
+          <p:childTnLst>
+            <p:seq concurrent="1" nextAc="seek">
+              <p:cTn id="2" dur="indefinite" nodeType="mainSeq">
+                <p:childTnLst>
+                  <p:par>
+                    <p:cTn id="3" fill="hold">
+                      <p:stCondLst>
+                        <p:cond delay="indefinite"/>
+                        <p:cond evt="onBegin" delay="0">
+                          <p:tn val="2"/>
+                        </p:cond>
+                      </p:stCondLst>
+                      <p:childTnLst>
+                        <p:par>
+                          <p:cTn id="4" fill="hold">
+                            <p:stCondLst>
+                              <p:cond delay="0"/>
+                            </p:stCondLst>
+                            <p:childTnLst>
+                              <p:par>
+                                <p:cTn id="5" presetID="1" presetClass="entr" presetSubtype="0" fill="hold" nodeType="afterEffect">
+                                  <p:stCondLst>
+                                    <p:cond delay="0"/>
+                                  </p:stCondLst>
+                                  <p:childTnLst>
+                                    <p:set>
+                                      <p:cBhvr>
+                                        <p:cTn id="6" dur="1" fill="hold">
+                                          <p:stCondLst>
+                                            <p:cond delay="0"/>
+                                          </p:stCondLst>
+                                        </p:cTn>
+                                        <p:tgtEl>
+                                          <p:spTgt spid="6">
+                                            <p:txEl>
+                                              <p:pRg st="1" end="1"/>
+                                            </p:txEl>
+                                          </p:spTgt>
+                                        </p:tgtEl>
+                                        <p:attrNameLst>
+                                          <p:attrName>style.visibility</p:attrName>
+                                        </p:attrNameLst>
+                                      </p:cBhvr>
+                                      <p:to>
+                                        <p:strVal val="visible"/>
+                                      </p:to>
+                                    </p:set>
+                                  </p:childTnLst>
+                                </p:cTn>
+                              </p:par>
+                            </p:childTnLst>
+                          </p:cTn>
+                        </p:par>
+                      </p:childTnLst>
+                    </p:cTn>
+                  </p:par>
+                  <p:par>
+                    <p:cTn id="7" fill="hold">
+                      <p:stCondLst>
+                        <p:cond delay="indefinite"/>
+                      </p:stCondLst>
+                      <p:childTnLst>
+                        <p:par>
+                          <p:cTn id="8" fill="hold">
+                            <p:stCondLst>
+                              <p:cond delay="0"/>
+                            </p:stCondLst>
+                            <p:childTnLst>
+                              <p:par>
+                                <p:cTn id="9" presetID="1" presetClass="entr" presetSubtype="0" fill="hold" nodeType="clickEffect">
+                                  <p:stCondLst>
+                                    <p:cond delay="0"/>
+                                  </p:stCondLst>
+                                  <p:childTnLst>
+                                    <p:set>
+                                      <p:cBhvr>
+                                        <p:cTn id="10" dur="1" fill="hold">
+                                          <p:stCondLst>
+                                            <p:cond delay="0"/>
+                                          </p:stCondLst>
+                                        </p:cTn>
+                                        <p:tgtEl>
+                                          <p:spTgt spid="6">
+                                            <p:txEl>
+                                              <p:pRg st="2" end="2"/>
+                                            </p:txEl>
+                                          </p:spTgt>
+                                        </p:tgtEl>
+                                        <p:attrNameLst>
+                                          <p:attrName>style.visibility</p:attrName>
+                                        </p:attrNameLst>
+                                      </p:cBhvr>
+                                      <p:to>
+                                        <p:strVal val="visible"/>
+                                      </p:to>
+                                    </p:set>
+                                  </p:childTnLst>
+                                </p:cTn>
+                              </p:par>
+                            </p:childTnLst>
+                          </p:cTn>
+                        </p:par>
+                      </p:childTnLst>
+                    </p:cTn>
+                  </p:par>
+                  <p:par>
+                    <p:cTn id="11" fill="hold">
+                      <p:stCondLst>
+                        <p:cond delay="indefinite"/>
+                      </p:stCondLst>
+                      <p:childTnLst>
+                        <p:par>
+                          <p:cTn id="12" fill="hold">
+                            <p:stCondLst>
+                              <p:cond delay="0"/>
+                            </p:stCondLst>
+                            <p:childTnLst>
+                              <p:par>
+                                <p:cTn id="13" presetID="1" presetClass="entr" presetSubtype="0" fill="hold" nodeType="clickEffect">
+                                  <p:stCondLst>
+                                    <p:cond delay="0"/>
+                                  </p:stCondLst>
+                                  <p:childTnLst>
+                                    <p:set>
+                                      <p:cBhvr>
+                                        <p:cTn id="14" dur="1" fill="hold">
+                                          <p:stCondLst>
+                                            <p:cond delay="0"/>
+                                          </p:stCondLst>
+                                        </p:cTn>
+                                        <p:tgtEl>
+                                          <p:spTgt spid="6">
+                                            <p:txEl>
+                                              <p:pRg st="3" end="3"/>
+                                            </p:txEl>
+                                          </p:spTgt>
+                                        </p:tgtEl>
+                                        <p:attrNameLst>
+                                          <p:attrName>style.visibility</p:attrName>
+                                        </p:attrNameLst>
+                                      </p:cBhvr>
+                                      <p:to>
+                                        <p:strVal val="visible"/>
+                                      </p:to>
+                                    </p:set>
+                                  </p:childTnLst>
+                                </p:cTn>
+                              </p:par>
+                            </p:childTnLst>
+                          </p:cTn>
+                        </p:par>
+                      </p:childTnLst>
+                    </p:cTn>
+                  </p:par>
+                </p:childTnLst>
+              </p:cTn>
+              <p:prevCondLst>
+                <p:cond evt="onPrev" delay="0">
+                  <p:tgtEl>
+                    <p:sldTgt/>
+                  </p:tgtEl>
+                </p:cond>
+              </p:prevCondLst>
+              <p:nextCondLst>
+                <p:cond evt="onNext" delay="0">
+                  <p:tgtEl>
+                    <p:sldTgt/>
+                  </p:tgtEl>
+                </p:cond>
+              </p:nextCondLst>
+            </p:seq>
+          </p:childTnLst>
+        </p:cTn>
+      </p:par>
+    </p:tnLst>
+  </p:timing>
+</p:sld>
+</file>
+
+<file path=ppt/slides/slide6.xml><?xml version="1.0" encoding="utf-8"?>
+<p:sld xmlns:a="http://schemas.openxmlformats.org/drawingml/2006/main" xmlns:r="http://schemas.openxmlformats.org/officeDocument/2006/relationships" xmlns:p="http://schemas.openxmlformats.org/presentationml/2006/main">
+  <p:cSld>
+    <p:spTree>
+      <p:nvGrpSpPr>
+        <p:cNvPr id="1" name=""/>
+        <p:cNvGrpSpPr/>
+        <p:nvPr/>
+      </p:nvGrpSpPr>
+      <p:grpSpPr>
+        <a:xfrm>
+          <a:off x="0" y="0"/>
+          <a:ext cx="0" cy="0"/>
+          <a:chOff x="0" y="0"/>
+          <a:chExt cx="0" cy="0"/>
+        </a:xfrm>
+      </p:grpSpPr>
+      <p:sp>
+        <p:nvSpPr>
+          <p:cNvPr id="5" name="Title 4">
+            <a:extLst>
+              <a:ext uri="{FF2B5EF4-FFF2-40B4-BE49-F238E27FC236}">
+                <a16:creationId xmlns:a16="http://schemas.microsoft.com/office/drawing/2014/main" id="{BEF9321B-B6A0-4B3A-A7FB-4E079B1F9F0F}"/>
+              </a:ext>
+            </a:extLst>
+          </p:cNvPr>
+          <p:cNvSpPr>
+            <a:spLocks noGrp="1"/>
+          </p:cNvSpPr>
+          <p:nvPr>
+            <p:ph type="title" idx="4294967295"/>
+          </p:nvPr>
+        </p:nvSpPr>
+        <p:spPr>
+          <a:xfrm>
+            <a:off x="628650" y="365126"/>
+            <a:ext cx="7886700" cy="1196973"/>
+          </a:xfrm>
+        </p:spPr>
+        <p:txBody>
+          <a:bodyPr>
+            <a:normAutofit fontScale="90000"/>
+          </a:bodyPr>
+          <a:lstStyle/>
+          <a:p>
+            <a:r>
+              <a:rPr lang="en-GB" dirty="0">
+                <a:solidFill>
+                  <a:schemeClr val="bg1"/>
+                </a:solidFill>
+              </a:rPr>
+              <a:t>Informal Resources</a:t>
+            </a:r>
+            <a:br>
+              <a:rPr lang="en-GB" dirty="0">
+                <a:solidFill>
+                  <a:schemeClr val="bg1"/>
+                </a:solidFill>
+              </a:rPr>
+            </a:br>
+            <a:r>
+              <a:rPr lang="en-GB" dirty="0"/>
+              <a:t>such as </a:t>
+            </a:r>
+            <a:r>
+              <a:rPr lang="en-GB" dirty="0" err="1"/>
+              <a:t>StackOverflow</a:t>
+            </a:r>
+            <a:endParaRPr lang="en-GB" dirty="0">
+              <a:solidFill>
+                <a:schemeClr val="bg1"/>
+              </a:solidFill>
+            </a:endParaRPr>
+          </a:p>
+        </p:txBody>
+      </p:sp>
+      <p:sp>
+        <p:nvSpPr>
+          <p:cNvPr id="6" name="Content Placeholder 5">
+            <a:extLst>
+              <a:ext uri="{FF2B5EF4-FFF2-40B4-BE49-F238E27FC236}">
+                <a16:creationId xmlns:a16="http://schemas.microsoft.com/office/drawing/2014/main" id="{326F654D-8D44-4ABC-93C2-D6D3C223E1F1}"/>
+              </a:ext>
+            </a:extLst>
+          </p:cNvPr>
+          <p:cNvSpPr>
+            <a:spLocks noGrp="1"/>
+          </p:cNvSpPr>
+          <p:nvPr>
+            <p:ph idx="1"/>
+          </p:nvPr>
+        </p:nvSpPr>
+        <p:spPr/>
+        <p:txBody>
+          <a:bodyPr>
+            <a:normAutofit fontScale="92500" lnSpcReduction="10000"/>
+          </a:bodyPr>
+          <a:lstStyle/>
+          <a:p>
+            <a:r>
+              <a:rPr lang="en-GB" dirty="0" smtClean="0"/>
+              <a:t>[3] Focused </a:t>
+            </a:r>
+            <a:r>
+              <a:rPr lang="en-GB" dirty="0"/>
+              <a:t>on functionality and “getting it working”</a:t>
+            </a:r>
+          </a:p>
+          <a:p>
+            <a:r>
+              <a:rPr lang="en-GB" dirty="0"/>
+              <a:t>Consider Cross-Site Request Forgery (CSRF)</a:t>
+            </a:r>
+          </a:p>
+          <a:p>
+            <a:r>
+              <a:rPr lang="en-GB" dirty="0"/>
+              <a:t>By default, Spring protects against this</a:t>
+            </a:r>
+          </a:p>
+          <a:p>
+            <a:r>
+              <a:rPr lang="en-US" dirty="0"/>
+              <a:t>All the accepted answers to CSRF-related failures simply suggested disabling the check, with no comments on the downsides</a:t>
+            </a:r>
+          </a:p>
+          <a:p>
+            <a:r>
+              <a:rPr lang="en-US" dirty="0"/>
+              <a:t>[4] took top 30 tutorials (via Google)</a:t>
+            </a:r>
+          </a:p>
+          <a:p>
+            <a:r>
+              <a:rPr lang="en-US" dirty="0"/>
+              <a:t>6 had SQL Injection weaknesses, 3 CSRF</a:t>
+            </a:r>
+          </a:p>
+          <a:p>
+            <a:r>
+              <a:rPr lang="en-US" dirty="0"/>
+              <a:t>820 instances of these fragments on </a:t>
+            </a:r>
+            <a:r>
+              <a:rPr lang="en-US" dirty="0" err="1"/>
+              <a:t>Github</a:t>
+            </a:r>
+            <a:r>
+              <a:rPr lang="en-US" dirty="0"/>
+              <a:t>, of which 117 were verified manually </a:t>
+            </a:r>
+            <a:r>
+              <a:rPr lang="en-GB" dirty="0"/>
+              <a:t>to be vulnerable</a:t>
+            </a:r>
+          </a:p>
+        </p:txBody>
+      </p:sp>
+    </p:spTree>
+    <p:extLst>
+      <p:ext uri="{BB962C8B-B14F-4D97-AF65-F5344CB8AC3E}">
+        <p14:creationId xmlns:p14="http://schemas.microsoft.com/office/powerpoint/2010/main" val="2614593569"/>
       </p:ext>
     </p:extLst>
   </p:cSld>
@@ -4593,466 +5923,15 @@
                                   </p:childTnLst>
                                 </p:cTn>
                               </p:par>
-                            </p:childTnLst>
-                          </p:cTn>
-                        </p:par>
-                      </p:childTnLst>
-                    </p:cTn>
-                  </p:par>
-                </p:childTnLst>
-              </p:cTn>
-              <p:prevCondLst>
-                <p:cond evt="onPrev" delay="0">
-                  <p:tgtEl>
-                    <p:sldTgt/>
-                  </p:tgtEl>
-                </p:cond>
-              </p:prevCondLst>
-              <p:nextCondLst>
-                <p:cond evt="onNext" delay="0">
-                  <p:tgtEl>
-                    <p:sldTgt/>
-                  </p:tgtEl>
-                </p:cond>
-              </p:nextCondLst>
-            </p:seq>
-          </p:childTnLst>
-        </p:cTn>
-      </p:par>
-    </p:tnLst>
-  </p:timing>
-</p:sld>
-</file>
-
-<file path=ppt/slides/slide3.xml><?xml version="1.0" encoding="utf-8"?>
-<p:sld xmlns:a="http://schemas.openxmlformats.org/drawingml/2006/main" xmlns:r="http://schemas.openxmlformats.org/officeDocument/2006/relationships" xmlns:p="http://schemas.openxmlformats.org/presentationml/2006/main">
-  <p:cSld>
-    <p:spTree>
-      <p:nvGrpSpPr>
-        <p:cNvPr id="1" name=""/>
-        <p:cNvGrpSpPr/>
-        <p:nvPr/>
-      </p:nvGrpSpPr>
-      <p:grpSpPr>
-        <a:xfrm>
-          <a:off x="0" y="0"/>
-          <a:ext cx="0" cy="0"/>
-          <a:chOff x="0" y="0"/>
-          <a:chExt cx="0" cy="0"/>
-        </a:xfrm>
-      </p:grpSpPr>
-      <p:grpSp>
-        <p:nvGrpSpPr>
-          <p:cNvPr id="2" name="Group 1"/>
-          <p:cNvGrpSpPr/>
-          <p:nvPr/>
-        </p:nvGrpSpPr>
-        <p:grpSpPr>
-          <a:xfrm>
-            <a:off x="60385" y="410186"/>
-            <a:ext cx="8876764" cy="453980"/>
-            <a:chOff x="-115910" y="386367"/>
-            <a:chExt cx="11835685" cy="605307"/>
-          </a:xfrm>
-          <a:solidFill>
-            <a:srgbClr val="0C2738"/>
-          </a:solidFill>
-        </p:grpSpPr>
-        <p:sp>
-          <p:nvSpPr>
-            <p:cNvPr id="3" name="Round Single Corner Rectangle 2"/>
-            <p:cNvSpPr/>
-            <p:nvPr/>
-          </p:nvSpPr>
-          <p:spPr>
-            <a:xfrm>
-              <a:off x="-115910" y="386367"/>
-              <a:ext cx="11835685" cy="605307"/>
-            </a:xfrm>
-            <a:prstGeom prst="round1Rect">
-              <a:avLst/>
-            </a:prstGeom>
-            <a:grpFill/>
-            <a:ln>
-              <a:noFill/>
-            </a:ln>
-          </p:spPr>
-          <p:style>
-            <a:lnRef idx="2">
-              <a:schemeClr val="accent1">
-                <a:shade val="50000"/>
-              </a:schemeClr>
-            </a:lnRef>
-            <a:fillRef idx="1">
-              <a:schemeClr val="accent1"/>
-            </a:fillRef>
-            <a:effectRef idx="0">
-              <a:schemeClr val="accent1"/>
-            </a:effectRef>
-            <a:fontRef idx="minor">
-              <a:schemeClr val="lt1"/>
-            </a:fontRef>
-          </p:style>
-          <p:txBody>
-            <a:bodyPr rtlCol="0" anchor="ctr"/>
-            <a:lstStyle/>
-            <a:p>
-              <a:pPr algn="ctr"/>
-              <a:endParaRPr lang="en-GB" sz="1350"/>
-            </a:p>
-          </p:txBody>
-        </p:sp>
-        <p:pic>
-          <p:nvPicPr>
-            <p:cNvPr id="4" name="Picture 3"/>
-            <p:cNvPicPr>
-              <a:picLocks noChangeAspect="1"/>
-            </p:cNvPicPr>
-            <p:nvPr/>
-          </p:nvPicPr>
-          <p:blipFill>
-            <a:blip r:embed="rId2" cstate="print">
-              <a:extLst>
-                <a:ext uri="{28A0092B-C50C-407E-A947-70E740481C1C}">
-                  <a14:useLocalDpi xmlns:a14="http://schemas.microsoft.com/office/drawing/2010/main" val="0"/>
-                </a:ext>
-              </a:extLst>
-            </a:blip>
-            <a:stretch>
-              <a:fillRect/>
-            </a:stretch>
-          </p:blipFill>
-          <p:spPr>
-            <a:xfrm>
-              <a:off x="9710730" y="425004"/>
-              <a:ext cx="1918893" cy="496430"/>
-            </a:xfrm>
-            <a:prstGeom prst="rect">
-              <a:avLst/>
-            </a:prstGeom>
-            <a:grpFill/>
-          </p:spPr>
-        </p:pic>
-      </p:grpSp>
-      <p:sp>
-        <p:nvSpPr>
-          <p:cNvPr id="5" name="Title 4">
-            <a:extLst>
-              <a:ext uri="{FF2B5EF4-FFF2-40B4-BE49-F238E27FC236}">
-                <a16:creationId xmlns:a16="http://schemas.microsoft.com/office/drawing/2014/main" id="{506ED288-F95E-4482-ACC3-2A668A17A2AC}"/>
-              </a:ext>
-            </a:extLst>
-          </p:cNvPr>
-          <p:cNvSpPr>
-            <a:spLocks noGrp="1"/>
-          </p:cNvSpPr>
-          <p:nvPr>
-            <p:ph type="title"/>
-          </p:nvPr>
-        </p:nvSpPr>
-        <p:spPr>
-          <a:xfrm>
-            <a:off x="628650" y="1123950"/>
-            <a:ext cx="7886700" cy="1181100"/>
-          </a:xfrm>
-        </p:spPr>
-        <p:txBody>
-          <a:bodyPr>
-            <a:normAutofit fontScale="90000"/>
-          </a:bodyPr>
-          <a:lstStyle/>
-          <a:p>
-            <a:r>
-              <a:rPr lang="en-GB" dirty="0">
-                <a:latin typeface="Arial" panose="020B0604020202020204" pitchFamily="34" charset="0"/>
-                <a:ea typeface="Calibri" panose="020F0502020204030204" pitchFamily="34" charset="0"/>
-                <a:cs typeface="Arial" panose="020B0604020202020204" pitchFamily="34" charset="0"/>
-              </a:rPr>
-              <a:t>There’s a dichotomy in demand</a:t>
-            </a:r>
-            <a:br>
-              <a:rPr lang="en-GB" dirty="0">
-                <a:latin typeface="Arial" panose="020B0604020202020204" pitchFamily="34" charset="0"/>
-                <a:ea typeface="Calibri" panose="020F0502020204030204" pitchFamily="34" charset="0"/>
-                <a:cs typeface="Arial" panose="020B0604020202020204" pitchFamily="34" charset="0"/>
-              </a:rPr>
-            </a:br>
-            <a:endParaRPr lang="en-GB" dirty="0"/>
-          </a:p>
-        </p:txBody>
-      </p:sp>
-      <p:sp>
-        <p:nvSpPr>
-          <p:cNvPr id="6" name="Content Placeholder 5">
-            <a:extLst>
-              <a:ext uri="{FF2B5EF4-FFF2-40B4-BE49-F238E27FC236}">
-                <a16:creationId xmlns:a16="http://schemas.microsoft.com/office/drawing/2014/main" id="{A7C9A981-921C-4A39-B055-8674D74F8734}"/>
-              </a:ext>
-            </a:extLst>
-          </p:cNvPr>
-          <p:cNvSpPr>
-            <a:spLocks noGrp="1"/>
-          </p:cNvSpPr>
-          <p:nvPr>
-            <p:ph idx="1"/>
-          </p:nvPr>
-        </p:nvSpPr>
-        <p:spPr/>
-        <p:txBody>
-          <a:bodyPr>
-            <a:normAutofit fontScale="92500" lnSpcReduction="10000"/>
-          </a:bodyPr>
-          <a:lstStyle/>
-          <a:p>
-            <a:pPr marL="457200" indent="-457200"/>
-            <a:r>
-              <a:rPr lang="en-GB" dirty="0">
-                <a:latin typeface="Arial" panose="020B0604020202020204" pitchFamily="34" charset="0"/>
-                <a:ea typeface="Calibri" panose="020F0502020204030204" pitchFamily="34" charset="0"/>
-                <a:cs typeface="Arial" panose="020B0604020202020204" pitchFamily="34" charset="0"/>
-              </a:rPr>
-              <a:t>Cybersecurity specialists: many estimates of the size of the shortage, but always huge</a:t>
-            </a:r>
-          </a:p>
-          <a:p>
-            <a:pPr marL="457200" indent="-457200"/>
-            <a:r>
-              <a:rPr lang="en-GB" dirty="0">
-                <a:latin typeface="Arial" panose="020B0604020202020204" pitchFamily="34" charset="0"/>
-                <a:ea typeface="Calibri" panose="020F0502020204030204" pitchFamily="34" charset="0"/>
-                <a:cs typeface="Arial" panose="020B0604020202020204" pitchFamily="34" charset="0"/>
-              </a:rPr>
-              <a:t>The “generalist” programmer, designer etc. needs to know “some Cybersecurity” (recognised in ACM 2013 and BCS equivalent)</a:t>
-            </a:r>
-          </a:p>
-          <a:p>
-            <a:r>
-              <a:rPr lang="en-GB" dirty="0">
-                <a:latin typeface="Arial" panose="020B0604020202020204" pitchFamily="34" charset="0"/>
-                <a:ea typeface="Calibri" panose="020F0502020204030204" pitchFamily="34" charset="0"/>
-                <a:cs typeface="Arial" panose="020B0604020202020204" pitchFamily="34" charset="0"/>
-              </a:rPr>
-              <a:t>Note that there’s a limit to the mess that a Cybersecurity expert can clean up retrospectively: </a:t>
-            </a:r>
-          </a:p>
-          <a:p>
-            <a:pPr marL="457200" indent="-457200">
-              <a:buFont typeface="Wingdings" panose="05000000000000000000" pitchFamily="2" charset="2"/>
-              <a:buChar char="ü"/>
-            </a:pPr>
-            <a:r>
-              <a:rPr lang="en-GB" dirty="0">
-                <a:latin typeface="Arial" panose="020B0604020202020204" pitchFamily="34" charset="0"/>
-                <a:ea typeface="Calibri" panose="020F0502020204030204" pitchFamily="34" charset="0"/>
-                <a:cs typeface="Arial" panose="020B0604020202020204" pitchFamily="34" charset="0"/>
-              </a:rPr>
-              <a:t>check for buffer overflows and certain leakages</a:t>
-            </a:r>
-          </a:p>
-          <a:p>
-            <a:pPr marL="0" indent="0">
-              <a:buNone/>
-            </a:pPr>
-            <a:r>
-              <a:rPr lang="en-GB" dirty="0">
-                <a:latin typeface="Arial" panose="020B0604020202020204" pitchFamily="34" charset="0"/>
-                <a:ea typeface="Calibri" panose="020F0502020204030204" pitchFamily="34" charset="0"/>
-                <a:cs typeface="Arial" panose="020B0604020202020204" pitchFamily="34" charset="0"/>
-              </a:rPr>
-              <a:t>X  fix bad design decisions (no framework to check for CSRF; unencrypted passwords, logging in the wrong place [Facebook!] etc.)</a:t>
-            </a:r>
-          </a:p>
-          <a:p>
-            <a:endParaRPr lang="en-GB" dirty="0"/>
-          </a:p>
-        </p:txBody>
-      </p:sp>
-    </p:spTree>
-    <p:extLst>
-      <p:ext uri="{BB962C8B-B14F-4D97-AF65-F5344CB8AC3E}">
-        <p14:creationId xmlns:p14="http://schemas.microsoft.com/office/powerpoint/2010/main" val="527306411"/>
-      </p:ext>
-    </p:extLst>
-  </p:cSld>
-  <p:clrMapOvr>
-    <a:masterClrMapping/>
-  </p:clrMapOvr>
-  <p:timing>
-    <p:tnLst>
-      <p:par>
-        <p:cTn id="1" dur="indefinite" restart="never" nodeType="tmRoot">
-          <p:childTnLst>
-            <p:seq concurrent="1" nextAc="seek">
-              <p:cTn id="2" dur="indefinite" nodeType="mainSeq">
-                <p:childTnLst>
-                  <p:par>
-                    <p:cTn id="3" fill="hold">
-                      <p:stCondLst>
-                        <p:cond delay="indefinite"/>
-                      </p:stCondLst>
-                      <p:childTnLst>
-                        <p:par>
-                          <p:cTn id="4" fill="hold">
-                            <p:stCondLst>
-                              <p:cond delay="0"/>
-                            </p:stCondLst>
-                            <p:childTnLst>
                               <p:par>
-                                <p:cTn id="5" presetID="1" presetClass="entr" presetSubtype="0" fill="hold" grpId="0" nodeType="clickEffect">
+                                <p:cTn id="11" presetID="1" presetClass="entr" presetSubtype="0" fill="hold" nodeType="withEffect">
                                   <p:stCondLst>
                                     <p:cond delay="0"/>
                                   </p:stCondLst>
                                   <p:childTnLst>
                                     <p:set>
                                       <p:cBhvr>
-                                        <p:cTn id="6" dur="1" fill="hold">
-                                          <p:stCondLst>
-                                            <p:cond delay="0"/>
-                                          </p:stCondLst>
-                                        </p:cTn>
-                                        <p:tgtEl>
-                                          <p:spTgt spid="6">
-                                            <p:txEl>
-                                              <p:pRg st="0" end="0"/>
-                                            </p:txEl>
-                                          </p:spTgt>
-                                        </p:tgtEl>
-                                        <p:attrNameLst>
-                                          <p:attrName>style.visibility</p:attrName>
-                                        </p:attrNameLst>
-                                      </p:cBhvr>
-                                      <p:to>
-                                        <p:strVal val="visible"/>
-                                      </p:to>
-                                    </p:set>
-                                  </p:childTnLst>
-                                </p:cTn>
-                              </p:par>
-                            </p:childTnLst>
-                          </p:cTn>
-                        </p:par>
-                      </p:childTnLst>
-                    </p:cTn>
-                  </p:par>
-                  <p:par>
-                    <p:cTn id="7" fill="hold">
-                      <p:stCondLst>
-                        <p:cond delay="indefinite"/>
-                      </p:stCondLst>
-                      <p:childTnLst>
-                        <p:par>
-                          <p:cTn id="8" fill="hold">
-                            <p:stCondLst>
-                              <p:cond delay="0"/>
-                            </p:stCondLst>
-                            <p:childTnLst>
-                              <p:par>
-                                <p:cTn id="9" presetID="1" presetClass="entr" presetSubtype="0" fill="hold" grpId="0" nodeType="clickEffect">
-                                  <p:stCondLst>
-                                    <p:cond delay="0"/>
-                                  </p:stCondLst>
-                                  <p:childTnLst>
-                                    <p:set>
-                                      <p:cBhvr>
-                                        <p:cTn id="10" dur="1" fill="hold">
-                                          <p:stCondLst>
-                                            <p:cond delay="0"/>
-                                          </p:stCondLst>
-                                        </p:cTn>
-                                        <p:tgtEl>
-                                          <p:spTgt spid="6">
-                                            <p:txEl>
-                                              <p:pRg st="1" end="1"/>
-                                            </p:txEl>
-                                          </p:spTgt>
-                                        </p:tgtEl>
-                                        <p:attrNameLst>
-                                          <p:attrName>style.visibility</p:attrName>
-                                        </p:attrNameLst>
-                                      </p:cBhvr>
-                                      <p:to>
-                                        <p:strVal val="visible"/>
-                                      </p:to>
-                                    </p:set>
-                                  </p:childTnLst>
-                                </p:cTn>
-                              </p:par>
-                            </p:childTnLst>
-                          </p:cTn>
-                        </p:par>
-                      </p:childTnLst>
-                    </p:cTn>
-                  </p:par>
-                  <p:par>
-                    <p:cTn id="11" fill="hold">
-                      <p:stCondLst>
-                        <p:cond delay="indefinite"/>
-                      </p:stCondLst>
-                      <p:childTnLst>
-                        <p:par>
-                          <p:cTn id="12" fill="hold">
-                            <p:stCondLst>
-                              <p:cond delay="0"/>
-                            </p:stCondLst>
-                            <p:childTnLst>
-                              <p:par>
-                                <p:cTn id="13" presetID="1" presetClass="entr" presetSubtype="0" fill="hold" grpId="0" nodeType="clickEffect">
-                                  <p:stCondLst>
-                                    <p:cond delay="0"/>
-                                  </p:stCondLst>
-                                  <p:childTnLst>
-                                    <p:set>
-                                      <p:cBhvr>
-                                        <p:cTn id="14" dur="1" fill="hold">
-                                          <p:stCondLst>
-                                            <p:cond delay="0"/>
-                                          </p:stCondLst>
-                                        </p:cTn>
-                                        <p:tgtEl>
-                                          <p:spTgt spid="6">
-                                            <p:txEl>
-                                              <p:pRg st="2" end="2"/>
-                                            </p:txEl>
-                                          </p:spTgt>
-                                        </p:tgtEl>
-                                        <p:attrNameLst>
-                                          <p:attrName>style.visibility</p:attrName>
-                                        </p:attrNameLst>
-                                      </p:cBhvr>
-                                      <p:to>
-                                        <p:strVal val="visible"/>
-                                      </p:to>
-                                    </p:set>
-                                  </p:childTnLst>
-                                </p:cTn>
-                              </p:par>
-                            </p:childTnLst>
-                          </p:cTn>
-                        </p:par>
-                      </p:childTnLst>
-                    </p:cTn>
-                  </p:par>
-                  <p:par>
-                    <p:cTn id="15" fill="hold">
-                      <p:stCondLst>
-                        <p:cond delay="indefinite"/>
-                      </p:stCondLst>
-                      <p:childTnLst>
-                        <p:par>
-                          <p:cTn id="16" fill="hold">
-                            <p:stCondLst>
-                              <p:cond delay="0"/>
-                            </p:stCondLst>
-                            <p:childTnLst>
-                              <p:par>
-                                <p:cTn id="17" presetID="1" presetClass="entr" presetSubtype="0" fill="hold" grpId="0" nodeType="clickEffect">
-                                  <p:stCondLst>
-                                    <p:cond delay="0"/>
-                                  </p:stCondLst>
-                                  <p:childTnLst>
-                                    <p:set>
-                                      <p:cBhvr>
-                                        <p:cTn id="18" dur="1" fill="hold">
+                                        <p:cTn id="12" dur="1" fill="hold">
                                           <p:stCondLst>
                                             <p:cond delay="0"/>
                                           </p:stCondLst>
@@ -5082,26 +5961,26 @@
                     </p:cTn>
                   </p:par>
                   <p:par>
-                    <p:cTn id="19" fill="hold">
+                    <p:cTn id="13" fill="hold">
                       <p:stCondLst>
                         <p:cond delay="indefinite"/>
                       </p:stCondLst>
                       <p:childTnLst>
                         <p:par>
-                          <p:cTn id="20" fill="hold">
+                          <p:cTn id="14" fill="hold">
                             <p:stCondLst>
                               <p:cond delay="0"/>
                             </p:stCondLst>
                             <p:childTnLst>
                               <p:par>
-                                <p:cTn id="21" presetID="1" presetClass="entr" presetSubtype="0" fill="hold" grpId="0" nodeType="clickEffect">
+                                <p:cTn id="15" presetID="1" presetClass="entr" presetSubtype="0" fill="hold" nodeType="clickEffect">
                                   <p:stCondLst>
                                     <p:cond delay="0"/>
                                   </p:stCondLst>
                                   <p:childTnLst>
                                     <p:set>
                                       <p:cBhvr>
-                                        <p:cTn id="22" dur="1" fill="hold">
+                                        <p:cTn id="16" dur="1" fill="hold">
                                           <p:stCondLst>
                                             <p:cond delay="0"/>
                                           </p:stCondLst>
@@ -5124,275 +6003,15 @@
                                   </p:childTnLst>
                                 </p:cTn>
                               </p:par>
-                            </p:childTnLst>
-                          </p:cTn>
-                        </p:par>
-                      </p:childTnLst>
-                    </p:cTn>
-                  </p:par>
-                </p:childTnLst>
-              </p:cTn>
-              <p:prevCondLst>
-                <p:cond evt="onPrev" delay="0">
-                  <p:tgtEl>
-                    <p:sldTgt/>
-                  </p:tgtEl>
-                </p:cond>
-              </p:prevCondLst>
-              <p:nextCondLst>
-                <p:cond evt="onNext" delay="0">
-                  <p:tgtEl>
-                    <p:sldTgt/>
-                  </p:tgtEl>
-                </p:cond>
-              </p:nextCondLst>
-            </p:seq>
-          </p:childTnLst>
-        </p:cTn>
-      </p:par>
-    </p:tnLst>
-    <p:bldLst>
-      <p:bldP spid="6" grpId="0" build="p"/>
-    </p:bldLst>
-  </p:timing>
-</p:sld>
-</file>
-
-<file path=ppt/slides/slide4.xml><?xml version="1.0" encoding="utf-8"?>
-<p:sld xmlns:a="http://schemas.openxmlformats.org/drawingml/2006/main" xmlns:r="http://schemas.openxmlformats.org/officeDocument/2006/relationships" xmlns:p="http://schemas.openxmlformats.org/presentationml/2006/main">
-  <p:cSld>
-    <p:spTree>
-      <p:nvGrpSpPr>
-        <p:cNvPr id="1" name=""/>
-        <p:cNvGrpSpPr/>
-        <p:nvPr/>
-      </p:nvGrpSpPr>
-      <p:grpSpPr>
-        <a:xfrm>
-          <a:off x="0" y="0"/>
-          <a:ext cx="0" cy="0"/>
-          <a:chOff x="0" y="0"/>
-          <a:chExt cx="0" cy="0"/>
-        </a:xfrm>
-      </p:grpSpPr>
-      <p:grpSp>
-        <p:nvGrpSpPr>
-          <p:cNvPr id="2" name="Group 1"/>
-          <p:cNvGrpSpPr/>
-          <p:nvPr/>
-        </p:nvGrpSpPr>
-        <p:grpSpPr>
-          <a:xfrm>
-            <a:off x="60385" y="448286"/>
-            <a:ext cx="8876764" cy="453980"/>
-            <a:chOff x="-115910" y="386367"/>
-            <a:chExt cx="11835685" cy="605307"/>
-          </a:xfrm>
-          <a:solidFill>
-            <a:srgbClr val="0C2738"/>
-          </a:solidFill>
-        </p:grpSpPr>
-        <p:sp>
-          <p:nvSpPr>
-            <p:cNvPr id="3" name="Round Single Corner Rectangle 2"/>
-            <p:cNvSpPr/>
-            <p:nvPr/>
-          </p:nvSpPr>
-          <p:spPr>
-            <a:xfrm>
-              <a:off x="-115910" y="386367"/>
-              <a:ext cx="11835685" cy="605307"/>
-            </a:xfrm>
-            <a:prstGeom prst="round1Rect">
-              <a:avLst/>
-            </a:prstGeom>
-            <a:grpFill/>
-            <a:ln>
-              <a:noFill/>
-            </a:ln>
-          </p:spPr>
-          <p:style>
-            <a:lnRef idx="2">
-              <a:schemeClr val="accent1">
-                <a:shade val="50000"/>
-              </a:schemeClr>
-            </a:lnRef>
-            <a:fillRef idx="1">
-              <a:schemeClr val="accent1"/>
-            </a:fillRef>
-            <a:effectRef idx="0">
-              <a:schemeClr val="accent1"/>
-            </a:effectRef>
-            <a:fontRef idx="minor">
-              <a:schemeClr val="lt1"/>
-            </a:fontRef>
-          </p:style>
-          <p:txBody>
-            <a:bodyPr rtlCol="0" anchor="ctr"/>
-            <a:lstStyle/>
-            <a:p>
-              <a:pPr algn="ctr"/>
-              <a:endParaRPr lang="en-GB" sz="1350"/>
-            </a:p>
-          </p:txBody>
-        </p:sp>
-        <p:pic>
-          <p:nvPicPr>
-            <p:cNvPr id="4" name="Picture 3"/>
-            <p:cNvPicPr>
-              <a:picLocks noChangeAspect="1"/>
-            </p:cNvPicPr>
-            <p:nvPr/>
-          </p:nvPicPr>
-          <p:blipFill>
-            <a:blip r:embed="rId2" cstate="print">
-              <a:extLst>
-                <a:ext uri="{28A0092B-C50C-407E-A947-70E740481C1C}">
-                  <a14:useLocalDpi xmlns:a14="http://schemas.microsoft.com/office/drawing/2010/main" val="0"/>
-                </a:ext>
-              </a:extLst>
-            </a:blip>
-            <a:stretch>
-              <a:fillRect/>
-            </a:stretch>
-          </p:blipFill>
-          <p:spPr>
-            <a:xfrm>
-              <a:off x="9710730" y="425004"/>
-              <a:ext cx="1918893" cy="496430"/>
-            </a:xfrm>
-            <a:prstGeom prst="rect">
-              <a:avLst/>
-            </a:prstGeom>
-            <a:grpFill/>
-          </p:spPr>
-        </p:pic>
-      </p:grpSp>
-      <p:sp>
-        <p:nvSpPr>
-          <p:cNvPr id="5" name="Title 4">
-            <a:extLst>
-              <a:ext uri="{FF2B5EF4-FFF2-40B4-BE49-F238E27FC236}">
-                <a16:creationId xmlns:a16="http://schemas.microsoft.com/office/drawing/2014/main" id="{86643057-827F-457F-A227-84025EB79F30}"/>
-              </a:ext>
-            </a:extLst>
-          </p:cNvPr>
-          <p:cNvSpPr>
-            <a:spLocks noGrp="1"/>
-          </p:cNvSpPr>
-          <p:nvPr>
-            <p:ph type="title"/>
-          </p:nvPr>
-        </p:nvSpPr>
-        <p:spPr>
-          <a:xfrm>
-            <a:off x="628650" y="365126"/>
-            <a:ext cx="7886700" cy="711199"/>
-          </a:xfrm>
-        </p:spPr>
-        <p:txBody>
-          <a:bodyPr/>
-          <a:lstStyle/>
-          <a:p>
-            <a:r>
-              <a:rPr lang="en-GB" dirty="0">
-                <a:solidFill>
-                  <a:schemeClr val="bg1"/>
-                </a:solidFill>
-              </a:rPr>
-              <a:t>Educational Resources</a:t>
-            </a:r>
-          </a:p>
-        </p:txBody>
-      </p:sp>
-      <p:sp>
-        <p:nvSpPr>
-          <p:cNvPr id="6" name="Content Placeholder 5">
-            <a:extLst>
-              <a:ext uri="{FF2B5EF4-FFF2-40B4-BE49-F238E27FC236}">
-                <a16:creationId xmlns:a16="http://schemas.microsoft.com/office/drawing/2014/main" id="{6985DED2-45BD-493D-A4DA-7348129C6C43}"/>
-              </a:ext>
-            </a:extLst>
-          </p:cNvPr>
-          <p:cNvSpPr>
-            <a:spLocks noGrp="1"/>
-          </p:cNvSpPr>
-          <p:nvPr>
-            <p:ph idx="1"/>
-          </p:nvPr>
-        </p:nvSpPr>
-        <p:spPr/>
-        <p:txBody>
-          <a:bodyPr/>
-          <a:lstStyle/>
-          <a:p>
-            <a:pPr marL="0" indent="0">
-              <a:buNone/>
-            </a:pPr>
-            <a:r>
-              <a:rPr lang="en-GB" dirty="0"/>
-              <a:t>Case Study: SQL Injection</a:t>
-            </a:r>
-          </a:p>
-          <a:p>
-            <a:r>
-              <a:rPr lang="en-GB" dirty="0"/>
-              <a:t>A study of the 7 database textbooks used by 44 of the top 50 US departments.</a:t>
-            </a:r>
-          </a:p>
-          <a:p>
-            <a:r>
-              <a:rPr lang="en-GB" dirty="0"/>
-              <a:t>5 had no mention of the SQL Injection, which is #1 in the OWASP “Top 10” list of weaknesses, and the cause of many current breaches</a:t>
-            </a:r>
-          </a:p>
-          <a:p>
-            <a:r>
-              <a:rPr lang="en-GB" dirty="0"/>
-              <a:t>Of the two that did, the discussion in the more popular one was seriously flawed</a:t>
-            </a:r>
-          </a:p>
-        </p:txBody>
-      </p:sp>
-    </p:spTree>
-    <p:extLst>
-      <p:ext uri="{BB962C8B-B14F-4D97-AF65-F5344CB8AC3E}">
-        <p14:creationId xmlns:p14="http://schemas.microsoft.com/office/powerpoint/2010/main" val="2688835129"/>
-      </p:ext>
-    </p:extLst>
-  </p:cSld>
-  <p:clrMapOvr>
-    <a:masterClrMapping/>
-  </p:clrMapOvr>
-  <p:timing>
-    <p:tnLst>
-      <p:par>
-        <p:cTn id="1" dur="indefinite" restart="never" nodeType="tmRoot">
-          <p:childTnLst>
-            <p:seq concurrent="1" nextAc="seek">
-              <p:cTn id="2" dur="indefinite" nodeType="mainSeq">
-                <p:childTnLst>
-                  <p:par>
-                    <p:cTn id="3" fill="hold">
-                      <p:stCondLst>
-                        <p:cond delay="indefinite"/>
-                      </p:stCondLst>
-                      <p:childTnLst>
-                        <p:par>
-                          <p:cTn id="4" fill="hold">
-                            <p:stCondLst>
-                              <p:cond delay="0"/>
-                            </p:stCondLst>
-                            <p:childTnLst>
                               <p:par>
-                                <p:cTn id="5" presetID="1" presetClass="entr" presetSubtype="0" fill="hold" nodeType="clickEffect">
+                                <p:cTn id="17" presetID="1" presetClass="entr" presetSubtype="0" fill="hold" nodeType="withEffect">
                                   <p:stCondLst>
                                     <p:cond delay="0"/>
                                   </p:stCondLst>
                                   <p:childTnLst>
                                     <p:set>
                                       <p:cBhvr>
-                                        <p:cTn id="6" dur="1" fill="hold">
+                                        <p:cTn id="18" dur="1" fill="hold">
                                           <p:stCondLst>
                                             <p:cond delay="0"/>
                                           </p:stCondLst>
@@ -5400,7 +6019,7 @@
                                         <p:tgtEl>
                                           <p:spTgt spid="6">
                                             <p:txEl>
-                                              <p:pRg st="1" end="1"/>
+                                              <p:pRg st="5" end="5"/>
                                             </p:txEl>
                                           </p:spTgt>
                                         </p:tgtEl>
@@ -5416,14 +6035,14 @@
                                 </p:cTn>
                               </p:par>
                               <p:par>
-                                <p:cTn id="7" presetID="1" presetClass="entr" presetSubtype="0" fill="hold" nodeType="withEffect">
+                                <p:cTn id="19" presetID="1" presetClass="entr" presetSubtype="0" fill="hold" nodeType="withEffect">
                                   <p:stCondLst>
                                     <p:cond delay="0"/>
                                   </p:stCondLst>
                                   <p:childTnLst>
                                     <p:set>
                                       <p:cBhvr>
-                                        <p:cTn id="8" dur="1" fill="hold">
+                                        <p:cTn id="20" dur="1" fill="hold">
                                           <p:stCondLst>
                                             <p:cond delay="0"/>
                                           </p:stCondLst>
@@ -5431,38 +6050,7 @@
                                         <p:tgtEl>
                                           <p:spTgt spid="6">
                                             <p:txEl>
-                                              <p:pRg st="2" end="2"/>
-                                            </p:txEl>
-                                          </p:spTgt>
-                                        </p:tgtEl>
-                                        <p:attrNameLst>
-                                          <p:attrName>style.visibility</p:attrName>
-                                        </p:attrNameLst>
-                                      </p:cBhvr>
-                                      <p:to>
-                                        <p:strVal val="visible"/>
-                                      </p:to>
-                                    </p:set>
-                                  </p:childTnLst>
-                                </p:cTn>
-                              </p:par>
-                              <p:par>
-                                <p:cTn id="9" presetID="1" presetClass="entr" presetSubtype="0" fill="hold" nodeType="withEffect">
-                                  <p:stCondLst>
-                                    <p:cond delay="0"/>
-                                  </p:stCondLst>
-                                  <p:childTnLst>
-                                    <p:set>
-                                      <p:cBhvr>
-                                        <p:cTn id="10" dur="1" fill="hold">
-                                          <p:stCondLst>
-                                            <p:cond delay="0"/>
-                                          </p:stCondLst>
-                                        </p:cTn>
-                                        <p:tgtEl>
-                                          <p:spTgt spid="6">
-                                            <p:txEl>
-                                              <p:pRg st="3" end="3"/>
+                                              <p:pRg st="6" end="6"/>
                                             </p:txEl>
                                           </p:spTgt>
                                         </p:tgtEl>
@@ -5508,7 +6096,7 @@
 </p:sld>
 </file>
 
-<file path=ppt/slides/slide5.xml><?xml version="1.0" encoding="utf-8"?>
+<file path=ppt/slides/slide7.xml><?xml version="1.0" encoding="utf-8"?>
 <p:sld xmlns:a="http://schemas.openxmlformats.org/drawingml/2006/main" xmlns:r="http://schemas.openxmlformats.org/officeDocument/2006/relationships" xmlns:p="http://schemas.openxmlformats.org/presentationml/2006/main">
   <p:cSld>
     <p:spTree>
@@ -5525,105 +6113,12 @@
           <a:chExt cx="0" cy="0"/>
         </a:xfrm>
       </p:grpSpPr>
-      <p:grpSp>
-        <p:nvGrpSpPr>
-          <p:cNvPr id="2" name="Group 1"/>
-          <p:cNvGrpSpPr/>
-          <p:nvPr/>
-        </p:nvGrpSpPr>
-        <p:grpSpPr>
-          <a:xfrm>
-            <a:off x="60385" y="448286"/>
-            <a:ext cx="8876764" cy="453980"/>
-            <a:chOff x="-115910" y="386367"/>
-            <a:chExt cx="11835685" cy="605307"/>
-          </a:xfrm>
-          <a:solidFill>
-            <a:srgbClr val="0C2738"/>
-          </a:solidFill>
-        </p:grpSpPr>
-        <p:sp>
-          <p:nvSpPr>
-            <p:cNvPr id="3" name="Round Single Corner Rectangle 2"/>
-            <p:cNvSpPr/>
-            <p:nvPr/>
-          </p:nvSpPr>
-          <p:spPr>
-            <a:xfrm>
-              <a:off x="-115910" y="386367"/>
-              <a:ext cx="11835685" cy="605307"/>
-            </a:xfrm>
-            <a:prstGeom prst="round1Rect">
-              <a:avLst/>
-            </a:prstGeom>
-            <a:grpFill/>
-            <a:ln>
-              <a:noFill/>
-            </a:ln>
-          </p:spPr>
-          <p:style>
-            <a:lnRef idx="2">
-              <a:schemeClr val="accent1">
-                <a:shade val="50000"/>
-              </a:schemeClr>
-            </a:lnRef>
-            <a:fillRef idx="1">
-              <a:schemeClr val="accent1"/>
-            </a:fillRef>
-            <a:effectRef idx="0">
-              <a:schemeClr val="accent1"/>
-            </a:effectRef>
-            <a:fontRef idx="minor">
-              <a:schemeClr val="lt1"/>
-            </a:fontRef>
-          </p:style>
-          <p:txBody>
-            <a:bodyPr rtlCol="0" anchor="ctr"/>
-            <a:lstStyle/>
-            <a:p>
-              <a:pPr algn="ctr"/>
-              <a:endParaRPr lang="en-GB" sz="1350"/>
-            </a:p>
-          </p:txBody>
-        </p:sp>
-        <p:pic>
-          <p:nvPicPr>
-            <p:cNvPr id="4" name="Picture 3"/>
-            <p:cNvPicPr>
-              <a:picLocks noChangeAspect="1"/>
-            </p:cNvPicPr>
-            <p:nvPr/>
-          </p:nvPicPr>
-          <p:blipFill>
-            <a:blip r:embed="rId2" cstate="print">
-              <a:extLst>
-                <a:ext uri="{28A0092B-C50C-407E-A947-70E740481C1C}">
-                  <a14:useLocalDpi xmlns:a14="http://schemas.microsoft.com/office/drawing/2010/main" val="0"/>
-                </a:ext>
-              </a:extLst>
-            </a:blip>
-            <a:stretch>
-              <a:fillRect/>
-            </a:stretch>
-          </p:blipFill>
-          <p:spPr>
-            <a:xfrm>
-              <a:off x="9710730" y="425004"/>
-              <a:ext cx="1918893" cy="496430"/>
-            </a:xfrm>
-            <a:prstGeom prst="rect">
-              <a:avLst/>
-            </a:prstGeom>
-            <a:grpFill/>
-          </p:spPr>
-        </p:pic>
-      </p:grpSp>
       <p:sp>
         <p:nvSpPr>
           <p:cNvPr id="5" name="Title 4">
             <a:extLst>
               <a:ext uri="{FF2B5EF4-FFF2-40B4-BE49-F238E27FC236}">
-                <a16:creationId xmlns:a16="http://schemas.microsoft.com/office/drawing/2014/main" id="{86643057-827F-457F-A227-84025EB79F30}"/>
+                <a16:creationId xmlns:a16="http://schemas.microsoft.com/office/drawing/2014/main" id="{13F23E4A-B55C-434F-BE4F-14FF1202AFAE}"/>
               </a:ext>
             </a:extLst>
           </p:cNvPr>
@@ -5631,13 +6126,13 @@
             <a:spLocks noGrp="1"/>
           </p:cNvSpPr>
           <p:nvPr>
-            <p:ph type="title"/>
+            <p:ph type="title" idx="4294967295"/>
           </p:nvPr>
         </p:nvSpPr>
         <p:spPr>
           <a:xfrm>
-            <a:off x="628650" y="365126"/>
-            <a:ext cx="7886700" cy="711199"/>
+            <a:off x="-52993" y="348502"/>
+            <a:ext cx="7886700" cy="701674"/>
           </a:xfrm>
         </p:spPr>
         <p:txBody>
@@ -5650,7 +6145,136 @@
                   <a:schemeClr val="bg1"/>
                 </a:solidFill>
               </a:rPr>
-              <a:t>Educational Resources</a:t>
+              <a:t>UK Timeline for </a:t>
+            </a:r>
+            <a:r>
+              <a:rPr lang="en-GB" dirty="0" err="1" smtClean="0">
+                <a:solidFill>
+                  <a:schemeClr val="bg1"/>
+                </a:solidFill>
+              </a:rPr>
+              <a:t>CyberSec</a:t>
+            </a:r>
+            <a:r>
+              <a:rPr lang="en-GB" dirty="0" smtClean="0">
+                <a:solidFill>
+                  <a:schemeClr val="bg1"/>
+                </a:solidFill>
+              </a:rPr>
+              <a:t>[5]</a:t>
+            </a:r>
+            <a:endParaRPr lang="en-GB" dirty="0">
+              <a:solidFill>
+                <a:schemeClr val="bg1"/>
+              </a:solidFill>
+            </a:endParaRPr>
+          </a:p>
+        </p:txBody>
+      </p:sp>
+      <p:pic>
+        <p:nvPicPr>
+          <p:cNvPr id="7" name="table">
+            <a:extLst>
+              <a:ext uri="{FF2B5EF4-FFF2-40B4-BE49-F238E27FC236}">
+                <a16:creationId xmlns:a16="http://schemas.microsoft.com/office/drawing/2014/main" id="{1E49FBF7-5195-40DF-B6D4-E75A8A2922A9}"/>
+              </a:ext>
+            </a:extLst>
+          </p:cNvPr>
+          <p:cNvPicPr>
+            <a:picLocks noGrp="1" noChangeAspect="1"/>
+          </p:cNvPicPr>
+          <p:nvPr>
+            <p:ph idx="1"/>
+          </p:nvPr>
+        </p:nvPicPr>
+        <p:blipFill>
+          <a:blip r:embed="rId2"/>
+          <a:stretch>
+            <a:fillRect/>
+          </a:stretch>
+        </p:blipFill>
+        <p:spPr>
+          <a:xfrm>
+            <a:off x="29603" y="1247775"/>
+            <a:ext cx="9034340" cy="5400676"/>
+          </a:xfrm>
+          <a:prstGeom prst="rect">
+            <a:avLst/>
+          </a:prstGeom>
+        </p:spPr>
+      </p:pic>
+    </p:spTree>
+    <p:extLst>
+      <p:ext uri="{BB962C8B-B14F-4D97-AF65-F5344CB8AC3E}">
+        <p14:creationId xmlns:p14="http://schemas.microsoft.com/office/powerpoint/2010/main" val="4131052727"/>
+      </p:ext>
+    </p:extLst>
+  </p:cSld>
+  <p:clrMapOvr>
+    <a:masterClrMapping/>
+  </p:clrMapOvr>
+  <p:timing>
+    <p:tnLst>
+      <p:par>
+        <p:cTn id="1" dur="indefinite" restart="never" nodeType="tmRoot"/>
+      </p:par>
+    </p:tnLst>
+  </p:timing>
+</p:sld>
+</file>
+
+<file path=ppt/slides/slide8.xml><?xml version="1.0" encoding="utf-8"?>
+<p:sld xmlns:a="http://schemas.openxmlformats.org/drawingml/2006/main" xmlns:r="http://schemas.openxmlformats.org/officeDocument/2006/relationships" xmlns:p="http://schemas.openxmlformats.org/presentationml/2006/main">
+  <p:cSld>
+    <p:spTree>
+      <p:nvGrpSpPr>
+        <p:cNvPr id="1" name=""/>
+        <p:cNvGrpSpPr/>
+        <p:nvPr/>
+      </p:nvGrpSpPr>
+      <p:grpSpPr>
+        <a:xfrm>
+          <a:off x="0" y="0"/>
+          <a:ext cx="0" cy="0"/>
+          <a:chOff x="0" y="0"/>
+          <a:chExt cx="0" cy="0"/>
+        </a:xfrm>
+      </p:grpSpPr>
+      <p:sp>
+        <p:nvSpPr>
+          <p:cNvPr id="5" name="Title 4">
+            <a:extLst>
+              <a:ext uri="{FF2B5EF4-FFF2-40B4-BE49-F238E27FC236}">
+                <a16:creationId xmlns:a16="http://schemas.microsoft.com/office/drawing/2014/main" id="{CDDD41CC-14FD-432A-81C4-1AB9ECBD036C}"/>
+              </a:ext>
+            </a:extLst>
+          </p:cNvPr>
+          <p:cNvSpPr>
+            <a:spLocks noGrp="1"/>
+          </p:cNvSpPr>
+          <p:nvPr>
+            <p:ph type="title" idx="4294967295"/>
+          </p:nvPr>
+        </p:nvSpPr>
+        <p:spPr>
+          <a:xfrm>
+            <a:off x="271203" y="365127"/>
+            <a:ext cx="7886700" cy="625473"/>
+          </a:xfrm>
+        </p:spPr>
+        <p:txBody>
+          <a:bodyPr>
+            <a:normAutofit fontScale="90000"/>
+          </a:bodyPr>
+          <a:lstStyle/>
+          <a:p>
+            <a:r>
+              <a:rPr lang="en-GB" dirty="0">
+                <a:solidFill>
+                  <a:schemeClr val="bg1"/>
+                </a:solidFill>
+              </a:rPr>
+              <a:t>Timeline for implementation </a:t>
             </a:r>
           </a:p>
         </p:txBody>
@@ -5660,7 +6284,7 @@
           <p:cNvPr id="6" name="Content Placeholder 5">
             <a:extLst>
               <a:ext uri="{FF2B5EF4-FFF2-40B4-BE49-F238E27FC236}">
-                <a16:creationId xmlns:a16="http://schemas.microsoft.com/office/drawing/2014/main" id="{6985DED2-45BD-493D-A4DA-7348129C6C43}"/>
+                <a16:creationId xmlns:a16="http://schemas.microsoft.com/office/drawing/2014/main" id="{FE82F654-90CD-4BD2-ABED-055A46ACA720}"/>
               </a:ext>
             </a:extLst>
           </p:cNvPr>
@@ -5673,49 +6297,95 @@
         </p:nvSpPr>
         <p:spPr/>
         <p:txBody>
-          <a:bodyPr/>
+          <a:bodyPr>
+            <a:normAutofit fontScale="92500" lnSpcReduction="10000"/>
+          </a:bodyPr>
           <a:lstStyle/>
           <a:p>
             <a:pPr marL="0" indent="0">
               <a:buNone/>
             </a:pPr>
             <a:r>
+              <a:rPr lang="en-US" dirty="0">
+                <a:solidFill>
+                  <a:schemeClr val="dk1"/>
+                </a:solidFill>
+              </a:rPr>
+              <a:t>Cybersecurity Principles Roadshow: March-April 2016</a:t>
+            </a:r>
+            <a:endParaRPr lang="en-GB" dirty="0">
+              <a:solidFill>
+                <a:schemeClr val="dk1"/>
+              </a:solidFill>
+            </a:endParaRPr>
+          </a:p>
+          <a:p>
+            <a:pPr marL="0" indent="0">
+              <a:buNone/>
+            </a:pPr>
+            <a:r>
               <a:rPr lang="en-GB" dirty="0"/>
-              <a:t>Case Study: Java</a:t>
-            </a:r>
-          </a:p>
-          <a:p>
+              <a:t>All institutions expected to be fully compliant: Sept 2020</a:t>
+            </a:r>
+          </a:p>
+          <a:p>
+            <a:pPr marL="0" indent="0">
+              <a:buNone/>
+            </a:pPr>
+            <a:endParaRPr lang="en-GB" dirty="0"/>
+          </a:p>
+          <a:p>
+            <a:pPr marL="0" indent="0">
+              <a:buNone/>
+            </a:pPr>
             <a:r>
               <a:rPr lang="en-GB" dirty="0"/>
-              <a:t>Many Java textbooks go nowhere near security applications (credit card processing, username/ password handling etc.) despite their ubiquity</a:t>
-            </a:r>
-          </a:p>
-          <a:p>
-            <a:r>
-              <a:rPr lang="en-GB" dirty="0"/>
-              <a:t>The documentation of the APIs for the various packages tend to assume that the reader knows the basics, and wants to use </a:t>
-            </a:r>
-            <a:r>
-              <a:rPr lang="en-GB" i="1" dirty="0"/>
-              <a:t>this</a:t>
-            </a:r>
-            <a:r>
-              <a:rPr lang="en-GB" dirty="0"/>
-              <a:t> API.</a:t>
-            </a:r>
-          </a:p>
-          <a:p>
-            <a:r>
-              <a:rPr lang="en-GB" dirty="0"/>
-              <a:t>Hence the novice programmer is driven back to informal resources.</a:t>
-            </a:r>
+              <a:t>Status (autumn 2018)</a:t>
+            </a:r>
+          </a:p>
+          <a:p>
+            <a:r>
+              <a:rPr lang="en-US" altLang="en-US" dirty="0"/>
+              <a:t>70 Higher Education Institutes visited under this regime</a:t>
+            </a:r>
+          </a:p>
+          <a:p>
+            <a:r>
+              <a:rPr lang="en-US" altLang="en-US" dirty="0"/>
+              <a:t>54 Higher Education Institutes compliant</a:t>
+            </a:r>
+          </a:p>
+          <a:p>
+            <a:r>
+              <a:rPr lang="en-US" altLang="en-US" dirty="0"/>
+              <a:t>12 Higher Education Institutes requiring long actions (for next visit)</a:t>
+            </a:r>
+          </a:p>
+          <a:p>
+            <a:r>
+              <a:rPr lang="en-US" altLang="en-US" dirty="0"/>
+              <a:t>4 Higher Education Institutes requiring short term actions</a:t>
+            </a:r>
+            <a:endParaRPr lang="en-GB" altLang="en-US" dirty="0"/>
+          </a:p>
+          <a:p>
+            <a:pPr marL="0" indent="0">
+              <a:buNone/>
+            </a:pPr>
+            <a:endParaRPr lang="en-GB" dirty="0"/>
+          </a:p>
+          <a:p>
+            <a:pPr marL="0" indent="0">
+              <a:buNone/>
+            </a:pPr>
+            <a:endParaRPr lang="en-GB" dirty="0"/>
           </a:p>
         </p:txBody>
       </p:sp>
     </p:spTree>
     <p:extLst>
       <p:ext uri="{BB962C8B-B14F-4D97-AF65-F5344CB8AC3E}">
-        <p14:creationId xmlns:p14="http://schemas.microsoft.com/office/powerpoint/2010/main" val="627488028"/>
+        <p14:creationId xmlns:p14="http://schemas.microsoft.com/office/powerpoint/2010/main" val="3131741793"/>
       </p:ext>
     </p:extLst>
   </p:cSld>
@@ -5734,9 +6404,6 @@
                     <p:cTn id="3" fill="hold">
                       <p:stCondLst>
                         <p:cond delay="indefinite"/>
-                        <p:cond evt="onBegin" delay="0">
-                          <p:tn val="2"/>
-                        </p:cond>
                       </p:stCondLst>
                       <p:childTnLst>
                         <p:par>
@@ -5746,7 +6413,7 @@
                             </p:stCondLst>
                             <p:childTnLst>
                               <p:par>
-                                <p:cTn id="5" presetID="1" presetClass="entr" presetSubtype="0" fill="hold" nodeType="afterEffect">
+                                <p:cTn id="5" presetID="1" presetClass="entr" presetSubtype="0" fill="hold" nodeType="clickEffect">
                                   <p:stCondLst>
                                     <p:cond delay="0"/>
                                   </p:stCondLst>
@@ -5761,47 +6428,7 @@
                                         <p:tgtEl>
                                           <p:spTgt spid="6">
                                             <p:txEl>
-                                              <p:pRg st="1" end="1"/>
-                                            </p:txEl>
-                                          </p:spTgt>
-                                        </p:tgtEl>
-                                        <p:attrNameLst>
-                                          <p:attrName>style.visibility</p:attrName>
-                                        </p:attrNameLst>
-                                      </p:cBhvr>
-                                      <p:to>
-                                        <p:strVal val="visible"/>
-                                      </p:to>
-                                    </p:set>
-                                  </p:childTnLst>
-                                </p:cTn>
-                              </p:par>
-                            </p:childTnLst>
-                          </p:cTn>
-                        </p:par>
-                        <p:par>
-                          <p:cTn id="7" fill="hold">
-                            <p:stCondLst>
-                              <p:cond delay="0"/>
-                            </p:stCondLst>
-                            <p:childTnLst>
-                              <p:par>
-                                <p:cTn id="8" presetID="1" presetClass="entr" presetSubtype="0" fill="hold" nodeType="afterEffect">
-                                  <p:stCondLst>
-                                    <p:cond delay="0"/>
-                                  </p:stCondLst>
-                                  <p:childTnLst>
-                                    <p:set>
-                                      <p:cBhvr>
-                                        <p:cTn id="9" dur="1" fill="hold">
-                                          <p:stCondLst>
-                                            <p:cond delay="0"/>
-                                          </p:stCondLst>
-                                        </p:cTn>
-                                        <p:tgtEl>
-                                          <p:spTgt spid="6">
-                                            <p:txEl>
-                                              <p:pRg st="2" end="2"/>
+                                              <p:pRg st="3" end="3"/>
                                             </p:txEl>
                                           </p:spTgt>
                                         </p:tgtEl>
@@ -5817,14 +6444,14 @@
                                 </p:cTn>
                               </p:par>
                               <p:par>
-                                <p:cTn id="10" presetID="1" presetClass="entr" presetSubtype="0" fill="hold" nodeType="withEffect">
+                                <p:cTn id="7" presetID="1" presetClass="entr" presetSubtype="0" fill="hold" nodeType="withEffect">
                                   <p:stCondLst>
                                     <p:cond delay="0"/>
                                   </p:stCondLst>
                                   <p:childTnLst>
                                     <p:set>
                                       <p:cBhvr>
-                                        <p:cTn id="11" dur="1" fill="hold">
+                                        <p:cTn id="8" dur="1" fill="hold">
                                           <p:stCondLst>
                                             <p:cond delay="0"/>
                                           </p:stCondLst>
@@ -5832,7 +6459,100 @@
                                         <p:tgtEl>
                                           <p:spTgt spid="6">
                                             <p:txEl>
-                                              <p:pRg st="3" end="3"/>
+                                              <p:pRg st="4" end="4"/>
+                                            </p:txEl>
+                                          </p:spTgt>
+                                        </p:tgtEl>
+                                        <p:attrNameLst>
+                                          <p:attrName>style.visibility</p:attrName>
+                                        </p:attrNameLst>
+                                      </p:cBhvr>
+                                      <p:to>
+                                        <p:strVal val="visible"/>
+                                      </p:to>
+                                    </p:set>
+                                  </p:childTnLst>
+                                </p:cTn>
+                              </p:par>
+                              <p:par>
+                                <p:cTn id="9" presetID="1" presetClass="entr" presetSubtype="0" fill="hold" nodeType="withEffect">
+                                  <p:stCondLst>
+                                    <p:cond delay="0"/>
+                                  </p:stCondLst>
+                                  <p:childTnLst>
+                                    <p:set>
+                                      <p:cBhvr>
+                                        <p:cTn id="10" dur="1" fill="hold">
+                                          <p:stCondLst>
+                                            <p:cond delay="0"/>
+                                          </p:stCondLst>
+                                        </p:cTn>
+                                        <p:tgtEl>
+                                          <p:spTgt spid="6">
+                                            <p:txEl>
+                                              <p:pRg st="5" end="5"/>
+                                            </p:txEl>
+                                          </p:spTgt>
+                                        </p:tgtEl>
+                                        <p:attrNameLst>
+                                          <p:attrName>style.visibility</p:attrName>
+                                        </p:attrNameLst>
+                                      </p:cBhvr>
+                                      <p:to>
+                                        <p:strVal val="visible"/>
+                                      </p:to>
+                                    </p:set>
+                                  </p:childTnLst>
+                                </p:cTn>
+                              </p:par>
+                              <p:par>
+                                <p:cTn id="11" presetID="1" presetClass="entr" presetSubtype="0" fill="hold" nodeType="withEffect">
+                                  <p:stCondLst>
+                                    <p:cond delay="0"/>
+                                  </p:stCondLst>
+                                  <p:childTnLst>
+                                    <p:set>
+                                      <p:cBhvr>
+                                        <p:cTn id="12" dur="1" fill="hold">
+                                          <p:stCondLst>
+                                            <p:cond delay="0"/>
+                                          </p:stCondLst>
+                                        </p:cTn>
+                                        <p:tgtEl>
+                                          <p:spTgt spid="6">
+                                            <p:txEl>
+                                              <p:pRg st="6" end="6"/>
+                                            </p:txEl>
+                                          </p:spTgt>
+                                        </p:tgtEl>
+                                        <p:attrNameLst>
+                                          <p:attrName>style.visibility</p:attrName>
+                                        </p:attrNameLst>
+                                      </p:cBhvr>
+                                      <p:to>
+                                        <p:strVal val="visible"/>
+                                      </p:to>
+                                    </p:set>
+                                  </p:childTnLst>
+                                </p:cTn>
+                              </p:par>
+                              <p:par>
+                                <p:cTn id="13" presetID="1" presetClass="entr" presetSubtype="0" fill="hold" nodeType="withEffect">
+                                  <p:stCondLst>
+                                    <p:cond delay="0"/>
+                                  </p:stCondLst>
+                                  <p:childTnLst>
+                                    <p:set>
+                                      <p:cBhvr>
+                                        <p:cTn id="14" dur="1" fill="hold">
+                                          <p:stCondLst>
+                                            <p:cond delay="0"/>
+                                          </p:stCondLst>
+                                        </p:cTn>
+                                        <p:tgtEl>
+                                          <p:spTgt spid="6">
+                                            <p:txEl>
+                                              <p:pRg st="7" end="7"/>
                                             </p:txEl>
                                           </p:spTgt>
                                         </p:tgtEl>
@@ -5878,736 +6598,6 @@
 </p:sld>
 </file>
 
-<file path=ppt/slides/slide6.xml><?xml version="1.0" encoding="utf-8"?>
-<p:sld xmlns:a="http://schemas.openxmlformats.org/drawingml/2006/main" xmlns:r="http://schemas.openxmlformats.org/officeDocument/2006/relationships" xmlns:p="http://schemas.openxmlformats.org/presentationml/2006/main">
-  <p:cSld>
-    <p:spTree>
-      <p:nvGrpSpPr>
-        <p:cNvPr id="1" name=""/>
-        <p:cNvGrpSpPr/>
-        <p:nvPr/>
-      </p:nvGrpSpPr>
-      <p:grpSpPr>
-        <a:xfrm>
-          <a:off x="0" y="0"/>
-          <a:ext cx="0" cy="0"/>
-          <a:chOff x="0" y="0"/>
-          <a:chExt cx="0" cy="0"/>
-        </a:xfrm>
-      </p:grpSpPr>
-      <p:grpSp>
-        <p:nvGrpSpPr>
-          <p:cNvPr id="2" name="Group 1"/>
-          <p:cNvGrpSpPr/>
-          <p:nvPr/>
-        </p:nvGrpSpPr>
-        <p:grpSpPr>
-          <a:xfrm>
-            <a:off x="60385" y="448286"/>
-            <a:ext cx="8876764" cy="453980"/>
-            <a:chOff x="-115910" y="386367"/>
-            <a:chExt cx="11835685" cy="605307"/>
-          </a:xfrm>
-          <a:solidFill>
-            <a:srgbClr val="0C2738"/>
-          </a:solidFill>
-        </p:grpSpPr>
-        <p:sp>
-          <p:nvSpPr>
-            <p:cNvPr id="3" name="Round Single Corner Rectangle 2"/>
-            <p:cNvSpPr/>
-            <p:nvPr/>
-          </p:nvSpPr>
-          <p:spPr>
-            <a:xfrm>
-              <a:off x="-115910" y="386367"/>
-              <a:ext cx="11835685" cy="605307"/>
-            </a:xfrm>
-            <a:prstGeom prst="round1Rect">
-              <a:avLst/>
-            </a:prstGeom>
-            <a:grpFill/>
-            <a:ln>
-              <a:noFill/>
-            </a:ln>
-          </p:spPr>
-          <p:style>
-            <a:lnRef idx="2">
-              <a:schemeClr val="accent1">
-                <a:shade val="50000"/>
-              </a:schemeClr>
-            </a:lnRef>
-            <a:fillRef idx="1">
-              <a:schemeClr val="accent1"/>
-            </a:fillRef>
-            <a:effectRef idx="0">
-              <a:schemeClr val="accent1"/>
-            </a:effectRef>
-            <a:fontRef idx="minor">
-              <a:schemeClr val="lt1"/>
-            </a:fontRef>
-          </p:style>
-          <p:txBody>
-            <a:bodyPr rtlCol="0" anchor="ctr"/>
-            <a:lstStyle/>
-            <a:p>
-              <a:pPr algn="ctr"/>
-              <a:endParaRPr lang="en-GB" sz="1350"/>
-            </a:p>
-          </p:txBody>
-        </p:sp>
-        <p:pic>
-          <p:nvPicPr>
-            <p:cNvPr id="4" name="Picture 3"/>
-            <p:cNvPicPr>
-              <a:picLocks noChangeAspect="1"/>
-            </p:cNvPicPr>
-            <p:nvPr/>
-          </p:nvPicPr>
-          <p:blipFill>
-            <a:blip r:embed="rId2" cstate="print">
-              <a:extLst>
-                <a:ext uri="{28A0092B-C50C-407E-A947-70E740481C1C}">
-                  <a14:useLocalDpi xmlns:a14="http://schemas.microsoft.com/office/drawing/2010/main" val="0"/>
-                </a:ext>
-              </a:extLst>
-            </a:blip>
-            <a:stretch>
-              <a:fillRect/>
-            </a:stretch>
-          </p:blipFill>
-          <p:spPr>
-            <a:xfrm>
-              <a:off x="9710730" y="425004"/>
-              <a:ext cx="1918893" cy="496430"/>
-            </a:xfrm>
-            <a:prstGeom prst="rect">
-              <a:avLst/>
-            </a:prstGeom>
-            <a:grpFill/>
-          </p:spPr>
-        </p:pic>
-      </p:grpSp>
-      <p:sp>
-        <p:nvSpPr>
-          <p:cNvPr id="5" name="Title 4">
-            <a:extLst>
-              <a:ext uri="{FF2B5EF4-FFF2-40B4-BE49-F238E27FC236}">
-                <a16:creationId xmlns:a16="http://schemas.microsoft.com/office/drawing/2014/main" id="{BEF9321B-B6A0-4B3A-A7FB-4E079B1F9F0F}"/>
-              </a:ext>
-            </a:extLst>
-          </p:cNvPr>
-          <p:cNvSpPr>
-            <a:spLocks noGrp="1"/>
-          </p:cNvSpPr>
-          <p:nvPr>
-            <p:ph type="title"/>
-          </p:nvPr>
-        </p:nvSpPr>
-        <p:spPr>
-          <a:xfrm>
-            <a:off x="628650" y="365126"/>
-            <a:ext cx="7886700" cy="1196973"/>
-          </a:xfrm>
-        </p:spPr>
-        <p:txBody>
-          <a:bodyPr>
-            <a:normAutofit fontScale="90000"/>
-          </a:bodyPr>
-          <a:lstStyle/>
-          <a:p>
-            <a:r>
-              <a:rPr lang="en-GB" dirty="0">
-                <a:solidFill>
-                  <a:schemeClr val="bg1"/>
-                </a:solidFill>
-              </a:rPr>
-              <a:t>Informal Resources</a:t>
-            </a:r>
-            <a:br>
-              <a:rPr lang="en-GB" dirty="0">
-                <a:solidFill>
-                  <a:schemeClr val="bg1"/>
-                </a:solidFill>
-              </a:rPr>
-            </a:br>
-            <a:r>
-              <a:rPr lang="en-GB" dirty="0"/>
-              <a:t>such as </a:t>
-            </a:r>
-            <a:r>
-              <a:rPr lang="en-GB" dirty="0" err="1"/>
-              <a:t>StackOverflow</a:t>
-            </a:r>
-            <a:endParaRPr lang="en-GB" dirty="0">
-              <a:solidFill>
-                <a:schemeClr val="bg1"/>
-              </a:solidFill>
-            </a:endParaRPr>
-          </a:p>
-        </p:txBody>
-      </p:sp>
-      <p:sp>
-        <p:nvSpPr>
-          <p:cNvPr id="6" name="Content Placeholder 5">
-            <a:extLst>
-              <a:ext uri="{FF2B5EF4-FFF2-40B4-BE49-F238E27FC236}">
-                <a16:creationId xmlns:a16="http://schemas.microsoft.com/office/drawing/2014/main" id="{326F654D-8D44-4ABC-93C2-D6D3C223E1F1}"/>
-              </a:ext>
-            </a:extLst>
-          </p:cNvPr>
-          <p:cNvSpPr>
-            <a:spLocks noGrp="1"/>
-          </p:cNvSpPr>
-          <p:nvPr>
-            <p:ph idx="1"/>
-          </p:nvPr>
-        </p:nvSpPr>
-        <p:spPr/>
-        <p:txBody>
-          <a:bodyPr>
-            <a:normAutofit fontScale="92500" lnSpcReduction="10000"/>
-          </a:bodyPr>
-          <a:lstStyle/>
-          <a:p>
-            <a:r>
-              <a:rPr lang="en-GB" dirty="0"/>
-              <a:t>Focused on functionality and “getting it working”</a:t>
-            </a:r>
-          </a:p>
-          <a:p>
-            <a:r>
-              <a:rPr lang="en-GB" dirty="0"/>
-              <a:t>Consider Cross-Site Request Forgery (CSRF)</a:t>
-            </a:r>
-          </a:p>
-          <a:p>
-            <a:r>
-              <a:rPr lang="en-GB" dirty="0"/>
-              <a:t>By default, Spring protects against this</a:t>
-            </a:r>
-          </a:p>
-          <a:p>
-            <a:r>
-              <a:rPr lang="en-US" dirty="0"/>
-              <a:t>All the accepted answers to CSRF-related failures simply suggested disabling the check, with no comments on the downsides</a:t>
-            </a:r>
-          </a:p>
-          <a:p>
-            <a:r>
-              <a:rPr lang="en-US" dirty="0"/>
-              <a:t>[4] took top 30 tutorials (via Google)</a:t>
-            </a:r>
-          </a:p>
-          <a:p>
-            <a:r>
-              <a:rPr lang="en-US" dirty="0"/>
-              <a:t>6 had SQL Injection weaknesses, 3 CSRF</a:t>
-            </a:r>
-          </a:p>
-          <a:p>
-            <a:r>
-              <a:rPr lang="en-US" dirty="0"/>
-              <a:t>820 instances of these fragments on </a:t>
-            </a:r>
-            <a:r>
-              <a:rPr lang="en-US" dirty="0" err="1"/>
-              <a:t>Github</a:t>
-            </a:r>
-            <a:r>
-              <a:rPr lang="en-US" dirty="0"/>
-              <a:t>, of which 117 were verified manually </a:t>
-            </a:r>
-            <a:r>
-              <a:rPr lang="en-GB" dirty="0"/>
-              <a:t>to be vulnerable</a:t>
-            </a:r>
-          </a:p>
-        </p:txBody>
-      </p:sp>
-    </p:spTree>
-    <p:extLst>
-      <p:ext uri="{BB962C8B-B14F-4D97-AF65-F5344CB8AC3E}">
-        <p14:creationId xmlns:p14="http://schemas.microsoft.com/office/powerpoint/2010/main" val="2614593569"/>
-      </p:ext>
-    </p:extLst>
-  </p:cSld>
-  <p:clrMapOvr>
-    <a:masterClrMapping/>
-  </p:clrMapOvr>
-</p:sld>
-</file>
-
-<file path=ppt/slides/slide7.xml><?xml version="1.0" encoding="utf-8"?>
-<p:sld xmlns:a="http://schemas.openxmlformats.org/drawingml/2006/main" xmlns:r="http://schemas.openxmlformats.org/officeDocument/2006/relationships" xmlns:p="http://schemas.openxmlformats.org/presentationml/2006/main">
-  <p:cSld>
-    <p:spTree>
-      <p:nvGrpSpPr>
-        <p:cNvPr id="1" name=""/>
-        <p:cNvGrpSpPr/>
-        <p:nvPr/>
-      </p:nvGrpSpPr>
-      <p:grpSpPr>
-        <a:xfrm>
-          <a:off x="0" y="0"/>
-          <a:ext cx="0" cy="0"/>
-          <a:chOff x="0" y="0"/>
-          <a:chExt cx="0" cy="0"/>
-        </a:xfrm>
-      </p:grpSpPr>
-      <p:grpSp>
-        <p:nvGrpSpPr>
-          <p:cNvPr id="2" name="Group 1"/>
-          <p:cNvGrpSpPr/>
-          <p:nvPr/>
-        </p:nvGrpSpPr>
-        <p:grpSpPr>
-          <a:xfrm>
-            <a:off x="60385" y="448286"/>
-            <a:ext cx="8876764" cy="453980"/>
-            <a:chOff x="-115910" y="386367"/>
-            <a:chExt cx="11835685" cy="605307"/>
-          </a:xfrm>
-          <a:solidFill>
-            <a:srgbClr val="0C2738"/>
-          </a:solidFill>
-        </p:grpSpPr>
-        <p:sp>
-          <p:nvSpPr>
-            <p:cNvPr id="3" name="Round Single Corner Rectangle 2"/>
-            <p:cNvSpPr/>
-            <p:nvPr/>
-          </p:nvSpPr>
-          <p:spPr>
-            <a:xfrm>
-              <a:off x="-115910" y="386367"/>
-              <a:ext cx="11835685" cy="605307"/>
-            </a:xfrm>
-            <a:prstGeom prst="round1Rect">
-              <a:avLst/>
-            </a:prstGeom>
-            <a:grpFill/>
-            <a:ln>
-              <a:noFill/>
-            </a:ln>
-          </p:spPr>
-          <p:style>
-            <a:lnRef idx="2">
-              <a:schemeClr val="accent1">
-                <a:shade val="50000"/>
-              </a:schemeClr>
-            </a:lnRef>
-            <a:fillRef idx="1">
-              <a:schemeClr val="accent1"/>
-            </a:fillRef>
-            <a:effectRef idx="0">
-              <a:schemeClr val="accent1"/>
-            </a:effectRef>
-            <a:fontRef idx="minor">
-              <a:schemeClr val="lt1"/>
-            </a:fontRef>
-          </p:style>
-          <p:txBody>
-            <a:bodyPr rtlCol="0" anchor="ctr"/>
-            <a:lstStyle/>
-            <a:p>
-              <a:pPr algn="ctr"/>
-              <a:endParaRPr lang="en-GB" sz="1350"/>
-            </a:p>
-          </p:txBody>
-        </p:sp>
-        <p:pic>
-          <p:nvPicPr>
-            <p:cNvPr id="4" name="Picture 3"/>
-            <p:cNvPicPr>
-              <a:picLocks noChangeAspect="1"/>
-            </p:cNvPicPr>
-            <p:nvPr/>
-          </p:nvPicPr>
-          <p:blipFill>
-            <a:blip r:embed="rId2" cstate="print">
-              <a:extLst>
-                <a:ext uri="{28A0092B-C50C-407E-A947-70E740481C1C}">
-                  <a14:useLocalDpi xmlns:a14="http://schemas.microsoft.com/office/drawing/2010/main" val="0"/>
-                </a:ext>
-              </a:extLst>
-            </a:blip>
-            <a:stretch>
-              <a:fillRect/>
-            </a:stretch>
-          </p:blipFill>
-          <p:spPr>
-            <a:xfrm>
-              <a:off x="9710730" y="425004"/>
-              <a:ext cx="1918893" cy="496430"/>
-            </a:xfrm>
-            <a:prstGeom prst="rect">
-              <a:avLst/>
-            </a:prstGeom>
-            <a:grpFill/>
-          </p:spPr>
-        </p:pic>
-      </p:grpSp>
-      <p:sp>
-        <p:nvSpPr>
-          <p:cNvPr id="5" name="Title 4">
-            <a:extLst>
-              <a:ext uri="{FF2B5EF4-FFF2-40B4-BE49-F238E27FC236}">
-                <a16:creationId xmlns:a16="http://schemas.microsoft.com/office/drawing/2014/main" id="{13F23E4A-B55C-434F-BE4F-14FF1202AFAE}"/>
-              </a:ext>
-            </a:extLst>
-          </p:cNvPr>
-          <p:cNvSpPr>
-            <a:spLocks noGrp="1"/>
-          </p:cNvSpPr>
-          <p:nvPr>
-            <p:ph type="title"/>
-          </p:nvPr>
-        </p:nvSpPr>
-        <p:spPr>
-          <a:xfrm>
-            <a:off x="628650" y="365127"/>
-            <a:ext cx="7886700" cy="701674"/>
-          </a:xfrm>
-        </p:spPr>
-        <p:txBody>
-          <a:bodyPr/>
-          <a:lstStyle/>
-          <a:p>
-            <a:r>
-              <a:rPr lang="en-GB" dirty="0">
-                <a:solidFill>
-                  <a:schemeClr val="bg1"/>
-                </a:solidFill>
-              </a:rPr>
-              <a:t>UK Timeline for </a:t>
-            </a:r>
-            <a:r>
-              <a:rPr lang="en-GB" dirty="0" err="1">
-                <a:solidFill>
-                  <a:schemeClr val="bg1"/>
-                </a:solidFill>
-              </a:rPr>
-              <a:t>CyberSec</a:t>
-            </a:r>
-            <a:endParaRPr lang="en-GB" dirty="0">
-              <a:solidFill>
-                <a:schemeClr val="bg1"/>
-              </a:solidFill>
-            </a:endParaRPr>
-          </a:p>
-        </p:txBody>
-      </p:sp>
-      <p:pic>
-        <p:nvPicPr>
-          <p:cNvPr id="7" name="table">
-            <a:extLst>
-              <a:ext uri="{FF2B5EF4-FFF2-40B4-BE49-F238E27FC236}">
-                <a16:creationId xmlns:a16="http://schemas.microsoft.com/office/drawing/2014/main" id="{1E49FBF7-5195-40DF-B6D4-E75A8A2922A9}"/>
-              </a:ext>
-            </a:extLst>
-          </p:cNvPr>
-          <p:cNvPicPr>
-            <a:picLocks noGrp="1" noChangeAspect="1"/>
-          </p:cNvPicPr>
-          <p:nvPr>
-            <p:ph idx="1"/>
-          </p:nvPr>
-        </p:nvPicPr>
-        <p:blipFill>
-          <a:blip r:embed="rId3"/>
-          <a:stretch>
-            <a:fillRect/>
-          </a:stretch>
-        </p:blipFill>
-        <p:spPr>
-          <a:xfrm>
-            <a:off x="29603" y="1247775"/>
-            <a:ext cx="9034340" cy="5400676"/>
-          </a:xfrm>
-          <a:prstGeom prst="rect">
-            <a:avLst/>
-          </a:prstGeom>
-        </p:spPr>
-      </p:pic>
-    </p:spTree>
-    <p:extLst>
-      <p:ext uri="{BB962C8B-B14F-4D97-AF65-F5344CB8AC3E}">
-        <p14:creationId xmlns:p14="http://schemas.microsoft.com/office/powerpoint/2010/main" val="4131052727"/>
-      </p:ext>
-    </p:extLst>
-  </p:cSld>
-  <p:clrMapOvr>
-    <a:masterClrMapping/>
-  </p:clrMapOvr>
-</p:sld>
-</file>
-
-<file path=ppt/slides/slide8.xml><?xml version="1.0" encoding="utf-8"?>
-<p:sld xmlns:a="http://schemas.openxmlformats.org/drawingml/2006/main" xmlns:r="http://schemas.openxmlformats.org/officeDocument/2006/relationships" xmlns:p="http://schemas.openxmlformats.org/presentationml/2006/main">
-  <p:cSld>
-    <p:spTree>
-      <p:nvGrpSpPr>
-        <p:cNvPr id="1" name=""/>
-        <p:cNvGrpSpPr/>
-        <p:nvPr/>
-      </p:nvGrpSpPr>
-      <p:grpSpPr>
-        <a:xfrm>
-          <a:off x="0" y="0"/>
-          <a:ext cx="0" cy="0"/>
-          <a:chOff x="0" y="0"/>
-          <a:chExt cx="0" cy="0"/>
-        </a:xfrm>
-      </p:grpSpPr>
-      <p:grpSp>
-        <p:nvGrpSpPr>
-          <p:cNvPr id="2" name="Group 1"/>
-          <p:cNvGrpSpPr/>
-          <p:nvPr/>
-        </p:nvGrpSpPr>
-        <p:grpSpPr>
-          <a:xfrm>
-            <a:off x="60385" y="448286"/>
-            <a:ext cx="8876764" cy="453980"/>
-            <a:chOff x="-115910" y="386367"/>
-            <a:chExt cx="11835685" cy="605307"/>
-          </a:xfrm>
-          <a:solidFill>
-            <a:srgbClr val="0C2738"/>
-          </a:solidFill>
-        </p:grpSpPr>
-        <p:sp>
-          <p:nvSpPr>
-            <p:cNvPr id="3" name="Round Single Corner Rectangle 2"/>
-            <p:cNvSpPr/>
-            <p:nvPr/>
-          </p:nvSpPr>
-          <p:spPr>
-            <a:xfrm>
-              <a:off x="-115910" y="386367"/>
-              <a:ext cx="11835685" cy="605307"/>
-            </a:xfrm>
-            <a:prstGeom prst="round1Rect">
-              <a:avLst/>
-            </a:prstGeom>
-            <a:grpFill/>
-            <a:ln>
-              <a:noFill/>
-            </a:ln>
-          </p:spPr>
-          <p:style>
-            <a:lnRef idx="2">
-              <a:schemeClr val="accent1">
-                <a:shade val="50000"/>
-              </a:schemeClr>
-            </a:lnRef>
-            <a:fillRef idx="1">
-              <a:schemeClr val="accent1"/>
-            </a:fillRef>
-            <a:effectRef idx="0">
-              <a:schemeClr val="accent1"/>
-            </a:effectRef>
-            <a:fontRef idx="minor">
-              <a:schemeClr val="lt1"/>
-            </a:fontRef>
-          </p:style>
-          <p:txBody>
-            <a:bodyPr rtlCol="0" anchor="ctr"/>
-            <a:lstStyle/>
-            <a:p>
-              <a:pPr algn="ctr"/>
-              <a:endParaRPr lang="en-GB" sz="1350"/>
-            </a:p>
-          </p:txBody>
-        </p:sp>
-        <p:pic>
-          <p:nvPicPr>
-            <p:cNvPr id="4" name="Picture 3"/>
-            <p:cNvPicPr>
-              <a:picLocks noChangeAspect="1"/>
-            </p:cNvPicPr>
-            <p:nvPr/>
-          </p:nvPicPr>
-          <p:blipFill>
-            <a:blip r:embed="rId2" cstate="print">
-              <a:extLst>
-                <a:ext uri="{28A0092B-C50C-407E-A947-70E740481C1C}">
-                  <a14:useLocalDpi xmlns:a14="http://schemas.microsoft.com/office/drawing/2010/main" val="0"/>
-                </a:ext>
-              </a:extLst>
-            </a:blip>
-            <a:stretch>
-              <a:fillRect/>
-            </a:stretch>
-          </p:blipFill>
-          <p:spPr>
-            <a:xfrm>
-              <a:off x="9710730" y="425004"/>
-              <a:ext cx="1918893" cy="496430"/>
-            </a:xfrm>
-            <a:prstGeom prst="rect">
-              <a:avLst/>
-            </a:prstGeom>
-            <a:grpFill/>
-          </p:spPr>
-        </p:pic>
-      </p:grpSp>
-      <p:sp>
-        <p:nvSpPr>
-          <p:cNvPr id="5" name="Title 4">
-            <a:extLst>
-              <a:ext uri="{FF2B5EF4-FFF2-40B4-BE49-F238E27FC236}">
-                <a16:creationId xmlns:a16="http://schemas.microsoft.com/office/drawing/2014/main" id="{CDDD41CC-14FD-432A-81C4-1AB9ECBD036C}"/>
-              </a:ext>
-            </a:extLst>
-          </p:cNvPr>
-          <p:cNvSpPr>
-            <a:spLocks noGrp="1"/>
-          </p:cNvSpPr>
-          <p:nvPr>
-            <p:ph type="title"/>
-          </p:nvPr>
-        </p:nvSpPr>
-        <p:spPr>
-          <a:xfrm>
-            <a:off x="628650" y="365127"/>
-            <a:ext cx="7886700" cy="625473"/>
-          </a:xfrm>
-        </p:spPr>
-        <p:txBody>
-          <a:bodyPr>
-            <a:normAutofit fontScale="90000"/>
-          </a:bodyPr>
-          <a:lstStyle/>
-          <a:p>
-            <a:r>
-              <a:rPr lang="en-GB" dirty="0">
-                <a:solidFill>
-                  <a:schemeClr val="bg1"/>
-                </a:solidFill>
-              </a:rPr>
-              <a:t>Timeline for implementation </a:t>
-            </a:r>
-          </a:p>
-        </p:txBody>
-      </p:sp>
-      <p:sp>
-        <p:nvSpPr>
-          <p:cNvPr id="6" name="Content Placeholder 5">
-            <a:extLst>
-              <a:ext uri="{FF2B5EF4-FFF2-40B4-BE49-F238E27FC236}">
-                <a16:creationId xmlns:a16="http://schemas.microsoft.com/office/drawing/2014/main" id="{FE82F654-90CD-4BD2-ABED-055A46ACA720}"/>
-              </a:ext>
-            </a:extLst>
-          </p:cNvPr>
-          <p:cNvSpPr>
-            <a:spLocks noGrp="1"/>
-          </p:cNvSpPr>
-          <p:nvPr>
-            <p:ph idx="1"/>
-          </p:nvPr>
-        </p:nvSpPr>
-        <p:spPr/>
-        <p:txBody>
-          <a:bodyPr>
-            <a:normAutofit fontScale="92500" lnSpcReduction="10000"/>
-          </a:bodyPr>
-          <a:lstStyle/>
-          <a:p>
-            <a:pPr marL="0" indent="0">
-              <a:buNone/>
-            </a:pPr>
-            <a:r>
-              <a:rPr lang="en-US" dirty="0">
-                <a:solidFill>
-                  <a:schemeClr val="dk1"/>
-                </a:solidFill>
-              </a:rPr>
-              <a:t>Cybersecurity Principles Roadshow: March-April 2016</a:t>
-            </a:r>
-            <a:endParaRPr lang="en-GB" dirty="0">
-              <a:solidFill>
-                <a:schemeClr val="dk1"/>
-              </a:solidFill>
-            </a:endParaRPr>
-          </a:p>
-          <a:p>
-            <a:pPr marL="0" indent="0">
-              <a:buNone/>
-            </a:pPr>
-            <a:r>
-              <a:rPr lang="en-GB" dirty="0"/>
-              <a:t>All institutions expected to be fully compliant: Sept 2020</a:t>
-            </a:r>
-          </a:p>
-          <a:p>
-            <a:pPr marL="0" indent="0">
-              <a:buNone/>
-            </a:pPr>
-            <a:endParaRPr lang="en-GB" dirty="0"/>
-          </a:p>
-          <a:p>
-            <a:pPr marL="0" indent="0">
-              <a:buNone/>
-            </a:pPr>
-            <a:r>
-              <a:rPr lang="en-GB" dirty="0"/>
-              <a:t>Status (autumn 2018)</a:t>
-            </a:r>
-          </a:p>
-          <a:p>
-            <a:r>
-              <a:rPr lang="en-US" altLang="en-US" dirty="0"/>
-              <a:t>70 Higher Education Institutes visited under this regime</a:t>
-            </a:r>
-          </a:p>
-          <a:p>
-            <a:r>
-              <a:rPr lang="en-US" altLang="en-US" dirty="0"/>
-              <a:t>54 Higher Education Institutes compliant</a:t>
-            </a:r>
-          </a:p>
-          <a:p>
-            <a:r>
-              <a:rPr lang="en-US" altLang="en-US" dirty="0"/>
-              <a:t>12 Higher Education Institutes requiring long actions (for next visit)</a:t>
-            </a:r>
-          </a:p>
-          <a:p>
-            <a:r>
-              <a:rPr lang="en-US" altLang="en-US" dirty="0"/>
-              <a:t>4 Higher Education Institutes requiring short term actions</a:t>
-            </a:r>
-            <a:endParaRPr lang="en-GB" altLang="en-US" dirty="0"/>
-          </a:p>
-          <a:p>
-            <a:pPr marL="0" indent="0">
-              <a:buNone/>
-            </a:pPr>
-            <a:endParaRPr lang="en-GB" dirty="0"/>
-          </a:p>
-          <a:p>
-            <a:pPr marL="0" indent="0">
-              <a:buNone/>
-            </a:pPr>
-            <a:endParaRPr lang="en-GB" dirty="0"/>
-          </a:p>
-        </p:txBody>
-      </p:sp>
-    </p:spTree>
-    <p:extLst>
-      <p:ext uri="{BB962C8B-B14F-4D97-AF65-F5344CB8AC3E}">
-        <p14:creationId xmlns:p14="http://schemas.microsoft.com/office/powerpoint/2010/main" val="3131741793"/>
-      </p:ext>
-    </p:extLst>
-  </p:cSld>
-  <p:clrMapOvr>
-    <a:masterClrMapping/>
-  </p:clrMapOvr>
-</p:sld>
-</file>
-
 <file path=ppt/slides/slide9.xml><?xml version="1.0" encoding="utf-8"?>
 <p:sld xmlns:a="http://schemas.openxmlformats.org/drawingml/2006/main" xmlns:r="http://schemas.openxmlformats.org/officeDocument/2006/relationships" xmlns:p="http://schemas.openxmlformats.org/presentationml/2006/main">
   <p:cSld>
@@ -6625,99 +6615,6 @@
           <a:chExt cx="0" cy="0"/>
         </a:xfrm>
       </p:grpSpPr>
-      <p:grpSp>
-        <p:nvGrpSpPr>
-          <p:cNvPr id="2" name="Group 1"/>
-          <p:cNvGrpSpPr/>
-          <p:nvPr/>
-        </p:nvGrpSpPr>
-        <p:grpSpPr>
-          <a:xfrm>
-            <a:off x="60385" y="448286"/>
-            <a:ext cx="8876764" cy="453980"/>
-            <a:chOff x="-115910" y="386367"/>
-            <a:chExt cx="11835685" cy="605307"/>
-          </a:xfrm>
-          <a:solidFill>
-            <a:srgbClr val="0C2738"/>
-          </a:solidFill>
-        </p:grpSpPr>
-        <p:sp>
-          <p:nvSpPr>
-            <p:cNvPr id="3" name="Round Single Corner Rectangle 2"/>
-            <p:cNvSpPr/>
-            <p:nvPr/>
-          </p:nvSpPr>
-          <p:spPr>
-            <a:xfrm>
-              <a:off x="-115910" y="386367"/>
-              <a:ext cx="11835685" cy="605307"/>
-            </a:xfrm>
-            <a:prstGeom prst="round1Rect">
-              <a:avLst/>
-            </a:prstGeom>
-            <a:grpFill/>
-            <a:ln>
-              <a:noFill/>
-            </a:ln>
-          </p:spPr>
-          <p:style>
-            <a:lnRef idx="2">
-              <a:schemeClr val="accent1">
-                <a:shade val="50000"/>
-              </a:schemeClr>
-            </a:lnRef>
-            <a:fillRef idx="1">
-              <a:schemeClr val="accent1"/>
-            </a:fillRef>
-            <a:effectRef idx="0">
-              <a:schemeClr val="accent1"/>
-            </a:effectRef>
-            <a:fontRef idx="minor">
-              <a:schemeClr val="lt1"/>
-            </a:fontRef>
-          </p:style>
-          <p:txBody>
-            <a:bodyPr rtlCol="0" anchor="ctr"/>
-            <a:lstStyle/>
-            <a:p>
-              <a:pPr algn="ctr"/>
-              <a:endParaRPr lang="en-GB" sz="1350"/>
-            </a:p>
-          </p:txBody>
-        </p:sp>
-        <p:pic>
-          <p:nvPicPr>
-            <p:cNvPr id="4" name="Picture 3"/>
-            <p:cNvPicPr>
-              <a:picLocks noChangeAspect="1"/>
-            </p:cNvPicPr>
-            <p:nvPr/>
-          </p:nvPicPr>
-          <p:blipFill>
-            <a:blip r:embed="rId2" cstate="print">
-              <a:extLst>
-                <a:ext uri="{28A0092B-C50C-407E-A947-70E740481C1C}">
-                  <a14:useLocalDpi xmlns:a14="http://schemas.microsoft.com/office/drawing/2010/main" val="0"/>
-                </a:ext>
-              </a:extLst>
-            </a:blip>
-            <a:stretch>
-              <a:fillRect/>
-            </a:stretch>
-          </p:blipFill>
-          <p:spPr>
-            <a:xfrm>
-              <a:off x="9710730" y="425004"/>
-              <a:ext cx="1918893" cy="496430"/>
-            </a:xfrm>
-            <a:prstGeom prst="rect">
-              <a:avLst/>
-            </a:prstGeom>
-            <a:grpFill/>
-          </p:spPr>
-        </p:pic>
-      </p:grpSp>
       <p:sp>
         <p:nvSpPr>
           <p:cNvPr id="5" name="Title 4">
@@ -6731,12 +6628,12 @@
             <a:spLocks noGrp="1"/>
           </p:cNvSpPr>
           <p:nvPr>
-            <p:ph type="title"/>
+            <p:ph type="title" idx="4294967295"/>
           </p:nvPr>
         </p:nvSpPr>
         <p:spPr>
           <a:xfrm>
-            <a:off x="628650" y="365127"/>
+            <a:off x="146512" y="298623"/>
             <a:ext cx="7886700" cy="739774"/>
           </a:xfrm>
         </p:spPr>
@@ -6750,7 +6647,23 @@
                   <a:schemeClr val="bg1"/>
                 </a:solidFill>
               </a:rPr>
-              <a:t>Curricula guidelines (2015)</a:t>
+              <a:t>Curricula </a:t>
+            </a:r>
+            <a:r>
+              <a:rPr lang="en-GB" sz="4000" dirty="0">
+                <a:solidFill>
+                  <a:schemeClr val="bg1"/>
+                </a:solidFill>
+              </a:rPr>
+              <a:t>guidelines</a:t>
+            </a:r>
+            <a:r>
+              <a:rPr lang="en-GB" dirty="0">
+                <a:solidFill>
+                  <a:schemeClr val="bg1"/>
+                </a:solidFill>
+              </a:rPr>
+              <a:t> (2015)</a:t>
             </a:r>
           </a:p>
         </p:txBody>
@@ -6859,6 +6772,85 @@
   <p:clrMapOvr>
     <a:masterClrMapping/>
   </p:clrMapOvr>
+  <p:timing>
+    <p:tnLst>
+      <p:par>
+        <p:cTn id="1" dur="indefinite" restart="never" nodeType="tmRoot">
+          <p:childTnLst>
+            <p:seq concurrent="1" nextAc="seek">
+              <p:cTn id="2" dur="indefinite" nodeType="mainSeq">
+                <p:childTnLst>
+                  <p:par>
+                    <p:cTn id="3" fill="hold">
+                      <p:stCondLst>
+                        <p:cond delay="indefinite"/>
+                      </p:stCondLst>
+                      <p:childTnLst>
+                        <p:par>
+                          <p:cTn id="4" fill="hold">
+                            <p:stCondLst>
+                              <p:cond delay="0"/>
+                            </p:stCondLst>
+                            <p:childTnLst>
+                              <p:par>
+                                <p:cTn id="5" presetID="1" presetClass="entr" presetSubtype="0" fill="hold" nodeType="clickEffect">
+                                  <p:stCondLst>
+                                    <p:cond delay="0"/>
+                                  </p:stCondLst>
+                                  <p:childTnLst>
+                                    <p:set>
+                                      <p:cBhvr>
+                                        <p:cTn id="6" dur="1" fill="hold">
+                                          <p:stCondLst>
+                                            <p:cond delay="0"/>
+                                          </p:stCondLst>
+                                        </p:cTn>
+                                        <p:tgtEl>
+                                          <p:spTgt spid="6">
+                                            <p:txEl>
+                                              <p:pRg st="6" end="6"/>
+                                            </p:txEl>
+                                          </p:spTgt>
+                                        </p:tgtEl>
+                                        <p:attrNameLst>
+                                          <p:attrName>style.visibility</p:attrName>
+                                        </p:attrNameLst>
+                                      </p:cBhvr>
+                                      <p:to>
+                                        <p:strVal val="visible"/>
+                                      </p:to>
+                                    </p:set>
+                                  </p:childTnLst>
+                                </p:cTn>
+                              </p:par>
+                            </p:childTnLst>
+                          </p:cTn>
+                        </p:par>
+                      </p:childTnLst>
+                    </p:cTn>
+                  </p:par>
+                </p:childTnLst>
+              </p:cTn>
+              <p:prevCondLst>
+                <p:cond evt="onPrev" delay="0">
+                  <p:tgtEl>
+                    <p:sldTgt/>
+                  </p:tgtEl>
+                </p:cond>
+              </p:prevCondLst>
+              <p:nextCondLst>
+                <p:cond evt="onNext" delay="0">
+                  <p:tgtEl>
+                    <p:sldTgt/>
+                  </p:tgtEl>
+                </p:cond>
+              </p:nextCondLst>
+            </p:seq>
+          </p:childTnLst>
+        </p:cTn>
+      </p:par>
+    </p:tnLst>
+  </p:timing>
 </p:sld>
 </file>
 

--- a/TalkatFI2019.pptx
+++ b/TalkatFI2019.pptx
@@ -5,7 +5,7 @@
     <p:sldMasterId id="2147483684" r:id="rId1"/>
   </p:sldMasterIdLst>
   <p:sldIdLst>
-    <p:sldId id="262" r:id="rId2"/>
+    <p:sldId id="281" r:id="rId2"/>
     <p:sldId id="276" r:id="rId3"/>
     <p:sldId id="271" r:id="rId4"/>
     <p:sldId id="272" r:id="rId5"/>
@@ -14,7 +14,7 @@
     <p:sldId id="278" r:id="rId8"/>
     <p:sldId id="280" r:id="rId9"/>
     <p:sldId id="279" r:id="rId10"/>
-    <p:sldId id="281" r:id="rId11"/>
+    <p:sldId id="282" r:id="rId11"/>
     <p:sldId id="270" r:id="rId12"/>
     <p:sldId id="274" r:id="rId13"/>
     <p:sldId id="277" r:id="rId14"/>
@@ -136,8 +136,16 @@
 </file>
 
 <file path=ppt/slideLayouts/slideLayout1.xml><?xml version="1.0" encoding="utf-8"?>
-<p:sldLayout xmlns:a="http://schemas.openxmlformats.org/drawingml/2006/main" xmlns:r="http://schemas.openxmlformats.org/officeDocument/2006/relationships" xmlns:p="http://schemas.openxmlformats.org/presentationml/2006/main" type="title" preserve="1">
+<p:sldLayout xmlns:a="http://schemas.openxmlformats.org/drawingml/2006/main" xmlns:r="http://schemas.openxmlformats.org/officeDocument/2006/relationships" xmlns:p="http://schemas.openxmlformats.org/presentationml/2006/main" preserve="1" userDrawn="1">
   <p:cSld name="Title Slide">
+    <p:bg>
+      <p:bgPr>
+        <a:solidFill>
+          <a:srgbClr val="0C2738"/>
+        </a:solidFill>
+        <a:effectLst/>
+      </p:bgPr>
+    </p:bg>
     <p:spTree>
       <p:nvGrpSpPr>
         <p:cNvPr id="1" name=""/>
@@ -154,38 +162,6 @@
       </p:grpSpPr>
       <p:sp>
         <p:nvSpPr>
-          <p:cNvPr id="2" name="Title 1"/>
-          <p:cNvSpPr>
-            <a:spLocks noGrp="1"/>
-          </p:cNvSpPr>
-          <p:nvPr>
-            <p:ph type="ctrTitle"/>
-          </p:nvPr>
-        </p:nvSpPr>
-        <p:spPr>
-          <a:xfrm>
-            <a:off x="685800" y="1122363"/>
-            <a:ext cx="7772400" cy="2387600"/>
-          </a:xfrm>
-        </p:spPr>
-        <p:txBody>
-          <a:bodyPr anchor="b"/>
-          <a:lstStyle>
-            <a:lvl1pPr algn="ctr">
-              <a:defRPr sz="6000"/>
-            </a:lvl1pPr>
-          </a:lstStyle>
-          <a:p>
-            <a:r>
-              <a:rPr lang="en-US"/>
-              <a:t>Click to edit Master title style</a:t>
-            </a:r>
-            <a:endParaRPr lang="en-US" dirty="0"/>
-          </a:p>
-        </p:txBody>
-      </p:sp>
-      <p:sp>
-        <p:nvSpPr>
           <p:cNvPr id="3" name="Subtitle 2"/>
           <p:cNvSpPr>
             <a:spLocks noGrp="1"/>
@@ -205,7 +181,11 @@
           <a:lstStyle>
             <a:lvl1pPr marL="0" indent="0" algn="ctr">
               <a:buNone/>
-              <a:defRPr sz="2400"/>
+              <a:defRPr sz="2400">
+                <a:solidFill>
+                  <a:schemeClr val="bg1"/>
+                </a:solidFill>
+              </a:defRPr>
             </a:lvl1pPr>
             <a:lvl2pPr marL="457200" indent="0" algn="ctr">
               <a:buNone/>
@@ -266,7 +246,7 @@
           <a:p>
             <a:fld id="{F1E7EA7A-D48D-48FE-84E3-4861B9CD7550}" type="datetimeFigureOut">
               <a:rPr lang="en-GB" smtClean="0"/>
-              <a:t>15/10/2019</a:t>
+              <a:t>16/10/2019</a:t>
             </a:fld>
             <a:endParaRPr lang="en-GB"/>
           </a:p>
@@ -314,6 +294,59 @@
           </a:p>
         </p:txBody>
       </p:sp>
+      <p:pic>
+        <p:nvPicPr>
+          <p:cNvPr id="7" name="Picture 6"/>
+          <p:cNvPicPr>
+            <a:picLocks noChangeAspect="1"/>
+          </p:cNvPicPr>
+          <p:nvPr userDrawn="1"/>
+        </p:nvPicPr>
+        <p:blipFill rotWithShape="1">
+          <a:blip r:embed="rId2" cstate="print">
+            <a:extLst>
+              <a:ext uri="{28A0092B-C50C-407E-A947-70E740481C1C}">
+                <a14:useLocalDpi xmlns:a14="http://schemas.microsoft.com/office/drawing/2010/main" val="0"/>
+              </a:ext>
+            </a:extLst>
+          </a:blip>
+          <a:srcRect t="21997" b="29273"/>
+          <a:stretch/>
+        </p:blipFill>
+        <p:spPr>
+          <a:xfrm>
+            <a:off x="741605" y="1800218"/>
+            <a:ext cx="4574690" cy="1581375"/>
+          </a:xfrm>
+          <a:prstGeom prst="rect">
+            <a:avLst/>
+          </a:prstGeom>
+        </p:spPr>
+      </p:pic>
+      <p:pic>
+        <p:nvPicPr>
+          <p:cNvPr id="8" name="Picture 7"/>
+          <p:cNvPicPr>
+            <a:picLocks noChangeAspect="1"/>
+          </p:cNvPicPr>
+          <p:nvPr userDrawn="1"/>
+        </p:nvPicPr>
+        <p:blipFill>
+          <a:blip r:embed="rId3"/>
+          <a:stretch>
+            <a:fillRect/>
+          </a:stretch>
+        </p:blipFill>
+        <p:spPr>
+          <a:xfrm>
+            <a:off x="5077074" y="2101165"/>
+            <a:ext cx="3247074" cy="996262"/>
+          </a:xfrm>
+          <a:prstGeom prst="rect">
+            <a:avLst/>
+          </a:prstGeom>
+        </p:spPr>
+      </p:pic>
     </p:spTree>
     <p:extLst>
       <p:ext uri="{BB962C8B-B14F-4D97-AF65-F5344CB8AC3E}">
@@ -324,6 +357,13 @@
   <p:clrMapOvr>
     <a:masterClrMapping/>
   </p:clrMapOvr>
+  <p:timing>
+    <p:tnLst>
+      <p:par>
+        <p:cTn id="1" dur="indefinite" restart="never" nodeType="tmRoot"/>
+      </p:par>
+    </p:tnLst>
+  </p:timing>
 </p:sldLayout>
 </file>
 
@@ -436,7 +476,7 @@
           <a:p>
             <a:fld id="{F1E7EA7A-D48D-48FE-84E3-4861B9CD7550}" type="datetimeFigureOut">
               <a:rPr lang="en-GB" smtClean="0"/>
-              <a:t>15/10/2019</a:t>
+              <a:t>16/10/2019</a:t>
             </a:fld>
             <a:endParaRPr lang="en-GB"/>
           </a:p>
@@ -616,7 +656,7 @@
           <a:p>
             <a:fld id="{F1E7EA7A-D48D-48FE-84E3-4861B9CD7550}" type="datetimeFigureOut">
               <a:rPr lang="en-GB" smtClean="0"/>
-              <a:t>15/10/2019</a:t>
+              <a:t>16/10/2019</a:t>
             </a:fld>
             <a:endParaRPr lang="en-GB"/>
           </a:p>
@@ -678,7 +718,7 @@
 </file>
 
 <file path=ppt/slideLayouts/slideLayout2.xml><?xml version="1.0" encoding="utf-8"?>
-<p:sldLayout xmlns:a="http://schemas.openxmlformats.org/drawingml/2006/main" xmlns:r="http://schemas.openxmlformats.org/officeDocument/2006/relationships" xmlns:p="http://schemas.openxmlformats.org/presentationml/2006/main" type="obj" preserve="1">
+<p:sldLayout xmlns:a="http://schemas.openxmlformats.org/drawingml/2006/main" xmlns:r="http://schemas.openxmlformats.org/officeDocument/2006/relationships" xmlns:p="http://schemas.openxmlformats.org/presentationml/2006/main" preserve="1" userDrawn="1">
   <p:cSld name="Title and Content">
     <p:spTree>
       <p:nvGrpSpPr>
@@ -696,12 +736,12 @@
       </p:grpSpPr>
       <p:sp>
         <p:nvSpPr>
-          <p:cNvPr id="2" name="Title 1"/>
-          <p:cNvSpPr>
-            <a:spLocks noGrp="1"/>
-          </p:cNvSpPr>
-          <p:nvPr>
-            <p:ph type="title"/>
+          <p:cNvPr id="3" name="Content Placeholder 2"/>
+          <p:cNvSpPr>
+            <a:spLocks noGrp="1"/>
+          </p:cNvSpPr>
+          <p:nvPr>
+            <p:ph idx="1"/>
           </p:nvPr>
         </p:nvSpPr>
         <p:spPr/>
@@ -709,62 +749,7 @@
           <a:bodyPr/>
           <a:lstStyle/>
           <a:p>
-            <a:r>
-              <a:rPr lang="en-US"/>
-              <a:t>Click to edit Master title style</a:t>
-            </a:r>
-            <a:endParaRPr lang="en-US" dirty="0"/>
-          </a:p>
-        </p:txBody>
-      </p:sp>
-      <p:sp>
-        <p:nvSpPr>
-          <p:cNvPr id="3" name="Content Placeholder 2"/>
-          <p:cNvSpPr>
-            <a:spLocks noGrp="1"/>
-          </p:cNvSpPr>
-          <p:nvPr>
-            <p:ph idx="1"/>
-          </p:nvPr>
-        </p:nvSpPr>
-        <p:spPr/>
-        <p:txBody>
-          <a:bodyPr/>
-          <a:lstStyle/>
-          <a:p>
             <a:pPr lvl="0"/>
-            <a:r>
-              <a:rPr lang="en-US"/>
-              <a:t>Edit Master text styles</a:t>
-            </a:r>
-          </a:p>
-          <a:p>
-            <a:pPr lvl="1"/>
-            <a:r>
-              <a:rPr lang="en-US"/>
-              <a:t>Second level</a:t>
-            </a:r>
-          </a:p>
-          <a:p>
-            <a:pPr lvl="2"/>
-            <a:r>
-              <a:rPr lang="en-US"/>
-              <a:t>Third level</a:t>
-            </a:r>
-          </a:p>
-          <a:p>
-            <a:pPr lvl="3"/>
-            <a:r>
-              <a:rPr lang="en-US"/>
-              <a:t>Fourth level</a:t>
-            </a:r>
-          </a:p>
-          <a:p>
-            <a:pPr lvl="4"/>
-            <a:r>
-              <a:rPr lang="en-US"/>
-              <a:t>Fifth level</a:t>
-            </a:r>
             <a:endParaRPr lang="en-US" dirty="0"/>
           </a:p>
         </p:txBody>
@@ -786,7 +771,7 @@
           <a:p>
             <a:fld id="{F1E7EA7A-D48D-48FE-84E3-4861B9CD7550}" type="datetimeFigureOut">
               <a:rPr lang="en-GB" smtClean="0"/>
-              <a:t>15/10/2019</a:t>
+              <a:t>16/10/2019</a:t>
             </a:fld>
             <a:endParaRPr lang="en-GB"/>
           </a:p>
@@ -831,6 +816,161 @@
               <a:t>‹#›</a:t>
             </a:fld>
             <a:endParaRPr lang="en-GB"/>
+          </a:p>
+        </p:txBody>
+      </p:sp>
+      <p:grpSp>
+        <p:nvGrpSpPr>
+          <p:cNvPr id="7" name="Group 6"/>
+          <p:cNvGrpSpPr/>
+          <p:nvPr userDrawn="1"/>
+        </p:nvGrpSpPr>
+        <p:grpSpPr>
+          <a:xfrm>
+            <a:off x="0" y="454047"/>
+            <a:ext cx="7603524" cy="453980"/>
+            <a:chOff x="-115910" y="386367"/>
+            <a:chExt cx="11835685" cy="605307"/>
+          </a:xfrm>
+          <a:solidFill>
+            <a:srgbClr val="0C2738"/>
+          </a:solidFill>
+        </p:grpSpPr>
+        <p:sp>
+          <p:nvSpPr>
+            <p:cNvPr id="8" name="Round Single Corner Rectangle 7"/>
+            <p:cNvSpPr/>
+            <p:nvPr/>
+          </p:nvSpPr>
+          <p:spPr>
+            <a:xfrm>
+              <a:off x="-115910" y="386367"/>
+              <a:ext cx="11835685" cy="605307"/>
+            </a:xfrm>
+            <a:prstGeom prst="round1Rect">
+              <a:avLst/>
+            </a:prstGeom>
+            <a:grpFill/>
+            <a:ln>
+              <a:noFill/>
+            </a:ln>
+          </p:spPr>
+          <p:style>
+            <a:lnRef idx="2">
+              <a:schemeClr val="accent1">
+                <a:shade val="50000"/>
+              </a:schemeClr>
+            </a:lnRef>
+            <a:fillRef idx="1">
+              <a:schemeClr val="accent1"/>
+            </a:fillRef>
+            <a:effectRef idx="0">
+              <a:schemeClr val="accent1"/>
+            </a:effectRef>
+            <a:fontRef idx="minor">
+              <a:schemeClr val="lt1"/>
+            </a:fontRef>
+          </p:style>
+          <p:txBody>
+            <a:bodyPr rtlCol="0" anchor="ctr"/>
+            <a:lstStyle/>
+            <a:p>
+              <a:pPr algn="ctr"/>
+              <a:endParaRPr lang="en-GB" sz="1350" dirty="0"/>
+            </a:p>
+          </p:txBody>
+        </p:sp>
+        <p:pic>
+          <p:nvPicPr>
+            <p:cNvPr id="9" name="Picture 8"/>
+            <p:cNvPicPr>
+              <a:picLocks noChangeAspect="1"/>
+            </p:cNvPicPr>
+            <p:nvPr/>
+          </p:nvPicPr>
+          <p:blipFill>
+            <a:blip r:embed="rId2" cstate="print">
+              <a:extLst>
+                <a:ext uri="{28A0092B-C50C-407E-A947-70E740481C1C}">
+                  <a14:useLocalDpi xmlns:a14="http://schemas.microsoft.com/office/drawing/2010/main" val="0"/>
+                </a:ext>
+              </a:extLst>
+            </a:blip>
+            <a:stretch>
+              <a:fillRect/>
+            </a:stretch>
+          </p:blipFill>
+          <p:spPr>
+            <a:xfrm>
+              <a:off x="9710730" y="425004"/>
+              <a:ext cx="1918893" cy="496430"/>
+            </a:xfrm>
+            <a:prstGeom prst="rect">
+              <a:avLst/>
+            </a:prstGeom>
+            <a:grpFill/>
+          </p:spPr>
+        </p:pic>
+      </p:grpSp>
+      <p:pic>
+        <p:nvPicPr>
+          <p:cNvPr id="10" name="Picture 9"/>
+          <p:cNvPicPr>
+            <a:picLocks noChangeAspect="1"/>
+          </p:cNvPicPr>
+          <p:nvPr userDrawn="1"/>
+        </p:nvPicPr>
+        <p:blipFill>
+          <a:blip r:embed="rId3"/>
+          <a:stretch>
+            <a:fillRect/>
+          </a:stretch>
+        </p:blipFill>
+        <p:spPr>
+          <a:xfrm>
+            <a:off x="7611760" y="454047"/>
+            <a:ext cx="1484488" cy="453980"/>
+          </a:xfrm>
+          <a:prstGeom prst="rect">
+            <a:avLst/>
+          </a:prstGeom>
+        </p:spPr>
+      </p:pic>
+      <p:sp>
+        <p:nvSpPr>
+          <p:cNvPr id="14" name="Content Placeholder 13"/>
+          <p:cNvSpPr>
+            <a:spLocks noGrp="1"/>
+          </p:cNvSpPr>
+          <p:nvPr>
+            <p:ph sz="quarter" idx="13" hasCustomPrompt="1"/>
+          </p:nvPr>
+        </p:nvSpPr>
+        <p:spPr>
+          <a:xfrm>
+            <a:off x="605037" y="490486"/>
+            <a:ext cx="5649913" cy="373063"/>
+          </a:xfrm>
+        </p:spPr>
+        <p:txBody>
+          <a:bodyPr/>
+          <a:lstStyle>
+            <a:lvl1pPr marL="0" indent="0">
+              <a:buNone/>
+              <a:defRPr sz="4000">
+                <a:solidFill>
+                  <a:schemeClr val="bg1"/>
+                </a:solidFill>
+              </a:defRPr>
+            </a:lvl1pPr>
+          </a:lstStyle>
+          <a:p>
+            <a:pPr lvl="0"/>
+            <a:r>
+              <a:rPr lang="en-US" dirty="0" smtClean="0"/>
+              <a:t>Text</a:t>
+            </a:r>
+            <a:endParaRPr lang="en-GB" dirty="0"/>
           </a:p>
         </p:txBody>
       </p:sp>
@@ -1030,7 +1170,7 @@
           <a:p>
             <a:fld id="{F1E7EA7A-D48D-48FE-84E3-4861B9CD7550}" type="datetimeFigureOut">
               <a:rPr lang="en-GB" smtClean="0"/>
-              <a:t>15/10/2019</a:t>
+              <a:t>16/10/2019</a:t>
             </a:fld>
             <a:endParaRPr lang="en-GB"/>
           </a:p>
@@ -1262,7 +1402,7 @@
           <a:p>
             <a:fld id="{F1E7EA7A-D48D-48FE-84E3-4861B9CD7550}" type="datetimeFigureOut">
               <a:rPr lang="en-GB" smtClean="0"/>
-              <a:t>15/10/2019</a:t>
+              <a:t>16/10/2019</a:t>
             </a:fld>
             <a:endParaRPr lang="en-GB"/>
           </a:p>
@@ -1629,7 +1769,7 @@
           <a:p>
             <a:fld id="{F1E7EA7A-D48D-48FE-84E3-4861B9CD7550}" type="datetimeFigureOut">
               <a:rPr lang="en-GB" smtClean="0"/>
-              <a:t>15/10/2019</a:t>
+              <a:t>16/10/2019</a:t>
             </a:fld>
             <a:endParaRPr lang="en-GB"/>
           </a:p>
@@ -1747,7 +1887,7 @@
           <a:p>
             <a:fld id="{F1E7EA7A-D48D-48FE-84E3-4861B9CD7550}" type="datetimeFigureOut">
               <a:rPr lang="en-GB" smtClean="0"/>
-              <a:t>15/10/2019</a:t>
+              <a:t>16/10/2019</a:t>
             </a:fld>
             <a:endParaRPr lang="en-GB"/>
           </a:p>
@@ -1842,7 +1982,7 @@
           <a:p>
             <a:fld id="{F1E7EA7A-D48D-48FE-84E3-4861B9CD7550}" type="datetimeFigureOut">
               <a:rPr lang="en-GB" smtClean="0"/>
-              <a:t>15/10/2019</a:t>
+              <a:t>16/10/2019</a:t>
             </a:fld>
             <a:endParaRPr lang="en-GB"/>
           </a:p>
@@ -2119,7 +2259,7 @@
           <a:p>
             <a:fld id="{F1E7EA7A-D48D-48FE-84E3-4861B9CD7550}" type="datetimeFigureOut">
               <a:rPr lang="en-GB" smtClean="0"/>
-              <a:t>15/10/2019</a:t>
+              <a:t>16/10/2019</a:t>
             </a:fld>
             <a:endParaRPr lang="en-GB"/>
           </a:p>
@@ -2376,7 +2516,7 @@
           <a:p>
             <a:fld id="{F1E7EA7A-D48D-48FE-84E3-4861B9CD7550}" type="datetimeFigureOut">
               <a:rPr lang="en-GB" smtClean="0"/>
-              <a:t>15/10/2019</a:t>
+              <a:t>16/10/2019</a:t>
             </a:fld>
             <a:endParaRPr lang="en-GB"/>
           </a:p>
@@ -2589,7 +2729,7 @@
           <a:p>
             <a:fld id="{F1E7EA7A-D48D-48FE-84E3-4861B9CD7550}" type="datetimeFigureOut">
               <a:rPr lang="en-GB" smtClean="0"/>
-              <a:t>15/10/2019</a:t>
+              <a:t>16/10/2019</a:t>
             </a:fld>
             <a:endParaRPr lang="en-GB"/>
           </a:p>
@@ -2980,14 +3120,6 @@
 <file path=ppt/slides/slide1.xml><?xml version="1.0" encoding="utf-8"?>
 <p:sld xmlns:a="http://schemas.openxmlformats.org/drawingml/2006/main" xmlns:r="http://schemas.openxmlformats.org/officeDocument/2006/relationships" xmlns:p="http://schemas.openxmlformats.org/presentationml/2006/main">
   <p:cSld>
-    <p:bg>
-      <p:bgPr>
-        <a:solidFill>
-          <a:srgbClr val="0C2738"/>
-        </a:solidFill>
-        <a:effectLst/>
-      </p:bgPr>
-    </p:bg>
     <p:spTree>
       <p:nvGrpSpPr>
         <p:cNvPr id="1" name=""/>
@@ -3004,391 +3136,102 @@
       </p:grpSpPr>
       <p:sp>
         <p:nvSpPr>
-          <p:cNvPr id="2" name="AutoShape 2" descr="IoC_Logo_OnBlue_AW.jpg"/>
-          <p:cNvSpPr>
-            <a:spLocks noChangeAspect="1" noChangeArrowheads="1"/>
-          </p:cNvSpPr>
-          <p:nvPr/>
-        </p:nvSpPr>
-        <p:spPr bwMode="auto">
-          <a:xfrm>
-            <a:off x="26194" y="748905"/>
-            <a:ext cx="228600" cy="228601"/>
-          </a:xfrm>
-          <a:prstGeom prst="rect">
-            <a:avLst/>
-          </a:prstGeom>
-          <a:noFill/>
-          <a:extLst>
-            <a:ext uri="{909E8E84-426E-40DD-AFC4-6F175D3DCCD1}">
-              <a14:hiddenFill xmlns:a14="http://schemas.microsoft.com/office/drawing/2010/main">
-                <a:solidFill>
-                  <a:srgbClr val="FFFFFF"/>
-                </a:solidFill>
-              </a14:hiddenFill>
-            </a:ext>
-          </a:extLst>
-        </p:spPr>
-        <p:txBody>
-          <a:bodyPr vert="horz" wrap="square" lIns="68580" tIns="34290" rIns="68580" bIns="34290" numCol="1" anchor="t" anchorCtr="0" compatLnSpc="1">
-            <a:prstTxWarp prst="textNoShape">
-              <a:avLst/>
-            </a:prstTxWarp>
+          <p:cNvPr id="3" name="Subtitle 2"/>
+          <p:cNvSpPr>
+            <a:spLocks noGrp="1"/>
+          </p:cNvSpPr>
+          <p:nvPr>
+            <p:ph type="subTitle" idx="1"/>
+          </p:nvPr>
+        </p:nvSpPr>
+        <p:spPr/>
+        <p:txBody>
+          <a:bodyPr>
+            <a:normAutofit fontScale="92500" lnSpcReduction="10000"/>
           </a:bodyPr>
           <a:lstStyle/>
           <a:p>
-            <a:endParaRPr lang="en-GB" sz="1350"/>
-          </a:p>
-        </p:txBody>
-      </p:sp>
-      <p:pic>
-        <p:nvPicPr>
-          <p:cNvPr id="4" name="Picture 3"/>
-          <p:cNvPicPr>
-            <a:picLocks noChangeAspect="1"/>
-          </p:cNvPicPr>
-          <p:nvPr/>
-        </p:nvPicPr>
-        <p:blipFill rotWithShape="1">
-          <a:blip r:embed="rId2" cstate="print">
-            <a:extLst>
-              <a:ext uri="{28A0092B-C50C-407E-A947-70E740481C1C}">
-                <a14:useLocalDpi xmlns:a14="http://schemas.microsoft.com/office/drawing/2010/main" val="0"/>
-              </a:ext>
-            </a:extLst>
-          </a:blip>
-          <a:srcRect t="21997" b="29273"/>
-          <a:stretch/>
-        </p:blipFill>
-        <p:spPr>
-          <a:xfrm>
-            <a:off x="2363993" y="1849645"/>
-            <a:ext cx="4574690" cy="1581375"/>
-          </a:xfrm>
-          <a:prstGeom prst="rect">
-            <a:avLst/>
-          </a:prstGeom>
-        </p:spPr>
-      </p:pic>
-      <p:sp>
-        <p:nvSpPr>
-          <p:cNvPr id="5" name="Title 1"/>
-          <p:cNvSpPr txBox="1">
-            <a:spLocks/>
-          </p:cNvSpPr>
-          <p:nvPr/>
-        </p:nvSpPr>
-        <p:spPr>
-          <a:xfrm>
-            <a:off x="1088831" y="3638895"/>
-            <a:ext cx="6858000" cy="1790700"/>
-          </a:xfrm>
-          <a:prstGeom prst="rect">
-            <a:avLst/>
-          </a:prstGeom>
-          <a:solidFill>
-            <a:srgbClr val="0C2738"/>
-          </a:solidFill>
-        </p:spPr>
-        <p:txBody>
-          <a:bodyPr/>
-          <a:lstStyle>
-            <a:lvl1pPr algn="l" defTabSz="914400" rtl="0" eaLnBrk="1" latinLnBrk="0" hangingPunct="1">
-              <a:lnSpc>
-                <a:spcPct val="90000"/>
-              </a:lnSpc>
-              <a:spcBef>
-                <a:spcPct val="0"/>
-              </a:spcBef>
-              <a:buNone/>
-              <a:defRPr sz="4400" kern="1200">
-                <a:solidFill>
-                  <a:schemeClr val="tx1"/>
-                </a:solidFill>
-                <a:latin typeface="+mj-lt"/>
-                <a:ea typeface="+mj-ea"/>
-                <a:cs typeface="+mj-cs"/>
-              </a:defRPr>
-            </a:lvl1pPr>
-          </a:lstStyle>
-          <a:p>
-            <a:pPr algn="ctr"/>
-            <a:r>
-              <a:rPr lang="en-GB" sz="3300" dirty="0" err="1">
-                <a:solidFill>
-                  <a:schemeClr val="bg1"/>
-                </a:solidFill>
+            <a:r>
+              <a:rPr lang="en-GB" sz="3600" dirty="0" err="1">
                 <a:latin typeface="Arial" panose="020B0604020202020204" pitchFamily="34" charset="0"/>
                 <a:cs typeface="Arial" panose="020B0604020202020204" pitchFamily="34" charset="0"/>
               </a:rPr>
               <a:t>CyberSecurity</a:t>
             </a:r>
             <a:r>
-              <a:rPr lang="en-GB" sz="3300" dirty="0">
-                <a:solidFill>
-                  <a:schemeClr val="bg1"/>
-                </a:solidFill>
+              <a:rPr lang="en-GB" sz="3600" dirty="0">
                 <a:latin typeface="Arial" panose="020B0604020202020204" pitchFamily="34" charset="0"/>
                 <a:cs typeface="Arial" panose="020B0604020202020204" pitchFamily="34" charset="0"/>
               </a:rPr>
               <a:t> in UK Higher ed.</a:t>
             </a:r>
             <a:br>
-              <a:rPr lang="en-GB" sz="3300" dirty="0">
-                <a:solidFill>
-                  <a:schemeClr val="bg1"/>
-                </a:solidFill>
+              <a:rPr lang="en-GB" sz="3600" dirty="0">
                 <a:latin typeface="Arial" panose="020B0604020202020204" pitchFamily="34" charset="0"/>
                 <a:cs typeface="Arial" panose="020B0604020202020204" pitchFamily="34" charset="0"/>
               </a:rPr>
             </a:br>
             <a:r>
-              <a:rPr lang="en-GB" sz="3300" dirty="0">
-                <a:solidFill>
-                  <a:schemeClr val="bg1"/>
-                </a:solidFill>
+              <a:rPr lang="en-GB" sz="3600" dirty="0">
                 <a:latin typeface="Arial" panose="020B0604020202020204" pitchFamily="34" charset="0"/>
                 <a:cs typeface="Arial" panose="020B0604020202020204" pitchFamily="34" charset="0"/>
               </a:rPr>
-              <a:t>James H. Davenport </a:t>
-            </a:r>
-          </a:p>
-        </p:txBody>
-      </p:sp>
-      <p:sp>
-        <p:nvSpPr>
-          <p:cNvPr id="6" name="Subtitle 2"/>
-          <p:cNvSpPr txBox="1">
-            <a:spLocks/>
-          </p:cNvSpPr>
-          <p:nvPr/>
-        </p:nvSpPr>
-        <p:spPr>
-          <a:xfrm>
-            <a:off x="1313285" y="4627176"/>
-            <a:ext cx="6858000" cy="1241822"/>
-          </a:xfrm>
-          <a:prstGeom prst="rect">
-            <a:avLst/>
-          </a:prstGeom>
-        </p:spPr>
-        <p:txBody>
-          <a:bodyPr/>
-          <a:lstStyle>
-            <a:lvl1pPr marL="228600" indent="-228600" algn="l" defTabSz="914400" rtl="0" eaLnBrk="1" latinLnBrk="0" hangingPunct="1">
-              <a:lnSpc>
-                <a:spcPct val="90000"/>
-              </a:lnSpc>
-              <a:spcBef>
-                <a:spcPts val="1000"/>
-              </a:spcBef>
-              <a:buFont typeface="Arial" panose="020B0604020202020204" pitchFamily="34" charset="0"/>
-              <a:buChar char="•"/>
-              <a:defRPr sz="2800" kern="1200">
-                <a:solidFill>
-                  <a:schemeClr val="tx1"/>
-                </a:solidFill>
-                <a:latin typeface="+mn-lt"/>
-                <a:ea typeface="+mn-ea"/>
-                <a:cs typeface="+mn-cs"/>
-              </a:defRPr>
-            </a:lvl1pPr>
-            <a:lvl2pPr marL="685800" indent="-228600" algn="l" defTabSz="914400" rtl="0" eaLnBrk="1" latinLnBrk="0" hangingPunct="1">
-              <a:lnSpc>
-                <a:spcPct val="90000"/>
-              </a:lnSpc>
-              <a:spcBef>
-                <a:spcPts val="500"/>
-              </a:spcBef>
-              <a:buFont typeface="Arial" panose="020B0604020202020204" pitchFamily="34" charset="0"/>
-              <a:buChar char="•"/>
-              <a:defRPr sz="2400" kern="1200">
-                <a:solidFill>
-                  <a:schemeClr val="tx1"/>
-                </a:solidFill>
-                <a:latin typeface="+mn-lt"/>
-                <a:ea typeface="+mn-ea"/>
-                <a:cs typeface="+mn-cs"/>
-              </a:defRPr>
-            </a:lvl2pPr>
-            <a:lvl3pPr marL="1143000" indent="-228600" algn="l" defTabSz="914400" rtl="0" eaLnBrk="1" latinLnBrk="0" hangingPunct="1">
-              <a:lnSpc>
-                <a:spcPct val="90000"/>
-              </a:lnSpc>
-              <a:spcBef>
-                <a:spcPts val="500"/>
-              </a:spcBef>
-              <a:buFont typeface="Arial" panose="020B0604020202020204" pitchFamily="34" charset="0"/>
-              <a:buChar char="•"/>
-              <a:defRPr sz="2000" kern="1200">
-                <a:solidFill>
-                  <a:schemeClr val="tx1"/>
-                </a:solidFill>
-                <a:latin typeface="+mn-lt"/>
-                <a:ea typeface="+mn-ea"/>
-                <a:cs typeface="+mn-cs"/>
-              </a:defRPr>
-            </a:lvl3pPr>
-            <a:lvl4pPr marL="1600200" indent="-228600" algn="l" defTabSz="914400" rtl="0" eaLnBrk="1" latinLnBrk="0" hangingPunct="1">
-              <a:lnSpc>
-                <a:spcPct val="90000"/>
-              </a:lnSpc>
-              <a:spcBef>
-                <a:spcPts val="500"/>
-              </a:spcBef>
-              <a:buFont typeface="Arial" panose="020B0604020202020204" pitchFamily="34" charset="0"/>
-              <a:buChar char="•"/>
-              <a:defRPr sz="1800" kern="1200">
-                <a:solidFill>
-                  <a:schemeClr val="tx1"/>
-                </a:solidFill>
-                <a:latin typeface="+mn-lt"/>
-                <a:ea typeface="+mn-ea"/>
-                <a:cs typeface="+mn-cs"/>
-              </a:defRPr>
-            </a:lvl4pPr>
-            <a:lvl5pPr marL="2057400" indent="-228600" algn="l" defTabSz="914400" rtl="0" eaLnBrk="1" latinLnBrk="0" hangingPunct="1">
-              <a:lnSpc>
-                <a:spcPct val="90000"/>
-              </a:lnSpc>
-              <a:spcBef>
-                <a:spcPts val="500"/>
-              </a:spcBef>
-              <a:buFont typeface="Arial" panose="020B0604020202020204" pitchFamily="34" charset="0"/>
-              <a:buChar char="•"/>
-              <a:defRPr sz="1800" kern="1200">
-                <a:solidFill>
-                  <a:schemeClr val="tx1"/>
-                </a:solidFill>
-                <a:latin typeface="+mn-lt"/>
-                <a:ea typeface="+mn-ea"/>
-                <a:cs typeface="+mn-cs"/>
-              </a:defRPr>
-            </a:lvl5pPr>
-            <a:lvl6pPr marL="2514600" indent="-228600" algn="l" defTabSz="914400" rtl="0" eaLnBrk="1" latinLnBrk="0" hangingPunct="1">
-              <a:lnSpc>
-                <a:spcPct val="90000"/>
-              </a:lnSpc>
-              <a:spcBef>
-                <a:spcPts val="500"/>
-              </a:spcBef>
-              <a:buFont typeface="Arial" panose="020B0604020202020204" pitchFamily="34" charset="0"/>
-              <a:buChar char="•"/>
-              <a:defRPr sz="1800" kern="1200">
-                <a:solidFill>
-                  <a:schemeClr val="tx1"/>
-                </a:solidFill>
-                <a:latin typeface="+mn-lt"/>
-                <a:ea typeface="+mn-ea"/>
-                <a:cs typeface="+mn-cs"/>
-              </a:defRPr>
-            </a:lvl6pPr>
-            <a:lvl7pPr marL="2971800" indent="-228600" algn="l" defTabSz="914400" rtl="0" eaLnBrk="1" latinLnBrk="0" hangingPunct="1">
-              <a:lnSpc>
-                <a:spcPct val="90000"/>
-              </a:lnSpc>
-              <a:spcBef>
-                <a:spcPts val="500"/>
-              </a:spcBef>
-              <a:buFont typeface="Arial" panose="020B0604020202020204" pitchFamily="34" charset="0"/>
-              <a:buChar char="•"/>
-              <a:defRPr sz="1800" kern="1200">
-                <a:solidFill>
-                  <a:schemeClr val="tx1"/>
-                </a:solidFill>
-                <a:latin typeface="+mn-lt"/>
-                <a:ea typeface="+mn-ea"/>
-                <a:cs typeface="+mn-cs"/>
-              </a:defRPr>
-            </a:lvl7pPr>
-            <a:lvl8pPr marL="3429000" indent="-228600" algn="l" defTabSz="914400" rtl="0" eaLnBrk="1" latinLnBrk="0" hangingPunct="1">
-              <a:lnSpc>
-                <a:spcPct val="90000"/>
-              </a:lnSpc>
-              <a:spcBef>
-                <a:spcPts val="500"/>
-              </a:spcBef>
-              <a:buFont typeface="Arial" panose="020B0604020202020204" pitchFamily="34" charset="0"/>
-              <a:buChar char="•"/>
-              <a:defRPr sz="1800" kern="1200">
-                <a:solidFill>
-                  <a:schemeClr val="tx1"/>
-                </a:solidFill>
-                <a:latin typeface="+mn-lt"/>
-                <a:ea typeface="+mn-ea"/>
-                <a:cs typeface="+mn-cs"/>
-              </a:defRPr>
-            </a:lvl8pPr>
-            <a:lvl9pPr marL="3886200" indent="-228600" algn="l" defTabSz="914400" rtl="0" eaLnBrk="1" latinLnBrk="0" hangingPunct="1">
-              <a:lnSpc>
-                <a:spcPct val="90000"/>
-              </a:lnSpc>
-              <a:spcBef>
-                <a:spcPts val="500"/>
-              </a:spcBef>
-              <a:buFont typeface="Arial" panose="020B0604020202020204" pitchFamily="34" charset="0"/>
-              <a:buChar char="•"/>
-              <a:defRPr sz="1800" kern="1200">
-                <a:solidFill>
-                  <a:schemeClr val="tx1"/>
-                </a:solidFill>
-                <a:latin typeface="+mn-lt"/>
-                <a:ea typeface="+mn-ea"/>
-                <a:cs typeface="+mn-cs"/>
-              </a:defRPr>
-            </a:lvl9pPr>
-          </a:lstStyle>
-          <a:p>
-            <a:pPr marL="0" indent="0" algn="ctr">
-              <a:buNone/>
-            </a:pPr>
-            <a:r>
-              <a:rPr lang="en-GB" sz="2100" dirty="0">
-                <a:solidFill>
-                  <a:schemeClr val="bg1"/>
-                </a:solidFill>
+              <a:t>James H. </a:t>
+            </a:r>
+            <a:r>
+              <a:rPr lang="en-GB" sz="3600" dirty="0" smtClean="0">
+                <a:latin typeface="Arial" panose="020B0604020202020204" pitchFamily="34" charset="0"/>
+                <a:cs typeface="Arial" panose="020B0604020202020204" pitchFamily="34" charset="0"/>
               </a:rPr>
+              <a:t>Davenport</a:t>
+            </a:r>
+          </a:p>
+          <a:p>
+            <a:r>
+              <a:rPr lang="en-GB" sz="2200" dirty="0"/>
               <a:t>18 October 2019</a:t>
             </a:r>
           </a:p>
           <a:p>
-            <a:pPr marL="0" indent="0" algn="ctr">
-              <a:buNone/>
-            </a:pPr>
-            <a:r>
-              <a:rPr lang="en-GB" sz="2100" dirty="0">
-                <a:solidFill>
-                  <a:schemeClr val="bg1"/>
-                </a:solidFill>
-              </a:rPr>
-              <a:t>(With Tom Crick, Alastair Irons, Tom Prickett; </a:t>
-            </a:r>
-          </a:p>
-          <a:p>
-            <a:pPr marL="0" indent="0" algn="ctr">
-              <a:buNone/>
-            </a:pPr>
-            <a:r>
-              <a:rPr lang="en-GB" sz="2100" dirty="0">
-                <a:solidFill>
-                  <a:schemeClr val="bg1"/>
-                </a:solidFill>
-              </a:rPr>
-              <a:t>all four are British Computer Society )</a:t>
-            </a:r>
+            <a:r>
+              <a:rPr lang="en-GB" sz="2200" dirty="0" smtClean="0"/>
+              <a:t>With </a:t>
+            </a:r>
+            <a:r>
+              <a:rPr lang="en-GB" sz="2200" dirty="0"/>
+              <a:t>Tom Crick, Alastair Irons, Tom </a:t>
+            </a:r>
+            <a:r>
+              <a:rPr lang="en-GB" sz="2200" dirty="0" smtClean="0"/>
+              <a:t>Prickett</a:t>
+            </a:r>
+            <a:endParaRPr lang="en-GB" sz="2200" dirty="0">
+              <a:latin typeface="Arial" panose="020B0604020202020204" pitchFamily="34" charset="0"/>
+              <a:cs typeface="Arial" panose="020B0604020202020204" pitchFamily="34" charset="0"/>
+            </a:endParaRPr>
+          </a:p>
+          <a:p>
+            <a:endParaRPr lang="en-GB" dirty="0"/>
           </a:p>
         </p:txBody>
       </p:sp>
     </p:spTree>
     <p:extLst>
       <p:ext uri="{BB962C8B-B14F-4D97-AF65-F5344CB8AC3E}">
-        <p14:creationId xmlns:p14="http://schemas.microsoft.com/office/powerpoint/2010/main" val="1707903826"/>
+        <p14:creationId xmlns:p14="http://schemas.microsoft.com/office/powerpoint/2010/main" val="2148439440"/>
       </p:ext>
     </p:extLst>
   </p:cSld>
   <p:clrMapOvr>
     <a:masterClrMapping/>
   </p:clrMapOvr>
+  <p:timing>
+    <p:tnLst>
+      <p:par>
+        <p:cTn id="1" dur="indefinite" restart="never" nodeType="tmRoot"/>
+      </p:par>
+    </p:tnLst>
+  </p:timing>
 </p:sld>
 </file>
 
@@ -3409,191 +3252,127 @@
           <a:chExt cx="0" cy="0"/>
         </a:xfrm>
       </p:grpSpPr>
-      <p:grpSp>
-        <p:nvGrpSpPr>
-          <p:cNvPr id="2" name="Group 1"/>
-          <p:cNvGrpSpPr/>
-          <p:nvPr/>
-        </p:nvGrpSpPr>
-        <p:grpSpPr>
-          <a:xfrm>
-            <a:off x="60385" y="448286"/>
-            <a:ext cx="8876764" cy="453980"/>
-            <a:chOff x="-115910" y="386367"/>
-            <a:chExt cx="11835685" cy="605307"/>
-          </a:xfrm>
-          <a:solidFill>
-            <a:srgbClr val="0C2738"/>
-          </a:solidFill>
-        </p:grpSpPr>
-        <p:sp>
-          <p:nvSpPr>
-            <p:cNvPr id="3" name="Round Single Corner Rectangle 2"/>
-            <p:cNvSpPr/>
-            <p:nvPr/>
-          </p:nvSpPr>
-          <p:spPr>
-            <a:xfrm>
-              <a:off x="-115910" y="386367"/>
-              <a:ext cx="11835685" cy="605307"/>
-            </a:xfrm>
-            <a:prstGeom prst="round1Rect">
-              <a:avLst/>
-            </a:prstGeom>
-            <a:grpFill/>
-            <a:ln>
-              <a:noFill/>
-            </a:ln>
-          </p:spPr>
-          <p:style>
-            <a:lnRef idx="2">
-              <a:schemeClr val="accent1">
-                <a:shade val="50000"/>
-              </a:schemeClr>
-            </a:lnRef>
-            <a:fillRef idx="1">
-              <a:schemeClr val="accent1"/>
-            </a:fillRef>
-            <a:effectRef idx="0">
-              <a:schemeClr val="accent1"/>
-            </a:effectRef>
-            <a:fontRef idx="minor">
-              <a:schemeClr val="lt1"/>
-            </a:fontRef>
-          </p:style>
-          <p:txBody>
-            <a:bodyPr rtlCol="0" anchor="ctr"/>
-            <a:lstStyle/>
-            <a:p>
-              <a:pPr algn="ctr"/>
-              <a:endParaRPr lang="en-GB" sz="1350"/>
-            </a:p>
-          </p:txBody>
-        </p:sp>
-        <p:pic>
-          <p:nvPicPr>
-            <p:cNvPr id="4" name="Picture 3"/>
-            <p:cNvPicPr>
-              <a:picLocks noChangeAspect="1"/>
-            </p:cNvPicPr>
-            <p:nvPr/>
-          </p:nvPicPr>
-          <p:blipFill>
-            <a:blip r:embed="rId2" cstate="print">
-              <a:extLst>
-                <a:ext uri="{28A0092B-C50C-407E-A947-70E740481C1C}">
-                  <a14:useLocalDpi xmlns:a14="http://schemas.microsoft.com/office/drawing/2010/main" val="0"/>
-                </a:ext>
-              </a:extLst>
-            </a:blip>
-            <a:stretch>
-              <a:fillRect/>
-            </a:stretch>
-          </p:blipFill>
-          <p:spPr>
-            <a:xfrm>
-              <a:off x="9710730" y="425004"/>
-              <a:ext cx="1918893" cy="496430"/>
-            </a:xfrm>
-            <a:prstGeom prst="rect">
-              <a:avLst/>
-            </a:prstGeom>
-            <a:grpFill/>
-          </p:spPr>
-        </p:pic>
-      </p:grpSp>
-      <p:sp>
-        <p:nvSpPr>
-          <p:cNvPr id="5" name="Title 4">
-            <a:extLst>
-              <a:ext uri="{FF2B5EF4-FFF2-40B4-BE49-F238E27FC236}">
-                <a16:creationId xmlns:a16="http://schemas.microsoft.com/office/drawing/2014/main" id="{61C67553-05D5-472A-8307-F87B7DABD847}"/>
-              </a:ext>
-            </a:extLst>
-          </p:cNvPr>
-          <p:cNvSpPr>
-            <a:spLocks noGrp="1"/>
-          </p:cNvSpPr>
-          <p:nvPr>
-            <p:ph type="title"/>
+      <p:sp>
+        <p:nvSpPr>
+          <p:cNvPr id="2" name="Content Placeholder 1"/>
+          <p:cNvSpPr>
+            <a:spLocks noGrp="1"/>
+          </p:cNvSpPr>
+          <p:nvPr>
+            <p:ph idx="1"/>
+          </p:nvPr>
+        </p:nvSpPr>
+        <p:spPr/>
+        <p:txBody>
+          <a:bodyPr/>
+          <a:lstStyle/>
+          <a:p>
+            <a:r>
+              <a:rPr lang="en-GB" dirty="0"/>
+              <a:t>Check appropriateness of books (or how deficiencies are handled). Shouldn’t be necessary, but see SQL and [1]</a:t>
+            </a:r>
+          </a:p>
+          <a:p>
+            <a:r>
+              <a:rPr lang="en-GB" dirty="0"/>
+              <a:t>Check students’ attitudes to informal resources</a:t>
+            </a:r>
+          </a:p>
+          <a:p>
+            <a:r>
+              <a:rPr lang="en-GB" dirty="0"/>
+              <a:t>?? Insist that there’s some practical Cybersecurity </a:t>
+            </a:r>
+            <a:r>
+              <a:rPr lang="en-GB" dirty="0" smtClean="0"/>
+              <a:t>work ??</a:t>
+            </a:r>
+          </a:p>
+          <a:p>
+            <a:pPr lvl="1"/>
+            <a:r>
+              <a:rPr lang="en-GB" dirty="0" smtClean="0"/>
+              <a:t>implementing </a:t>
+            </a:r>
+            <a:r>
+              <a:rPr lang="en-GB" dirty="0"/>
+              <a:t>a password </a:t>
+            </a:r>
+            <a:r>
+              <a:rPr lang="en-GB" dirty="0" smtClean="0"/>
+              <a:t>system</a:t>
+            </a:r>
+          </a:p>
+          <a:p>
+            <a:pPr lvl="1"/>
+            <a:r>
+              <a:rPr lang="en-GB" dirty="0" smtClean="0"/>
+              <a:t>Hacker curriculum</a:t>
+            </a:r>
+            <a:endParaRPr lang="en-GB" dirty="0"/>
+          </a:p>
+          <a:p>
+            <a:pPr marL="0" indent="0">
+              <a:buNone/>
+            </a:pPr>
+            <a:endParaRPr lang="en-GB" dirty="0"/>
+          </a:p>
+        </p:txBody>
+      </p:sp>
+      <p:sp>
+        <p:nvSpPr>
+          <p:cNvPr id="3" name="Content Placeholder 2"/>
+          <p:cNvSpPr>
+            <a:spLocks noGrp="1"/>
+          </p:cNvSpPr>
+          <p:nvPr>
+            <p:ph sz="quarter" idx="13"/>
           </p:nvPr>
         </p:nvSpPr>
         <p:spPr>
           <a:xfrm>
-            <a:off x="628650" y="365127"/>
-            <a:ext cx="7886700" cy="701674"/>
+            <a:off x="224445" y="432295"/>
+            <a:ext cx="6030506" cy="373063"/>
           </a:xfrm>
         </p:spPr>
         <p:txBody>
-          <a:bodyPr/>
-          <a:lstStyle/>
-          <a:p>
-            <a:r>
-              <a:rPr lang="en-GB" dirty="0">
-                <a:solidFill>
-                  <a:schemeClr val="bg1"/>
-                </a:solidFill>
-              </a:rPr>
-              <a:t>What next for accreditation??</a:t>
-            </a:r>
-          </a:p>
-        </p:txBody>
-      </p:sp>
-      <p:sp>
-        <p:nvSpPr>
-          <p:cNvPr id="6" name="Content Placeholder 5">
-            <a:extLst>
-              <a:ext uri="{FF2B5EF4-FFF2-40B4-BE49-F238E27FC236}">
-                <a16:creationId xmlns:a16="http://schemas.microsoft.com/office/drawing/2014/main" id="{642D44DF-6F60-43B6-A6AB-9C15DB26E412}"/>
-              </a:ext>
-            </a:extLst>
-          </p:cNvPr>
-          <p:cNvSpPr>
-            <a:spLocks noGrp="1"/>
-          </p:cNvSpPr>
-          <p:nvPr>
-            <p:ph idx="1"/>
-          </p:nvPr>
-        </p:nvSpPr>
-        <p:spPr/>
-        <p:txBody>
-          <a:bodyPr/>
-          <a:lstStyle/>
-          <a:p>
-            <a:r>
-              <a:rPr lang="en-GB" dirty="0"/>
-              <a:t>Check appropriateness of books (or how deficiencies are handled). Shouldn’t be necessary, but see SQL and [1]</a:t>
-            </a:r>
-          </a:p>
-          <a:p>
-            <a:r>
-              <a:rPr lang="en-GB" dirty="0"/>
-              <a:t>Check students’ attitudes to informal resources</a:t>
-            </a:r>
-          </a:p>
-          <a:p>
-            <a:r>
-              <a:rPr lang="en-GB" dirty="0"/>
-              <a:t>?? Insist that there’s some practical Cybersecurity work, e.g. implementing a </a:t>
-            </a:r>
-            <a:r>
-              <a:rPr lang="en-GB"/>
-              <a:t>password system ??</a:t>
-            </a:r>
-            <a:endParaRPr lang="en-GB" dirty="0"/>
+          <a:bodyPr>
+            <a:noAutofit/>
+          </a:bodyPr>
+          <a:lstStyle/>
+          <a:p>
+            <a:r>
+              <a:rPr lang="en-GB" sz="3600" dirty="0"/>
+              <a:t>What next for </a:t>
+            </a:r>
+            <a:r>
+              <a:rPr lang="en-GB" sz="3600" dirty="0" smtClean="0"/>
+              <a:t>accreditation</a:t>
+            </a:r>
+            <a:r>
+              <a:rPr lang="en-GB" sz="3600" dirty="0"/>
+              <a:t>??</a:t>
+            </a:r>
           </a:p>
         </p:txBody>
       </p:sp>
     </p:spTree>
     <p:extLst>
       <p:ext uri="{BB962C8B-B14F-4D97-AF65-F5344CB8AC3E}">
-        <p14:creationId xmlns:p14="http://schemas.microsoft.com/office/powerpoint/2010/main" val="2080764520"/>
+        <p14:creationId xmlns:p14="http://schemas.microsoft.com/office/powerpoint/2010/main" val="742686016"/>
       </p:ext>
     </p:extLst>
   </p:cSld>
   <p:clrMapOvr>
     <a:masterClrMapping/>
   </p:clrMapOvr>
+  <p:timing>
+    <p:tnLst>
+      <p:par>
+        <p:cTn id="1" dur="indefinite" restart="never" nodeType="tmRoot"/>
+      </p:par>
+    </p:tnLst>
+  </p:timing>
 </p:sld>
 </file>
 
@@ -3811,6 +3590,13 @@
   <p:clrMapOvr>
     <a:masterClrMapping/>
   </p:clrMapOvr>
+  <p:timing>
+    <p:tnLst>
+      <p:par>
+        <p:cTn id="1" dur="indefinite" restart="never" nodeType="tmRoot"/>
+      </p:par>
+    </p:tnLst>
+  </p:timing>
 </p:sld>
 </file>
 
@@ -3831,99 +3617,6 @@
           <a:chExt cx="0" cy="0"/>
         </a:xfrm>
       </p:grpSpPr>
-      <p:grpSp>
-        <p:nvGrpSpPr>
-          <p:cNvPr id="2" name="Group 1"/>
-          <p:cNvGrpSpPr/>
-          <p:nvPr/>
-        </p:nvGrpSpPr>
-        <p:grpSpPr>
-          <a:xfrm>
-            <a:off x="60385" y="448286"/>
-            <a:ext cx="8876764" cy="453980"/>
-            <a:chOff x="-115910" y="386367"/>
-            <a:chExt cx="11835685" cy="605307"/>
-          </a:xfrm>
-          <a:solidFill>
-            <a:srgbClr val="0C2738"/>
-          </a:solidFill>
-        </p:grpSpPr>
-        <p:sp>
-          <p:nvSpPr>
-            <p:cNvPr id="3" name="Round Single Corner Rectangle 2"/>
-            <p:cNvSpPr/>
-            <p:nvPr/>
-          </p:nvSpPr>
-          <p:spPr>
-            <a:xfrm>
-              <a:off x="-115910" y="386367"/>
-              <a:ext cx="11835685" cy="605307"/>
-            </a:xfrm>
-            <a:prstGeom prst="round1Rect">
-              <a:avLst/>
-            </a:prstGeom>
-            <a:grpFill/>
-            <a:ln>
-              <a:noFill/>
-            </a:ln>
-          </p:spPr>
-          <p:style>
-            <a:lnRef idx="2">
-              <a:schemeClr val="accent1">
-                <a:shade val="50000"/>
-              </a:schemeClr>
-            </a:lnRef>
-            <a:fillRef idx="1">
-              <a:schemeClr val="accent1"/>
-            </a:fillRef>
-            <a:effectRef idx="0">
-              <a:schemeClr val="accent1"/>
-            </a:effectRef>
-            <a:fontRef idx="minor">
-              <a:schemeClr val="lt1"/>
-            </a:fontRef>
-          </p:style>
-          <p:txBody>
-            <a:bodyPr rtlCol="0" anchor="ctr"/>
-            <a:lstStyle/>
-            <a:p>
-              <a:pPr algn="ctr"/>
-              <a:endParaRPr lang="en-GB" sz="1350"/>
-            </a:p>
-          </p:txBody>
-        </p:sp>
-        <p:pic>
-          <p:nvPicPr>
-            <p:cNvPr id="4" name="Picture 3"/>
-            <p:cNvPicPr>
-              <a:picLocks noChangeAspect="1"/>
-            </p:cNvPicPr>
-            <p:nvPr/>
-          </p:nvPicPr>
-          <p:blipFill>
-            <a:blip r:embed="rId2" cstate="print">
-              <a:extLst>
-                <a:ext uri="{28A0092B-C50C-407E-A947-70E740481C1C}">
-                  <a14:useLocalDpi xmlns:a14="http://schemas.microsoft.com/office/drawing/2010/main" val="0"/>
-                </a:ext>
-              </a:extLst>
-            </a:blip>
-            <a:stretch>
-              <a:fillRect/>
-            </a:stretch>
-          </p:blipFill>
-          <p:spPr>
-            <a:xfrm>
-              <a:off x="9710730" y="425004"/>
-              <a:ext cx="1918893" cy="496430"/>
-            </a:xfrm>
-            <a:prstGeom prst="rect">
-              <a:avLst/>
-            </a:prstGeom>
-            <a:grpFill/>
-          </p:spPr>
-        </p:pic>
-      </p:grpSp>
       <p:sp>
         <p:nvSpPr>
           <p:cNvPr id="5" name="Title 4">
@@ -3937,7 +3630,7 @@
             <a:spLocks noGrp="1"/>
           </p:cNvSpPr>
           <p:nvPr>
-            <p:ph type="title"/>
+            <p:ph type="title" idx="4294967295"/>
           </p:nvPr>
         </p:nvSpPr>
         <p:spPr>
@@ -4147,6 +3840,13 @@
   <p:clrMapOvr>
     <a:masterClrMapping/>
   </p:clrMapOvr>
+  <p:timing>
+    <p:tnLst>
+      <p:par>
+        <p:cTn id="1" dur="indefinite" restart="never" nodeType="tmRoot"/>
+      </p:par>
+    </p:tnLst>
+  </p:timing>
 </p:sld>
 </file>
 
@@ -4270,6 +3970,13 @@
   <p:clrMapOvr>
     <a:masterClrMapping/>
   </p:clrMapOvr>
+  <p:timing>
+    <p:tnLst>
+      <p:par>
+        <p:cTn id="1" dur="indefinite" restart="never" nodeType="tmRoot"/>
+      </p:par>
+    </p:tnLst>
+  </p:timing>
 </p:sld>
 </file>
 
@@ -4290,138 +3997,6 @@
           <a:chExt cx="0" cy="0"/>
         </a:xfrm>
       </p:grpSpPr>
-      <p:grpSp>
-        <p:nvGrpSpPr>
-          <p:cNvPr id="2" name="Group 1"/>
-          <p:cNvGrpSpPr/>
-          <p:nvPr/>
-        </p:nvGrpSpPr>
-        <p:grpSpPr>
-          <a:xfrm>
-            <a:off x="0" y="454047"/>
-            <a:ext cx="8876764" cy="453980"/>
-            <a:chOff x="-115910" y="386367"/>
-            <a:chExt cx="11835685" cy="605307"/>
-          </a:xfrm>
-          <a:solidFill>
-            <a:srgbClr val="0C2738"/>
-          </a:solidFill>
-        </p:grpSpPr>
-        <p:sp>
-          <p:nvSpPr>
-            <p:cNvPr id="3" name="Round Single Corner Rectangle 2"/>
-            <p:cNvSpPr/>
-            <p:nvPr/>
-          </p:nvSpPr>
-          <p:spPr>
-            <a:xfrm>
-              <a:off x="-115910" y="386367"/>
-              <a:ext cx="11835685" cy="605307"/>
-            </a:xfrm>
-            <a:prstGeom prst="round1Rect">
-              <a:avLst/>
-            </a:prstGeom>
-            <a:grpFill/>
-            <a:ln>
-              <a:noFill/>
-            </a:ln>
-          </p:spPr>
-          <p:style>
-            <a:lnRef idx="2">
-              <a:schemeClr val="accent1">
-                <a:shade val="50000"/>
-              </a:schemeClr>
-            </a:lnRef>
-            <a:fillRef idx="1">
-              <a:schemeClr val="accent1"/>
-            </a:fillRef>
-            <a:effectRef idx="0">
-              <a:schemeClr val="accent1"/>
-            </a:effectRef>
-            <a:fontRef idx="minor">
-              <a:schemeClr val="lt1"/>
-            </a:fontRef>
-          </p:style>
-          <p:txBody>
-            <a:bodyPr rtlCol="0" anchor="ctr"/>
-            <a:lstStyle/>
-            <a:p>
-              <a:pPr algn="ctr"/>
-              <a:endParaRPr lang="en-GB" sz="1350"/>
-            </a:p>
-          </p:txBody>
-        </p:sp>
-        <p:pic>
-          <p:nvPicPr>
-            <p:cNvPr id="4" name="Picture 3"/>
-            <p:cNvPicPr>
-              <a:picLocks noChangeAspect="1"/>
-            </p:cNvPicPr>
-            <p:nvPr/>
-          </p:nvPicPr>
-          <p:blipFill>
-            <a:blip r:embed="rId2" cstate="print">
-              <a:extLst>
-                <a:ext uri="{28A0092B-C50C-407E-A947-70E740481C1C}">
-                  <a14:useLocalDpi xmlns:a14="http://schemas.microsoft.com/office/drawing/2010/main" val="0"/>
-                </a:ext>
-              </a:extLst>
-            </a:blip>
-            <a:stretch>
-              <a:fillRect/>
-            </a:stretch>
-          </p:blipFill>
-          <p:spPr>
-            <a:xfrm>
-              <a:off x="9710730" y="425004"/>
-              <a:ext cx="1918893" cy="496430"/>
-            </a:xfrm>
-            <a:prstGeom prst="rect">
-              <a:avLst/>
-            </a:prstGeom>
-            <a:grpFill/>
-          </p:spPr>
-        </p:pic>
-      </p:grpSp>
-      <p:sp>
-        <p:nvSpPr>
-          <p:cNvPr id="5" name="Title 4">
-            <a:extLst>
-              <a:ext uri="{FF2B5EF4-FFF2-40B4-BE49-F238E27FC236}">
-                <a16:creationId xmlns:a16="http://schemas.microsoft.com/office/drawing/2014/main" id="{AF50D3C7-0A82-4F71-850A-F713A06EFDE7}"/>
-              </a:ext>
-            </a:extLst>
-          </p:cNvPr>
-          <p:cNvSpPr>
-            <a:spLocks noGrp="1"/>
-          </p:cNvSpPr>
-          <p:nvPr>
-            <p:ph type="title"/>
-          </p:nvPr>
-        </p:nvSpPr>
-        <p:spPr>
-          <a:xfrm>
-            <a:off x="628650" y="365126"/>
-            <a:ext cx="7886700" cy="692149"/>
-          </a:xfrm>
-        </p:spPr>
-        <p:txBody>
-          <a:bodyPr>
-            <a:normAutofit fontScale="90000"/>
-          </a:bodyPr>
-          <a:lstStyle/>
-          <a:p>
-            <a:r>
-              <a:rPr lang="en-GB" dirty="0">
-                <a:solidFill>
-                  <a:schemeClr val="bg1"/>
-                </a:solidFill>
-              </a:rPr>
-              <a:t>Who are we?</a:t>
-            </a:r>
-          </a:p>
-        </p:txBody>
-      </p:sp>
       <p:sp>
         <p:nvSpPr>
           <p:cNvPr id="6" name="Content Placeholder 5">
@@ -4470,10 +4045,1399 @@
           </a:p>
         </p:txBody>
       </p:sp>
+      <p:sp>
+        <p:nvSpPr>
+          <p:cNvPr id="9" name="Content Placeholder 8"/>
+          <p:cNvSpPr>
+            <a:spLocks noGrp="1"/>
+          </p:cNvSpPr>
+          <p:nvPr>
+            <p:ph sz="quarter" idx="13"/>
+          </p:nvPr>
+        </p:nvSpPr>
+        <p:spPr>
+          <a:xfrm>
+            <a:off x="605037" y="395074"/>
+            <a:ext cx="5649913" cy="373063"/>
+          </a:xfrm>
+        </p:spPr>
+        <p:txBody>
+          <a:bodyPr>
+            <a:noAutofit/>
+          </a:bodyPr>
+          <a:lstStyle/>
+          <a:p>
+            <a:r>
+              <a:rPr lang="en-GB" dirty="0"/>
+              <a:t>Who are we?</a:t>
+            </a:r>
+          </a:p>
+        </p:txBody>
+      </p:sp>
     </p:spTree>
     <p:extLst>
       <p:ext uri="{BB962C8B-B14F-4D97-AF65-F5344CB8AC3E}">
         <p14:creationId xmlns:p14="http://schemas.microsoft.com/office/powerpoint/2010/main" val="1390661068"/>
+      </p:ext>
+    </p:extLst>
+  </p:cSld>
+  <p:clrMapOvr>
+    <a:masterClrMapping/>
+  </p:clrMapOvr>
+  <p:timing>
+    <p:tnLst>
+      <p:par>
+        <p:cTn id="1" dur="indefinite" restart="never" nodeType="tmRoot">
+          <p:childTnLst>
+            <p:seq concurrent="1" nextAc="seek">
+              <p:cTn id="2" dur="indefinite" nodeType="mainSeq">
+                <p:childTnLst>
+                  <p:par>
+                    <p:cTn id="3" fill="hold">
+                      <p:stCondLst>
+                        <p:cond delay="indefinite"/>
+                      </p:stCondLst>
+                      <p:childTnLst>
+                        <p:par>
+                          <p:cTn id="4" fill="hold">
+                            <p:stCondLst>
+                              <p:cond delay="0"/>
+                            </p:stCondLst>
+                            <p:childTnLst>
+                              <p:par>
+                                <p:cTn id="5" presetID="1" presetClass="entr" presetSubtype="0" fill="hold" nodeType="clickEffect">
+                                  <p:stCondLst>
+                                    <p:cond delay="0"/>
+                                  </p:stCondLst>
+                                  <p:childTnLst>
+                                    <p:set>
+                                      <p:cBhvr>
+                                        <p:cTn id="6" dur="1" fill="hold">
+                                          <p:stCondLst>
+                                            <p:cond delay="0"/>
+                                          </p:stCondLst>
+                                        </p:cTn>
+                                        <p:tgtEl>
+                                          <p:spTgt spid="6">
+                                            <p:txEl>
+                                              <p:pRg st="0" end="0"/>
+                                            </p:txEl>
+                                          </p:spTgt>
+                                        </p:tgtEl>
+                                        <p:attrNameLst>
+                                          <p:attrName>style.visibility</p:attrName>
+                                        </p:attrNameLst>
+                                      </p:cBhvr>
+                                      <p:to>
+                                        <p:strVal val="visible"/>
+                                      </p:to>
+                                    </p:set>
+                                  </p:childTnLst>
+                                </p:cTn>
+                              </p:par>
+                            </p:childTnLst>
+                          </p:cTn>
+                        </p:par>
+                      </p:childTnLst>
+                    </p:cTn>
+                  </p:par>
+                  <p:par>
+                    <p:cTn id="7" fill="hold">
+                      <p:stCondLst>
+                        <p:cond delay="indefinite"/>
+                      </p:stCondLst>
+                      <p:childTnLst>
+                        <p:par>
+                          <p:cTn id="8" fill="hold">
+                            <p:stCondLst>
+                              <p:cond delay="0"/>
+                            </p:stCondLst>
+                            <p:childTnLst>
+                              <p:par>
+                                <p:cTn id="9" presetID="1" presetClass="entr" presetSubtype="0" fill="hold" nodeType="clickEffect">
+                                  <p:stCondLst>
+                                    <p:cond delay="0"/>
+                                  </p:stCondLst>
+                                  <p:childTnLst>
+                                    <p:set>
+                                      <p:cBhvr>
+                                        <p:cTn id="10" dur="1" fill="hold">
+                                          <p:stCondLst>
+                                            <p:cond delay="0"/>
+                                          </p:stCondLst>
+                                        </p:cTn>
+                                        <p:tgtEl>
+                                          <p:spTgt spid="6">
+                                            <p:txEl>
+                                              <p:pRg st="1" end="1"/>
+                                            </p:txEl>
+                                          </p:spTgt>
+                                        </p:tgtEl>
+                                        <p:attrNameLst>
+                                          <p:attrName>style.visibility</p:attrName>
+                                        </p:attrNameLst>
+                                      </p:cBhvr>
+                                      <p:to>
+                                        <p:strVal val="visible"/>
+                                      </p:to>
+                                    </p:set>
+                                  </p:childTnLst>
+                                </p:cTn>
+                              </p:par>
+                            </p:childTnLst>
+                          </p:cTn>
+                        </p:par>
+                      </p:childTnLst>
+                    </p:cTn>
+                  </p:par>
+                  <p:par>
+                    <p:cTn id="11" fill="hold">
+                      <p:stCondLst>
+                        <p:cond delay="indefinite"/>
+                      </p:stCondLst>
+                      <p:childTnLst>
+                        <p:par>
+                          <p:cTn id="12" fill="hold">
+                            <p:stCondLst>
+                              <p:cond delay="0"/>
+                            </p:stCondLst>
+                            <p:childTnLst>
+                              <p:par>
+                                <p:cTn id="13" presetID="1" presetClass="entr" presetSubtype="0" fill="hold" nodeType="clickEffect">
+                                  <p:stCondLst>
+                                    <p:cond delay="0"/>
+                                  </p:stCondLst>
+                                  <p:childTnLst>
+                                    <p:set>
+                                      <p:cBhvr>
+                                        <p:cTn id="14" dur="1" fill="hold">
+                                          <p:stCondLst>
+                                            <p:cond delay="0"/>
+                                          </p:stCondLst>
+                                        </p:cTn>
+                                        <p:tgtEl>
+                                          <p:spTgt spid="6">
+                                            <p:txEl>
+                                              <p:pRg st="2" end="2"/>
+                                            </p:txEl>
+                                          </p:spTgt>
+                                        </p:tgtEl>
+                                        <p:attrNameLst>
+                                          <p:attrName>style.visibility</p:attrName>
+                                        </p:attrNameLst>
+                                      </p:cBhvr>
+                                      <p:to>
+                                        <p:strVal val="visible"/>
+                                      </p:to>
+                                    </p:set>
+                                  </p:childTnLst>
+                                </p:cTn>
+                              </p:par>
+                            </p:childTnLst>
+                          </p:cTn>
+                        </p:par>
+                      </p:childTnLst>
+                    </p:cTn>
+                  </p:par>
+                </p:childTnLst>
+              </p:cTn>
+              <p:prevCondLst>
+                <p:cond evt="onPrev" delay="0">
+                  <p:tgtEl>
+                    <p:sldTgt/>
+                  </p:tgtEl>
+                </p:cond>
+              </p:prevCondLst>
+              <p:nextCondLst>
+                <p:cond evt="onNext" delay="0">
+                  <p:tgtEl>
+                    <p:sldTgt/>
+                  </p:tgtEl>
+                </p:cond>
+              </p:nextCondLst>
+            </p:seq>
+          </p:childTnLst>
+        </p:cTn>
+      </p:par>
+    </p:tnLst>
+  </p:timing>
+</p:sld>
+</file>
+
+<file path=ppt/slides/slide3.xml><?xml version="1.0" encoding="utf-8"?>
+<p:sld xmlns:a="http://schemas.openxmlformats.org/drawingml/2006/main" xmlns:r="http://schemas.openxmlformats.org/officeDocument/2006/relationships" xmlns:p="http://schemas.openxmlformats.org/presentationml/2006/main">
+  <p:cSld>
+    <p:spTree>
+      <p:nvGrpSpPr>
+        <p:cNvPr id="1" name=""/>
+        <p:cNvGrpSpPr/>
+        <p:nvPr/>
+      </p:nvGrpSpPr>
+      <p:grpSpPr>
+        <a:xfrm>
+          <a:off x="0" y="0"/>
+          <a:ext cx="0" cy="0"/>
+          <a:chOff x="0" y="0"/>
+          <a:chExt cx="0" cy="0"/>
+        </a:xfrm>
+      </p:grpSpPr>
+      <p:sp>
+        <p:nvSpPr>
+          <p:cNvPr id="5" name="Title 4">
+            <a:extLst>
+              <a:ext uri="{FF2B5EF4-FFF2-40B4-BE49-F238E27FC236}">
+                <a16:creationId xmlns:a16="http://schemas.microsoft.com/office/drawing/2014/main" id="{506ED288-F95E-4482-ACC3-2A668A17A2AC}"/>
+              </a:ext>
+            </a:extLst>
+          </p:cNvPr>
+          <p:cNvSpPr>
+            <a:spLocks noGrp="1"/>
+          </p:cNvSpPr>
+          <p:nvPr>
+            <p:ph type="title" idx="4294967295"/>
+          </p:nvPr>
+        </p:nvSpPr>
+        <p:spPr>
+          <a:xfrm>
+            <a:off x="628650" y="1123950"/>
+            <a:ext cx="7886700" cy="1181100"/>
+          </a:xfrm>
+        </p:spPr>
+        <p:txBody>
+          <a:bodyPr>
+            <a:normAutofit fontScale="90000"/>
+          </a:bodyPr>
+          <a:lstStyle/>
+          <a:p>
+            <a:r>
+              <a:rPr lang="en-GB" dirty="0">
+                <a:latin typeface="Arial" panose="020B0604020202020204" pitchFamily="34" charset="0"/>
+                <a:ea typeface="Calibri" panose="020F0502020204030204" pitchFamily="34" charset="0"/>
+                <a:cs typeface="Arial" panose="020B0604020202020204" pitchFamily="34" charset="0"/>
+              </a:rPr>
+              <a:t>There’s a dichotomy in demand</a:t>
+            </a:r>
+            <a:br>
+              <a:rPr lang="en-GB" dirty="0">
+                <a:latin typeface="Arial" panose="020B0604020202020204" pitchFamily="34" charset="0"/>
+                <a:ea typeface="Calibri" panose="020F0502020204030204" pitchFamily="34" charset="0"/>
+                <a:cs typeface="Arial" panose="020B0604020202020204" pitchFamily="34" charset="0"/>
+              </a:rPr>
+            </a:br>
+            <a:endParaRPr lang="en-GB" dirty="0"/>
+          </a:p>
+        </p:txBody>
+      </p:sp>
+      <p:sp>
+        <p:nvSpPr>
+          <p:cNvPr id="6" name="Content Placeholder 5">
+            <a:extLst>
+              <a:ext uri="{FF2B5EF4-FFF2-40B4-BE49-F238E27FC236}">
+                <a16:creationId xmlns:a16="http://schemas.microsoft.com/office/drawing/2014/main" id="{A7C9A981-921C-4A39-B055-8674D74F8734}"/>
+              </a:ext>
+            </a:extLst>
+          </p:cNvPr>
+          <p:cNvSpPr>
+            <a:spLocks noGrp="1"/>
+          </p:cNvSpPr>
+          <p:nvPr>
+            <p:ph idx="1"/>
+          </p:nvPr>
+        </p:nvSpPr>
+        <p:spPr/>
+        <p:txBody>
+          <a:bodyPr>
+            <a:normAutofit fontScale="92500" lnSpcReduction="20000"/>
+          </a:bodyPr>
+          <a:lstStyle/>
+          <a:p>
+            <a:pPr marL="457200" indent="-457200"/>
+            <a:r>
+              <a:rPr lang="en-GB" dirty="0">
+                <a:latin typeface="Arial" panose="020B0604020202020204" pitchFamily="34" charset="0"/>
+                <a:ea typeface="Calibri" panose="020F0502020204030204" pitchFamily="34" charset="0"/>
+                <a:cs typeface="Arial" panose="020B0604020202020204" pitchFamily="34" charset="0"/>
+              </a:rPr>
+              <a:t>Cybersecurity specialists: many estimates of the size of the shortage, but always huge</a:t>
+            </a:r>
+          </a:p>
+          <a:p>
+            <a:pPr marL="457200" indent="-457200"/>
+            <a:r>
+              <a:rPr lang="en-GB" dirty="0">
+                <a:latin typeface="Arial" panose="020B0604020202020204" pitchFamily="34" charset="0"/>
+                <a:ea typeface="Calibri" panose="020F0502020204030204" pitchFamily="34" charset="0"/>
+                <a:cs typeface="Arial" panose="020B0604020202020204" pitchFamily="34" charset="0"/>
+              </a:rPr>
+              <a:t>The “generalist” programmer, designer etc. needs to know “some Cybersecurity” (recognised in ACM 2013 and BCS </a:t>
+            </a:r>
+            <a:r>
+              <a:rPr lang="en-GB" dirty="0" smtClean="0">
+                <a:latin typeface="Arial" panose="020B0604020202020204" pitchFamily="34" charset="0"/>
+                <a:ea typeface="Calibri" panose="020F0502020204030204" pitchFamily="34" charset="0"/>
+                <a:cs typeface="Arial" panose="020B0604020202020204" pitchFamily="34" charset="0"/>
+              </a:rPr>
+              <a:t>equivalent)</a:t>
+            </a:r>
+          </a:p>
+          <a:p>
+            <a:pPr marL="457200" indent="-457200"/>
+            <a:r>
+              <a:rPr lang="en-GB" dirty="0" smtClean="0">
+                <a:latin typeface="Arial" panose="020B0604020202020204" pitchFamily="34" charset="0"/>
+                <a:ea typeface="Calibri" panose="020F0502020204030204" pitchFamily="34" charset="0"/>
+                <a:cs typeface="Arial" panose="020B0604020202020204" pitchFamily="34" charset="0"/>
+              </a:rPr>
+              <a:t>Note </a:t>
+            </a:r>
+            <a:r>
+              <a:rPr lang="en-GB" dirty="0">
+                <a:latin typeface="Arial" panose="020B0604020202020204" pitchFamily="34" charset="0"/>
+                <a:ea typeface="Calibri" panose="020F0502020204030204" pitchFamily="34" charset="0"/>
+                <a:cs typeface="Arial" panose="020B0604020202020204" pitchFamily="34" charset="0"/>
+              </a:rPr>
+              <a:t>that there’s a limit to the mess that a Cybersecurity expert can clean up retrospectively: </a:t>
+            </a:r>
+          </a:p>
+          <a:p>
+            <a:pPr marL="457200" indent="-457200">
+              <a:buFont typeface="Wingdings" panose="05000000000000000000" pitchFamily="2" charset="2"/>
+              <a:buChar char="ü"/>
+            </a:pPr>
+            <a:r>
+              <a:rPr lang="en-GB" dirty="0">
+                <a:latin typeface="Arial" panose="020B0604020202020204" pitchFamily="34" charset="0"/>
+                <a:ea typeface="Calibri" panose="020F0502020204030204" pitchFamily="34" charset="0"/>
+                <a:cs typeface="Arial" panose="020B0604020202020204" pitchFamily="34" charset="0"/>
+              </a:rPr>
+              <a:t>check for buffer overflows and certain leakages</a:t>
+            </a:r>
+          </a:p>
+          <a:p>
+            <a:pPr marL="0" indent="0">
+              <a:buNone/>
+            </a:pPr>
+            <a:r>
+              <a:rPr lang="en-GB" dirty="0">
+                <a:latin typeface="Arial" panose="020B0604020202020204" pitchFamily="34" charset="0"/>
+                <a:ea typeface="Calibri" panose="020F0502020204030204" pitchFamily="34" charset="0"/>
+                <a:cs typeface="Arial" panose="020B0604020202020204" pitchFamily="34" charset="0"/>
+              </a:rPr>
+              <a:t>X  fix bad design decisions (no framework to check for CSRF; unencrypted passwords, logging in the wrong place [Facebook!] etc.)</a:t>
+            </a:r>
+          </a:p>
+          <a:p>
+            <a:endParaRPr lang="en-GB" dirty="0"/>
+          </a:p>
+        </p:txBody>
+      </p:sp>
+    </p:spTree>
+    <p:extLst>
+      <p:ext uri="{BB962C8B-B14F-4D97-AF65-F5344CB8AC3E}">
+        <p14:creationId xmlns:p14="http://schemas.microsoft.com/office/powerpoint/2010/main" val="527306411"/>
+      </p:ext>
+    </p:extLst>
+  </p:cSld>
+  <p:clrMapOvr>
+    <a:masterClrMapping/>
+  </p:clrMapOvr>
+  <p:timing>
+    <p:tnLst>
+      <p:par>
+        <p:cTn id="1" dur="indefinite" restart="never" nodeType="tmRoot">
+          <p:childTnLst>
+            <p:seq concurrent="1" nextAc="seek">
+              <p:cTn id="2" dur="indefinite" nodeType="mainSeq">
+                <p:childTnLst>
+                  <p:par>
+                    <p:cTn id="3" fill="hold">
+                      <p:stCondLst>
+                        <p:cond delay="indefinite"/>
+                      </p:stCondLst>
+                      <p:childTnLst>
+                        <p:par>
+                          <p:cTn id="4" fill="hold">
+                            <p:stCondLst>
+                              <p:cond delay="0"/>
+                            </p:stCondLst>
+                            <p:childTnLst>
+                              <p:par>
+                                <p:cTn id="5" presetID="1" presetClass="entr" presetSubtype="0" fill="hold" nodeType="clickEffect">
+                                  <p:stCondLst>
+                                    <p:cond delay="0"/>
+                                  </p:stCondLst>
+                                  <p:childTnLst>
+                                    <p:set>
+                                      <p:cBhvr>
+                                        <p:cTn id="6" dur="1" fill="hold">
+                                          <p:stCondLst>
+                                            <p:cond delay="0"/>
+                                          </p:stCondLst>
+                                        </p:cTn>
+                                        <p:tgtEl>
+                                          <p:spTgt spid="6">
+                                            <p:txEl>
+                                              <p:pRg st="0" end="0"/>
+                                            </p:txEl>
+                                          </p:spTgt>
+                                        </p:tgtEl>
+                                        <p:attrNameLst>
+                                          <p:attrName>style.visibility</p:attrName>
+                                        </p:attrNameLst>
+                                      </p:cBhvr>
+                                      <p:to>
+                                        <p:strVal val="visible"/>
+                                      </p:to>
+                                    </p:set>
+                                  </p:childTnLst>
+                                </p:cTn>
+                              </p:par>
+                            </p:childTnLst>
+                          </p:cTn>
+                        </p:par>
+                      </p:childTnLst>
+                    </p:cTn>
+                  </p:par>
+                  <p:par>
+                    <p:cTn id="7" fill="hold">
+                      <p:stCondLst>
+                        <p:cond delay="indefinite"/>
+                      </p:stCondLst>
+                      <p:childTnLst>
+                        <p:par>
+                          <p:cTn id="8" fill="hold">
+                            <p:stCondLst>
+                              <p:cond delay="0"/>
+                            </p:stCondLst>
+                            <p:childTnLst>
+                              <p:par>
+                                <p:cTn id="9" presetID="1" presetClass="entr" presetSubtype="0" fill="hold" nodeType="clickEffect">
+                                  <p:stCondLst>
+                                    <p:cond delay="0"/>
+                                  </p:stCondLst>
+                                  <p:childTnLst>
+                                    <p:set>
+                                      <p:cBhvr>
+                                        <p:cTn id="10" dur="1" fill="hold">
+                                          <p:stCondLst>
+                                            <p:cond delay="0"/>
+                                          </p:stCondLst>
+                                        </p:cTn>
+                                        <p:tgtEl>
+                                          <p:spTgt spid="6">
+                                            <p:txEl>
+                                              <p:pRg st="1" end="1"/>
+                                            </p:txEl>
+                                          </p:spTgt>
+                                        </p:tgtEl>
+                                        <p:attrNameLst>
+                                          <p:attrName>style.visibility</p:attrName>
+                                        </p:attrNameLst>
+                                      </p:cBhvr>
+                                      <p:to>
+                                        <p:strVal val="visible"/>
+                                      </p:to>
+                                    </p:set>
+                                  </p:childTnLst>
+                                </p:cTn>
+                              </p:par>
+                            </p:childTnLst>
+                          </p:cTn>
+                        </p:par>
+                      </p:childTnLst>
+                    </p:cTn>
+                  </p:par>
+                  <p:par>
+                    <p:cTn id="11" fill="hold">
+                      <p:stCondLst>
+                        <p:cond delay="indefinite"/>
+                      </p:stCondLst>
+                      <p:childTnLst>
+                        <p:par>
+                          <p:cTn id="12" fill="hold">
+                            <p:stCondLst>
+                              <p:cond delay="0"/>
+                            </p:stCondLst>
+                            <p:childTnLst>
+                              <p:par>
+                                <p:cTn id="13" presetID="1" presetClass="entr" presetSubtype="0" fill="hold" nodeType="clickEffect">
+                                  <p:stCondLst>
+                                    <p:cond delay="0"/>
+                                  </p:stCondLst>
+                                  <p:childTnLst>
+                                    <p:set>
+                                      <p:cBhvr>
+                                        <p:cTn id="14" dur="1" fill="hold">
+                                          <p:stCondLst>
+                                            <p:cond delay="0"/>
+                                          </p:stCondLst>
+                                        </p:cTn>
+                                        <p:tgtEl>
+                                          <p:spTgt spid="6">
+                                            <p:txEl>
+                                              <p:pRg st="2" end="2"/>
+                                            </p:txEl>
+                                          </p:spTgt>
+                                        </p:tgtEl>
+                                        <p:attrNameLst>
+                                          <p:attrName>style.visibility</p:attrName>
+                                        </p:attrNameLst>
+                                      </p:cBhvr>
+                                      <p:to>
+                                        <p:strVal val="visible"/>
+                                      </p:to>
+                                    </p:set>
+                                  </p:childTnLst>
+                                </p:cTn>
+                              </p:par>
+                              <p:par>
+                                <p:cTn id="15" presetID="1" presetClass="entr" presetSubtype="0" fill="hold" nodeType="withEffect">
+                                  <p:stCondLst>
+                                    <p:cond delay="0"/>
+                                  </p:stCondLst>
+                                  <p:childTnLst>
+                                    <p:set>
+                                      <p:cBhvr>
+                                        <p:cTn id="16" dur="1" fill="hold">
+                                          <p:stCondLst>
+                                            <p:cond delay="0"/>
+                                          </p:stCondLst>
+                                        </p:cTn>
+                                        <p:tgtEl>
+                                          <p:spTgt spid="6">
+                                            <p:txEl>
+                                              <p:pRg st="3" end="3"/>
+                                            </p:txEl>
+                                          </p:spTgt>
+                                        </p:tgtEl>
+                                        <p:attrNameLst>
+                                          <p:attrName>style.visibility</p:attrName>
+                                        </p:attrNameLst>
+                                      </p:cBhvr>
+                                      <p:to>
+                                        <p:strVal val="visible"/>
+                                      </p:to>
+                                    </p:set>
+                                  </p:childTnLst>
+                                </p:cTn>
+                              </p:par>
+                              <p:par>
+                                <p:cTn id="17" presetID="1" presetClass="entr" presetSubtype="0" fill="hold" nodeType="withEffect">
+                                  <p:stCondLst>
+                                    <p:cond delay="0"/>
+                                  </p:stCondLst>
+                                  <p:childTnLst>
+                                    <p:set>
+                                      <p:cBhvr>
+                                        <p:cTn id="18" dur="1" fill="hold">
+                                          <p:stCondLst>
+                                            <p:cond delay="0"/>
+                                          </p:stCondLst>
+                                        </p:cTn>
+                                        <p:tgtEl>
+                                          <p:spTgt spid="6">
+                                            <p:txEl>
+                                              <p:pRg st="4" end="4"/>
+                                            </p:txEl>
+                                          </p:spTgt>
+                                        </p:tgtEl>
+                                        <p:attrNameLst>
+                                          <p:attrName>style.visibility</p:attrName>
+                                        </p:attrNameLst>
+                                      </p:cBhvr>
+                                      <p:to>
+                                        <p:strVal val="visible"/>
+                                      </p:to>
+                                    </p:set>
+                                  </p:childTnLst>
+                                </p:cTn>
+                              </p:par>
+                            </p:childTnLst>
+                          </p:cTn>
+                        </p:par>
+                      </p:childTnLst>
+                    </p:cTn>
+                  </p:par>
+                </p:childTnLst>
+              </p:cTn>
+              <p:prevCondLst>
+                <p:cond evt="onPrev" delay="0">
+                  <p:tgtEl>
+                    <p:sldTgt/>
+                  </p:tgtEl>
+                </p:cond>
+              </p:prevCondLst>
+              <p:nextCondLst>
+                <p:cond evt="onNext" delay="0">
+                  <p:tgtEl>
+                    <p:sldTgt/>
+                  </p:tgtEl>
+                </p:cond>
+              </p:nextCondLst>
+            </p:seq>
+          </p:childTnLst>
+        </p:cTn>
+      </p:par>
+    </p:tnLst>
+  </p:timing>
+</p:sld>
+</file>
+
+<file path=ppt/slides/slide4.xml><?xml version="1.0" encoding="utf-8"?>
+<p:sld xmlns:a="http://schemas.openxmlformats.org/drawingml/2006/main" xmlns:r="http://schemas.openxmlformats.org/officeDocument/2006/relationships" xmlns:p="http://schemas.openxmlformats.org/presentationml/2006/main">
+  <p:cSld>
+    <p:spTree>
+      <p:nvGrpSpPr>
+        <p:cNvPr id="1" name=""/>
+        <p:cNvGrpSpPr/>
+        <p:nvPr/>
+      </p:nvGrpSpPr>
+      <p:grpSpPr>
+        <a:xfrm>
+          <a:off x="0" y="0"/>
+          <a:ext cx="0" cy="0"/>
+          <a:chOff x="0" y="0"/>
+          <a:chExt cx="0" cy="0"/>
+        </a:xfrm>
+      </p:grpSpPr>
+      <p:sp>
+        <p:nvSpPr>
+          <p:cNvPr id="5" name="Title 4">
+            <a:extLst>
+              <a:ext uri="{FF2B5EF4-FFF2-40B4-BE49-F238E27FC236}">
+                <a16:creationId xmlns:a16="http://schemas.microsoft.com/office/drawing/2014/main" id="{86643057-827F-457F-A227-84025EB79F30}"/>
+              </a:ext>
+            </a:extLst>
+          </p:cNvPr>
+          <p:cNvSpPr>
+            <a:spLocks noGrp="1"/>
+          </p:cNvSpPr>
+          <p:nvPr>
+            <p:ph type="title" idx="4294967295"/>
+          </p:nvPr>
+        </p:nvSpPr>
+        <p:spPr>
+          <a:xfrm>
+            <a:off x="199505" y="365126"/>
+            <a:ext cx="8315845" cy="711199"/>
+          </a:xfrm>
+        </p:spPr>
+        <p:txBody>
+          <a:bodyPr/>
+          <a:lstStyle/>
+          <a:p>
+            <a:r>
+              <a:rPr lang="en-GB" dirty="0">
+                <a:solidFill>
+                  <a:schemeClr val="bg1"/>
+                </a:solidFill>
+              </a:rPr>
+              <a:t>Educational Resources</a:t>
+            </a:r>
+          </a:p>
+        </p:txBody>
+      </p:sp>
+      <p:sp>
+        <p:nvSpPr>
+          <p:cNvPr id="6" name="Content Placeholder 5">
+            <a:extLst>
+              <a:ext uri="{FF2B5EF4-FFF2-40B4-BE49-F238E27FC236}">
+                <a16:creationId xmlns:a16="http://schemas.microsoft.com/office/drawing/2014/main" id="{6985DED2-45BD-493D-A4DA-7348129C6C43}"/>
+              </a:ext>
+            </a:extLst>
+          </p:cNvPr>
+          <p:cNvSpPr>
+            <a:spLocks noGrp="1"/>
+          </p:cNvSpPr>
+          <p:nvPr>
+            <p:ph idx="1"/>
+          </p:nvPr>
+        </p:nvSpPr>
+        <p:spPr/>
+        <p:txBody>
+          <a:bodyPr/>
+          <a:lstStyle/>
+          <a:p>
+            <a:pPr marL="0" indent="0">
+              <a:buNone/>
+            </a:pPr>
+            <a:r>
+              <a:rPr lang="en-GB" dirty="0"/>
+              <a:t>Case Study: SQL Injection</a:t>
+            </a:r>
+          </a:p>
+          <a:p>
+            <a:r>
+              <a:rPr lang="en-GB" dirty="0"/>
+              <a:t>A study of the 7 database textbooks used by 44 of the top 50 US departments.</a:t>
+            </a:r>
+          </a:p>
+          <a:p>
+            <a:r>
+              <a:rPr lang="en-GB" dirty="0"/>
+              <a:t>5 had no mention of the SQL Injection, which is #1 in the OWASP “Top 10” list of weaknesses, and the cause of many current breaches</a:t>
+            </a:r>
+          </a:p>
+          <a:p>
+            <a:r>
+              <a:rPr lang="en-GB" dirty="0"/>
+              <a:t>Of the two that did, the discussion in the more popular one was seriously flawed</a:t>
+            </a:r>
+          </a:p>
+        </p:txBody>
+      </p:sp>
+    </p:spTree>
+    <p:extLst>
+      <p:ext uri="{BB962C8B-B14F-4D97-AF65-F5344CB8AC3E}">
+        <p14:creationId xmlns:p14="http://schemas.microsoft.com/office/powerpoint/2010/main" val="2688835129"/>
+      </p:ext>
+    </p:extLst>
+  </p:cSld>
+  <p:clrMapOvr>
+    <a:masterClrMapping/>
+  </p:clrMapOvr>
+  <p:timing>
+    <p:tnLst>
+      <p:par>
+        <p:cTn id="1" dur="indefinite" restart="never" nodeType="tmRoot">
+          <p:childTnLst>
+            <p:seq concurrent="1" nextAc="seek">
+              <p:cTn id="2" dur="indefinite" nodeType="mainSeq">
+                <p:childTnLst>
+                  <p:par>
+                    <p:cTn id="3" fill="hold">
+                      <p:stCondLst>
+                        <p:cond delay="indefinite"/>
+                      </p:stCondLst>
+                      <p:childTnLst>
+                        <p:par>
+                          <p:cTn id="4" fill="hold">
+                            <p:stCondLst>
+                              <p:cond delay="0"/>
+                            </p:stCondLst>
+                            <p:childTnLst>
+                              <p:par>
+                                <p:cTn id="5" presetID="1" presetClass="entr" presetSubtype="0" fill="hold" nodeType="clickEffect">
+                                  <p:stCondLst>
+                                    <p:cond delay="0"/>
+                                  </p:stCondLst>
+                                  <p:childTnLst>
+                                    <p:set>
+                                      <p:cBhvr>
+                                        <p:cTn id="6" dur="1" fill="hold">
+                                          <p:stCondLst>
+                                            <p:cond delay="0"/>
+                                          </p:stCondLst>
+                                        </p:cTn>
+                                        <p:tgtEl>
+                                          <p:spTgt spid="6">
+                                            <p:txEl>
+                                              <p:pRg st="1" end="1"/>
+                                            </p:txEl>
+                                          </p:spTgt>
+                                        </p:tgtEl>
+                                        <p:attrNameLst>
+                                          <p:attrName>style.visibility</p:attrName>
+                                        </p:attrNameLst>
+                                      </p:cBhvr>
+                                      <p:to>
+                                        <p:strVal val="visible"/>
+                                      </p:to>
+                                    </p:set>
+                                  </p:childTnLst>
+                                </p:cTn>
+                              </p:par>
+                            </p:childTnLst>
+                          </p:cTn>
+                        </p:par>
+                      </p:childTnLst>
+                    </p:cTn>
+                  </p:par>
+                  <p:par>
+                    <p:cTn id="7" fill="hold">
+                      <p:stCondLst>
+                        <p:cond delay="indefinite"/>
+                      </p:stCondLst>
+                      <p:childTnLst>
+                        <p:par>
+                          <p:cTn id="8" fill="hold">
+                            <p:stCondLst>
+                              <p:cond delay="0"/>
+                            </p:stCondLst>
+                            <p:childTnLst>
+                              <p:par>
+                                <p:cTn id="9" presetID="1" presetClass="entr" presetSubtype="0" fill="hold" nodeType="clickEffect">
+                                  <p:stCondLst>
+                                    <p:cond delay="0"/>
+                                  </p:stCondLst>
+                                  <p:childTnLst>
+                                    <p:set>
+                                      <p:cBhvr>
+                                        <p:cTn id="10" dur="1" fill="hold">
+                                          <p:stCondLst>
+                                            <p:cond delay="0"/>
+                                          </p:stCondLst>
+                                        </p:cTn>
+                                        <p:tgtEl>
+                                          <p:spTgt spid="6">
+                                            <p:txEl>
+                                              <p:pRg st="2" end="2"/>
+                                            </p:txEl>
+                                          </p:spTgt>
+                                        </p:tgtEl>
+                                        <p:attrNameLst>
+                                          <p:attrName>style.visibility</p:attrName>
+                                        </p:attrNameLst>
+                                      </p:cBhvr>
+                                      <p:to>
+                                        <p:strVal val="visible"/>
+                                      </p:to>
+                                    </p:set>
+                                  </p:childTnLst>
+                                </p:cTn>
+                              </p:par>
+                            </p:childTnLst>
+                          </p:cTn>
+                        </p:par>
+                      </p:childTnLst>
+                    </p:cTn>
+                  </p:par>
+                  <p:par>
+                    <p:cTn id="11" fill="hold">
+                      <p:stCondLst>
+                        <p:cond delay="indefinite"/>
+                      </p:stCondLst>
+                      <p:childTnLst>
+                        <p:par>
+                          <p:cTn id="12" fill="hold">
+                            <p:stCondLst>
+                              <p:cond delay="0"/>
+                            </p:stCondLst>
+                            <p:childTnLst>
+                              <p:par>
+                                <p:cTn id="13" presetID="1" presetClass="entr" presetSubtype="0" fill="hold" nodeType="clickEffect">
+                                  <p:stCondLst>
+                                    <p:cond delay="0"/>
+                                  </p:stCondLst>
+                                  <p:childTnLst>
+                                    <p:set>
+                                      <p:cBhvr>
+                                        <p:cTn id="14" dur="1" fill="hold">
+                                          <p:stCondLst>
+                                            <p:cond delay="0"/>
+                                          </p:stCondLst>
+                                        </p:cTn>
+                                        <p:tgtEl>
+                                          <p:spTgt spid="6">
+                                            <p:txEl>
+                                              <p:pRg st="3" end="3"/>
+                                            </p:txEl>
+                                          </p:spTgt>
+                                        </p:tgtEl>
+                                        <p:attrNameLst>
+                                          <p:attrName>style.visibility</p:attrName>
+                                        </p:attrNameLst>
+                                      </p:cBhvr>
+                                      <p:to>
+                                        <p:strVal val="visible"/>
+                                      </p:to>
+                                    </p:set>
+                                  </p:childTnLst>
+                                </p:cTn>
+                              </p:par>
+                            </p:childTnLst>
+                          </p:cTn>
+                        </p:par>
+                      </p:childTnLst>
+                    </p:cTn>
+                  </p:par>
+                </p:childTnLst>
+              </p:cTn>
+              <p:prevCondLst>
+                <p:cond evt="onPrev" delay="0">
+                  <p:tgtEl>
+                    <p:sldTgt/>
+                  </p:tgtEl>
+                </p:cond>
+              </p:prevCondLst>
+              <p:nextCondLst>
+                <p:cond evt="onNext" delay="0">
+                  <p:tgtEl>
+                    <p:sldTgt/>
+                  </p:tgtEl>
+                </p:cond>
+              </p:nextCondLst>
+            </p:seq>
+          </p:childTnLst>
+        </p:cTn>
+      </p:par>
+    </p:tnLst>
+  </p:timing>
+</p:sld>
+</file>
+
+<file path=ppt/slides/slide5.xml><?xml version="1.0" encoding="utf-8"?>
+<p:sld xmlns:a="http://schemas.openxmlformats.org/drawingml/2006/main" xmlns:r="http://schemas.openxmlformats.org/officeDocument/2006/relationships" xmlns:p="http://schemas.openxmlformats.org/presentationml/2006/main">
+  <p:cSld>
+    <p:spTree>
+      <p:nvGrpSpPr>
+        <p:cNvPr id="1" name=""/>
+        <p:cNvGrpSpPr/>
+        <p:nvPr/>
+      </p:nvGrpSpPr>
+      <p:grpSpPr>
+        <a:xfrm>
+          <a:off x="0" y="0"/>
+          <a:ext cx="0" cy="0"/>
+          <a:chOff x="0" y="0"/>
+          <a:chExt cx="0" cy="0"/>
+        </a:xfrm>
+      </p:grpSpPr>
+      <p:sp>
+        <p:nvSpPr>
+          <p:cNvPr id="5" name="Title 4">
+            <a:extLst>
+              <a:ext uri="{FF2B5EF4-FFF2-40B4-BE49-F238E27FC236}">
+                <a16:creationId xmlns:a16="http://schemas.microsoft.com/office/drawing/2014/main" id="{86643057-827F-457F-A227-84025EB79F30}"/>
+              </a:ext>
+            </a:extLst>
+          </p:cNvPr>
+          <p:cNvSpPr>
+            <a:spLocks noGrp="1"/>
+          </p:cNvSpPr>
+          <p:nvPr>
+            <p:ph type="title" idx="4294967295"/>
+          </p:nvPr>
+        </p:nvSpPr>
+        <p:spPr>
+          <a:xfrm>
+            <a:off x="628650" y="365126"/>
+            <a:ext cx="7886700" cy="711199"/>
+          </a:xfrm>
+        </p:spPr>
+        <p:txBody>
+          <a:bodyPr/>
+          <a:lstStyle/>
+          <a:p>
+            <a:r>
+              <a:rPr lang="en-GB" dirty="0">
+                <a:solidFill>
+                  <a:schemeClr val="bg1"/>
+                </a:solidFill>
+              </a:rPr>
+              <a:t>Educational Resources</a:t>
+            </a:r>
+          </a:p>
+        </p:txBody>
+      </p:sp>
+      <p:sp>
+        <p:nvSpPr>
+          <p:cNvPr id="6" name="Content Placeholder 5">
+            <a:extLst>
+              <a:ext uri="{FF2B5EF4-FFF2-40B4-BE49-F238E27FC236}">
+                <a16:creationId xmlns:a16="http://schemas.microsoft.com/office/drawing/2014/main" id="{6985DED2-45BD-493D-A4DA-7348129C6C43}"/>
+              </a:ext>
+            </a:extLst>
+          </p:cNvPr>
+          <p:cNvSpPr>
+            <a:spLocks noGrp="1"/>
+          </p:cNvSpPr>
+          <p:nvPr>
+            <p:ph idx="1"/>
+          </p:nvPr>
+        </p:nvSpPr>
+        <p:spPr/>
+        <p:txBody>
+          <a:bodyPr/>
+          <a:lstStyle/>
+          <a:p>
+            <a:pPr marL="0" indent="0">
+              <a:buNone/>
+            </a:pPr>
+            <a:r>
+              <a:rPr lang="en-GB" dirty="0"/>
+              <a:t>Case Study: Java</a:t>
+            </a:r>
+          </a:p>
+          <a:p>
+            <a:r>
+              <a:rPr lang="en-GB" dirty="0"/>
+              <a:t>Many Java textbooks go nowhere near security applications (credit card processing, username/ password handling etc.) despite their ubiquity</a:t>
+            </a:r>
+          </a:p>
+          <a:p>
+            <a:r>
+              <a:rPr lang="en-GB" dirty="0"/>
+              <a:t>The documentation of the APIs for the various packages tend to assume that the reader knows the basics, and wants to use </a:t>
+            </a:r>
+            <a:r>
+              <a:rPr lang="en-GB" i="1" dirty="0"/>
+              <a:t>this</a:t>
+            </a:r>
+            <a:r>
+              <a:rPr lang="en-GB" dirty="0"/>
+              <a:t> API.</a:t>
+            </a:r>
+          </a:p>
+          <a:p>
+            <a:r>
+              <a:rPr lang="en-GB" dirty="0"/>
+              <a:t>Hence the novice programmer is driven back to informal resources.</a:t>
+            </a:r>
+          </a:p>
+        </p:txBody>
+      </p:sp>
+    </p:spTree>
+    <p:extLst>
+      <p:ext uri="{BB962C8B-B14F-4D97-AF65-F5344CB8AC3E}">
+        <p14:creationId xmlns:p14="http://schemas.microsoft.com/office/powerpoint/2010/main" val="627488028"/>
+      </p:ext>
+    </p:extLst>
+  </p:cSld>
+  <p:clrMapOvr>
+    <a:masterClrMapping/>
+  </p:clrMapOvr>
+  <p:timing>
+    <p:tnLst>
+      <p:par>
+        <p:cTn id="1" dur="indefinite" restart="never" nodeType="tmRoot">
+          <p:childTnLst>
+            <p:seq concurrent="1" nextAc="seek">
+              <p:cTn id="2" dur="indefinite" nodeType="mainSeq">
+                <p:childTnLst>
+                  <p:par>
+                    <p:cTn id="3" fill="hold">
+                      <p:stCondLst>
+                        <p:cond delay="indefinite"/>
+                        <p:cond evt="onBegin" delay="0">
+                          <p:tn val="2"/>
+                        </p:cond>
+                      </p:stCondLst>
+                      <p:childTnLst>
+                        <p:par>
+                          <p:cTn id="4" fill="hold">
+                            <p:stCondLst>
+                              <p:cond delay="0"/>
+                            </p:stCondLst>
+                            <p:childTnLst>
+                              <p:par>
+                                <p:cTn id="5" presetID="1" presetClass="entr" presetSubtype="0" fill="hold" nodeType="afterEffect">
+                                  <p:stCondLst>
+                                    <p:cond delay="0"/>
+                                  </p:stCondLst>
+                                  <p:childTnLst>
+                                    <p:set>
+                                      <p:cBhvr>
+                                        <p:cTn id="6" dur="1" fill="hold">
+                                          <p:stCondLst>
+                                            <p:cond delay="0"/>
+                                          </p:stCondLst>
+                                        </p:cTn>
+                                        <p:tgtEl>
+                                          <p:spTgt spid="6">
+                                            <p:txEl>
+                                              <p:pRg st="1" end="1"/>
+                                            </p:txEl>
+                                          </p:spTgt>
+                                        </p:tgtEl>
+                                        <p:attrNameLst>
+                                          <p:attrName>style.visibility</p:attrName>
+                                        </p:attrNameLst>
+                                      </p:cBhvr>
+                                      <p:to>
+                                        <p:strVal val="visible"/>
+                                      </p:to>
+                                    </p:set>
+                                  </p:childTnLst>
+                                </p:cTn>
+                              </p:par>
+                            </p:childTnLst>
+                          </p:cTn>
+                        </p:par>
+                      </p:childTnLst>
+                    </p:cTn>
+                  </p:par>
+                  <p:par>
+                    <p:cTn id="7" fill="hold">
+                      <p:stCondLst>
+                        <p:cond delay="indefinite"/>
+                      </p:stCondLst>
+                      <p:childTnLst>
+                        <p:par>
+                          <p:cTn id="8" fill="hold">
+                            <p:stCondLst>
+                              <p:cond delay="0"/>
+                            </p:stCondLst>
+                            <p:childTnLst>
+                              <p:par>
+                                <p:cTn id="9" presetID="1" presetClass="entr" presetSubtype="0" fill="hold" nodeType="clickEffect">
+                                  <p:stCondLst>
+                                    <p:cond delay="0"/>
+                                  </p:stCondLst>
+                                  <p:childTnLst>
+                                    <p:set>
+                                      <p:cBhvr>
+                                        <p:cTn id="10" dur="1" fill="hold">
+                                          <p:stCondLst>
+                                            <p:cond delay="0"/>
+                                          </p:stCondLst>
+                                        </p:cTn>
+                                        <p:tgtEl>
+                                          <p:spTgt spid="6">
+                                            <p:txEl>
+                                              <p:pRg st="2" end="2"/>
+                                            </p:txEl>
+                                          </p:spTgt>
+                                        </p:tgtEl>
+                                        <p:attrNameLst>
+                                          <p:attrName>style.visibility</p:attrName>
+                                        </p:attrNameLst>
+                                      </p:cBhvr>
+                                      <p:to>
+                                        <p:strVal val="visible"/>
+                                      </p:to>
+                                    </p:set>
+                                  </p:childTnLst>
+                                </p:cTn>
+                              </p:par>
+                            </p:childTnLst>
+                          </p:cTn>
+                        </p:par>
+                      </p:childTnLst>
+                    </p:cTn>
+                  </p:par>
+                  <p:par>
+                    <p:cTn id="11" fill="hold">
+                      <p:stCondLst>
+                        <p:cond delay="indefinite"/>
+                      </p:stCondLst>
+                      <p:childTnLst>
+                        <p:par>
+                          <p:cTn id="12" fill="hold">
+                            <p:stCondLst>
+                              <p:cond delay="0"/>
+                            </p:stCondLst>
+                            <p:childTnLst>
+                              <p:par>
+                                <p:cTn id="13" presetID="1" presetClass="entr" presetSubtype="0" fill="hold" nodeType="clickEffect">
+                                  <p:stCondLst>
+                                    <p:cond delay="0"/>
+                                  </p:stCondLst>
+                                  <p:childTnLst>
+                                    <p:set>
+                                      <p:cBhvr>
+                                        <p:cTn id="14" dur="1" fill="hold">
+                                          <p:stCondLst>
+                                            <p:cond delay="0"/>
+                                          </p:stCondLst>
+                                        </p:cTn>
+                                        <p:tgtEl>
+                                          <p:spTgt spid="6">
+                                            <p:txEl>
+                                              <p:pRg st="3" end="3"/>
+                                            </p:txEl>
+                                          </p:spTgt>
+                                        </p:tgtEl>
+                                        <p:attrNameLst>
+                                          <p:attrName>style.visibility</p:attrName>
+                                        </p:attrNameLst>
+                                      </p:cBhvr>
+                                      <p:to>
+                                        <p:strVal val="visible"/>
+                                      </p:to>
+                                    </p:set>
+                                  </p:childTnLst>
+                                </p:cTn>
+                              </p:par>
+                            </p:childTnLst>
+                          </p:cTn>
+                        </p:par>
+                      </p:childTnLst>
+                    </p:cTn>
+                  </p:par>
+                </p:childTnLst>
+              </p:cTn>
+              <p:prevCondLst>
+                <p:cond evt="onPrev" delay="0">
+                  <p:tgtEl>
+                    <p:sldTgt/>
+                  </p:tgtEl>
+                </p:cond>
+              </p:prevCondLst>
+              <p:nextCondLst>
+                <p:cond evt="onNext" delay="0">
+                  <p:tgtEl>
+                    <p:sldTgt/>
+                  </p:tgtEl>
+                </p:cond>
+              </p:nextCondLst>
+            </p:seq>
+          </p:childTnLst>
+        </p:cTn>
+      </p:par>
+    </p:tnLst>
+  </p:timing>
+</p:sld>
+</file>
+
+<file path=ppt/slides/slide6.xml><?xml version="1.0" encoding="utf-8"?>
+<p:sld xmlns:a="http://schemas.openxmlformats.org/drawingml/2006/main" xmlns:r="http://schemas.openxmlformats.org/officeDocument/2006/relationships" xmlns:p="http://schemas.openxmlformats.org/presentationml/2006/main">
+  <p:cSld>
+    <p:spTree>
+      <p:nvGrpSpPr>
+        <p:cNvPr id="1" name=""/>
+        <p:cNvGrpSpPr/>
+        <p:nvPr/>
+      </p:nvGrpSpPr>
+      <p:grpSpPr>
+        <a:xfrm>
+          <a:off x="0" y="0"/>
+          <a:ext cx="0" cy="0"/>
+          <a:chOff x="0" y="0"/>
+          <a:chExt cx="0" cy="0"/>
+        </a:xfrm>
+      </p:grpSpPr>
+      <p:sp>
+        <p:nvSpPr>
+          <p:cNvPr id="5" name="Title 4">
+            <a:extLst>
+              <a:ext uri="{FF2B5EF4-FFF2-40B4-BE49-F238E27FC236}">
+                <a16:creationId xmlns:a16="http://schemas.microsoft.com/office/drawing/2014/main" id="{BEF9321B-B6A0-4B3A-A7FB-4E079B1F9F0F}"/>
+              </a:ext>
+            </a:extLst>
+          </p:cNvPr>
+          <p:cNvSpPr>
+            <a:spLocks noGrp="1"/>
+          </p:cNvSpPr>
+          <p:nvPr>
+            <p:ph type="title" idx="4294967295"/>
+          </p:nvPr>
+        </p:nvSpPr>
+        <p:spPr>
+          <a:xfrm>
+            <a:off x="628650" y="365126"/>
+            <a:ext cx="7886700" cy="1196973"/>
+          </a:xfrm>
+        </p:spPr>
+        <p:txBody>
+          <a:bodyPr>
+            <a:normAutofit fontScale="90000"/>
+          </a:bodyPr>
+          <a:lstStyle/>
+          <a:p>
+            <a:r>
+              <a:rPr lang="en-GB" dirty="0">
+                <a:solidFill>
+                  <a:schemeClr val="bg1"/>
+                </a:solidFill>
+              </a:rPr>
+              <a:t>Informal Resources</a:t>
+            </a:r>
+            <a:br>
+              <a:rPr lang="en-GB" dirty="0">
+                <a:solidFill>
+                  <a:schemeClr val="bg1"/>
+                </a:solidFill>
+              </a:rPr>
+            </a:br>
+            <a:r>
+              <a:rPr lang="en-GB" dirty="0"/>
+              <a:t>such as </a:t>
+            </a:r>
+            <a:r>
+              <a:rPr lang="en-GB" dirty="0" err="1"/>
+              <a:t>StackOverflow</a:t>
+            </a:r>
+            <a:endParaRPr lang="en-GB" dirty="0">
+              <a:solidFill>
+                <a:schemeClr val="bg1"/>
+              </a:solidFill>
+            </a:endParaRPr>
+          </a:p>
+        </p:txBody>
+      </p:sp>
+      <p:sp>
+        <p:nvSpPr>
+          <p:cNvPr id="6" name="Content Placeholder 5">
+            <a:extLst>
+              <a:ext uri="{FF2B5EF4-FFF2-40B4-BE49-F238E27FC236}">
+                <a16:creationId xmlns:a16="http://schemas.microsoft.com/office/drawing/2014/main" id="{326F654D-8D44-4ABC-93C2-D6D3C223E1F1}"/>
+              </a:ext>
+            </a:extLst>
+          </p:cNvPr>
+          <p:cNvSpPr>
+            <a:spLocks noGrp="1"/>
+          </p:cNvSpPr>
+          <p:nvPr>
+            <p:ph idx="1"/>
+          </p:nvPr>
+        </p:nvSpPr>
+        <p:spPr/>
+        <p:txBody>
+          <a:bodyPr>
+            <a:normAutofit fontScale="92500" lnSpcReduction="10000"/>
+          </a:bodyPr>
+          <a:lstStyle/>
+          <a:p>
+            <a:r>
+              <a:rPr lang="en-GB" dirty="0"/>
+              <a:t>Focused on functionality and “getting it working”</a:t>
+            </a:r>
+          </a:p>
+          <a:p>
+            <a:r>
+              <a:rPr lang="en-GB" dirty="0"/>
+              <a:t>Consider Cross-Site Request Forgery (CSRF)</a:t>
+            </a:r>
+          </a:p>
+          <a:p>
+            <a:r>
+              <a:rPr lang="en-GB" dirty="0"/>
+              <a:t>By default, Spring protects against this</a:t>
+            </a:r>
+          </a:p>
+          <a:p>
+            <a:r>
+              <a:rPr lang="en-US" dirty="0"/>
+              <a:t>All the accepted answers to CSRF-related failures simply suggested disabling the check, with no comments on the downsides</a:t>
+            </a:r>
+          </a:p>
+          <a:p>
+            <a:r>
+              <a:rPr lang="en-US" dirty="0"/>
+              <a:t>[4] took top 30 tutorials (via Google)</a:t>
+            </a:r>
+          </a:p>
+          <a:p>
+            <a:r>
+              <a:rPr lang="en-US" dirty="0"/>
+              <a:t>6 had SQL Injection weaknesses, 3 CSRF</a:t>
+            </a:r>
+          </a:p>
+          <a:p>
+            <a:r>
+              <a:rPr lang="en-US" dirty="0"/>
+              <a:t>820 instances of these fragments on </a:t>
+            </a:r>
+            <a:r>
+              <a:rPr lang="en-US" dirty="0" err="1"/>
+              <a:t>Github</a:t>
+            </a:r>
+            <a:r>
+              <a:rPr lang="en-US" dirty="0"/>
+              <a:t>, of which 117 were verified manually </a:t>
+            </a:r>
+            <a:r>
+              <a:rPr lang="en-GB" dirty="0"/>
+              <a:t>to be vulnerable</a:t>
+            </a:r>
+          </a:p>
+        </p:txBody>
+      </p:sp>
+    </p:spTree>
+    <p:extLst>
+      <p:ext uri="{BB962C8B-B14F-4D97-AF65-F5344CB8AC3E}">
+        <p14:creationId xmlns:p14="http://schemas.microsoft.com/office/powerpoint/2010/main" val="2614593569"/>
       </p:ext>
     </p:extLst>
   </p:cSld>
@@ -4593,466 +5557,15 @@
                                   </p:childTnLst>
                                 </p:cTn>
                               </p:par>
-                            </p:childTnLst>
-                          </p:cTn>
-                        </p:par>
-                      </p:childTnLst>
-                    </p:cTn>
-                  </p:par>
-                </p:childTnLst>
-              </p:cTn>
-              <p:prevCondLst>
-                <p:cond evt="onPrev" delay="0">
-                  <p:tgtEl>
-                    <p:sldTgt/>
-                  </p:tgtEl>
-                </p:cond>
-              </p:prevCondLst>
-              <p:nextCondLst>
-                <p:cond evt="onNext" delay="0">
-                  <p:tgtEl>
-                    <p:sldTgt/>
-                  </p:tgtEl>
-                </p:cond>
-              </p:nextCondLst>
-            </p:seq>
-          </p:childTnLst>
-        </p:cTn>
-      </p:par>
-    </p:tnLst>
-  </p:timing>
-</p:sld>
-</file>
-
-<file path=ppt/slides/slide3.xml><?xml version="1.0" encoding="utf-8"?>
-<p:sld xmlns:a="http://schemas.openxmlformats.org/drawingml/2006/main" xmlns:r="http://schemas.openxmlformats.org/officeDocument/2006/relationships" xmlns:p="http://schemas.openxmlformats.org/presentationml/2006/main">
-  <p:cSld>
-    <p:spTree>
-      <p:nvGrpSpPr>
-        <p:cNvPr id="1" name=""/>
-        <p:cNvGrpSpPr/>
-        <p:nvPr/>
-      </p:nvGrpSpPr>
-      <p:grpSpPr>
-        <a:xfrm>
-          <a:off x="0" y="0"/>
-          <a:ext cx="0" cy="0"/>
-          <a:chOff x="0" y="0"/>
-          <a:chExt cx="0" cy="0"/>
-        </a:xfrm>
-      </p:grpSpPr>
-      <p:grpSp>
-        <p:nvGrpSpPr>
-          <p:cNvPr id="2" name="Group 1"/>
-          <p:cNvGrpSpPr/>
-          <p:nvPr/>
-        </p:nvGrpSpPr>
-        <p:grpSpPr>
-          <a:xfrm>
-            <a:off x="60385" y="410186"/>
-            <a:ext cx="8876764" cy="453980"/>
-            <a:chOff x="-115910" y="386367"/>
-            <a:chExt cx="11835685" cy="605307"/>
-          </a:xfrm>
-          <a:solidFill>
-            <a:srgbClr val="0C2738"/>
-          </a:solidFill>
-        </p:grpSpPr>
-        <p:sp>
-          <p:nvSpPr>
-            <p:cNvPr id="3" name="Round Single Corner Rectangle 2"/>
-            <p:cNvSpPr/>
-            <p:nvPr/>
-          </p:nvSpPr>
-          <p:spPr>
-            <a:xfrm>
-              <a:off x="-115910" y="386367"/>
-              <a:ext cx="11835685" cy="605307"/>
-            </a:xfrm>
-            <a:prstGeom prst="round1Rect">
-              <a:avLst/>
-            </a:prstGeom>
-            <a:grpFill/>
-            <a:ln>
-              <a:noFill/>
-            </a:ln>
-          </p:spPr>
-          <p:style>
-            <a:lnRef idx="2">
-              <a:schemeClr val="accent1">
-                <a:shade val="50000"/>
-              </a:schemeClr>
-            </a:lnRef>
-            <a:fillRef idx="1">
-              <a:schemeClr val="accent1"/>
-            </a:fillRef>
-            <a:effectRef idx="0">
-              <a:schemeClr val="accent1"/>
-            </a:effectRef>
-            <a:fontRef idx="minor">
-              <a:schemeClr val="lt1"/>
-            </a:fontRef>
-          </p:style>
-          <p:txBody>
-            <a:bodyPr rtlCol="0" anchor="ctr"/>
-            <a:lstStyle/>
-            <a:p>
-              <a:pPr algn="ctr"/>
-              <a:endParaRPr lang="en-GB" sz="1350"/>
-            </a:p>
-          </p:txBody>
-        </p:sp>
-        <p:pic>
-          <p:nvPicPr>
-            <p:cNvPr id="4" name="Picture 3"/>
-            <p:cNvPicPr>
-              <a:picLocks noChangeAspect="1"/>
-            </p:cNvPicPr>
-            <p:nvPr/>
-          </p:nvPicPr>
-          <p:blipFill>
-            <a:blip r:embed="rId2" cstate="print">
-              <a:extLst>
-                <a:ext uri="{28A0092B-C50C-407E-A947-70E740481C1C}">
-                  <a14:useLocalDpi xmlns:a14="http://schemas.microsoft.com/office/drawing/2010/main" val="0"/>
-                </a:ext>
-              </a:extLst>
-            </a:blip>
-            <a:stretch>
-              <a:fillRect/>
-            </a:stretch>
-          </p:blipFill>
-          <p:spPr>
-            <a:xfrm>
-              <a:off x="9710730" y="425004"/>
-              <a:ext cx="1918893" cy="496430"/>
-            </a:xfrm>
-            <a:prstGeom prst="rect">
-              <a:avLst/>
-            </a:prstGeom>
-            <a:grpFill/>
-          </p:spPr>
-        </p:pic>
-      </p:grpSp>
-      <p:sp>
-        <p:nvSpPr>
-          <p:cNvPr id="5" name="Title 4">
-            <a:extLst>
-              <a:ext uri="{FF2B5EF4-FFF2-40B4-BE49-F238E27FC236}">
-                <a16:creationId xmlns:a16="http://schemas.microsoft.com/office/drawing/2014/main" id="{506ED288-F95E-4482-ACC3-2A668A17A2AC}"/>
-              </a:ext>
-            </a:extLst>
-          </p:cNvPr>
-          <p:cNvSpPr>
-            <a:spLocks noGrp="1"/>
-          </p:cNvSpPr>
-          <p:nvPr>
-            <p:ph type="title"/>
-          </p:nvPr>
-        </p:nvSpPr>
-        <p:spPr>
-          <a:xfrm>
-            <a:off x="628650" y="1123950"/>
-            <a:ext cx="7886700" cy="1181100"/>
-          </a:xfrm>
-        </p:spPr>
-        <p:txBody>
-          <a:bodyPr>
-            <a:normAutofit fontScale="90000"/>
-          </a:bodyPr>
-          <a:lstStyle/>
-          <a:p>
-            <a:r>
-              <a:rPr lang="en-GB" dirty="0">
-                <a:latin typeface="Arial" panose="020B0604020202020204" pitchFamily="34" charset="0"/>
-                <a:ea typeface="Calibri" panose="020F0502020204030204" pitchFamily="34" charset="0"/>
-                <a:cs typeface="Arial" panose="020B0604020202020204" pitchFamily="34" charset="0"/>
-              </a:rPr>
-              <a:t>There’s a dichotomy in demand</a:t>
-            </a:r>
-            <a:br>
-              <a:rPr lang="en-GB" dirty="0">
-                <a:latin typeface="Arial" panose="020B0604020202020204" pitchFamily="34" charset="0"/>
-                <a:ea typeface="Calibri" panose="020F0502020204030204" pitchFamily="34" charset="0"/>
-                <a:cs typeface="Arial" panose="020B0604020202020204" pitchFamily="34" charset="0"/>
-              </a:rPr>
-            </a:br>
-            <a:endParaRPr lang="en-GB" dirty="0"/>
-          </a:p>
-        </p:txBody>
-      </p:sp>
-      <p:sp>
-        <p:nvSpPr>
-          <p:cNvPr id="6" name="Content Placeholder 5">
-            <a:extLst>
-              <a:ext uri="{FF2B5EF4-FFF2-40B4-BE49-F238E27FC236}">
-                <a16:creationId xmlns:a16="http://schemas.microsoft.com/office/drawing/2014/main" id="{A7C9A981-921C-4A39-B055-8674D74F8734}"/>
-              </a:ext>
-            </a:extLst>
-          </p:cNvPr>
-          <p:cNvSpPr>
-            <a:spLocks noGrp="1"/>
-          </p:cNvSpPr>
-          <p:nvPr>
-            <p:ph idx="1"/>
-          </p:nvPr>
-        </p:nvSpPr>
-        <p:spPr/>
-        <p:txBody>
-          <a:bodyPr>
-            <a:normAutofit fontScale="92500" lnSpcReduction="10000"/>
-          </a:bodyPr>
-          <a:lstStyle/>
-          <a:p>
-            <a:pPr marL="457200" indent="-457200"/>
-            <a:r>
-              <a:rPr lang="en-GB" dirty="0">
-                <a:latin typeface="Arial" panose="020B0604020202020204" pitchFamily="34" charset="0"/>
-                <a:ea typeface="Calibri" panose="020F0502020204030204" pitchFamily="34" charset="0"/>
-                <a:cs typeface="Arial" panose="020B0604020202020204" pitchFamily="34" charset="0"/>
-              </a:rPr>
-              <a:t>Cybersecurity specialists: many estimates of the size of the shortage, but always huge</a:t>
-            </a:r>
-          </a:p>
-          <a:p>
-            <a:pPr marL="457200" indent="-457200"/>
-            <a:r>
-              <a:rPr lang="en-GB" dirty="0">
-                <a:latin typeface="Arial" panose="020B0604020202020204" pitchFamily="34" charset="0"/>
-                <a:ea typeface="Calibri" panose="020F0502020204030204" pitchFamily="34" charset="0"/>
-                <a:cs typeface="Arial" panose="020B0604020202020204" pitchFamily="34" charset="0"/>
-              </a:rPr>
-              <a:t>The “generalist” programmer, designer etc. needs to know “some Cybersecurity” (recognised in ACM 2013 and BCS equivalent)</a:t>
-            </a:r>
-          </a:p>
-          <a:p>
-            <a:r>
-              <a:rPr lang="en-GB" dirty="0">
-                <a:latin typeface="Arial" panose="020B0604020202020204" pitchFamily="34" charset="0"/>
-                <a:ea typeface="Calibri" panose="020F0502020204030204" pitchFamily="34" charset="0"/>
-                <a:cs typeface="Arial" panose="020B0604020202020204" pitchFamily="34" charset="0"/>
-              </a:rPr>
-              <a:t>Note that there’s a limit to the mess that a Cybersecurity expert can clean up retrospectively: </a:t>
-            </a:r>
-          </a:p>
-          <a:p>
-            <a:pPr marL="457200" indent="-457200">
-              <a:buFont typeface="Wingdings" panose="05000000000000000000" pitchFamily="2" charset="2"/>
-              <a:buChar char="ü"/>
-            </a:pPr>
-            <a:r>
-              <a:rPr lang="en-GB" dirty="0">
-                <a:latin typeface="Arial" panose="020B0604020202020204" pitchFamily="34" charset="0"/>
-                <a:ea typeface="Calibri" panose="020F0502020204030204" pitchFamily="34" charset="0"/>
-                <a:cs typeface="Arial" panose="020B0604020202020204" pitchFamily="34" charset="0"/>
-              </a:rPr>
-              <a:t>check for buffer overflows and certain leakages</a:t>
-            </a:r>
-          </a:p>
-          <a:p>
-            <a:pPr marL="0" indent="0">
-              <a:buNone/>
-            </a:pPr>
-            <a:r>
-              <a:rPr lang="en-GB" dirty="0">
-                <a:latin typeface="Arial" panose="020B0604020202020204" pitchFamily="34" charset="0"/>
-                <a:ea typeface="Calibri" panose="020F0502020204030204" pitchFamily="34" charset="0"/>
-                <a:cs typeface="Arial" panose="020B0604020202020204" pitchFamily="34" charset="0"/>
-              </a:rPr>
-              <a:t>X  fix bad design decisions (no framework to check for CSRF; unencrypted passwords, logging in the wrong place [Facebook!] etc.)</a:t>
-            </a:r>
-          </a:p>
-          <a:p>
-            <a:endParaRPr lang="en-GB" dirty="0"/>
-          </a:p>
-        </p:txBody>
-      </p:sp>
-    </p:spTree>
-    <p:extLst>
-      <p:ext uri="{BB962C8B-B14F-4D97-AF65-F5344CB8AC3E}">
-        <p14:creationId xmlns:p14="http://schemas.microsoft.com/office/powerpoint/2010/main" val="527306411"/>
-      </p:ext>
-    </p:extLst>
-  </p:cSld>
-  <p:clrMapOvr>
-    <a:masterClrMapping/>
-  </p:clrMapOvr>
-  <p:timing>
-    <p:tnLst>
-      <p:par>
-        <p:cTn id="1" dur="indefinite" restart="never" nodeType="tmRoot">
-          <p:childTnLst>
-            <p:seq concurrent="1" nextAc="seek">
-              <p:cTn id="2" dur="indefinite" nodeType="mainSeq">
-                <p:childTnLst>
-                  <p:par>
-                    <p:cTn id="3" fill="hold">
-                      <p:stCondLst>
-                        <p:cond delay="indefinite"/>
-                      </p:stCondLst>
-                      <p:childTnLst>
-                        <p:par>
-                          <p:cTn id="4" fill="hold">
-                            <p:stCondLst>
-                              <p:cond delay="0"/>
-                            </p:stCondLst>
-                            <p:childTnLst>
                               <p:par>
-                                <p:cTn id="5" presetID="1" presetClass="entr" presetSubtype="0" fill="hold" grpId="0" nodeType="clickEffect">
+                                <p:cTn id="11" presetID="1" presetClass="entr" presetSubtype="0" fill="hold" nodeType="withEffect">
                                   <p:stCondLst>
                                     <p:cond delay="0"/>
                                   </p:stCondLst>
                                   <p:childTnLst>
                                     <p:set>
                                       <p:cBhvr>
-                                        <p:cTn id="6" dur="1" fill="hold">
-                                          <p:stCondLst>
-                                            <p:cond delay="0"/>
-                                          </p:stCondLst>
-                                        </p:cTn>
-                                        <p:tgtEl>
-                                          <p:spTgt spid="6">
-                                            <p:txEl>
-                                              <p:pRg st="0" end="0"/>
-                                            </p:txEl>
-                                          </p:spTgt>
-                                        </p:tgtEl>
-                                        <p:attrNameLst>
-                                          <p:attrName>style.visibility</p:attrName>
-                                        </p:attrNameLst>
-                                      </p:cBhvr>
-                                      <p:to>
-                                        <p:strVal val="visible"/>
-                                      </p:to>
-                                    </p:set>
-                                  </p:childTnLst>
-                                </p:cTn>
-                              </p:par>
-                            </p:childTnLst>
-                          </p:cTn>
-                        </p:par>
-                      </p:childTnLst>
-                    </p:cTn>
-                  </p:par>
-                  <p:par>
-                    <p:cTn id="7" fill="hold">
-                      <p:stCondLst>
-                        <p:cond delay="indefinite"/>
-                      </p:stCondLst>
-                      <p:childTnLst>
-                        <p:par>
-                          <p:cTn id="8" fill="hold">
-                            <p:stCondLst>
-                              <p:cond delay="0"/>
-                            </p:stCondLst>
-                            <p:childTnLst>
-                              <p:par>
-                                <p:cTn id="9" presetID="1" presetClass="entr" presetSubtype="0" fill="hold" grpId="0" nodeType="clickEffect">
-                                  <p:stCondLst>
-                                    <p:cond delay="0"/>
-                                  </p:stCondLst>
-                                  <p:childTnLst>
-                                    <p:set>
-                                      <p:cBhvr>
-                                        <p:cTn id="10" dur="1" fill="hold">
-                                          <p:stCondLst>
-                                            <p:cond delay="0"/>
-                                          </p:stCondLst>
-                                        </p:cTn>
-                                        <p:tgtEl>
-                                          <p:spTgt spid="6">
-                                            <p:txEl>
-                                              <p:pRg st="1" end="1"/>
-                                            </p:txEl>
-                                          </p:spTgt>
-                                        </p:tgtEl>
-                                        <p:attrNameLst>
-                                          <p:attrName>style.visibility</p:attrName>
-                                        </p:attrNameLst>
-                                      </p:cBhvr>
-                                      <p:to>
-                                        <p:strVal val="visible"/>
-                                      </p:to>
-                                    </p:set>
-                                  </p:childTnLst>
-                                </p:cTn>
-                              </p:par>
-                            </p:childTnLst>
-                          </p:cTn>
-                        </p:par>
-                      </p:childTnLst>
-                    </p:cTn>
-                  </p:par>
-                  <p:par>
-                    <p:cTn id="11" fill="hold">
-                      <p:stCondLst>
-                        <p:cond delay="indefinite"/>
-                      </p:stCondLst>
-                      <p:childTnLst>
-                        <p:par>
-                          <p:cTn id="12" fill="hold">
-                            <p:stCondLst>
-                              <p:cond delay="0"/>
-                            </p:stCondLst>
-                            <p:childTnLst>
-                              <p:par>
-                                <p:cTn id="13" presetID="1" presetClass="entr" presetSubtype="0" fill="hold" grpId="0" nodeType="clickEffect">
-                                  <p:stCondLst>
-                                    <p:cond delay="0"/>
-                                  </p:stCondLst>
-                                  <p:childTnLst>
-                                    <p:set>
-                                      <p:cBhvr>
-                                        <p:cTn id="14" dur="1" fill="hold">
-                                          <p:stCondLst>
-                                            <p:cond delay="0"/>
-                                          </p:stCondLst>
-                                        </p:cTn>
-                                        <p:tgtEl>
-                                          <p:spTgt spid="6">
-                                            <p:txEl>
-                                              <p:pRg st="2" end="2"/>
-                                            </p:txEl>
-                                          </p:spTgt>
-                                        </p:tgtEl>
-                                        <p:attrNameLst>
-                                          <p:attrName>style.visibility</p:attrName>
-                                        </p:attrNameLst>
-                                      </p:cBhvr>
-                                      <p:to>
-                                        <p:strVal val="visible"/>
-                                      </p:to>
-                                    </p:set>
-                                  </p:childTnLst>
-                                </p:cTn>
-                              </p:par>
-                            </p:childTnLst>
-                          </p:cTn>
-                        </p:par>
-                      </p:childTnLst>
-                    </p:cTn>
-                  </p:par>
-                  <p:par>
-                    <p:cTn id="15" fill="hold">
-                      <p:stCondLst>
-                        <p:cond delay="indefinite"/>
-                      </p:stCondLst>
-                      <p:childTnLst>
-                        <p:par>
-                          <p:cTn id="16" fill="hold">
-                            <p:stCondLst>
-                              <p:cond delay="0"/>
-                            </p:stCondLst>
-                            <p:childTnLst>
-                              <p:par>
-                                <p:cTn id="17" presetID="1" presetClass="entr" presetSubtype="0" fill="hold" grpId="0" nodeType="clickEffect">
-                                  <p:stCondLst>
-                                    <p:cond delay="0"/>
-                                  </p:stCondLst>
-                                  <p:childTnLst>
-                                    <p:set>
-                                      <p:cBhvr>
-                                        <p:cTn id="18" dur="1" fill="hold">
+                                        <p:cTn id="12" dur="1" fill="hold">
                                           <p:stCondLst>
                                             <p:cond delay="0"/>
                                           </p:stCondLst>
@@ -5082,26 +5595,26 @@
                     </p:cTn>
                   </p:par>
                   <p:par>
-                    <p:cTn id="19" fill="hold">
+                    <p:cTn id="13" fill="hold">
                       <p:stCondLst>
                         <p:cond delay="indefinite"/>
                       </p:stCondLst>
                       <p:childTnLst>
                         <p:par>
-                          <p:cTn id="20" fill="hold">
+                          <p:cTn id="14" fill="hold">
                             <p:stCondLst>
                               <p:cond delay="0"/>
                             </p:stCondLst>
                             <p:childTnLst>
                               <p:par>
-                                <p:cTn id="21" presetID="1" presetClass="entr" presetSubtype="0" fill="hold" grpId="0" nodeType="clickEffect">
+                                <p:cTn id="15" presetID="1" presetClass="entr" presetSubtype="0" fill="hold" nodeType="clickEffect">
                                   <p:stCondLst>
                                     <p:cond delay="0"/>
                                   </p:stCondLst>
                                   <p:childTnLst>
                                     <p:set>
                                       <p:cBhvr>
-                                        <p:cTn id="22" dur="1" fill="hold">
+                                        <p:cTn id="16" dur="1" fill="hold">
                                           <p:stCondLst>
                                             <p:cond delay="0"/>
                                           </p:stCondLst>
@@ -5124,275 +5637,15 @@
                                   </p:childTnLst>
                                 </p:cTn>
                               </p:par>
-                            </p:childTnLst>
-                          </p:cTn>
-                        </p:par>
-                      </p:childTnLst>
-                    </p:cTn>
-                  </p:par>
-                </p:childTnLst>
-              </p:cTn>
-              <p:prevCondLst>
-                <p:cond evt="onPrev" delay="0">
-                  <p:tgtEl>
-                    <p:sldTgt/>
-                  </p:tgtEl>
-                </p:cond>
-              </p:prevCondLst>
-              <p:nextCondLst>
-                <p:cond evt="onNext" delay="0">
-                  <p:tgtEl>
-                    <p:sldTgt/>
-                  </p:tgtEl>
-                </p:cond>
-              </p:nextCondLst>
-            </p:seq>
-          </p:childTnLst>
-        </p:cTn>
-      </p:par>
-    </p:tnLst>
-    <p:bldLst>
-      <p:bldP spid="6" grpId="0" build="p"/>
-    </p:bldLst>
-  </p:timing>
-</p:sld>
-</file>
-
-<file path=ppt/slides/slide4.xml><?xml version="1.0" encoding="utf-8"?>
-<p:sld xmlns:a="http://schemas.openxmlformats.org/drawingml/2006/main" xmlns:r="http://schemas.openxmlformats.org/officeDocument/2006/relationships" xmlns:p="http://schemas.openxmlformats.org/presentationml/2006/main">
-  <p:cSld>
-    <p:spTree>
-      <p:nvGrpSpPr>
-        <p:cNvPr id="1" name=""/>
-        <p:cNvGrpSpPr/>
-        <p:nvPr/>
-      </p:nvGrpSpPr>
-      <p:grpSpPr>
-        <a:xfrm>
-          <a:off x="0" y="0"/>
-          <a:ext cx="0" cy="0"/>
-          <a:chOff x="0" y="0"/>
-          <a:chExt cx="0" cy="0"/>
-        </a:xfrm>
-      </p:grpSpPr>
-      <p:grpSp>
-        <p:nvGrpSpPr>
-          <p:cNvPr id="2" name="Group 1"/>
-          <p:cNvGrpSpPr/>
-          <p:nvPr/>
-        </p:nvGrpSpPr>
-        <p:grpSpPr>
-          <a:xfrm>
-            <a:off x="60385" y="448286"/>
-            <a:ext cx="8876764" cy="453980"/>
-            <a:chOff x="-115910" y="386367"/>
-            <a:chExt cx="11835685" cy="605307"/>
-          </a:xfrm>
-          <a:solidFill>
-            <a:srgbClr val="0C2738"/>
-          </a:solidFill>
-        </p:grpSpPr>
-        <p:sp>
-          <p:nvSpPr>
-            <p:cNvPr id="3" name="Round Single Corner Rectangle 2"/>
-            <p:cNvSpPr/>
-            <p:nvPr/>
-          </p:nvSpPr>
-          <p:spPr>
-            <a:xfrm>
-              <a:off x="-115910" y="386367"/>
-              <a:ext cx="11835685" cy="605307"/>
-            </a:xfrm>
-            <a:prstGeom prst="round1Rect">
-              <a:avLst/>
-            </a:prstGeom>
-            <a:grpFill/>
-            <a:ln>
-              <a:noFill/>
-            </a:ln>
-          </p:spPr>
-          <p:style>
-            <a:lnRef idx="2">
-              <a:schemeClr val="accent1">
-                <a:shade val="50000"/>
-              </a:schemeClr>
-            </a:lnRef>
-            <a:fillRef idx="1">
-              <a:schemeClr val="accent1"/>
-            </a:fillRef>
-            <a:effectRef idx="0">
-              <a:schemeClr val="accent1"/>
-            </a:effectRef>
-            <a:fontRef idx="minor">
-              <a:schemeClr val="lt1"/>
-            </a:fontRef>
-          </p:style>
-          <p:txBody>
-            <a:bodyPr rtlCol="0" anchor="ctr"/>
-            <a:lstStyle/>
-            <a:p>
-              <a:pPr algn="ctr"/>
-              <a:endParaRPr lang="en-GB" sz="1350"/>
-            </a:p>
-          </p:txBody>
-        </p:sp>
-        <p:pic>
-          <p:nvPicPr>
-            <p:cNvPr id="4" name="Picture 3"/>
-            <p:cNvPicPr>
-              <a:picLocks noChangeAspect="1"/>
-            </p:cNvPicPr>
-            <p:nvPr/>
-          </p:nvPicPr>
-          <p:blipFill>
-            <a:blip r:embed="rId2" cstate="print">
-              <a:extLst>
-                <a:ext uri="{28A0092B-C50C-407E-A947-70E740481C1C}">
-                  <a14:useLocalDpi xmlns:a14="http://schemas.microsoft.com/office/drawing/2010/main" val="0"/>
-                </a:ext>
-              </a:extLst>
-            </a:blip>
-            <a:stretch>
-              <a:fillRect/>
-            </a:stretch>
-          </p:blipFill>
-          <p:spPr>
-            <a:xfrm>
-              <a:off x="9710730" y="425004"/>
-              <a:ext cx="1918893" cy="496430"/>
-            </a:xfrm>
-            <a:prstGeom prst="rect">
-              <a:avLst/>
-            </a:prstGeom>
-            <a:grpFill/>
-          </p:spPr>
-        </p:pic>
-      </p:grpSp>
-      <p:sp>
-        <p:nvSpPr>
-          <p:cNvPr id="5" name="Title 4">
-            <a:extLst>
-              <a:ext uri="{FF2B5EF4-FFF2-40B4-BE49-F238E27FC236}">
-                <a16:creationId xmlns:a16="http://schemas.microsoft.com/office/drawing/2014/main" id="{86643057-827F-457F-A227-84025EB79F30}"/>
-              </a:ext>
-            </a:extLst>
-          </p:cNvPr>
-          <p:cNvSpPr>
-            <a:spLocks noGrp="1"/>
-          </p:cNvSpPr>
-          <p:nvPr>
-            <p:ph type="title"/>
-          </p:nvPr>
-        </p:nvSpPr>
-        <p:spPr>
-          <a:xfrm>
-            <a:off x="628650" y="365126"/>
-            <a:ext cx="7886700" cy="711199"/>
-          </a:xfrm>
-        </p:spPr>
-        <p:txBody>
-          <a:bodyPr/>
-          <a:lstStyle/>
-          <a:p>
-            <a:r>
-              <a:rPr lang="en-GB" dirty="0">
-                <a:solidFill>
-                  <a:schemeClr val="bg1"/>
-                </a:solidFill>
-              </a:rPr>
-              <a:t>Educational Resources</a:t>
-            </a:r>
-          </a:p>
-        </p:txBody>
-      </p:sp>
-      <p:sp>
-        <p:nvSpPr>
-          <p:cNvPr id="6" name="Content Placeholder 5">
-            <a:extLst>
-              <a:ext uri="{FF2B5EF4-FFF2-40B4-BE49-F238E27FC236}">
-                <a16:creationId xmlns:a16="http://schemas.microsoft.com/office/drawing/2014/main" id="{6985DED2-45BD-493D-A4DA-7348129C6C43}"/>
-              </a:ext>
-            </a:extLst>
-          </p:cNvPr>
-          <p:cNvSpPr>
-            <a:spLocks noGrp="1"/>
-          </p:cNvSpPr>
-          <p:nvPr>
-            <p:ph idx="1"/>
-          </p:nvPr>
-        </p:nvSpPr>
-        <p:spPr/>
-        <p:txBody>
-          <a:bodyPr/>
-          <a:lstStyle/>
-          <a:p>
-            <a:pPr marL="0" indent="0">
-              <a:buNone/>
-            </a:pPr>
-            <a:r>
-              <a:rPr lang="en-GB" dirty="0"/>
-              <a:t>Case Study: SQL Injection</a:t>
-            </a:r>
-          </a:p>
-          <a:p>
-            <a:r>
-              <a:rPr lang="en-GB" dirty="0"/>
-              <a:t>A study of the 7 database textbooks used by 44 of the top 50 US departments.</a:t>
-            </a:r>
-          </a:p>
-          <a:p>
-            <a:r>
-              <a:rPr lang="en-GB" dirty="0"/>
-              <a:t>5 had no mention of the SQL Injection, which is #1 in the OWASP “Top 10” list of weaknesses, and the cause of many current breaches</a:t>
-            </a:r>
-          </a:p>
-          <a:p>
-            <a:r>
-              <a:rPr lang="en-GB" dirty="0"/>
-              <a:t>Of the two that did, the discussion in the more popular one was seriously flawed</a:t>
-            </a:r>
-          </a:p>
-        </p:txBody>
-      </p:sp>
-    </p:spTree>
-    <p:extLst>
-      <p:ext uri="{BB962C8B-B14F-4D97-AF65-F5344CB8AC3E}">
-        <p14:creationId xmlns:p14="http://schemas.microsoft.com/office/powerpoint/2010/main" val="2688835129"/>
-      </p:ext>
-    </p:extLst>
-  </p:cSld>
-  <p:clrMapOvr>
-    <a:masterClrMapping/>
-  </p:clrMapOvr>
-  <p:timing>
-    <p:tnLst>
-      <p:par>
-        <p:cTn id="1" dur="indefinite" restart="never" nodeType="tmRoot">
-          <p:childTnLst>
-            <p:seq concurrent="1" nextAc="seek">
-              <p:cTn id="2" dur="indefinite" nodeType="mainSeq">
-                <p:childTnLst>
-                  <p:par>
-                    <p:cTn id="3" fill="hold">
-                      <p:stCondLst>
-                        <p:cond delay="indefinite"/>
-                      </p:stCondLst>
-                      <p:childTnLst>
-                        <p:par>
-                          <p:cTn id="4" fill="hold">
-                            <p:stCondLst>
-                              <p:cond delay="0"/>
-                            </p:stCondLst>
-                            <p:childTnLst>
                               <p:par>
-                                <p:cTn id="5" presetID="1" presetClass="entr" presetSubtype="0" fill="hold" nodeType="clickEffect">
+                                <p:cTn id="17" presetID="1" presetClass="entr" presetSubtype="0" fill="hold" nodeType="withEffect">
                                   <p:stCondLst>
                                     <p:cond delay="0"/>
                                   </p:stCondLst>
                                   <p:childTnLst>
                                     <p:set>
                                       <p:cBhvr>
-                                        <p:cTn id="6" dur="1" fill="hold">
+                                        <p:cTn id="18" dur="1" fill="hold">
                                           <p:stCondLst>
                                             <p:cond delay="0"/>
                                           </p:stCondLst>
@@ -5400,7 +5653,7 @@
                                         <p:tgtEl>
                                           <p:spTgt spid="6">
                                             <p:txEl>
-                                              <p:pRg st="1" end="1"/>
+                                              <p:pRg st="5" end="5"/>
                                             </p:txEl>
                                           </p:spTgt>
                                         </p:tgtEl>
@@ -5416,14 +5669,14 @@
                                 </p:cTn>
                               </p:par>
                               <p:par>
-                                <p:cTn id="7" presetID="1" presetClass="entr" presetSubtype="0" fill="hold" nodeType="withEffect">
+                                <p:cTn id="19" presetID="1" presetClass="entr" presetSubtype="0" fill="hold" nodeType="withEffect">
                                   <p:stCondLst>
                                     <p:cond delay="0"/>
                                   </p:stCondLst>
                                   <p:childTnLst>
                                     <p:set>
                                       <p:cBhvr>
-                                        <p:cTn id="8" dur="1" fill="hold">
+                                        <p:cTn id="20" dur="1" fill="hold">
                                           <p:stCondLst>
                                             <p:cond delay="0"/>
                                           </p:stCondLst>
@@ -5431,38 +5684,7 @@
                                         <p:tgtEl>
                                           <p:spTgt spid="6">
                                             <p:txEl>
-                                              <p:pRg st="2" end="2"/>
-                                            </p:txEl>
-                                          </p:spTgt>
-                                        </p:tgtEl>
-                                        <p:attrNameLst>
-                                          <p:attrName>style.visibility</p:attrName>
-                                        </p:attrNameLst>
-                                      </p:cBhvr>
-                                      <p:to>
-                                        <p:strVal val="visible"/>
-                                      </p:to>
-                                    </p:set>
-                                  </p:childTnLst>
-                                </p:cTn>
-                              </p:par>
-                              <p:par>
-                                <p:cTn id="9" presetID="1" presetClass="entr" presetSubtype="0" fill="hold" nodeType="withEffect">
-                                  <p:stCondLst>
-                                    <p:cond delay="0"/>
-                                  </p:stCondLst>
-                                  <p:childTnLst>
-                                    <p:set>
-                                      <p:cBhvr>
-                                        <p:cTn id="10" dur="1" fill="hold">
-                                          <p:stCondLst>
-                                            <p:cond delay="0"/>
-                                          </p:stCondLst>
-                                        </p:cTn>
-                                        <p:tgtEl>
-                                          <p:spTgt spid="6">
-                                            <p:txEl>
-                                              <p:pRg st="3" end="3"/>
+                                              <p:pRg st="6" end="6"/>
                                             </p:txEl>
                                           </p:spTgt>
                                         </p:tgtEl>
@@ -5508,7 +5730,7 @@
 </p:sld>
 </file>
 
-<file path=ppt/slides/slide5.xml><?xml version="1.0" encoding="utf-8"?>
+<file path=ppt/slides/slide7.xml><?xml version="1.0" encoding="utf-8"?>
 <p:sld xmlns:a="http://schemas.openxmlformats.org/drawingml/2006/main" xmlns:r="http://schemas.openxmlformats.org/officeDocument/2006/relationships" xmlns:p="http://schemas.openxmlformats.org/presentationml/2006/main">
   <p:cSld>
     <p:spTree>
@@ -5525,105 +5747,12 @@
           <a:chExt cx="0" cy="0"/>
         </a:xfrm>
       </p:grpSpPr>
-      <p:grpSp>
-        <p:nvGrpSpPr>
-          <p:cNvPr id="2" name="Group 1"/>
-          <p:cNvGrpSpPr/>
-          <p:nvPr/>
-        </p:nvGrpSpPr>
-        <p:grpSpPr>
-          <a:xfrm>
-            <a:off x="60385" y="448286"/>
-            <a:ext cx="8876764" cy="453980"/>
-            <a:chOff x="-115910" y="386367"/>
-            <a:chExt cx="11835685" cy="605307"/>
-          </a:xfrm>
-          <a:solidFill>
-            <a:srgbClr val="0C2738"/>
-          </a:solidFill>
-        </p:grpSpPr>
-        <p:sp>
-          <p:nvSpPr>
-            <p:cNvPr id="3" name="Round Single Corner Rectangle 2"/>
-            <p:cNvSpPr/>
-            <p:nvPr/>
-          </p:nvSpPr>
-          <p:spPr>
-            <a:xfrm>
-              <a:off x="-115910" y="386367"/>
-              <a:ext cx="11835685" cy="605307"/>
-            </a:xfrm>
-            <a:prstGeom prst="round1Rect">
-              <a:avLst/>
-            </a:prstGeom>
-            <a:grpFill/>
-            <a:ln>
-              <a:noFill/>
-            </a:ln>
-          </p:spPr>
-          <p:style>
-            <a:lnRef idx="2">
-              <a:schemeClr val="accent1">
-                <a:shade val="50000"/>
-              </a:schemeClr>
-            </a:lnRef>
-            <a:fillRef idx="1">
-              <a:schemeClr val="accent1"/>
-            </a:fillRef>
-            <a:effectRef idx="0">
-              <a:schemeClr val="accent1"/>
-            </a:effectRef>
-            <a:fontRef idx="minor">
-              <a:schemeClr val="lt1"/>
-            </a:fontRef>
-          </p:style>
-          <p:txBody>
-            <a:bodyPr rtlCol="0" anchor="ctr"/>
-            <a:lstStyle/>
-            <a:p>
-              <a:pPr algn="ctr"/>
-              <a:endParaRPr lang="en-GB" sz="1350"/>
-            </a:p>
-          </p:txBody>
-        </p:sp>
-        <p:pic>
-          <p:nvPicPr>
-            <p:cNvPr id="4" name="Picture 3"/>
-            <p:cNvPicPr>
-              <a:picLocks noChangeAspect="1"/>
-            </p:cNvPicPr>
-            <p:nvPr/>
-          </p:nvPicPr>
-          <p:blipFill>
-            <a:blip r:embed="rId2" cstate="print">
-              <a:extLst>
-                <a:ext uri="{28A0092B-C50C-407E-A947-70E740481C1C}">
-                  <a14:useLocalDpi xmlns:a14="http://schemas.microsoft.com/office/drawing/2010/main" val="0"/>
-                </a:ext>
-              </a:extLst>
-            </a:blip>
-            <a:stretch>
-              <a:fillRect/>
-            </a:stretch>
-          </p:blipFill>
-          <p:spPr>
-            <a:xfrm>
-              <a:off x="9710730" y="425004"/>
-              <a:ext cx="1918893" cy="496430"/>
-            </a:xfrm>
-            <a:prstGeom prst="rect">
-              <a:avLst/>
-            </a:prstGeom>
-            <a:grpFill/>
-          </p:spPr>
-        </p:pic>
-      </p:grpSp>
       <p:sp>
         <p:nvSpPr>
           <p:cNvPr id="5" name="Title 4">
             <a:extLst>
               <a:ext uri="{FF2B5EF4-FFF2-40B4-BE49-F238E27FC236}">
-                <a16:creationId xmlns:a16="http://schemas.microsoft.com/office/drawing/2014/main" id="{86643057-827F-457F-A227-84025EB79F30}"/>
+                <a16:creationId xmlns:a16="http://schemas.microsoft.com/office/drawing/2014/main" id="{13F23E4A-B55C-434F-BE4F-14FF1202AFAE}"/>
               </a:ext>
             </a:extLst>
           </p:cNvPr>
@@ -5631,13 +5760,13 @@
             <a:spLocks noGrp="1"/>
           </p:cNvSpPr>
           <p:nvPr>
-            <p:ph type="title"/>
+            <p:ph type="title" idx="4294967295"/>
           </p:nvPr>
         </p:nvSpPr>
         <p:spPr>
           <a:xfrm>
-            <a:off x="628650" y="365126"/>
-            <a:ext cx="7886700" cy="711199"/>
+            <a:off x="138199" y="348502"/>
+            <a:ext cx="7886700" cy="701674"/>
           </a:xfrm>
         </p:spPr>
         <p:txBody>
@@ -5650,7 +5779,128 @@
                   <a:schemeClr val="bg1"/>
                 </a:solidFill>
               </a:rPr>
-              <a:t>Educational Resources</a:t>
+              <a:t>UK Timeline for </a:t>
+            </a:r>
+            <a:r>
+              <a:rPr lang="en-GB" dirty="0" err="1">
+                <a:solidFill>
+                  <a:schemeClr val="bg1"/>
+                </a:solidFill>
+              </a:rPr>
+              <a:t>CyberSec</a:t>
+            </a:r>
+            <a:endParaRPr lang="en-GB" dirty="0">
+              <a:solidFill>
+                <a:schemeClr val="bg1"/>
+              </a:solidFill>
+            </a:endParaRPr>
+          </a:p>
+        </p:txBody>
+      </p:sp>
+      <p:pic>
+        <p:nvPicPr>
+          <p:cNvPr id="7" name="table">
+            <a:extLst>
+              <a:ext uri="{FF2B5EF4-FFF2-40B4-BE49-F238E27FC236}">
+                <a16:creationId xmlns:a16="http://schemas.microsoft.com/office/drawing/2014/main" id="{1E49FBF7-5195-40DF-B6D4-E75A8A2922A9}"/>
+              </a:ext>
+            </a:extLst>
+          </p:cNvPr>
+          <p:cNvPicPr>
+            <a:picLocks noGrp="1" noChangeAspect="1"/>
+          </p:cNvPicPr>
+          <p:nvPr>
+            <p:ph idx="1"/>
+          </p:nvPr>
+        </p:nvPicPr>
+        <p:blipFill>
+          <a:blip r:embed="rId2"/>
+          <a:stretch>
+            <a:fillRect/>
+          </a:stretch>
+        </p:blipFill>
+        <p:spPr>
+          <a:xfrm>
+            <a:off x="29603" y="1247775"/>
+            <a:ext cx="9034340" cy="5400676"/>
+          </a:xfrm>
+          <a:prstGeom prst="rect">
+            <a:avLst/>
+          </a:prstGeom>
+        </p:spPr>
+      </p:pic>
+    </p:spTree>
+    <p:extLst>
+      <p:ext uri="{BB962C8B-B14F-4D97-AF65-F5344CB8AC3E}">
+        <p14:creationId xmlns:p14="http://schemas.microsoft.com/office/powerpoint/2010/main" val="4131052727"/>
+      </p:ext>
+    </p:extLst>
+  </p:cSld>
+  <p:clrMapOvr>
+    <a:masterClrMapping/>
+  </p:clrMapOvr>
+  <p:timing>
+    <p:tnLst>
+      <p:par>
+        <p:cTn id="1" dur="indefinite" restart="never" nodeType="tmRoot"/>
+      </p:par>
+    </p:tnLst>
+  </p:timing>
+</p:sld>
+</file>
+
+<file path=ppt/slides/slide8.xml><?xml version="1.0" encoding="utf-8"?>
+<p:sld xmlns:a="http://schemas.openxmlformats.org/drawingml/2006/main" xmlns:r="http://schemas.openxmlformats.org/officeDocument/2006/relationships" xmlns:p="http://schemas.openxmlformats.org/presentationml/2006/main">
+  <p:cSld>
+    <p:spTree>
+      <p:nvGrpSpPr>
+        <p:cNvPr id="1" name=""/>
+        <p:cNvGrpSpPr/>
+        <p:nvPr/>
+      </p:nvGrpSpPr>
+      <p:grpSpPr>
+        <a:xfrm>
+          <a:off x="0" y="0"/>
+          <a:ext cx="0" cy="0"/>
+          <a:chOff x="0" y="0"/>
+          <a:chExt cx="0" cy="0"/>
+        </a:xfrm>
+      </p:grpSpPr>
+      <p:sp>
+        <p:nvSpPr>
+          <p:cNvPr id="5" name="Title 4">
+            <a:extLst>
+              <a:ext uri="{FF2B5EF4-FFF2-40B4-BE49-F238E27FC236}">
+                <a16:creationId xmlns:a16="http://schemas.microsoft.com/office/drawing/2014/main" id="{CDDD41CC-14FD-432A-81C4-1AB9ECBD036C}"/>
+              </a:ext>
+            </a:extLst>
+          </p:cNvPr>
+          <p:cNvSpPr>
+            <a:spLocks noGrp="1"/>
+          </p:cNvSpPr>
+          <p:nvPr>
+            <p:ph type="title" idx="4294967295"/>
+          </p:nvPr>
+        </p:nvSpPr>
+        <p:spPr>
+          <a:xfrm>
+            <a:off x="271203" y="365127"/>
+            <a:ext cx="7886700" cy="625473"/>
+          </a:xfrm>
+        </p:spPr>
+        <p:txBody>
+          <a:bodyPr>
+            <a:normAutofit fontScale="90000"/>
+          </a:bodyPr>
+          <a:lstStyle/>
+          <a:p>
+            <a:r>
+              <a:rPr lang="en-GB" dirty="0">
+                <a:solidFill>
+                  <a:schemeClr val="bg1"/>
+                </a:solidFill>
+              </a:rPr>
+              <a:t>Timeline for implementation </a:t>
             </a:r>
           </a:p>
         </p:txBody>
@@ -5660,7 +5910,7 @@
           <p:cNvPr id="6" name="Content Placeholder 5">
             <a:extLst>
               <a:ext uri="{FF2B5EF4-FFF2-40B4-BE49-F238E27FC236}">
-                <a16:creationId xmlns:a16="http://schemas.microsoft.com/office/drawing/2014/main" id="{6985DED2-45BD-493D-A4DA-7348129C6C43}"/>
+                <a16:creationId xmlns:a16="http://schemas.microsoft.com/office/drawing/2014/main" id="{FE82F654-90CD-4BD2-ABED-055A46ACA720}"/>
               </a:ext>
             </a:extLst>
           </p:cNvPr>
@@ -5673,49 +5923,95 @@
         </p:nvSpPr>
         <p:spPr/>
         <p:txBody>
-          <a:bodyPr/>
+          <a:bodyPr>
+            <a:normAutofit fontScale="92500" lnSpcReduction="10000"/>
+          </a:bodyPr>
           <a:lstStyle/>
           <a:p>
             <a:pPr marL="0" indent="0">
               <a:buNone/>
             </a:pPr>
             <a:r>
+              <a:rPr lang="en-US" dirty="0">
+                <a:solidFill>
+                  <a:schemeClr val="dk1"/>
+                </a:solidFill>
+              </a:rPr>
+              <a:t>Cybersecurity Principles Roadshow: March-April 2016</a:t>
+            </a:r>
+            <a:endParaRPr lang="en-GB" dirty="0">
+              <a:solidFill>
+                <a:schemeClr val="dk1"/>
+              </a:solidFill>
+            </a:endParaRPr>
+          </a:p>
+          <a:p>
+            <a:pPr marL="0" indent="0">
+              <a:buNone/>
+            </a:pPr>
+            <a:r>
               <a:rPr lang="en-GB" dirty="0"/>
-              <a:t>Case Study: Java</a:t>
-            </a:r>
-          </a:p>
-          <a:p>
+              <a:t>All institutions expected to be fully compliant: Sept 2020</a:t>
+            </a:r>
+          </a:p>
+          <a:p>
+            <a:pPr marL="0" indent="0">
+              <a:buNone/>
+            </a:pPr>
+            <a:endParaRPr lang="en-GB" dirty="0"/>
+          </a:p>
+          <a:p>
+            <a:pPr marL="0" indent="0">
+              <a:buNone/>
+            </a:pPr>
             <a:r>
               <a:rPr lang="en-GB" dirty="0"/>
-              <a:t>Many Java textbooks go nowhere near security applications (credit card processing, username/ password handling etc.) despite their ubiquity</a:t>
-            </a:r>
-          </a:p>
-          <a:p>
-            <a:r>
-              <a:rPr lang="en-GB" dirty="0"/>
-              <a:t>The documentation of the APIs for the various packages tend to assume that the reader knows the basics, and wants to use </a:t>
-            </a:r>
-            <a:r>
-              <a:rPr lang="en-GB" i="1" dirty="0"/>
-              <a:t>this</a:t>
-            </a:r>
-            <a:r>
-              <a:rPr lang="en-GB" dirty="0"/>
-              <a:t> API.</a:t>
-            </a:r>
-          </a:p>
-          <a:p>
-            <a:r>
-              <a:rPr lang="en-GB" dirty="0"/>
-              <a:t>Hence the novice programmer is driven back to informal resources.</a:t>
-            </a:r>
+              <a:t>Status (autumn 2018)</a:t>
+            </a:r>
+          </a:p>
+          <a:p>
+            <a:r>
+              <a:rPr lang="en-US" altLang="en-US" dirty="0"/>
+              <a:t>70 Higher Education Institutes visited under this regime</a:t>
+            </a:r>
+          </a:p>
+          <a:p>
+            <a:r>
+              <a:rPr lang="en-US" altLang="en-US" dirty="0"/>
+              <a:t>54 Higher Education Institutes compliant</a:t>
+            </a:r>
+          </a:p>
+          <a:p>
+            <a:r>
+              <a:rPr lang="en-US" altLang="en-US" dirty="0"/>
+              <a:t>12 Higher Education Institutes requiring long actions (for next visit)</a:t>
+            </a:r>
+          </a:p>
+          <a:p>
+            <a:r>
+              <a:rPr lang="en-US" altLang="en-US" dirty="0"/>
+              <a:t>4 Higher Education Institutes requiring short term actions</a:t>
+            </a:r>
+            <a:endParaRPr lang="en-GB" altLang="en-US" dirty="0"/>
+          </a:p>
+          <a:p>
+            <a:pPr marL="0" indent="0">
+              <a:buNone/>
+            </a:pPr>
+            <a:endParaRPr lang="en-GB" dirty="0"/>
+          </a:p>
+          <a:p>
+            <a:pPr marL="0" indent="0">
+              <a:buNone/>
+            </a:pPr>
+            <a:endParaRPr lang="en-GB" dirty="0"/>
           </a:p>
         </p:txBody>
       </p:sp>
     </p:spTree>
     <p:extLst>
       <p:ext uri="{BB962C8B-B14F-4D97-AF65-F5344CB8AC3E}">
-        <p14:creationId xmlns:p14="http://schemas.microsoft.com/office/powerpoint/2010/main" val="627488028"/>
+        <p14:creationId xmlns:p14="http://schemas.microsoft.com/office/powerpoint/2010/main" val="3131741793"/>
       </p:ext>
     </p:extLst>
   </p:cSld>
@@ -5734,9 +6030,6 @@
                     <p:cTn id="3" fill="hold">
                       <p:stCondLst>
                         <p:cond delay="indefinite"/>
-                        <p:cond evt="onBegin" delay="0">
-                          <p:tn val="2"/>
-                        </p:cond>
                       </p:stCondLst>
                       <p:childTnLst>
                         <p:par>
@@ -5746,7 +6039,7 @@
                             </p:stCondLst>
                             <p:childTnLst>
                               <p:par>
-                                <p:cTn id="5" presetID="1" presetClass="entr" presetSubtype="0" fill="hold" nodeType="afterEffect">
+                                <p:cTn id="5" presetID="1" presetClass="entr" presetSubtype="0" fill="hold" nodeType="clickEffect">
                                   <p:stCondLst>
                                     <p:cond delay="0"/>
                                   </p:stCondLst>
@@ -5761,47 +6054,7 @@
                                         <p:tgtEl>
                                           <p:spTgt spid="6">
                                             <p:txEl>
-                                              <p:pRg st="1" end="1"/>
-                                            </p:txEl>
-                                          </p:spTgt>
-                                        </p:tgtEl>
-                                        <p:attrNameLst>
-                                          <p:attrName>style.visibility</p:attrName>
-                                        </p:attrNameLst>
-                                      </p:cBhvr>
-                                      <p:to>
-                                        <p:strVal val="visible"/>
-                                      </p:to>
-                                    </p:set>
-                                  </p:childTnLst>
-                                </p:cTn>
-                              </p:par>
-                            </p:childTnLst>
-                          </p:cTn>
-                        </p:par>
-                        <p:par>
-                          <p:cTn id="7" fill="hold">
-                            <p:stCondLst>
-                              <p:cond delay="0"/>
-                            </p:stCondLst>
-                            <p:childTnLst>
-                              <p:par>
-                                <p:cTn id="8" presetID="1" presetClass="entr" presetSubtype="0" fill="hold" nodeType="afterEffect">
-                                  <p:stCondLst>
-                                    <p:cond delay="0"/>
-                                  </p:stCondLst>
-                                  <p:childTnLst>
-                                    <p:set>
-                                      <p:cBhvr>
-                                        <p:cTn id="9" dur="1" fill="hold">
-                                          <p:stCondLst>
-                                            <p:cond delay="0"/>
-                                          </p:stCondLst>
-                                        </p:cTn>
-                                        <p:tgtEl>
-                                          <p:spTgt spid="6">
-                                            <p:txEl>
-                                              <p:pRg st="2" end="2"/>
+                                              <p:pRg st="3" end="3"/>
                                             </p:txEl>
                                           </p:spTgt>
                                         </p:tgtEl>
@@ -5817,14 +6070,14 @@
                                 </p:cTn>
                               </p:par>
                               <p:par>
-                                <p:cTn id="10" presetID="1" presetClass="entr" presetSubtype="0" fill="hold" nodeType="withEffect">
+                                <p:cTn id="7" presetID="1" presetClass="entr" presetSubtype="0" fill="hold" nodeType="withEffect">
                                   <p:stCondLst>
                                     <p:cond delay="0"/>
                                   </p:stCondLst>
                                   <p:childTnLst>
                                     <p:set>
                                       <p:cBhvr>
-                                        <p:cTn id="11" dur="1" fill="hold">
+                                        <p:cTn id="8" dur="1" fill="hold">
                                           <p:stCondLst>
                                             <p:cond delay="0"/>
                                           </p:stCondLst>
@@ -5832,7 +6085,100 @@
                                         <p:tgtEl>
                                           <p:spTgt spid="6">
                                             <p:txEl>
-                                              <p:pRg st="3" end="3"/>
+                                              <p:pRg st="4" end="4"/>
+                                            </p:txEl>
+                                          </p:spTgt>
+                                        </p:tgtEl>
+                                        <p:attrNameLst>
+                                          <p:attrName>style.visibility</p:attrName>
+                                        </p:attrNameLst>
+                                      </p:cBhvr>
+                                      <p:to>
+                                        <p:strVal val="visible"/>
+                                      </p:to>
+                                    </p:set>
+                                  </p:childTnLst>
+                                </p:cTn>
+                              </p:par>
+                              <p:par>
+                                <p:cTn id="9" presetID="1" presetClass="entr" presetSubtype="0" fill="hold" nodeType="withEffect">
+                                  <p:stCondLst>
+                                    <p:cond delay="0"/>
+                                  </p:stCondLst>
+                                  <p:childTnLst>
+                                    <p:set>
+                                      <p:cBhvr>
+                                        <p:cTn id="10" dur="1" fill="hold">
+                                          <p:stCondLst>
+                                            <p:cond delay="0"/>
+                                          </p:stCondLst>
+                                        </p:cTn>
+                                        <p:tgtEl>
+                                          <p:spTgt spid="6">
+                                            <p:txEl>
+                                              <p:pRg st="5" end="5"/>
+                                            </p:txEl>
+                                          </p:spTgt>
+                                        </p:tgtEl>
+                                        <p:attrNameLst>
+                                          <p:attrName>style.visibility</p:attrName>
+                                        </p:attrNameLst>
+                                      </p:cBhvr>
+                                      <p:to>
+                                        <p:strVal val="visible"/>
+                                      </p:to>
+                                    </p:set>
+                                  </p:childTnLst>
+                                </p:cTn>
+                              </p:par>
+                              <p:par>
+                                <p:cTn id="11" presetID="1" presetClass="entr" presetSubtype="0" fill="hold" nodeType="withEffect">
+                                  <p:stCondLst>
+                                    <p:cond delay="0"/>
+                                  </p:stCondLst>
+                                  <p:childTnLst>
+                                    <p:set>
+                                      <p:cBhvr>
+                                        <p:cTn id="12" dur="1" fill="hold">
+                                          <p:stCondLst>
+                                            <p:cond delay="0"/>
+                                          </p:stCondLst>
+                                        </p:cTn>
+                                        <p:tgtEl>
+                                          <p:spTgt spid="6">
+                                            <p:txEl>
+                                              <p:pRg st="6" end="6"/>
+                                            </p:txEl>
+                                          </p:spTgt>
+                                        </p:tgtEl>
+                                        <p:attrNameLst>
+                                          <p:attrName>style.visibility</p:attrName>
+                                        </p:attrNameLst>
+                                      </p:cBhvr>
+                                      <p:to>
+                                        <p:strVal val="visible"/>
+                                      </p:to>
+                                    </p:set>
+                                  </p:childTnLst>
+                                </p:cTn>
+                              </p:par>
+                              <p:par>
+                                <p:cTn id="13" presetID="1" presetClass="entr" presetSubtype="0" fill="hold" nodeType="withEffect">
+                                  <p:stCondLst>
+                                    <p:cond delay="0"/>
+                                  </p:stCondLst>
+                                  <p:childTnLst>
+                                    <p:set>
+                                      <p:cBhvr>
+                                        <p:cTn id="14" dur="1" fill="hold">
+                                          <p:stCondLst>
+                                            <p:cond delay="0"/>
+                                          </p:stCondLst>
+                                        </p:cTn>
+                                        <p:tgtEl>
+                                          <p:spTgt spid="6">
+                                            <p:txEl>
+                                              <p:pRg st="7" end="7"/>
                                             </p:txEl>
                                           </p:spTgt>
                                         </p:tgtEl>
@@ -5878,736 +6224,6 @@
 </p:sld>
 </file>
 
-<file path=ppt/slides/slide6.xml><?xml version="1.0" encoding="utf-8"?>
-<p:sld xmlns:a="http://schemas.openxmlformats.org/drawingml/2006/main" xmlns:r="http://schemas.openxmlformats.org/officeDocument/2006/relationships" xmlns:p="http://schemas.openxmlformats.org/presentationml/2006/main">
-  <p:cSld>
-    <p:spTree>
-      <p:nvGrpSpPr>
-        <p:cNvPr id="1" name=""/>
-        <p:cNvGrpSpPr/>
-        <p:nvPr/>
-      </p:nvGrpSpPr>
-      <p:grpSpPr>
-        <a:xfrm>
-          <a:off x="0" y="0"/>
-          <a:ext cx="0" cy="0"/>
-          <a:chOff x="0" y="0"/>
-          <a:chExt cx="0" cy="0"/>
-        </a:xfrm>
-      </p:grpSpPr>
-      <p:grpSp>
-        <p:nvGrpSpPr>
-          <p:cNvPr id="2" name="Group 1"/>
-          <p:cNvGrpSpPr/>
-          <p:nvPr/>
-        </p:nvGrpSpPr>
-        <p:grpSpPr>
-          <a:xfrm>
-            <a:off x="60385" y="448286"/>
-            <a:ext cx="8876764" cy="453980"/>
-            <a:chOff x="-115910" y="386367"/>
-            <a:chExt cx="11835685" cy="605307"/>
-          </a:xfrm>
-          <a:solidFill>
-            <a:srgbClr val="0C2738"/>
-          </a:solidFill>
-        </p:grpSpPr>
-        <p:sp>
-          <p:nvSpPr>
-            <p:cNvPr id="3" name="Round Single Corner Rectangle 2"/>
-            <p:cNvSpPr/>
-            <p:nvPr/>
-          </p:nvSpPr>
-          <p:spPr>
-            <a:xfrm>
-              <a:off x="-115910" y="386367"/>
-              <a:ext cx="11835685" cy="605307"/>
-            </a:xfrm>
-            <a:prstGeom prst="round1Rect">
-              <a:avLst/>
-            </a:prstGeom>
-            <a:grpFill/>
-            <a:ln>
-              <a:noFill/>
-            </a:ln>
-          </p:spPr>
-          <p:style>
-            <a:lnRef idx="2">
-              <a:schemeClr val="accent1">
-                <a:shade val="50000"/>
-              </a:schemeClr>
-            </a:lnRef>
-            <a:fillRef idx="1">
-              <a:schemeClr val="accent1"/>
-            </a:fillRef>
-            <a:effectRef idx="0">
-              <a:schemeClr val="accent1"/>
-            </a:effectRef>
-            <a:fontRef idx="minor">
-              <a:schemeClr val="lt1"/>
-            </a:fontRef>
-          </p:style>
-          <p:txBody>
-            <a:bodyPr rtlCol="0" anchor="ctr"/>
-            <a:lstStyle/>
-            <a:p>
-              <a:pPr algn="ctr"/>
-              <a:endParaRPr lang="en-GB" sz="1350"/>
-            </a:p>
-          </p:txBody>
-        </p:sp>
-        <p:pic>
-          <p:nvPicPr>
-            <p:cNvPr id="4" name="Picture 3"/>
-            <p:cNvPicPr>
-              <a:picLocks noChangeAspect="1"/>
-            </p:cNvPicPr>
-            <p:nvPr/>
-          </p:nvPicPr>
-          <p:blipFill>
-            <a:blip r:embed="rId2" cstate="print">
-              <a:extLst>
-                <a:ext uri="{28A0092B-C50C-407E-A947-70E740481C1C}">
-                  <a14:useLocalDpi xmlns:a14="http://schemas.microsoft.com/office/drawing/2010/main" val="0"/>
-                </a:ext>
-              </a:extLst>
-            </a:blip>
-            <a:stretch>
-              <a:fillRect/>
-            </a:stretch>
-          </p:blipFill>
-          <p:spPr>
-            <a:xfrm>
-              <a:off x="9710730" y="425004"/>
-              <a:ext cx="1918893" cy="496430"/>
-            </a:xfrm>
-            <a:prstGeom prst="rect">
-              <a:avLst/>
-            </a:prstGeom>
-            <a:grpFill/>
-          </p:spPr>
-        </p:pic>
-      </p:grpSp>
-      <p:sp>
-        <p:nvSpPr>
-          <p:cNvPr id="5" name="Title 4">
-            <a:extLst>
-              <a:ext uri="{FF2B5EF4-FFF2-40B4-BE49-F238E27FC236}">
-                <a16:creationId xmlns:a16="http://schemas.microsoft.com/office/drawing/2014/main" id="{BEF9321B-B6A0-4B3A-A7FB-4E079B1F9F0F}"/>
-              </a:ext>
-            </a:extLst>
-          </p:cNvPr>
-          <p:cNvSpPr>
-            <a:spLocks noGrp="1"/>
-          </p:cNvSpPr>
-          <p:nvPr>
-            <p:ph type="title"/>
-          </p:nvPr>
-        </p:nvSpPr>
-        <p:spPr>
-          <a:xfrm>
-            <a:off x="628650" y="365126"/>
-            <a:ext cx="7886700" cy="1196973"/>
-          </a:xfrm>
-        </p:spPr>
-        <p:txBody>
-          <a:bodyPr>
-            <a:normAutofit fontScale="90000"/>
-          </a:bodyPr>
-          <a:lstStyle/>
-          <a:p>
-            <a:r>
-              <a:rPr lang="en-GB" dirty="0">
-                <a:solidFill>
-                  <a:schemeClr val="bg1"/>
-                </a:solidFill>
-              </a:rPr>
-              <a:t>Informal Resources</a:t>
-            </a:r>
-            <a:br>
-              <a:rPr lang="en-GB" dirty="0">
-                <a:solidFill>
-                  <a:schemeClr val="bg1"/>
-                </a:solidFill>
-              </a:rPr>
-            </a:br>
-            <a:r>
-              <a:rPr lang="en-GB" dirty="0"/>
-              <a:t>such as </a:t>
-            </a:r>
-            <a:r>
-              <a:rPr lang="en-GB" dirty="0" err="1"/>
-              <a:t>StackOverflow</a:t>
-            </a:r>
-            <a:endParaRPr lang="en-GB" dirty="0">
-              <a:solidFill>
-                <a:schemeClr val="bg1"/>
-              </a:solidFill>
-            </a:endParaRPr>
-          </a:p>
-        </p:txBody>
-      </p:sp>
-      <p:sp>
-        <p:nvSpPr>
-          <p:cNvPr id="6" name="Content Placeholder 5">
-            <a:extLst>
-              <a:ext uri="{FF2B5EF4-FFF2-40B4-BE49-F238E27FC236}">
-                <a16:creationId xmlns:a16="http://schemas.microsoft.com/office/drawing/2014/main" id="{326F654D-8D44-4ABC-93C2-D6D3C223E1F1}"/>
-              </a:ext>
-            </a:extLst>
-          </p:cNvPr>
-          <p:cNvSpPr>
-            <a:spLocks noGrp="1"/>
-          </p:cNvSpPr>
-          <p:nvPr>
-            <p:ph idx="1"/>
-          </p:nvPr>
-        </p:nvSpPr>
-        <p:spPr/>
-        <p:txBody>
-          <a:bodyPr>
-            <a:normAutofit fontScale="92500" lnSpcReduction="10000"/>
-          </a:bodyPr>
-          <a:lstStyle/>
-          <a:p>
-            <a:r>
-              <a:rPr lang="en-GB" dirty="0"/>
-              <a:t>Focused on functionality and “getting it working”</a:t>
-            </a:r>
-          </a:p>
-          <a:p>
-            <a:r>
-              <a:rPr lang="en-GB" dirty="0"/>
-              <a:t>Consider Cross-Site Request Forgery (CSRF)</a:t>
-            </a:r>
-          </a:p>
-          <a:p>
-            <a:r>
-              <a:rPr lang="en-GB" dirty="0"/>
-              <a:t>By default, Spring protects against this</a:t>
-            </a:r>
-          </a:p>
-          <a:p>
-            <a:r>
-              <a:rPr lang="en-US" dirty="0"/>
-              <a:t>All the accepted answers to CSRF-related failures simply suggested disabling the check, with no comments on the downsides</a:t>
-            </a:r>
-          </a:p>
-          <a:p>
-            <a:r>
-              <a:rPr lang="en-US" dirty="0"/>
-              <a:t>[4] took top 30 tutorials (via Google)</a:t>
-            </a:r>
-          </a:p>
-          <a:p>
-            <a:r>
-              <a:rPr lang="en-US" dirty="0"/>
-              <a:t>6 had SQL Injection weaknesses, 3 CSRF</a:t>
-            </a:r>
-          </a:p>
-          <a:p>
-            <a:r>
-              <a:rPr lang="en-US" dirty="0"/>
-              <a:t>820 instances of these fragments on </a:t>
-            </a:r>
-            <a:r>
-              <a:rPr lang="en-US" dirty="0" err="1"/>
-              <a:t>Github</a:t>
-            </a:r>
-            <a:r>
-              <a:rPr lang="en-US" dirty="0"/>
-              <a:t>, of which 117 were verified manually </a:t>
-            </a:r>
-            <a:r>
-              <a:rPr lang="en-GB" dirty="0"/>
-              <a:t>to be vulnerable</a:t>
-            </a:r>
-          </a:p>
-        </p:txBody>
-      </p:sp>
-    </p:spTree>
-    <p:extLst>
-      <p:ext uri="{BB962C8B-B14F-4D97-AF65-F5344CB8AC3E}">
-        <p14:creationId xmlns:p14="http://schemas.microsoft.com/office/powerpoint/2010/main" val="2614593569"/>
-      </p:ext>
-    </p:extLst>
-  </p:cSld>
-  <p:clrMapOvr>
-    <a:masterClrMapping/>
-  </p:clrMapOvr>
-</p:sld>
-</file>
-
-<file path=ppt/slides/slide7.xml><?xml version="1.0" encoding="utf-8"?>
-<p:sld xmlns:a="http://schemas.openxmlformats.org/drawingml/2006/main" xmlns:r="http://schemas.openxmlformats.org/officeDocument/2006/relationships" xmlns:p="http://schemas.openxmlformats.org/presentationml/2006/main">
-  <p:cSld>
-    <p:spTree>
-      <p:nvGrpSpPr>
-        <p:cNvPr id="1" name=""/>
-        <p:cNvGrpSpPr/>
-        <p:nvPr/>
-      </p:nvGrpSpPr>
-      <p:grpSpPr>
-        <a:xfrm>
-          <a:off x="0" y="0"/>
-          <a:ext cx="0" cy="0"/>
-          <a:chOff x="0" y="0"/>
-          <a:chExt cx="0" cy="0"/>
-        </a:xfrm>
-      </p:grpSpPr>
-      <p:grpSp>
-        <p:nvGrpSpPr>
-          <p:cNvPr id="2" name="Group 1"/>
-          <p:cNvGrpSpPr/>
-          <p:nvPr/>
-        </p:nvGrpSpPr>
-        <p:grpSpPr>
-          <a:xfrm>
-            <a:off x="60385" y="448286"/>
-            <a:ext cx="8876764" cy="453980"/>
-            <a:chOff x="-115910" y="386367"/>
-            <a:chExt cx="11835685" cy="605307"/>
-          </a:xfrm>
-          <a:solidFill>
-            <a:srgbClr val="0C2738"/>
-          </a:solidFill>
-        </p:grpSpPr>
-        <p:sp>
-          <p:nvSpPr>
-            <p:cNvPr id="3" name="Round Single Corner Rectangle 2"/>
-            <p:cNvSpPr/>
-            <p:nvPr/>
-          </p:nvSpPr>
-          <p:spPr>
-            <a:xfrm>
-              <a:off x="-115910" y="386367"/>
-              <a:ext cx="11835685" cy="605307"/>
-            </a:xfrm>
-            <a:prstGeom prst="round1Rect">
-              <a:avLst/>
-            </a:prstGeom>
-            <a:grpFill/>
-            <a:ln>
-              <a:noFill/>
-            </a:ln>
-          </p:spPr>
-          <p:style>
-            <a:lnRef idx="2">
-              <a:schemeClr val="accent1">
-                <a:shade val="50000"/>
-              </a:schemeClr>
-            </a:lnRef>
-            <a:fillRef idx="1">
-              <a:schemeClr val="accent1"/>
-            </a:fillRef>
-            <a:effectRef idx="0">
-              <a:schemeClr val="accent1"/>
-            </a:effectRef>
-            <a:fontRef idx="minor">
-              <a:schemeClr val="lt1"/>
-            </a:fontRef>
-          </p:style>
-          <p:txBody>
-            <a:bodyPr rtlCol="0" anchor="ctr"/>
-            <a:lstStyle/>
-            <a:p>
-              <a:pPr algn="ctr"/>
-              <a:endParaRPr lang="en-GB" sz="1350"/>
-            </a:p>
-          </p:txBody>
-        </p:sp>
-        <p:pic>
-          <p:nvPicPr>
-            <p:cNvPr id="4" name="Picture 3"/>
-            <p:cNvPicPr>
-              <a:picLocks noChangeAspect="1"/>
-            </p:cNvPicPr>
-            <p:nvPr/>
-          </p:nvPicPr>
-          <p:blipFill>
-            <a:blip r:embed="rId2" cstate="print">
-              <a:extLst>
-                <a:ext uri="{28A0092B-C50C-407E-A947-70E740481C1C}">
-                  <a14:useLocalDpi xmlns:a14="http://schemas.microsoft.com/office/drawing/2010/main" val="0"/>
-                </a:ext>
-              </a:extLst>
-            </a:blip>
-            <a:stretch>
-              <a:fillRect/>
-            </a:stretch>
-          </p:blipFill>
-          <p:spPr>
-            <a:xfrm>
-              <a:off x="9710730" y="425004"/>
-              <a:ext cx="1918893" cy="496430"/>
-            </a:xfrm>
-            <a:prstGeom prst="rect">
-              <a:avLst/>
-            </a:prstGeom>
-            <a:grpFill/>
-          </p:spPr>
-        </p:pic>
-      </p:grpSp>
-      <p:sp>
-        <p:nvSpPr>
-          <p:cNvPr id="5" name="Title 4">
-            <a:extLst>
-              <a:ext uri="{FF2B5EF4-FFF2-40B4-BE49-F238E27FC236}">
-                <a16:creationId xmlns:a16="http://schemas.microsoft.com/office/drawing/2014/main" id="{13F23E4A-B55C-434F-BE4F-14FF1202AFAE}"/>
-              </a:ext>
-            </a:extLst>
-          </p:cNvPr>
-          <p:cNvSpPr>
-            <a:spLocks noGrp="1"/>
-          </p:cNvSpPr>
-          <p:nvPr>
-            <p:ph type="title"/>
-          </p:nvPr>
-        </p:nvSpPr>
-        <p:spPr>
-          <a:xfrm>
-            <a:off x="628650" y="365127"/>
-            <a:ext cx="7886700" cy="701674"/>
-          </a:xfrm>
-        </p:spPr>
-        <p:txBody>
-          <a:bodyPr/>
-          <a:lstStyle/>
-          <a:p>
-            <a:r>
-              <a:rPr lang="en-GB" dirty="0">
-                <a:solidFill>
-                  <a:schemeClr val="bg1"/>
-                </a:solidFill>
-              </a:rPr>
-              <a:t>UK Timeline for </a:t>
-            </a:r>
-            <a:r>
-              <a:rPr lang="en-GB" dirty="0" err="1">
-                <a:solidFill>
-                  <a:schemeClr val="bg1"/>
-                </a:solidFill>
-              </a:rPr>
-              <a:t>CyberSec</a:t>
-            </a:r>
-            <a:endParaRPr lang="en-GB" dirty="0">
-              <a:solidFill>
-                <a:schemeClr val="bg1"/>
-              </a:solidFill>
-            </a:endParaRPr>
-          </a:p>
-        </p:txBody>
-      </p:sp>
-      <p:pic>
-        <p:nvPicPr>
-          <p:cNvPr id="7" name="table">
-            <a:extLst>
-              <a:ext uri="{FF2B5EF4-FFF2-40B4-BE49-F238E27FC236}">
-                <a16:creationId xmlns:a16="http://schemas.microsoft.com/office/drawing/2014/main" id="{1E49FBF7-5195-40DF-B6D4-E75A8A2922A9}"/>
-              </a:ext>
-            </a:extLst>
-          </p:cNvPr>
-          <p:cNvPicPr>
-            <a:picLocks noGrp="1" noChangeAspect="1"/>
-          </p:cNvPicPr>
-          <p:nvPr>
-            <p:ph idx="1"/>
-          </p:nvPr>
-        </p:nvPicPr>
-        <p:blipFill>
-          <a:blip r:embed="rId3"/>
-          <a:stretch>
-            <a:fillRect/>
-          </a:stretch>
-        </p:blipFill>
-        <p:spPr>
-          <a:xfrm>
-            <a:off x="29603" y="1247775"/>
-            <a:ext cx="9034340" cy="5400676"/>
-          </a:xfrm>
-          <a:prstGeom prst="rect">
-            <a:avLst/>
-          </a:prstGeom>
-        </p:spPr>
-      </p:pic>
-    </p:spTree>
-    <p:extLst>
-      <p:ext uri="{BB962C8B-B14F-4D97-AF65-F5344CB8AC3E}">
-        <p14:creationId xmlns:p14="http://schemas.microsoft.com/office/powerpoint/2010/main" val="4131052727"/>
-      </p:ext>
-    </p:extLst>
-  </p:cSld>
-  <p:clrMapOvr>
-    <a:masterClrMapping/>
-  </p:clrMapOvr>
-</p:sld>
-</file>
-
-<file path=ppt/slides/slide8.xml><?xml version="1.0" encoding="utf-8"?>
-<p:sld xmlns:a="http://schemas.openxmlformats.org/drawingml/2006/main" xmlns:r="http://schemas.openxmlformats.org/officeDocument/2006/relationships" xmlns:p="http://schemas.openxmlformats.org/presentationml/2006/main">
-  <p:cSld>
-    <p:spTree>
-      <p:nvGrpSpPr>
-        <p:cNvPr id="1" name=""/>
-        <p:cNvGrpSpPr/>
-        <p:nvPr/>
-      </p:nvGrpSpPr>
-      <p:grpSpPr>
-        <a:xfrm>
-          <a:off x="0" y="0"/>
-          <a:ext cx="0" cy="0"/>
-          <a:chOff x="0" y="0"/>
-          <a:chExt cx="0" cy="0"/>
-        </a:xfrm>
-      </p:grpSpPr>
-      <p:grpSp>
-        <p:nvGrpSpPr>
-          <p:cNvPr id="2" name="Group 1"/>
-          <p:cNvGrpSpPr/>
-          <p:nvPr/>
-        </p:nvGrpSpPr>
-        <p:grpSpPr>
-          <a:xfrm>
-            <a:off x="60385" y="448286"/>
-            <a:ext cx="8876764" cy="453980"/>
-            <a:chOff x="-115910" y="386367"/>
-            <a:chExt cx="11835685" cy="605307"/>
-          </a:xfrm>
-          <a:solidFill>
-            <a:srgbClr val="0C2738"/>
-          </a:solidFill>
-        </p:grpSpPr>
-        <p:sp>
-          <p:nvSpPr>
-            <p:cNvPr id="3" name="Round Single Corner Rectangle 2"/>
-            <p:cNvSpPr/>
-            <p:nvPr/>
-          </p:nvSpPr>
-          <p:spPr>
-            <a:xfrm>
-              <a:off x="-115910" y="386367"/>
-              <a:ext cx="11835685" cy="605307"/>
-            </a:xfrm>
-            <a:prstGeom prst="round1Rect">
-              <a:avLst/>
-            </a:prstGeom>
-            <a:grpFill/>
-            <a:ln>
-              <a:noFill/>
-            </a:ln>
-          </p:spPr>
-          <p:style>
-            <a:lnRef idx="2">
-              <a:schemeClr val="accent1">
-                <a:shade val="50000"/>
-              </a:schemeClr>
-            </a:lnRef>
-            <a:fillRef idx="1">
-              <a:schemeClr val="accent1"/>
-            </a:fillRef>
-            <a:effectRef idx="0">
-              <a:schemeClr val="accent1"/>
-            </a:effectRef>
-            <a:fontRef idx="minor">
-              <a:schemeClr val="lt1"/>
-            </a:fontRef>
-          </p:style>
-          <p:txBody>
-            <a:bodyPr rtlCol="0" anchor="ctr"/>
-            <a:lstStyle/>
-            <a:p>
-              <a:pPr algn="ctr"/>
-              <a:endParaRPr lang="en-GB" sz="1350"/>
-            </a:p>
-          </p:txBody>
-        </p:sp>
-        <p:pic>
-          <p:nvPicPr>
-            <p:cNvPr id="4" name="Picture 3"/>
-            <p:cNvPicPr>
-              <a:picLocks noChangeAspect="1"/>
-            </p:cNvPicPr>
-            <p:nvPr/>
-          </p:nvPicPr>
-          <p:blipFill>
-            <a:blip r:embed="rId2" cstate="print">
-              <a:extLst>
-                <a:ext uri="{28A0092B-C50C-407E-A947-70E740481C1C}">
-                  <a14:useLocalDpi xmlns:a14="http://schemas.microsoft.com/office/drawing/2010/main" val="0"/>
-                </a:ext>
-              </a:extLst>
-            </a:blip>
-            <a:stretch>
-              <a:fillRect/>
-            </a:stretch>
-          </p:blipFill>
-          <p:spPr>
-            <a:xfrm>
-              <a:off x="9710730" y="425004"/>
-              <a:ext cx="1918893" cy="496430"/>
-            </a:xfrm>
-            <a:prstGeom prst="rect">
-              <a:avLst/>
-            </a:prstGeom>
-            <a:grpFill/>
-          </p:spPr>
-        </p:pic>
-      </p:grpSp>
-      <p:sp>
-        <p:nvSpPr>
-          <p:cNvPr id="5" name="Title 4">
-            <a:extLst>
-              <a:ext uri="{FF2B5EF4-FFF2-40B4-BE49-F238E27FC236}">
-                <a16:creationId xmlns:a16="http://schemas.microsoft.com/office/drawing/2014/main" id="{CDDD41CC-14FD-432A-81C4-1AB9ECBD036C}"/>
-              </a:ext>
-            </a:extLst>
-          </p:cNvPr>
-          <p:cNvSpPr>
-            <a:spLocks noGrp="1"/>
-          </p:cNvSpPr>
-          <p:nvPr>
-            <p:ph type="title"/>
-          </p:nvPr>
-        </p:nvSpPr>
-        <p:spPr>
-          <a:xfrm>
-            <a:off x="628650" y="365127"/>
-            <a:ext cx="7886700" cy="625473"/>
-          </a:xfrm>
-        </p:spPr>
-        <p:txBody>
-          <a:bodyPr>
-            <a:normAutofit fontScale="90000"/>
-          </a:bodyPr>
-          <a:lstStyle/>
-          <a:p>
-            <a:r>
-              <a:rPr lang="en-GB" dirty="0">
-                <a:solidFill>
-                  <a:schemeClr val="bg1"/>
-                </a:solidFill>
-              </a:rPr>
-              <a:t>Timeline for implementation </a:t>
-            </a:r>
-          </a:p>
-        </p:txBody>
-      </p:sp>
-      <p:sp>
-        <p:nvSpPr>
-          <p:cNvPr id="6" name="Content Placeholder 5">
-            <a:extLst>
-              <a:ext uri="{FF2B5EF4-FFF2-40B4-BE49-F238E27FC236}">
-                <a16:creationId xmlns:a16="http://schemas.microsoft.com/office/drawing/2014/main" id="{FE82F654-90CD-4BD2-ABED-055A46ACA720}"/>
-              </a:ext>
-            </a:extLst>
-          </p:cNvPr>
-          <p:cNvSpPr>
-            <a:spLocks noGrp="1"/>
-          </p:cNvSpPr>
-          <p:nvPr>
-            <p:ph idx="1"/>
-          </p:nvPr>
-        </p:nvSpPr>
-        <p:spPr/>
-        <p:txBody>
-          <a:bodyPr>
-            <a:normAutofit fontScale="92500" lnSpcReduction="10000"/>
-          </a:bodyPr>
-          <a:lstStyle/>
-          <a:p>
-            <a:pPr marL="0" indent="0">
-              <a:buNone/>
-            </a:pPr>
-            <a:r>
-              <a:rPr lang="en-US" dirty="0">
-                <a:solidFill>
-                  <a:schemeClr val="dk1"/>
-                </a:solidFill>
-              </a:rPr>
-              <a:t>Cybersecurity Principles Roadshow: March-April 2016</a:t>
-            </a:r>
-            <a:endParaRPr lang="en-GB" dirty="0">
-              <a:solidFill>
-                <a:schemeClr val="dk1"/>
-              </a:solidFill>
-            </a:endParaRPr>
-          </a:p>
-          <a:p>
-            <a:pPr marL="0" indent="0">
-              <a:buNone/>
-            </a:pPr>
-            <a:r>
-              <a:rPr lang="en-GB" dirty="0"/>
-              <a:t>All institutions expected to be fully compliant: Sept 2020</a:t>
-            </a:r>
-          </a:p>
-          <a:p>
-            <a:pPr marL="0" indent="0">
-              <a:buNone/>
-            </a:pPr>
-            <a:endParaRPr lang="en-GB" dirty="0"/>
-          </a:p>
-          <a:p>
-            <a:pPr marL="0" indent="0">
-              <a:buNone/>
-            </a:pPr>
-            <a:r>
-              <a:rPr lang="en-GB" dirty="0"/>
-              <a:t>Status (autumn 2018)</a:t>
-            </a:r>
-          </a:p>
-          <a:p>
-            <a:r>
-              <a:rPr lang="en-US" altLang="en-US" dirty="0"/>
-              <a:t>70 Higher Education Institutes visited under this regime</a:t>
-            </a:r>
-          </a:p>
-          <a:p>
-            <a:r>
-              <a:rPr lang="en-US" altLang="en-US" dirty="0"/>
-              <a:t>54 Higher Education Institutes compliant</a:t>
-            </a:r>
-          </a:p>
-          <a:p>
-            <a:r>
-              <a:rPr lang="en-US" altLang="en-US" dirty="0"/>
-              <a:t>12 Higher Education Institutes requiring long actions (for next visit)</a:t>
-            </a:r>
-          </a:p>
-          <a:p>
-            <a:r>
-              <a:rPr lang="en-US" altLang="en-US" dirty="0"/>
-              <a:t>4 Higher Education Institutes requiring short term actions</a:t>
-            </a:r>
-            <a:endParaRPr lang="en-GB" altLang="en-US" dirty="0"/>
-          </a:p>
-          <a:p>
-            <a:pPr marL="0" indent="0">
-              <a:buNone/>
-            </a:pPr>
-            <a:endParaRPr lang="en-GB" dirty="0"/>
-          </a:p>
-          <a:p>
-            <a:pPr marL="0" indent="0">
-              <a:buNone/>
-            </a:pPr>
-            <a:endParaRPr lang="en-GB" dirty="0"/>
-          </a:p>
-        </p:txBody>
-      </p:sp>
-    </p:spTree>
-    <p:extLst>
-      <p:ext uri="{BB962C8B-B14F-4D97-AF65-F5344CB8AC3E}">
-        <p14:creationId xmlns:p14="http://schemas.microsoft.com/office/powerpoint/2010/main" val="3131741793"/>
-      </p:ext>
-    </p:extLst>
-  </p:cSld>
-  <p:clrMapOvr>
-    <a:masterClrMapping/>
-  </p:clrMapOvr>
-</p:sld>
-</file>
-
 <file path=ppt/slides/slide9.xml><?xml version="1.0" encoding="utf-8"?>
 <p:sld xmlns:a="http://schemas.openxmlformats.org/drawingml/2006/main" xmlns:r="http://schemas.openxmlformats.org/officeDocument/2006/relationships" xmlns:p="http://schemas.openxmlformats.org/presentationml/2006/main">
   <p:cSld>
@@ -6625,99 +6241,6 @@
           <a:chExt cx="0" cy="0"/>
         </a:xfrm>
       </p:grpSpPr>
-      <p:grpSp>
-        <p:nvGrpSpPr>
-          <p:cNvPr id="2" name="Group 1"/>
-          <p:cNvGrpSpPr/>
-          <p:nvPr/>
-        </p:nvGrpSpPr>
-        <p:grpSpPr>
-          <a:xfrm>
-            <a:off x="60385" y="448286"/>
-            <a:ext cx="8876764" cy="453980"/>
-            <a:chOff x="-115910" y="386367"/>
-            <a:chExt cx="11835685" cy="605307"/>
-          </a:xfrm>
-          <a:solidFill>
-            <a:srgbClr val="0C2738"/>
-          </a:solidFill>
-        </p:grpSpPr>
-        <p:sp>
-          <p:nvSpPr>
-            <p:cNvPr id="3" name="Round Single Corner Rectangle 2"/>
-            <p:cNvSpPr/>
-            <p:nvPr/>
-          </p:nvSpPr>
-          <p:spPr>
-            <a:xfrm>
-              <a:off x="-115910" y="386367"/>
-              <a:ext cx="11835685" cy="605307"/>
-            </a:xfrm>
-            <a:prstGeom prst="round1Rect">
-              <a:avLst/>
-            </a:prstGeom>
-            <a:grpFill/>
-            <a:ln>
-              <a:noFill/>
-            </a:ln>
-          </p:spPr>
-          <p:style>
-            <a:lnRef idx="2">
-              <a:schemeClr val="accent1">
-                <a:shade val="50000"/>
-              </a:schemeClr>
-            </a:lnRef>
-            <a:fillRef idx="1">
-              <a:schemeClr val="accent1"/>
-            </a:fillRef>
-            <a:effectRef idx="0">
-              <a:schemeClr val="accent1"/>
-            </a:effectRef>
-            <a:fontRef idx="minor">
-              <a:schemeClr val="lt1"/>
-            </a:fontRef>
-          </p:style>
-          <p:txBody>
-            <a:bodyPr rtlCol="0" anchor="ctr"/>
-            <a:lstStyle/>
-            <a:p>
-              <a:pPr algn="ctr"/>
-              <a:endParaRPr lang="en-GB" sz="1350"/>
-            </a:p>
-          </p:txBody>
-        </p:sp>
-        <p:pic>
-          <p:nvPicPr>
-            <p:cNvPr id="4" name="Picture 3"/>
-            <p:cNvPicPr>
-              <a:picLocks noChangeAspect="1"/>
-            </p:cNvPicPr>
-            <p:nvPr/>
-          </p:nvPicPr>
-          <p:blipFill>
-            <a:blip r:embed="rId2" cstate="print">
-              <a:extLst>
-                <a:ext uri="{28A0092B-C50C-407E-A947-70E740481C1C}">
-                  <a14:useLocalDpi xmlns:a14="http://schemas.microsoft.com/office/drawing/2010/main" val="0"/>
-                </a:ext>
-              </a:extLst>
-            </a:blip>
-            <a:stretch>
-              <a:fillRect/>
-            </a:stretch>
-          </p:blipFill>
-          <p:spPr>
-            <a:xfrm>
-              <a:off x="9710730" y="425004"/>
-              <a:ext cx="1918893" cy="496430"/>
-            </a:xfrm>
-            <a:prstGeom prst="rect">
-              <a:avLst/>
-            </a:prstGeom>
-            <a:grpFill/>
-          </p:spPr>
-        </p:pic>
-      </p:grpSp>
       <p:sp>
         <p:nvSpPr>
           <p:cNvPr id="5" name="Title 4">
@@ -6731,12 +6254,12 @@
             <a:spLocks noGrp="1"/>
           </p:cNvSpPr>
           <p:nvPr>
-            <p:ph type="title"/>
+            <p:ph type="title" idx="4294967295"/>
           </p:nvPr>
         </p:nvSpPr>
         <p:spPr>
           <a:xfrm>
-            <a:off x="628650" y="365127"/>
+            <a:off x="146512" y="298623"/>
             <a:ext cx="7886700" cy="739774"/>
           </a:xfrm>
         </p:spPr>
@@ -6750,7 +6273,23 @@
                   <a:schemeClr val="bg1"/>
                 </a:solidFill>
               </a:rPr>
-              <a:t>Curricula guidelines (2015)</a:t>
+              <a:t>Curricula </a:t>
+            </a:r>
+            <a:r>
+              <a:rPr lang="en-GB" sz="4000" dirty="0">
+                <a:solidFill>
+                  <a:schemeClr val="bg1"/>
+                </a:solidFill>
+              </a:rPr>
+              <a:t>guidelines</a:t>
+            </a:r>
+            <a:r>
+              <a:rPr lang="en-GB" dirty="0">
+                <a:solidFill>
+                  <a:schemeClr val="bg1"/>
+                </a:solidFill>
+              </a:rPr>
+              <a:t> (2015)</a:t>
             </a:r>
           </a:p>
         </p:txBody>
@@ -6859,6 +6398,13 @@
   <p:clrMapOvr>
     <a:masterClrMapping/>
   </p:clrMapOvr>
+  <p:timing>
+    <p:tnLst>
+      <p:par>
+        <p:cTn id="1" dur="indefinite" restart="never" nodeType="tmRoot"/>
+      </p:par>
+    </p:tnLst>
+  </p:timing>
 </p:sld>
 </file>
 
